--- a/Iteratie 1/PresentatieIteratie1Group03.pptx
+++ b/Iteratie 1/PresentatieIteratie1Group03.pptx
@@ -2,7 +2,7 @@
 <file path=ppt/presentation.xml><?xml version="1.0" encoding="utf-8"?>
 <p:presentation xmlns:a="http://schemas.openxmlformats.org/drawingml/2006/main" xmlns:r="http://schemas.openxmlformats.org/officeDocument/2006/relationships" xmlns:p="http://schemas.openxmlformats.org/presentationml/2006/main" saveSubsetFonts="1">
   <p:sldMasterIdLst>
-    <p:sldMasterId id="2147483648" r:id="rId1"/>
+    <p:sldMasterId id="2147483672" r:id="rId1"/>
   </p:sldMasterIdLst>
   <p:notesMasterIdLst>
     <p:notesMasterId r:id="rId16"/>
@@ -120,6 +120,22 @@
       </a:defRPr>
     </a:lvl9pPr>
   </p:defaultTextStyle>
+  <p:extLst>
+    <p:ext uri="{EFAFB233-063F-42B5-8137-9DF3F51BA10A}">
+      <p15:sldGuideLst xmlns:p15="http://schemas.microsoft.com/office/powerpoint/2012/main">
+        <p15:guide id="1" orient="horz" pos="2160">
+          <p15:clr>
+            <a:srgbClr val="A4A3A4"/>
+          </p15:clr>
+        </p15:guide>
+        <p15:guide id="2" pos="2880">
+          <p15:clr>
+            <a:srgbClr val="A4A3A4"/>
+          </p15:clr>
+        </p15:guide>
+      </p15:sldGuideLst>
+    </p:ext>
+  </p:extLst>
 </p:presentation>
 </file>
 
@@ -205,7 +221,7 @@
           <a:p>
             <a:fld id="{DEE8A487-D36E-4470-8771-B8133C9D26D4}" type="datetimeFigureOut">
               <a:rPr lang="nl-BE" smtClean="0"/>
-              <a:t>11/03/2016</a:t>
+              <a:t>14/03/16</a:t>
             </a:fld>
             <a:endParaRPr lang="nl-BE"/>
           </a:p>
@@ -364,7 +380,7 @@
           <a:p>
             <a:fld id="{214D5328-8A8B-4507-A018-9575DDE3653B}" type="slidenum">
               <a:rPr lang="nl-BE" smtClean="0"/>
-              <a:t>‹#›</a:t>
+              <a:t>‹nr.›</a:t>
             </a:fld>
             <a:endParaRPr lang="nl-BE"/>
           </a:p>
@@ -492,7 +508,7 @@
       </p:grpSpPr>
       <p:sp>
         <p:nvSpPr>
-          <p:cNvPr id="2" name="Slide Image Placeholder 1"/>
+          <p:cNvPr id="2" name="Tijdelijke aanduiding voor dia-afbeelding 1"/>
           <p:cNvSpPr>
             <a:spLocks noGrp="1" noRot="1" noChangeAspect="1"/>
           </p:cNvSpPr>
@@ -504,7 +520,7 @@
       </p:sp>
       <p:sp>
         <p:nvSpPr>
-          <p:cNvPr id="3" name="Notes Placeholder 2"/>
+          <p:cNvPr id="3" name="Tijdelijke aanduiding voor notities 2"/>
           <p:cNvSpPr>
             <a:spLocks noGrp="1"/>
           </p:cNvSpPr>
@@ -518,31 +534,16 @@
           <a:lstStyle/>
           <a:p>
             <a:r>
-              <a:rPr lang="nl-BE" dirty="0" smtClean="0"/>
-              <a:t>Notice</a:t>
-            </a:r>
-            <a:r>
-              <a:rPr lang="nl-BE" baseline="0" dirty="0" smtClean="0"/>
-              <a:t>: no dependencies from BugDomain to others.</a:t>
-            </a:r>
-          </a:p>
-          <a:p>
-            <a:r>
-              <a:rPr lang="nl-BE" baseline="0" dirty="0" smtClean="0"/>
-              <a:t>Notice: No dependencies from Model to UI.</a:t>
-            </a:r>
-          </a:p>
-          <a:p>
-            <a:endParaRPr lang="nl-BE" baseline="0" dirty="0" smtClean="0"/>
-          </a:p>
-          <a:p>
-            <a:endParaRPr lang="nl-BE" dirty="0"/>
-          </a:p>
-        </p:txBody>
-      </p:sp>
-      <p:sp>
-        <p:nvSpPr>
-          <p:cNvPr id="4" name="Slide Number Placeholder 3"/>
+              <a:rPr lang="nl-NL" dirty="0" smtClean="0"/>
+              <a:t>M</a:t>
+            </a:r>
+            <a:endParaRPr lang="nl-NL" dirty="0"/>
+          </a:p>
+        </p:txBody>
+      </p:sp>
+      <p:sp>
+        <p:nvSpPr>
+          <p:cNvPr id="4" name="Tijdelijke aanduiding voor dianummer 3"/>
           <p:cNvSpPr>
             <a:spLocks noGrp="1"/>
           </p:cNvSpPr>
@@ -557,7 +558,7 @@
           <a:p>
             <a:fld id="{214D5328-8A8B-4507-A018-9575DDE3653B}" type="slidenum">
               <a:rPr lang="nl-BE" smtClean="0"/>
-              <a:t>2</a:t>
+              <a:t>1</a:t>
             </a:fld>
             <a:endParaRPr lang="nl-BE"/>
           </a:p>
@@ -566,7 +567,537 @@
     </p:spTree>
     <p:extLst>
       <p:ext uri="{BB962C8B-B14F-4D97-AF65-F5344CB8AC3E}">
-        <p14:creationId xmlns:p14="http://schemas.microsoft.com/office/powerpoint/2010/main" val="3444975034"/>
+        <p14:creationId xmlns:p14="http://schemas.microsoft.com/office/powerpoint/2010/main" val="45917313"/>
+      </p:ext>
+    </p:extLst>
+  </p:cSld>
+  <p:clrMapOvr>
+    <a:masterClrMapping/>
+  </p:clrMapOvr>
+</p:notes>
+</file>
+
+<file path=ppt/notesSlides/notesSlide10.xml><?xml version="1.0" encoding="utf-8"?>
+<p:notes xmlns:a="http://schemas.openxmlformats.org/drawingml/2006/main" xmlns:r="http://schemas.openxmlformats.org/officeDocument/2006/relationships" xmlns:p="http://schemas.openxmlformats.org/presentationml/2006/main">
+  <p:cSld>
+    <p:spTree>
+      <p:nvGrpSpPr>
+        <p:cNvPr id="1" name=""/>
+        <p:cNvGrpSpPr/>
+        <p:nvPr/>
+      </p:nvGrpSpPr>
+      <p:grpSpPr>
+        <a:xfrm>
+          <a:off x="0" y="0"/>
+          <a:ext cx="0" cy="0"/>
+          <a:chOff x="0" y="0"/>
+          <a:chExt cx="0" cy="0"/>
+        </a:xfrm>
+      </p:grpSpPr>
+      <p:sp>
+        <p:nvSpPr>
+          <p:cNvPr id="2" name="Tijdelijke aanduiding voor dia-afbeelding 1"/>
+          <p:cNvSpPr>
+            <a:spLocks noGrp="1" noRot="1" noChangeAspect="1"/>
+          </p:cNvSpPr>
+          <p:nvPr>
+            <p:ph type="sldImg"/>
+          </p:nvPr>
+        </p:nvSpPr>
+        <p:spPr/>
+      </p:sp>
+      <p:sp>
+        <p:nvSpPr>
+          <p:cNvPr id="3" name="Tijdelijke aanduiding voor notities 2"/>
+          <p:cNvSpPr>
+            <a:spLocks noGrp="1"/>
+          </p:cNvSpPr>
+          <p:nvPr>
+            <p:ph type="body" idx="1"/>
+          </p:nvPr>
+        </p:nvSpPr>
+        <p:spPr/>
+        <p:txBody>
+          <a:bodyPr/>
+          <a:lstStyle/>
+          <a:p>
+            <a:r>
+              <a:rPr lang="nl-NL" dirty="0" smtClean="0"/>
+              <a:t>V</a:t>
+            </a:r>
+          </a:p>
+          <a:p>
+            <a:r>
+              <a:rPr lang="nl-NL" dirty="0" err="1" smtClean="0"/>
+              <a:t>Sequence</a:t>
+            </a:r>
+            <a:r>
+              <a:rPr lang="nl-NL" smtClean="0"/>
+              <a:t> diagram</a:t>
+            </a:r>
+            <a:endParaRPr lang="nl-NL" dirty="0"/>
+          </a:p>
+        </p:txBody>
+      </p:sp>
+      <p:sp>
+        <p:nvSpPr>
+          <p:cNvPr id="4" name="Tijdelijke aanduiding voor dianummer 3"/>
+          <p:cNvSpPr>
+            <a:spLocks noGrp="1"/>
+          </p:cNvSpPr>
+          <p:nvPr>
+            <p:ph type="sldNum" sz="quarter" idx="10"/>
+          </p:nvPr>
+        </p:nvSpPr>
+        <p:spPr/>
+        <p:txBody>
+          <a:bodyPr/>
+          <a:lstStyle/>
+          <a:p>
+            <a:fld id="{214D5328-8A8B-4507-A018-9575DDE3653B}" type="slidenum">
+              <a:rPr lang="nl-BE" smtClean="0"/>
+              <a:t>10</a:t>
+            </a:fld>
+            <a:endParaRPr lang="nl-BE"/>
+          </a:p>
+        </p:txBody>
+      </p:sp>
+    </p:spTree>
+    <p:extLst>
+      <p:ext uri="{BB962C8B-B14F-4D97-AF65-F5344CB8AC3E}">
+        <p14:creationId xmlns:p14="http://schemas.microsoft.com/office/powerpoint/2010/main" val="2139752457"/>
+      </p:ext>
+    </p:extLst>
+  </p:cSld>
+  <p:clrMapOvr>
+    <a:masterClrMapping/>
+  </p:clrMapOvr>
+</p:notes>
+</file>
+
+<file path=ppt/notesSlides/notesSlide11.xml><?xml version="1.0" encoding="utf-8"?>
+<p:notes xmlns:a="http://schemas.openxmlformats.org/drawingml/2006/main" xmlns:r="http://schemas.openxmlformats.org/officeDocument/2006/relationships" xmlns:p="http://schemas.openxmlformats.org/presentationml/2006/main">
+  <p:cSld>
+    <p:spTree>
+      <p:nvGrpSpPr>
+        <p:cNvPr id="1" name=""/>
+        <p:cNvGrpSpPr/>
+        <p:nvPr/>
+      </p:nvGrpSpPr>
+      <p:grpSpPr>
+        <a:xfrm>
+          <a:off x="0" y="0"/>
+          <a:ext cx="0" cy="0"/>
+          <a:chOff x="0" y="0"/>
+          <a:chExt cx="0" cy="0"/>
+        </a:xfrm>
+      </p:grpSpPr>
+      <p:sp>
+        <p:nvSpPr>
+          <p:cNvPr id="2" name="Tijdelijke aanduiding voor dia-afbeelding 1"/>
+          <p:cNvSpPr>
+            <a:spLocks noGrp="1" noRot="1" noChangeAspect="1"/>
+          </p:cNvSpPr>
+          <p:nvPr>
+            <p:ph type="sldImg"/>
+          </p:nvPr>
+        </p:nvSpPr>
+        <p:spPr/>
+      </p:sp>
+      <p:sp>
+        <p:nvSpPr>
+          <p:cNvPr id="3" name="Tijdelijke aanduiding voor notities 2"/>
+          <p:cNvSpPr>
+            <a:spLocks noGrp="1"/>
+          </p:cNvSpPr>
+          <p:nvPr>
+            <p:ph type="body" idx="1"/>
+          </p:nvPr>
+        </p:nvSpPr>
+        <p:spPr/>
+        <p:txBody>
+          <a:bodyPr/>
+          <a:lstStyle/>
+          <a:p>
+            <a:endParaRPr lang="nl-NL"/>
+          </a:p>
+        </p:txBody>
+      </p:sp>
+      <p:sp>
+        <p:nvSpPr>
+          <p:cNvPr id="4" name="Tijdelijke aanduiding voor dianummer 3"/>
+          <p:cNvSpPr>
+            <a:spLocks noGrp="1"/>
+          </p:cNvSpPr>
+          <p:nvPr>
+            <p:ph type="sldNum" sz="quarter" idx="10"/>
+          </p:nvPr>
+        </p:nvSpPr>
+        <p:spPr/>
+        <p:txBody>
+          <a:bodyPr/>
+          <a:lstStyle/>
+          <a:p>
+            <a:fld id="{214D5328-8A8B-4507-A018-9575DDE3653B}" type="slidenum">
+              <a:rPr lang="nl-BE" smtClean="0"/>
+              <a:t>11</a:t>
+            </a:fld>
+            <a:endParaRPr lang="nl-BE"/>
+          </a:p>
+        </p:txBody>
+      </p:sp>
+    </p:spTree>
+    <p:extLst>
+      <p:ext uri="{BB962C8B-B14F-4D97-AF65-F5344CB8AC3E}">
+        <p14:creationId xmlns:p14="http://schemas.microsoft.com/office/powerpoint/2010/main" val="1058392137"/>
+      </p:ext>
+    </p:extLst>
+  </p:cSld>
+  <p:clrMapOvr>
+    <a:masterClrMapping/>
+  </p:clrMapOvr>
+</p:notes>
+</file>
+
+<file path=ppt/notesSlides/notesSlide12.xml><?xml version="1.0" encoding="utf-8"?>
+<p:notes xmlns:a="http://schemas.openxmlformats.org/drawingml/2006/main" xmlns:r="http://schemas.openxmlformats.org/officeDocument/2006/relationships" xmlns:p="http://schemas.openxmlformats.org/presentationml/2006/main">
+  <p:cSld>
+    <p:spTree>
+      <p:nvGrpSpPr>
+        <p:cNvPr id="1" name=""/>
+        <p:cNvGrpSpPr/>
+        <p:nvPr/>
+      </p:nvGrpSpPr>
+      <p:grpSpPr>
+        <a:xfrm>
+          <a:off x="0" y="0"/>
+          <a:ext cx="0" cy="0"/>
+          <a:chOff x="0" y="0"/>
+          <a:chExt cx="0" cy="0"/>
+        </a:xfrm>
+      </p:grpSpPr>
+      <p:sp>
+        <p:nvSpPr>
+          <p:cNvPr id="2" name="Slide Image Placeholder 1"/>
+          <p:cNvSpPr>
+            <a:spLocks noGrp="1" noRot="1" noChangeAspect="1"/>
+          </p:cNvSpPr>
+          <p:nvPr>
+            <p:ph type="sldImg"/>
+          </p:nvPr>
+        </p:nvSpPr>
+        <p:spPr/>
+      </p:sp>
+      <p:sp>
+        <p:nvSpPr>
+          <p:cNvPr id="3" name="Notes Placeholder 2"/>
+          <p:cNvSpPr>
+            <a:spLocks noGrp="1"/>
+          </p:cNvSpPr>
+          <p:nvPr>
+            <p:ph type="body" idx="1"/>
+          </p:nvPr>
+        </p:nvSpPr>
+        <p:spPr/>
+        <p:txBody>
+          <a:bodyPr/>
+          <a:lstStyle/>
+          <a:p>
+            <a:r>
+              <a:rPr lang="nl-BE" dirty="0" smtClean="0"/>
+              <a:t>K /</a:t>
+            </a:r>
+          </a:p>
+          <a:p>
+            <a:r>
+              <a:rPr lang="nl-BE" dirty="0" smtClean="0"/>
+              <a:t>TODO</a:t>
+            </a:r>
+            <a:r>
+              <a:rPr lang="nl-BE" dirty="0" smtClean="0"/>
+              <a:t>?</a:t>
+            </a:r>
+            <a:r>
+              <a:rPr lang="nl-BE" baseline="0" dirty="0" smtClean="0"/>
+              <a:t>   Tekstvak met uitleg Test strategy? (White box testing + mocking</a:t>
+            </a:r>
+            <a:r>
+              <a:rPr lang="nl-BE" baseline="0" dirty="0" smtClean="0"/>
+              <a:t>)</a:t>
+            </a:r>
+          </a:p>
+          <a:p>
+            <a:endParaRPr lang="nl-BE" baseline="0" dirty="0" smtClean="0"/>
+          </a:p>
+        </p:txBody>
+      </p:sp>
+      <p:sp>
+        <p:nvSpPr>
+          <p:cNvPr id="4" name="Slide Number Placeholder 3"/>
+          <p:cNvSpPr>
+            <a:spLocks noGrp="1"/>
+          </p:cNvSpPr>
+          <p:nvPr>
+            <p:ph type="sldNum" sz="quarter" idx="10"/>
+          </p:nvPr>
+        </p:nvSpPr>
+        <p:spPr/>
+        <p:txBody>
+          <a:bodyPr/>
+          <a:lstStyle/>
+          <a:p>
+            <a:fld id="{214D5328-8A8B-4507-A018-9575DDE3653B}" type="slidenum">
+              <a:rPr lang="nl-BE" smtClean="0"/>
+              <a:t>12</a:t>
+            </a:fld>
+            <a:endParaRPr lang="nl-BE"/>
+          </a:p>
+        </p:txBody>
+      </p:sp>
+    </p:spTree>
+    <p:extLst>
+      <p:ext uri="{BB962C8B-B14F-4D97-AF65-F5344CB8AC3E}">
+        <p14:creationId xmlns:p14="http://schemas.microsoft.com/office/powerpoint/2010/main" val="3130617486"/>
+      </p:ext>
+    </p:extLst>
+  </p:cSld>
+  <p:clrMapOvr>
+    <a:masterClrMapping/>
+  </p:clrMapOvr>
+</p:notes>
+</file>
+
+<file path=ppt/notesSlides/notesSlide13.xml><?xml version="1.0" encoding="utf-8"?>
+<p:notes xmlns:a="http://schemas.openxmlformats.org/drawingml/2006/main" xmlns:r="http://schemas.openxmlformats.org/officeDocument/2006/relationships" xmlns:p="http://schemas.openxmlformats.org/presentationml/2006/main">
+  <p:cSld>
+    <p:spTree>
+      <p:nvGrpSpPr>
+        <p:cNvPr id="1" name=""/>
+        <p:cNvGrpSpPr/>
+        <p:nvPr/>
+      </p:nvGrpSpPr>
+      <p:grpSpPr>
+        <a:xfrm>
+          <a:off x="0" y="0"/>
+          <a:ext cx="0" cy="0"/>
+          <a:chOff x="0" y="0"/>
+          <a:chExt cx="0" cy="0"/>
+        </a:xfrm>
+      </p:grpSpPr>
+      <p:sp>
+        <p:nvSpPr>
+          <p:cNvPr id="2" name="Slide Image Placeholder 1"/>
+          <p:cNvSpPr>
+            <a:spLocks noGrp="1" noRot="1" noChangeAspect="1"/>
+          </p:cNvSpPr>
+          <p:nvPr>
+            <p:ph type="sldImg"/>
+          </p:nvPr>
+        </p:nvSpPr>
+        <p:spPr/>
+      </p:sp>
+      <p:sp>
+        <p:nvSpPr>
+          <p:cNvPr id="3" name="Notes Placeholder 2"/>
+          <p:cNvSpPr>
+            <a:spLocks noGrp="1"/>
+          </p:cNvSpPr>
+          <p:nvPr>
+            <p:ph type="body" idx="1"/>
+          </p:nvPr>
+        </p:nvSpPr>
+        <p:spPr/>
+        <p:txBody>
+          <a:bodyPr/>
+          <a:lstStyle/>
+          <a:p>
+            <a:endParaRPr lang="nl-BE" dirty="0"/>
+          </a:p>
+        </p:txBody>
+      </p:sp>
+      <p:sp>
+        <p:nvSpPr>
+          <p:cNvPr id="4" name="Slide Number Placeholder 3"/>
+          <p:cNvSpPr>
+            <a:spLocks noGrp="1"/>
+          </p:cNvSpPr>
+          <p:nvPr>
+            <p:ph type="sldNum" sz="quarter" idx="10"/>
+          </p:nvPr>
+        </p:nvSpPr>
+        <p:spPr/>
+        <p:txBody>
+          <a:bodyPr/>
+          <a:lstStyle/>
+          <a:p>
+            <a:fld id="{214D5328-8A8B-4507-A018-9575DDE3653B}" type="slidenum">
+              <a:rPr lang="nl-BE" smtClean="0"/>
+              <a:t>13</a:t>
+            </a:fld>
+            <a:endParaRPr lang="nl-BE"/>
+          </a:p>
+        </p:txBody>
+      </p:sp>
+    </p:spTree>
+    <p:extLst>
+      <p:ext uri="{BB962C8B-B14F-4D97-AF65-F5344CB8AC3E}">
+        <p14:creationId xmlns:p14="http://schemas.microsoft.com/office/powerpoint/2010/main" val="2659478590"/>
+      </p:ext>
+    </p:extLst>
+  </p:cSld>
+  <p:clrMapOvr>
+    <a:masterClrMapping/>
+  </p:clrMapOvr>
+</p:notes>
+</file>
+
+<file path=ppt/notesSlides/notesSlide14.xml><?xml version="1.0" encoding="utf-8"?>
+<p:notes xmlns:a="http://schemas.openxmlformats.org/drawingml/2006/main" xmlns:r="http://schemas.openxmlformats.org/officeDocument/2006/relationships" xmlns:p="http://schemas.openxmlformats.org/presentationml/2006/main">
+  <p:cSld>
+    <p:spTree>
+      <p:nvGrpSpPr>
+        <p:cNvPr id="1" name=""/>
+        <p:cNvGrpSpPr/>
+        <p:nvPr/>
+      </p:nvGrpSpPr>
+      <p:grpSpPr>
+        <a:xfrm>
+          <a:off x="0" y="0"/>
+          <a:ext cx="0" cy="0"/>
+          <a:chOff x="0" y="0"/>
+          <a:chExt cx="0" cy="0"/>
+        </a:xfrm>
+      </p:grpSpPr>
+      <p:sp>
+        <p:nvSpPr>
+          <p:cNvPr id="2" name="Slide Image Placeholder 1"/>
+          <p:cNvSpPr>
+            <a:spLocks noGrp="1" noRot="1" noChangeAspect="1"/>
+          </p:cNvSpPr>
+          <p:nvPr>
+            <p:ph type="sldImg"/>
+          </p:nvPr>
+        </p:nvSpPr>
+        <p:spPr/>
+      </p:sp>
+      <p:sp>
+        <p:nvSpPr>
+          <p:cNvPr id="3" name="Notes Placeholder 2"/>
+          <p:cNvSpPr>
+            <a:spLocks noGrp="1"/>
+          </p:cNvSpPr>
+          <p:nvPr>
+            <p:ph type="body" idx="1"/>
+          </p:nvPr>
+        </p:nvSpPr>
+        <p:spPr/>
+        <p:txBody>
+          <a:bodyPr/>
+          <a:lstStyle/>
+          <a:p>
+            <a:r>
+              <a:rPr lang="nl-BE" dirty="0" smtClean="0"/>
+              <a:t>Hide</a:t>
+            </a:r>
+            <a:r>
+              <a:rPr lang="nl-BE" baseline="0" dirty="0" smtClean="0"/>
+              <a:t> – Backup/Just in case</a:t>
+            </a:r>
+          </a:p>
+          <a:p>
+            <a:endParaRPr lang="nl-BE" baseline="0" dirty="0" smtClean="0"/>
+          </a:p>
+          <a:p>
+            <a:r>
+              <a:rPr lang="nl-BE" baseline="0" dirty="0" smtClean="0"/>
+              <a:t>Side Information GRASP:</a:t>
+            </a:r>
+          </a:p>
+          <a:p>
+            <a:r>
+              <a:rPr lang="en-US" dirty="0" smtClean="0"/>
+              <a:t>High cohesion</a:t>
+            </a:r>
+          </a:p>
+          <a:p>
+            <a:r>
+              <a:rPr lang="en-US" dirty="0" smtClean="0"/>
+              <a:t>Low coupling</a:t>
+            </a:r>
+          </a:p>
+          <a:p>
+            <a:r>
+              <a:rPr lang="en-US" dirty="0" smtClean="0"/>
+              <a:t>Information expert</a:t>
+            </a:r>
+          </a:p>
+          <a:p>
+            <a:r>
+              <a:rPr lang="en-US" dirty="0" smtClean="0"/>
+              <a:t>Don't talk to strangers</a:t>
+            </a:r>
+          </a:p>
+          <a:p>
+            <a:r>
+              <a:rPr lang="en-US" dirty="0" err="1" smtClean="0"/>
+              <a:t>Polymorpishm</a:t>
+            </a:r>
+            <a:endParaRPr lang="en-US" dirty="0" smtClean="0"/>
+          </a:p>
+          <a:p>
+            <a:r>
+              <a:rPr lang="en-US" dirty="0" smtClean="0"/>
+              <a:t>Controller</a:t>
+            </a:r>
+          </a:p>
+          <a:p>
+            <a:r>
+              <a:rPr lang="en-US" dirty="0" smtClean="0"/>
+              <a:t>Pure Fabrication (Not in conceptual model, specifically made for code)</a:t>
+            </a:r>
+          </a:p>
+          <a:p>
+            <a:r>
+              <a:rPr lang="en-US" dirty="0" smtClean="0"/>
+              <a:t>Protected Variation (Assigning responsibility in a way that variations do not have undesirable effects. The way to build a stable 'interface' in a context of variations.)</a:t>
+            </a:r>
+          </a:p>
+          <a:p>
+            <a:r>
+              <a:rPr lang="en-US" dirty="0" smtClean="0"/>
+              <a:t>Indirection (outsource responsibility)</a:t>
+            </a:r>
+            <a:endParaRPr lang="nl-BE" dirty="0"/>
+          </a:p>
+        </p:txBody>
+      </p:sp>
+      <p:sp>
+        <p:nvSpPr>
+          <p:cNvPr id="4" name="Slide Number Placeholder 3"/>
+          <p:cNvSpPr>
+            <a:spLocks noGrp="1"/>
+          </p:cNvSpPr>
+          <p:nvPr>
+            <p:ph type="sldNum" sz="quarter" idx="10"/>
+          </p:nvPr>
+        </p:nvSpPr>
+        <p:spPr/>
+        <p:txBody>
+          <a:bodyPr/>
+          <a:lstStyle/>
+          <a:p>
+            <a:fld id="{214D5328-8A8B-4507-A018-9575DDE3653B}" type="slidenum">
+              <a:rPr lang="nl-BE" smtClean="0"/>
+              <a:t>14</a:t>
+            </a:fld>
+            <a:endParaRPr lang="nl-BE"/>
+          </a:p>
+        </p:txBody>
+      </p:sp>
+    </p:spTree>
+    <p:extLst>
+      <p:ext uri="{BB962C8B-B14F-4D97-AF65-F5344CB8AC3E}">
+        <p14:creationId xmlns:p14="http://schemas.microsoft.com/office/powerpoint/2010/main" val="3717514831"/>
       </p:ext>
     </p:extLst>
   </p:cSld>
@@ -620,6 +1151,42 @@
           <a:bodyPr/>
           <a:lstStyle/>
           <a:p>
+            <a:r>
+              <a:rPr lang="nl-BE" dirty="0" smtClean="0"/>
+              <a:t>M</a:t>
+            </a:r>
+          </a:p>
+          <a:p>
+            <a:r>
+              <a:rPr lang="nl-BE" dirty="0" smtClean="0"/>
+              <a:t>Notice</a:t>
+            </a:r>
+            <a:r>
+              <a:rPr lang="nl-BE" baseline="0" dirty="0" smtClean="0"/>
+              <a:t>: no dependencies from BugDomain to others.</a:t>
+            </a:r>
+          </a:p>
+          <a:p>
+            <a:r>
+              <a:rPr lang="nl-BE" baseline="0" dirty="0" smtClean="0"/>
+              <a:t>Notice: No dependencies from Model to UI</a:t>
+            </a:r>
+            <a:r>
+              <a:rPr lang="nl-BE" baseline="0" dirty="0" smtClean="0"/>
+              <a:t>.</a:t>
+            </a:r>
+          </a:p>
+          <a:p>
+            <a:r>
+              <a:rPr lang="nl-BE" baseline="0" dirty="0" smtClean="0"/>
+              <a:t>=&gt; Low coupling</a:t>
+            </a:r>
+            <a:endParaRPr lang="nl-BE" baseline="0" dirty="0" smtClean="0"/>
+          </a:p>
+          <a:p>
+            <a:endParaRPr lang="nl-BE" baseline="0" dirty="0" smtClean="0"/>
+          </a:p>
+          <a:p>
             <a:endParaRPr lang="nl-BE" dirty="0"/>
           </a:p>
         </p:txBody>
@@ -641,7 +1208,7 @@
           <a:p>
             <a:fld id="{214D5328-8A8B-4507-A018-9575DDE3653B}" type="slidenum">
               <a:rPr lang="nl-BE" smtClean="0"/>
-              <a:t>3</a:t>
+              <a:t>2</a:t>
             </a:fld>
             <a:endParaRPr lang="nl-BE"/>
           </a:p>
@@ -650,7 +1217,7 @@
     </p:spTree>
     <p:extLst>
       <p:ext uri="{BB962C8B-B14F-4D97-AF65-F5344CB8AC3E}">
-        <p14:creationId xmlns:p14="http://schemas.microsoft.com/office/powerpoint/2010/main" val="1860602385"/>
+        <p14:creationId xmlns:p14="http://schemas.microsoft.com/office/powerpoint/2010/main" val="3444975034"/>
       </p:ext>
     </p:extLst>
   </p:cSld>
@@ -705,142 +1272,20 @@
           <a:lstStyle/>
           <a:p>
             <a:r>
-              <a:rPr lang="nl-BE" sz="800" dirty="0" smtClean="0"/>
-              <a:t>Project + Subsystems</a:t>
-            </a:r>
-          </a:p>
-          <a:p>
-            <a:r>
-              <a:rPr lang="nl-BE" sz="800" dirty="0" smtClean="0"/>
-              <a:t>	* AbstractSystem (name, vID, descip, childs). Proj &amp; Sub inherits.</a:t>
-            </a:r>
-          </a:p>
-          <a:p>
-            <a:r>
-              <a:rPr lang="nl-BE" sz="800" dirty="0" smtClean="0"/>
-              <a:t>	+ Polymorhispm</a:t>
-            </a:r>
-          </a:p>
-          <a:p>
-            <a:r>
-              <a:rPr lang="nl-BE" sz="800" dirty="0" smtClean="0"/>
-              <a:t>	+ High Cohesion</a:t>
-            </a:r>
-          </a:p>
-          <a:p>
-            <a:r>
-              <a:rPr lang="nl-BE" sz="800" dirty="0" smtClean="0"/>
-              <a:t>	- High Coupling</a:t>
-            </a:r>
-          </a:p>
-          <a:p>
-            <a:endParaRPr lang="nl-BE" sz="800" dirty="0" smtClean="0"/>
-          </a:p>
-          <a:p>
-            <a:r>
-              <a:rPr lang="nl-BE" sz="800" dirty="0" smtClean="0"/>
-              <a:t>	* Project w attribute SubSystem.</a:t>
-            </a:r>
-          </a:p>
-          <a:p>
-            <a:r>
-              <a:rPr lang="nl-BE" sz="800" dirty="0" smtClean="0"/>
-              <a:t>	- Code redundancy; </a:t>
-            </a:r>
-          </a:p>
-          <a:p>
-            <a:r>
-              <a:rPr lang="nl-BE" sz="800" dirty="0" smtClean="0"/>
-              <a:t>	- High Coupling (Lower than first)</a:t>
-            </a:r>
-          </a:p>
-          <a:p>
-            <a:r>
-              <a:rPr lang="nl-BE" sz="800" dirty="0" smtClean="0"/>
-              <a:t>	</a:t>
-            </a:r>
-          </a:p>
-          <a:p>
-            <a:r>
-              <a:rPr lang="nl-BE" sz="800" dirty="0" smtClean="0"/>
-              <a:t>	* Project &amp; Subsystem as one class (Composite)</a:t>
-            </a:r>
-          </a:p>
-          <a:p>
-            <a:r>
-              <a:rPr lang="nl-BE" sz="800" dirty="0" smtClean="0"/>
-              <a:t>	+ Low Coupling</a:t>
-            </a:r>
-          </a:p>
-          <a:p>
-            <a:r>
-              <a:rPr lang="nl-BE" sz="800" dirty="0" smtClean="0"/>
-              <a:t>	- Low Cohesion (Can't differentiate between Proj &amp; Sub. Code for Bugreports is redundant for Proj)</a:t>
-            </a:r>
-          </a:p>
-          <a:p>
-            <a:endParaRPr lang="nl-BE" sz="800" dirty="0" smtClean="0"/>
-          </a:p>
-          <a:p>
-            <a:r>
-              <a:rPr lang="nl-BE" sz="800" dirty="0" smtClean="0"/>
-              <a:t>BugReport + Tags (Duplicate specifiek)</a:t>
-            </a:r>
-          </a:p>
-          <a:p>
-            <a:r>
-              <a:rPr lang="nl-BE" sz="800" dirty="0" smtClean="0"/>
-              <a:t>	* Tag enum w logic inside the Tag enum.</a:t>
-            </a:r>
-          </a:p>
-          <a:p>
-            <a:r>
-              <a:rPr lang="nl-BE" sz="800" dirty="0" smtClean="0"/>
-              <a:t>	+ Information Expert</a:t>
-            </a:r>
-          </a:p>
-          <a:p>
-            <a:r>
-              <a:rPr lang="nl-BE" sz="800" dirty="0" smtClean="0"/>
-              <a:t>	+ High Cohesion</a:t>
-            </a:r>
-          </a:p>
-          <a:p>
-            <a:endParaRPr lang="nl-BE" sz="800" dirty="0" smtClean="0"/>
-          </a:p>
-          <a:p>
-            <a:r>
-              <a:rPr lang="nl-BE" sz="800" dirty="0" smtClean="0"/>
-              <a:t>	* Tags als objecten w logic inside the Tag</a:t>
-            </a:r>
-          </a:p>
-          <a:p>
-            <a:r>
-              <a:rPr lang="nl-BE" sz="800" dirty="0" smtClean="0"/>
-              <a:t>	+ Polymorhispm -&gt; seperate the logic inside the Tags</a:t>
-            </a:r>
-          </a:p>
-          <a:p>
-            <a:r>
-              <a:rPr lang="nl-BE" sz="800" dirty="0" smtClean="0"/>
-              <a:t>	- High coupling between Tag Objects</a:t>
-            </a:r>
-          </a:p>
-          <a:p>
-            <a:r>
-              <a:rPr lang="nl-BE" sz="800" dirty="0" smtClean="0"/>
-              <a:t>	+ Option to add non-static variables.</a:t>
-            </a:r>
-          </a:p>
-          <a:p>
-            <a:endParaRPr lang="nl-BE" sz="800" dirty="0" smtClean="0"/>
-          </a:p>
-          <a:p>
-            <a:r>
-              <a:rPr lang="nl-BE" sz="800" dirty="0" smtClean="0"/>
-              <a:t>	</a:t>
-            </a:r>
-            <a:endParaRPr lang="nl-BE" sz="800" dirty="0"/>
+              <a:rPr lang="nl-BE" dirty="0" smtClean="0"/>
+              <a:t>M</a:t>
+            </a:r>
+          </a:p>
+          <a:p>
+            <a:r>
+              <a:rPr lang="nl-BE" dirty="0" smtClean="0"/>
+              <a:t>=&gt; General</a:t>
+            </a:r>
+            <a:r>
+              <a:rPr lang="nl-BE" baseline="0" dirty="0" smtClean="0"/>
+              <a:t> overview of the more important classes involved in the interaction between the packages.</a:t>
+            </a:r>
+            <a:endParaRPr lang="nl-BE" dirty="0"/>
           </a:p>
         </p:txBody>
       </p:sp>
@@ -861,7 +1306,7 @@
           <a:p>
             <a:fld id="{214D5328-8A8B-4507-A018-9575DDE3653B}" type="slidenum">
               <a:rPr lang="nl-BE" smtClean="0"/>
-              <a:t>5</a:t>
+              <a:t>3</a:t>
             </a:fld>
             <a:endParaRPr lang="nl-BE"/>
           </a:p>
@@ -870,7 +1315,7 @@
     </p:spTree>
     <p:extLst>
       <p:ext uri="{BB962C8B-B14F-4D97-AF65-F5344CB8AC3E}">
-        <p14:creationId xmlns:p14="http://schemas.microsoft.com/office/powerpoint/2010/main" val="1014031131"/>
+        <p14:creationId xmlns:p14="http://schemas.microsoft.com/office/powerpoint/2010/main" val="1860602385"/>
       </p:ext>
     </p:extLst>
   </p:cSld>
@@ -899,7 +1344,7 @@
       </p:grpSpPr>
       <p:sp>
         <p:nvSpPr>
-          <p:cNvPr id="2" name="Slide Image Placeholder 1"/>
+          <p:cNvPr id="2" name="Tijdelijke aanduiding voor dia-afbeelding 1"/>
           <p:cNvSpPr>
             <a:spLocks noGrp="1" noRot="1" noChangeAspect="1"/>
           </p:cNvSpPr>
@@ -911,7 +1356,7 @@
       </p:sp>
       <p:sp>
         <p:nvSpPr>
-          <p:cNvPr id="3" name="Notes Placeholder 2"/>
+          <p:cNvPr id="3" name="Tijdelijke aanduiding voor notities 2"/>
           <p:cNvSpPr>
             <a:spLocks noGrp="1"/>
           </p:cNvSpPr>
@@ -925,417 +1370,50 @@
           <a:lstStyle/>
           <a:p>
             <a:r>
-              <a:rPr lang="nl-BE" dirty="0" smtClean="0"/>
-              <a:t>Shows</a:t>
-            </a:r>
-            <a:r>
-              <a:rPr lang="nl-BE" baseline="0" dirty="0" smtClean="0"/>
-              <a:t> Permissions interaction</a:t>
-            </a:r>
-          </a:p>
-          <a:p>
-            <a:r>
-              <a:rPr lang="nl-BE" baseline="0" dirty="0" smtClean="0"/>
-              <a:t>Also mention the User, Dev, Admin, Issuer hierarchie.</a:t>
-            </a:r>
-          </a:p>
-          <a:p>
-            <a:endParaRPr lang="nl-BE" baseline="0" dirty="0" smtClean="0"/>
-          </a:p>
-          <a:p>
-            <a:r>
-              <a:rPr lang="en-US" dirty="0" smtClean="0"/>
-              <a:t>User + Project + Role + </a:t>
-            </a:r>
-            <a:r>
-              <a:rPr lang="en-US" dirty="0" err="1" smtClean="0"/>
-              <a:t>RolePerm</a:t>
-            </a:r>
-            <a:endParaRPr lang="en-US" dirty="0" smtClean="0"/>
-          </a:p>
-          <a:p>
-            <a:r>
-              <a:rPr lang="en-US" dirty="0" smtClean="0"/>
-              <a:t>	* Project holding list of Users with roles. And associate list of </a:t>
-            </a:r>
-            <a:r>
-              <a:rPr lang="en-US" dirty="0" err="1" smtClean="0"/>
-              <a:t>rolePerms</a:t>
-            </a:r>
-            <a:r>
-              <a:rPr lang="en-US" dirty="0" smtClean="0"/>
-              <a:t> with Role</a:t>
-            </a:r>
-          </a:p>
-          <a:p>
-            <a:r>
-              <a:rPr lang="en-US" dirty="0" smtClean="0"/>
-              <a:t>	- High Coupling (to </a:t>
-            </a:r>
-            <a:r>
-              <a:rPr lang="en-US" dirty="0" err="1" smtClean="0"/>
-              <a:t>RolePerms</a:t>
-            </a:r>
-            <a:r>
-              <a:rPr lang="en-US" dirty="0" smtClean="0"/>
-              <a:t>; no interface of methods such as </a:t>
-            </a:r>
-          </a:p>
-          <a:p>
-            <a:r>
-              <a:rPr lang="en-US" dirty="0" smtClean="0"/>
-              <a:t>	+ Information Expert</a:t>
-            </a:r>
-          </a:p>
-          <a:p>
-            <a:r>
-              <a:rPr lang="en-US" dirty="0" smtClean="0"/>
-              <a:t>	</a:t>
-            </a:r>
-          </a:p>
-          <a:p>
-            <a:r>
-              <a:rPr lang="en-US" dirty="0" smtClean="0"/>
-              <a:t>	* </a:t>
-            </a:r>
-            <a:r>
-              <a:rPr lang="en-US" dirty="0" err="1" smtClean="0"/>
-              <a:t>RolePerms</a:t>
-            </a:r>
-            <a:r>
-              <a:rPr lang="en-US" dirty="0" smtClean="0"/>
-              <a:t> = classes held in user </a:t>
-            </a:r>
-          </a:p>
-          <a:p>
-            <a:r>
-              <a:rPr lang="en-US" dirty="0" smtClean="0"/>
-              <a:t>	- Low cohesion</a:t>
-            </a:r>
-          </a:p>
-          <a:p>
-            <a:r>
-              <a:rPr lang="en-US" dirty="0" smtClean="0"/>
-              <a:t>	+ Information Expert</a:t>
-            </a:r>
-          </a:p>
-          <a:p>
-            <a:r>
-              <a:rPr lang="en-US" dirty="0" smtClean="0"/>
-              <a:t>	</a:t>
-            </a:r>
-          </a:p>
-          <a:p>
-            <a:r>
-              <a:rPr lang="en-US" dirty="0" smtClean="0"/>
-              <a:t>	* </a:t>
-            </a:r>
-            <a:r>
-              <a:rPr lang="en-US" dirty="0" err="1" smtClean="0"/>
-              <a:t>PermissionManager</a:t>
-            </a:r>
-            <a:r>
-              <a:rPr lang="en-US" dirty="0" smtClean="0"/>
-              <a:t> - see User </a:t>
-            </a:r>
-            <a:r>
-              <a:rPr lang="en-US" dirty="0" err="1" smtClean="0"/>
-              <a:t>hierarchie</a:t>
-            </a:r>
-            <a:r>
-              <a:rPr lang="en-US" dirty="0" smtClean="0"/>
-              <a:t> + </a:t>
-            </a:r>
-            <a:r>
-              <a:rPr lang="en-US" dirty="0" err="1" smtClean="0"/>
-              <a:t>Userperm</a:t>
-            </a:r>
-            <a:endParaRPr lang="en-US" dirty="0" smtClean="0"/>
-          </a:p>
-          <a:p>
-            <a:endParaRPr lang="en-US" dirty="0" smtClean="0"/>
-          </a:p>
-          <a:p>
-            <a:r>
-              <a:rPr lang="en-US" dirty="0" smtClean="0"/>
-              <a:t>User </a:t>
-            </a:r>
-            <a:r>
-              <a:rPr lang="en-US" dirty="0" err="1" smtClean="0"/>
-              <a:t>hierarchie</a:t>
-            </a:r>
-            <a:r>
-              <a:rPr lang="en-US" dirty="0" smtClean="0"/>
-              <a:t> + </a:t>
-            </a:r>
-            <a:r>
-              <a:rPr lang="en-US" dirty="0" err="1" smtClean="0"/>
-              <a:t>UserPerm</a:t>
-            </a:r>
-            <a:endParaRPr lang="en-US" dirty="0" smtClean="0"/>
-          </a:p>
-          <a:p>
-            <a:r>
-              <a:rPr lang="en-US" dirty="0" smtClean="0"/>
-              <a:t>	* </a:t>
-            </a:r>
-            <a:r>
-              <a:rPr lang="en-US" dirty="0" err="1" smtClean="0"/>
-              <a:t>UserPerm</a:t>
-            </a:r>
-            <a:r>
-              <a:rPr lang="en-US" dirty="0" smtClean="0"/>
-              <a:t> as </a:t>
-            </a:r>
-            <a:r>
-              <a:rPr lang="en-US" dirty="0" err="1" smtClean="0"/>
-              <a:t>enum</a:t>
-            </a:r>
-            <a:r>
-              <a:rPr lang="en-US" dirty="0" smtClean="0"/>
-              <a:t> and User </a:t>
-            </a:r>
-            <a:r>
-              <a:rPr lang="en-US" dirty="0" err="1" smtClean="0"/>
-              <a:t>hierarchie</a:t>
-            </a:r>
-            <a:r>
-              <a:rPr lang="en-US" dirty="0" smtClean="0"/>
-              <a:t> has arrays of the permissions the user has</a:t>
-            </a:r>
-          </a:p>
-          <a:p>
-            <a:r>
-              <a:rPr lang="en-US" dirty="0" smtClean="0"/>
-              <a:t>	+ </a:t>
-            </a:r>
-            <a:r>
-              <a:rPr lang="en-US" dirty="0" err="1" smtClean="0"/>
-              <a:t>Polymorpishm</a:t>
-            </a:r>
-            <a:r>
-              <a:rPr lang="en-US" dirty="0" smtClean="0"/>
-              <a:t> (also very </a:t>
-            </a:r>
-            <a:r>
-              <a:rPr lang="en-US" dirty="0" err="1" smtClean="0"/>
-              <a:t>flexibile</a:t>
-            </a:r>
-            <a:r>
-              <a:rPr lang="en-US" dirty="0" smtClean="0"/>
-              <a:t> can be changed dynamic)</a:t>
-            </a:r>
-          </a:p>
-          <a:p>
-            <a:r>
-              <a:rPr lang="en-US" dirty="0" smtClean="0"/>
-              <a:t>	+ High Cohesion</a:t>
-            </a:r>
-          </a:p>
-          <a:p>
-            <a:r>
-              <a:rPr lang="en-US" dirty="0" smtClean="0"/>
-              <a:t>	+ Information Expert</a:t>
-            </a:r>
-          </a:p>
-          <a:p>
-            <a:r>
-              <a:rPr lang="en-US" dirty="0" smtClean="0"/>
-              <a:t>	- High Coupling between 2 classes (A lot of coupling w permissions since User does not define methods for each permission, rather there are permissions for every action and it is checked if the user has this.)</a:t>
-            </a:r>
-          </a:p>
-          <a:p>
-            <a:r>
-              <a:rPr lang="en-US" dirty="0" smtClean="0"/>
-              <a:t>	- High Coupling between User &amp; Permissions (Adding a permission requires an update for the user </a:t>
-            </a:r>
-            <a:r>
-              <a:rPr lang="en-US" dirty="0" err="1" smtClean="0"/>
-              <a:t>hierarchie</a:t>
-            </a:r>
-            <a:r>
-              <a:rPr lang="en-US" dirty="0" smtClean="0"/>
-              <a:t> to make sure certain users have the permissions and others do not.)</a:t>
-            </a:r>
-          </a:p>
-          <a:p>
-            <a:endParaRPr lang="en-US" dirty="0" smtClean="0"/>
-          </a:p>
-          <a:p>
-            <a:r>
-              <a:rPr lang="en-US" dirty="0" smtClean="0"/>
-              <a:t>	* User class + </a:t>
-            </a:r>
-            <a:r>
-              <a:rPr lang="en-US" dirty="0" err="1" smtClean="0"/>
-              <a:t>Enum</a:t>
-            </a:r>
-            <a:r>
-              <a:rPr lang="en-US" dirty="0" smtClean="0"/>
+              <a:rPr lang="nl-NL" dirty="0" smtClean="0"/>
+              <a:t>K</a:t>
+            </a:r>
+          </a:p>
+          <a:p>
+            <a:r>
+              <a:rPr lang="nl-NL" dirty="0" smtClean="0"/>
+              <a:t>Next</a:t>
+            </a:r>
+            <a:r>
+              <a:rPr lang="nl-NL" baseline="0" dirty="0" smtClean="0"/>
+              <a:t> we </a:t>
+            </a:r>
+            <a:r>
+              <a:rPr lang="nl-NL" baseline="0" dirty="0" err="1" smtClean="0"/>
+              <a:t>will</a:t>
+            </a:r>
+            <a:r>
+              <a:rPr lang="nl-NL" baseline="0" dirty="0" smtClean="0"/>
+              <a:t> have a look at </a:t>
+            </a:r>
+            <a:r>
+              <a:rPr lang="nl-NL" baseline="0" dirty="0" err="1" smtClean="0"/>
+              <a:t>the</a:t>
+            </a:r>
+            <a:r>
+              <a:rPr lang="nl-NL" baseline="0" dirty="0" smtClean="0"/>
               <a:t> </a:t>
             </a:r>
             <a:r>
-              <a:rPr lang="en-US" dirty="0" err="1" smtClean="0"/>
-              <a:t>userType</a:t>
-            </a:r>
-            <a:r>
-              <a:rPr lang="en-US" dirty="0" smtClean="0"/>
-              <a:t> + Using </a:t>
-            </a:r>
-            <a:r>
-              <a:rPr lang="en-US" dirty="0" err="1" smtClean="0"/>
-              <a:t>UserPerm</a:t>
-            </a:r>
-            <a:r>
-              <a:rPr lang="en-US" dirty="0" smtClean="0"/>
-              <a:t> as argument of </a:t>
-            </a:r>
-            <a:r>
-              <a:rPr lang="en-US" dirty="0" err="1" smtClean="0"/>
-              <a:t>userType</a:t>
-            </a:r>
-            <a:endParaRPr lang="en-US" dirty="0" smtClean="0"/>
-          </a:p>
-          <a:p>
-            <a:r>
-              <a:rPr lang="en-US" dirty="0" smtClean="0"/>
-              <a:t>	- Low Cohesion (Hard to enforce User type as parameter </a:t>
-            </a:r>
-            <a:r>
-              <a:rPr lang="en-US" dirty="0" err="1" smtClean="0"/>
-              <a:t>etc</a:t>
-            </a:r>
-            <a:r>
-              <a:rPr lang="en-US" dirty="0" smtClean="0"/>
-              <a:t> + </a:t>
-            </a:r>
-            <a:r>
-              <a:rPr lang="en-US" dirty="0" err="1" smtClean="0"/>
-              <a:t>instanceof</a:t>
-            </a:r>
-            <a:r>
-              <a:rPr lang="en-US" dirty="0" smtClean="0"/>
-              <a:t> </a:t>
-            </a:r>
-            <a:r>
-              <a:rPr lang="en-US" dirty="0" err="1" smtClean="0"/>
-              <a:t>hierarchie</a:t>
-            </a:r>
-            <a:r>
-              <a:rPr lang="en-US" dirty="0" smtClean="0"/>
-              <a:t> not possible)</a:t>
-            </a:r>
-          </a:p>
-          <a:p>
-            <a:r>
-              <a:rPr lang="en-US" dirty="0" smtClean="0"/>
-              <a:t>	- High coupling</a:t>
-            </a:r>
-          </a:p>
-          <a:p>
-            <a:r>
-              <a:rPr lang="en-US" dirty="0" smtClean="0"/>
-              <a:t>	- No </a:t>
-            </a:r>
-            <a:r>
-              <a:rPr lang="en-US" dirty="0" err="1" smtClean="0"/>
-              <a:t>Polymorpishm</a:t>
-            </a:r>
-            <a:endParaRPr lang="en-US" dirty="0" smtClean="0"/>
-          </a:p>
-          <a:p>
-            <a:r>
-              <a:rPr lang="en-US" dirty="0" smtClean="0"/>
-              <a:t>	+ Information Expert</a:t>
-            </a:r>
-          </a:p>
-          <a:p>
-            <a:endParaRPr lang="en-US" dirty="0" smtClean="0"/>
-          </a:p>
-          <a:p>
-            <a:r>
-              <a:rPr lang="en-US" dirty="0" smtClean="0"/>
-              <a:t>	* </a:t>
-            </a:r>
-            <a:r>
-              <a:rPr lang="en-US" dirty="0" err="1" smtClean="0"/>
-              <a:t>PermissionManager</a:t>
-            </a:r>
-            <a:r>
-              <a:rPr lang="en-US" dirty="0" smtClean="0"/>
-              <a:t> holding Permissions for each user with Permissions as Objects.</a:t>
-            </a:r>
-          </a:p>
-          <a:p>
-            <a:r>
-              <a:rPr lang="en-US" dirty="0" smtClean="0"/>
-              <a:t>	- High Coupling (need reference to this to check permissions)</a:t>
-            </a:r>
-          </a:p>
-          <a:p>
-            <a:r>
-              <a:rPr lang="en-US" dirty="0" smtClean="0"/>
-              <a:t>	+ High Cohesion </a:t>
-            </a:r>
-          </a:p>
-          <a:p>
-            <a:r>
-              <a:rPr lang="en-US" dirty="0" smtClean="0"/>
-              <a:t>	+ Pure Fabrication ('outsource' responsibility)</a:t>
-            </a:r>
-          </a:p>
-          <a:p>
-            <a:r>
-              <a:rPr lang="en-US" dirty="0" smtClean="0"/>
-              <a:t>	+ </a:t>
-            </a:r>
-            <a:r>
-              <a:rPr lang="en-US" dirty="0" err="1" smtClean="0"/>
-              <a:t>Polymorpishm</a:t>
-            </a:r>
-            <a:r>
-              <a:rPr lang="en-US" dirty="0" smtClean="0"/>
-              <a:t> (allow this; but isn't used)</a:t>
-            </a:r>
-          </a:p>
-          <a:p>
-            <a:r>
-              <a:rPr lang="en-US" dirty="0" smtClean="0"/>
-              <a:t>	- </a:t>
-            </a:r>
-            <a:r>
-              <a:rPr lang="en-US" dirty="0" err="1" smtClean="0"/>
-              <a:t>Polymorpishm</a:t>
-            </a:r>
-            <a:r>
-              <a:rPr lang="en-US" dirty="0" smtClean="0"/>
-              <a:t> (Lot of overhead; Big </a:t>
-            </a:r>
-            <a:r>
-              <a:rPr lang="en-US" dirty="0" err="1" smtClean="0"/>
-              <a:t>hierarchie</a:t>
-            </a:r>
-            <a:r>
-              <a:rPr lang="en-US" dirty="0" smtClean="0"/>
-              <a:t> of permissions)</a:t>
-            </a:r>
-            <a:br>
-              <a:rPr lang="en-US" dirty="0" smtClean="0"/>
-            </a:br>
-            <a:r>
-              <a:rPr lang="en-US" dirty="0" smtClean="0"/>
-              <a:t/>
-            </a:r>
-            <a:br>
-              <a:rPr lang="en-US" dirty="0" smtClean="0"/>
-            </a:br>
-            <a:endParaRPr lang="nl-BE" dirty="0"/>
-          </a:p>
-        </p:txBody>
-      </p:sp>
-      <p:sp>
-        <p:nvSpPr>
-          <p:cNvPr id="4" name="Slide Number Placeholder 3"/>
+              <a:rPr lang="nl-NL" baseline="0" dirty="0" err="1" smtClean="0"/>
+              <a:t>bugdomain</a:t>
+            </a:r>
+            <a:r>
+              <a:rPr lang="nl-NL" baseline="0" dirty="0" smtClean="0"/>
+              <a:t> package. </a:t>
+            </a:r>
+            <a:endParaRPr lang="nl-NL" dirty="0"/>
+          </a:p>
+        </p:txBody>
+      </p:sp>
+      <p:sp>
+        <p:nvSpPr>
+          <p:cNvPr id="4" name="Tijdelijke aanduiding voor dianummer 3"/>
           <p:cNvSpPr>
             <a:spLocks noGrp="1"/>
           </p:cNvSpPr>
@@ -1350,7 +1428,7 @@
           <a:p>
             <a:fld id="{214D5328-8A8B-4507-A018-9575DDE3653B}" type="slidenum">
               <a:rPr lang="nl-BE" smtClean="0"/>
-              <a:t>7</a:t>
+              <a:t>4</a:t>
             </a:fld>
             <a:endParaRPr lang="nl-BE"/>
           </a:p>
@@ -1359,7 +1437,7 @@
     </p:spTree>
     <p:extLst>
       <p:ext uri="{BB962C8B-B14F-4D97-AF65-F5344CB8AC3E}">
-        <p14:creationId xmlns:p14="http://schemas.microsoft.com/office/powerpoint/2010/main" val="1516752903"/>
+        <p14:creationId xmlns:p14="http://schemas.microsoft.com/office/powerpoint/2010/main" val="1715414557"/>
       </p:ext>
     </p:extLst>
   </p:cSld>
@@ -1414,111 +1492,152 @@
           <a:lstStyle/>
           <a:p>
             <a:r>
-              <a:rPr lang="nl-BE" dirty="0" smtClean="0"/>
-              <a:t>Explain</a:t>
-            </a:r>
-            <a:r>
-              <a:rPr lang="nl-BE" baseline="0" dirty="0" smtClean="0"/>
-              <a:t> Scenario’s; Interaction from UI and How DataModel fits in.</a:t>
-            </a:r>
-          </a:p>
-          <a:p>
-            <a:endParaRPr lang="nl-BE" baseline="0" dirty="0" smtClean="0"/>
-          </a:p>
-          <a:p>
-            <a:r>
-              <a:rPr lang="en-US" dirty="0" smtClean="0"/>
-              <a:t>UI - Model - </a:t>
-            </a:r>
-            <a:r>
-              <a:rPr lang="en-US" dirty="0" err="1" smtClean="0"/>
-              <a:t>Cmd</a:t>
-            </a:r>
-            <a:endParaRPr lang="en-US" dirty="0" smtClean="0"/>
-          </a:p>
-          <a:p>
-            <a:r>
-              <a:rPr lang="en-US" dirty="0" smtClean="0"/>
-              <a:t>	* </a:t>
-            </a:r>
-            <a:r>
-              <a:rPr lang="en-US" dirty="0" err="1" smtClean="0"/>
-              <a:t>Seperate</a:t>
-            </a:r>
-            <a:r>
-              <a:rPr lang="en-US" dirty="0" smtClean="0"/>
-              <a:t> Use case steps into </a:t>
-            </a:r>
-            <a:r>
-              <a:rPr lang="en-US" dirty="0" err="1" smtClean="0"/>
-              <a:t>Cmds</a:t>
-            </a:r>
-            <a:endParaRPr lang="en-US" dirty="0" smtClean="0"/>
-          </a:p>
-          <a:p>
-            <a:r>
-              <a:rPr lang="en-US" dirty="0" smtClean="0"/>
-              <a:t>	+ Low coupling</a:t>
-            </a:r>
-          </a:p>
-          <a:p>
-            <a:r>
-              <a:rPr lang="en-US" dirty="0" smtClean="0"/>
-              <a:t>	- High cohesion</a:t>
-            </a:r>
-          </a:p>
-          <a:p>
-            <a:r>
-              <a:rPr lang="en-US" dirty="0" smtClean="0"/>
-              <a:t>	+ Controller</a:t>
-            </a:r>
-          </a:p>
-          <a:p>
-            <a:r>
-              <a:rPr lang="en-US" dirty="0" smtClean="0"/>
-              <a:t>	+ </a:t>
-            </a:r>
-            <a:r>
-              <a:rPr lang="en-US" dirty="0" err="1" smtClean="0"/>
-              <a:t>Polymorphispm</a:t>
-            </a:r>
-            <a:r>
-              <a:rPr lang="en-US" dirty="0" smtClean="0"/>
-              <a:t> (little bit - </a:t>
-            </a:r>
-            <a:r>
-              <a:rPr lang="en-US" dirty="0" err="1" smtClean="0"/>
-              <a:t>Cmds</a:t>
-            </a:r>
-            <a:r>
-              <a:rPr lang="en-US" dirty="0" smtClean="0"/>
-              <a:t>)</a:t>
-            </a:r>
-          </a:p>
-          <a:p>
-            <a:r>
-              <a:rPr lang="en-US" dirty="0" smtClean="0"/>
+              <a:rPr lang="nl-BE" sz="800" dirty="0" smtClean="0"/>
+              <a:t>K</a:t>
+            </a:r>
+          </a:p>
+          <a:p>
+            <a:r>
+              <a:rPr lang="nl-BE" sz="800" dirty="0" smtClean="0"/>
+              <a:t>Project </a:t>
+            </a:r>
+            <a:r>
+              <a:rPr lang="nl-BE" sz="800" dirty="0" smtClean="0"/>
+              <a:t>+ Subsystems</a:t>
+            </a:r>
+          </a:p>
+          <a:p>
+            <a:r>
+              <a:rPr lang="nl-BE" sz="800" dirty="0" smtClean="0"/>
+              <a:t>	* AbstractSystem (name, vID, descip, childs). Proj &amp; Sub inherits.</a:t>
+            </a:r>
+          </a:p>
+          <a:p>
+            <a:r>
+              <a:rPr lang="nl-BE" sz="800" dirty="0" smtClean="0"/>
+              <a:t>	+ Polymorhispm</a:t>
+            </a:r>
+          </a:p>
+          <a:p>
+            <a:r>
+              <a:rPr lang="nl-BE" sz="800" dirty="0" smtClean="0"/>
+              <a:t>	+ High Cohesion</a:t>
+            </a:r>
+          </a:p>
+          <a:p>
+            <a:r>
+              <a:rPr lang="nl-BE" sz="800" dirty="0" smtClean="0"/>
+              <a:t>	- High Coupling</a:t>
+            </a:r>
+          </a:p>
+          <a:p>
+            <a:endParaRPr lang="nl-BE" sz="800" dirty="0" smtClean="0"/>
+          </a:p>
+          <a:p>
+            <a:r>
+              <a:rPr lang="nl-BE" sz="800" dirty="0" smtClean="0"/>
+              <a:t>	* Project w attribute SubSystem.</a:t>
+            </a:r>
+          </a:p>
+          <a:p>
+            <a:r>
+              <a:rPr lang="nl-BE" sz="800" dirty="0" smtClean="0"/>
+              <a:t>	- Code redundancy; </a:t>
+            </a:r>
+          </a:p>
+          <a:p>
+            <a:r>
+              <a:rPr lang="nl-BE" sz="800" dirty="0" smtClean="0"/>
+              <a:t>	- High Coupling (Lower than first)</a:t>
+            </a:r>
+          </a:p>
+          <a:p>
+            <a:r>
+              <a:rPr lang="nl-BE" sz="800" dirty="0" smtClean="0"/>
               <a:t>	</a:t>
             </a:r>
           </a:p>
           <a:p>
             <a:r>
-              <a:rPr lang="en-US" dirty="0" smtClean="0"/>
-              <a:t>	* Methods lots of methods</a:t>
-            </a:r>
-          </a:p>
-          <a:p>
-            <a:r>
-              <a:rPr lang="en-US" dirty="0" smtClean="0"/>
-              <a:t>	+ High coupling</a:t>
-            </a:r>
-          </a:p>
-          <a:p>
-            <a:r>
-              <a:rPr lang="en-US" dirty="0" smtClean="0"/>
-              <a:t>	- Low cohesion</a:t>
-            </a:r>
-            <a:endParaRPr lang="nl-BE" dirty="0"/>
+              <a:rPr lang="nl-BE" sz="800" dirty="0" smtClean="0"/>
+              <a:t>	* Project &amp; Subsystem as one class (Composite)</a:t>
+            </a:r>
+          </a:p>
+          <a:p>
+            <a:r>
+              <a:rPr lang="nl-BE" sz="800" dirty="0" smtClean="0"/>
+              <a:t>	+ Low Coupling</a:t>
+            </a:r>
+          </a:p>
+          <a:p>
+            <a:r>
+              <a:rPr lang="nl-BE" sz="800" dirty="0" smtClean="0"/>
+              <a:t>	- Low Cohesion (Can't differentiate between Proj &amp; Sub. Code for Bugreports is redundant for Proj)</a:t>
+            </a:r>
+          </a:p>
+          <a:p>
+            <a:endParaRPr lang="nl-BE" sz="800" dirty="0" smtClean="0"/>
+          </a:p>
+          <a:p>
+            <a:r>
+              <a:rPr lang="nl-BE" sz="800" dirty="0" smtClean="0"/>
+              <a:t>BugReport + Tags (Duplicate specifiek)</a:t>
+            </a:r>
+          </a:p>
+          <a:p>
+            <a:r>
+              <a:rPr lang="nl-BE" sz="800" dirty="0" smtClean="0"/>
+              <a:t>	* Tag enum w logic inside the Tag enum.</a:t>
+            </a:r>
+          </a:p>
+          <a:p>
+            <a:r>
+              <a:rPr lang="nl-BE" sz="800" dirty="0" smtClean="0"/>
+              <a:t>	+ Information Expert</a:t>
+            </a:r>
+          </a:p>
+          <a:p>
+            <a:r>
+              <a:rPr lang="nl-BE" sz="800" dirty="0" smtClean="0"/>
+              <a:t>	+ High Cohesion</a:t>
+            </a:r>
+          </a:p>
+          <a:p>
+            <a:endParaRPr lang="nl-BE" sz="800" dirty="0" smtClean="0"/>
+          </a:p>
+          <a:p>
+            <a:r>
+              <a:rPr lang="nl-BE" sz="800" dirty="0" smtClean="0"/>
+              <a:t>	* Tags als objecten w logic inside the Tag</a:t>
+            </a:r>
+          </a:p>
+          <a:p>
+            <a:r>
+              <a:rPr lang="nl-BE" sz="800" dirty="0" smtClean="0"/>
+              <a:t>	+ Polymorhispm -&gt; seperate the logic inside the Tags</a:t>
+            </a:r>
+          </a:p>
+          <a:p>
+            <a:r>
+              <a:rPr lang="nl-BE" sz="800" dirty="0" smtClean="0"/>
+              <a:t>	- High coupling between Tag Objects</a:t>
+            </a:r>
+          </a:p>
+          <a:p>
+            <a:r>
+              <a:rPr lang="nl-BE" sz="800" dirty="0" smtClean="0"/>
+              <a:t>	+ Option to add non-static variables.</a:t>
+            </a:r>
+          </a:p>
+          <a:p>
+            <a:endParaRPr lang="nl-BE" sz="800" dirty="0" smtClean="0"/>
+          </a:p>
+          <a:p>
+            <a:r>
+              <a:rPr lang="nl-BE" sz="800" dirty="0" smtClean="0"/>
+              <a:t>	</a:t>
+            </a:r>
+            <a:endParaRPr lang="nl-BE" sz="800" dirty="0"/>
           </a:p>
         </p:txBody>
       </p:sp>
@@ -1539,7 +1658,7 @@
           <a:p>
             <a:fld id="{214D5328-8A8B-4507-A018-9575DDE3653B}" type="slidenum">
               <a:rPr lang="nl-BE" smtClean="0"/>
-              <a:t>8</a:t>
+              <a:t>5</a:t>
             </a:fld>
             <a:endParaRPr lang="nl-BE"/>
           </a:p>
@@ -1548,7 +1667,7 @@
     </p:spTree>
     <p:extLst>
       <p:ext uri="{BB962C8B-B14F-4D97-AF65-F5344CB8AC3E}">
-        <p14:creationId xmlns:p14="http://schemas.microsoft.com/office/powerpoint/2010/main" val="4125895624"/>
+        <p14:creationId xmlns:p14="http://schemas.microsoft.com/office/powerpoint/2010/main" val="1014031131"/>
       </p:ext>
     </p:extLst>
   </p:cSld>
@@ -1577,7 +1696,7 @@
       </p:grpSpPr>
       <p:sp>
         <p:nvSpPr>
-          <p:cNvPr id="2" name="Slide Image Placeholder 1"/>
+          <p:cNvPr id="2" name="Tijdelijke aanduiding voor dia-afbeelding 1"/>
           <p:cNvSpPr>
             <a:spLocks noGrp="1" noRot="1" noChangeAspect="1"/>
           </p:cNvSpPr>
@@ -1589,7 +1708,7 @@
       </p:sp>
       <p:sp>
         <p:nvSpPr>
-          <p:cNvPr id="3" name="Notes Placeholder 2"/>
+          <p:cNvPr id="3" name="Tijdelijke aanduiding voor notities 2"/>
           <p:cNvSpPr>
             <a:spLocks noGrp="1"/>
           </p:cNvSpPr>
@@ -1603,20 +1722,16 @@
           <a:lstStyle/>
           <a:p>
             <a:r>
-              <a:rPr lang="nl-BE" dirty="0" smtClean="0"/>
-              <a:t>TODO?</a:t>
-            </a:r>
-            <a:r>
-              <a:rPr lang="nl-BE" baseline="0" dirty="0" smtClean="0"/>
-              <a:t>   Tekstvak met uitleg Test strategy? (White box testing + mocking)</a:t>
-            </a:r>
-            <a:endParaRPr lang="nl-BE" dirty="0"/>
-          </a:p>
-        </p:txBody>
-      </p:sp>
-      <p:sp>
-        <p:nvSpPr>
-          <p:cNvPr id="4" name="Slide Number Placeholder 3"/>
+              <a:rPr lang="nl-NL" dirty="0" smtClean="0"/>
+              <a:t>B</a:t>
+            </a:r>
+            <a:endParaRPr lang="nl-NL" dirty="0"/>
+          </a:p>
+        </p:txBody>
+      </p:sp>
+      <p:sp>
+        <p:nvSpPr>
+          <p:cNvPr id="4" name="Tijdelijke aanduiding voor dianummer 3"/>
           <p:cNvSpPr>
             <a:spLocks noGrp="1"/>
           </p:cNvSpPr>
@@ -1631,7 +1746,7 @@
           <a:p>
             <a:fld id="{214D5328-8A8B-4507-A018-9575DDE3653B}" type="slidenum">
               <a:rPr lang="nl-BE" smtClean="0"/>
-              <a:t>12</a:t>
+              <a:t>6</a:t>
             </a:fld>
             <a:endParaRPr lang="nl-BE"/>
           </a:p>
@@ -1640,7 +1755,7 @@
     </p:spTree>
     <p:extLst>
       <p:ext uri="{BB962C8B-B14F-4D97-AF65-F5344CB8AC3E}">
-        <p14:creationId xmlns:p14="http://schemas.microsoft.com/office/powerpoint/2010/main" val="3130617486"/>
+        <p14:creationId xmlns:p14="http://schemas.microsoft.com/office/powerpoint/2010/main" val="785650318"/>
       </p:ext>
     </p:extLst>
   </p:cSld>
@@ -1694,6 +1809,421 @@
           <a:bodyPr/>
           <a:lstStyle/>
           <a:p>
+            <a:r>
+              <a:rPr lang="nl-BE" dirty="0" smtClean="0"/>
+              <a:t>B</a:t>
+            </a:r>
+          </a:p>
+          <a:p>
+            <a:r>
+              <a:rPr lang="nl-BE" dirty="0" smtClean="0"/>
+              <a:t>Shows</a:t>
+            </a:r>
+            <a:r>
+              <a:rPr lang="nl-BE" baseline="0" dirty="0" smtClean="0"/>
+              <a:t> </a:t>
+            </a:r>
+            <a:r>
+              <a:rPr lang="nl-BE" baseline="0" dirty="0" smtClean="0"/>
+              <a:t>Permissions interaction</a:t>
+            </a:r>
+          </a:p>
+          <a:p>
+            <a:r>
+              <a:rPr lang="nl-BE" baseline="0" dirty="0" smtClean="0"/>
+              <a:t>Also mention the User, Dev, Admin, Issuer hierarchie.</a:t>
+            </a:r>
+          </a:p>
+          <a:p>
+            <a:endParaRPr lang="nl-BE" baseline="0" dirty="0" smtClean="0"/>
+          </a:p>
+          <a:p>
+            <a:r>
+              <a:rPr lang="en-US" dirty="0" smtClean="0"/>
+              <a:t>User + Project + Role + </a:t>
+            </a:r>
+            <a:r>
+              <a:rPr lang="en-US" dirty="0" err="1" smtClean="0"/>
+              <a:t>RolePerm</a:t>
+            </a:r>
+            <a:endParaRPr lang="en-US" dirty="0" smtClean="0"/>
+          </a:p>
+          <a:p>
+            <a:r>
+              <a:rPr lang="en-US" dirty="0" smtClean="0"/>
+              <a:t>	* Project holding list of Users with roles. And associate list of </a:t>
+            </a:r>
+            <a:r>
+              <a:rPr lang="en-US" dirty="0" err="1" smtClean="0"/>
+              <a:t>rolePerms</a:t>
+            </a:r>
+            <a:r>
+              <a:rPr lang="en-US" dirty="0" smtClean="0"/>
+              <a:t> with Role</a:t>
+            </a:r>
+          </a:p>
+          <a:p>
+            <a:r>
+              <a:rPr lang="en-US" dirty="0" smtClean="0"/>
+              <a:t>	- High Coupling (to </a:t>
+            </a:r>
+            <a:r>
+              <a:rPr lang="en-US" dirty="0" err="1" smtClean="0"/>
+              <a:t>RolePerms</a:t>
+            </a:r>
+            <a:r>
+              <a:rPr lang="en-US" dirty="0" smtClean="0"/>
+              <a:t>; no interface of methods such as </a:t>
+            </a:r>
+          </a:p>
+          <a:p>
+            <a:r>
+              <a:rPr lang="en-US" dirty="0" smtClean="0"/>
+              <a:t>	+ Information Expert</a:t>
+            </a:r>
+          </a:p>
+          <a:p>
+            <a:r>
+              <a:rPr lang="en-US" dirty="0" smtClean="0"/>
+              <a:t>	</a:t>
+            </a:r>
+          </a:p>
+          <a:p>
+            <a:r>
+              <a:rPr lang="en-US" dirty="0" smtClean="0"/>
+              <a:t>	* </a:t>
+            </a:r>
+            <a:r>
+              <a:rPr lang="en-US" dirty="0" err="1" smtClean="0"/>
+              <a:t>RolePerms</a:t>
+            </a:r>
+            <a:r>
+              <a:rPr lang="en-US" dirty="0" smtClean="0"/>
+              <a:t> = classes held in user </a:t>
+            </a:r>
+          </a:p>
+          <a:p>
+            <a:r>
+              <a:rPr lang="en-US" dirty="0" smtClean="0"/>
+              <a:t>	- Low cohesion</a:t>
+            </a:r>
+          </a:p>
+          <a:p>
+            <a:r>
+              <a:rPr lang="en-US" dirty="0" smtClean="0"/>
+              <a:t>	+ Information Expert</a:t>
+            </a:r>
+          </a:p>
+          <a:p>
+            <a:r>
+              <a:rPr lang="en-US" dirty="0" smtClean="0"/>
+              <a:t>	</a:t>
+            </a:r>
+          </a:p>
+          <a:p>
+            <a:r>
+              <a:rPr lang="en-US" dirty="0" smtClean="0"/>
+              <a:t>	* </a:t>
+            </a:r>
+            <a:r>
+              <a:rPr lang="en-US" dirty="0" err="1" smtClean="0"/>
+              <a:t>PermissionManager</a:t>
+            </a:r>
+            <a:r>
+              <a:rPr lang="en-US" dirty="0" smtClean="0"/>
+              <a:t> - see User </a:t>
+            </a:r>
+            <a:r>
+              <a:rPr lang="en-US" dirty="0" err="1" smtClean="0"/>
+              <a:t>hierarchie</a:t>
+            </a:r>
+            <a:r>
+              <a:rPr lang="en-US" dirty="0" smtClean="0"/>
+              <a:t> + </a:t>
+            </a:r>
+            <a:r>
+              <a:rPr lang="en-US" dirty="0" err="1" smtClean="0"/>
+              <a:t>Userperm</a:t>
+            </a:r>
+            <a:endParaRPr lang="en-US" dirty="0" smtClean="0"/>
+          </a:p>
+          <a:p>
+            <a:endParaRPr lang="en-US" dirty="0" smtClean="0"/>
+          </a:p>
+          <a:p>
+            <a:r>
+              <a:rPr lang="en-US" dirty="0" smtClean="0"/>
+              <a:t>User </a:t>
+            </a:r>
+            <a:r>
+              <a:rPr lang="en-US" dirty="0" err="1" smtClean="0"/>
+              <a:t>hierarchie</a:t>
+            </a:r>
+            <a:r>
+              <a:rPr lang="en-US" dirty="0" smtClean="0"/>
+              <a:t> + </a:t>
+            </a:r>
+            <a:r>
+              <a:rPr lang="en-US" dirty="0" err="1" smtClean="0"/>
+              <a:t>UserPerm</a:t>
+            </a:r>
+            <a:endParaRPr lang="en-US" dirty="0" smtClean="0"/>
+          </a:p>
+          <a:p>
+            <a:r>
+              <a:rPr lang="en-US" dirty="0" smtClean="0"/>
+              <a:t>	* </a:t>
+            </a:r>
+            <a:r>
+              <a:rPr lang="en-US" dirty="0" err="1" smtClean="0"/>
+              <a:t>UserPerm</a:t>
+            </a:r>
+            <a:r>
+              <a:rPr lang="en-US" dirty="0" smtClean="0"/>
+              <a:t> as </a:t>
+            </a:r>
+            <a:r>
+              <a:rPr lang="en-US" dirty="0" err="1" smtClean="0"/>
+              <a:t>enum</a:t>
+            </a:r>
+            <a:r>
+              <a:rPr lang="en-US" dirty="0" smtClean="0"/>
+              <a:t> and User </a:t>
+            </a:r>
+            <a:r>
+              <a:rPr lang="en-US" dirty="0" err="1" smtClean="0"/>
+              <a:t>hierarchie</a:t>
+            </a:r>
+            <a:r>
+              <a:rPr lang="en-US" dirty="0" smtClean="0"/>
+              <a:t> has arrays of the permissions the user has</a:t>
+            </a:r>
+          </a:p>
+          <a:p>
+            <a:r>
+              <a:rPr lang="en-US" dirty="0" smtClean="0"/>
+              <a:t>	+ </a:t>
+            </a:r>
+            <a:r>
+              <a:rPr lang="en-US" dirty="0" err="1" smtClean="0"/>
+              <a:t>Polymorpishm</a:t>
+            </a:r>
+            <a:r>
+              <a:rPr lang="en-US" dirty="0" smtClean="0"/>
+              <a:t> (also very </a:t>
+            </a:r>
+            <a:r>
+              <a:rPr lang="en-US" dirty="0" err="1" smtClean="0"/>
+              <a:t>flexibile</a:t>
+            </a:r>
+            <a:r>
+              <a:rPr lang="en-US" dirty="0" smtClean="0"/>
+              <a:t> can be changed dynamic)</a:t>
+            </a:r>
+          </a:p>
+          <a:p>
+            <a:r>
+              <a:rPr lang="en-US" dirty="0" smtClean="0"/>
+              <a:t>	+ High Cohesion</a:t>
+            </a:r>
+          </a:p>
+          <a:p>
+            <a:r>
+              <a:rPr lang="en-US" dirty="0" smtClean="0"/>
+              <a:t>	+ Information Expert</a:t>
+            </a:r>
+          </a:p>
+          <a:p>
+            <a:r>
+              <a:rPr lang="en-US" dirty="0" smtClean="0"/>
+              <a:t>	- High Coupling between 2 classes (A lot of coupling w permissions since User does not define methods for each permission, rather there are permissions for every action and it is checked if the user has this.)</a:t>
+            </a:r>
+          </a:p>
+          <a:p>
+            <a:r>
+              <a:rPr lang="en-US" dirty="0" smtClean="0"/>
+              <a:t>	- High Coupling between User &amp; Permissions (Adding a permission requires an update for the user </a:t>
+            </a:r>
+            <a:r>
+              <a:rPr lang="en-US" dirty="0" err="1" smtClean="0"/>
+              <a:t>hierarchie</a:t>
+            </a:r>
+            <a:r>
+              <a:rPr lang="en-US" dirty="0" smtClean="0"/>
+              <a:t> to make sure certain users have the permissions and others do not.)</a:t>
+            </a:r>
+          </a:p>
+          <a:p>
+            <a:endParaRPr lang="en-US" dirty="0" smtClean="0"/>
+          </a:p>
+          <a:p>
+            <a:r>
+              <a:rPr lang="en-US" dirty="0" smtClean="0"/>
+              <a:t>	* User class + </a:t>
+            </a:r>
+            <a:r>
+              <a:rPr lang="en-US" dirty="0" err="1" smtClean="0"/>
+              <a:t>Enum</a:t>
+            </a:r>
+            <a:r>
+              <a:rPr lang="en-US" dirty="0" smtClean="0"/>
+              <a:t> </a:t>
+            </a:r>
+            <a:r>
+              <a:rPr lang="en-US" dirty="0" err="1" smtClean="0"/>
+              <a:t>userType</a:t>
+            </a:r>
+            <a:r>
+              <a:rPr lang="en-US" dirty="0" smtClean="0"/>
+              <a:t> + Using </a:t>
+            </a:r>
+            <a:r>
+              <a:rPr lang="en-US" dirty="0" err="1" smtClean="0"/>
+              <a:t>UserPerm</a:t>
+            </a:r>
+            <a:r>
+              <a:rPr lang="en-US" dirty="0" smtClean="0"/>
+              <a:t> as argument of </a:t>
+            </a:r>
+            <a:r>
+              <a:rPr lang="en-US" dirty="0" err="1" smtClean="0"/>
+              <a:t>userType</a:t>
+            </a:r>
+            <a:endParaRPr lang="en-US" dirty="0" smtClean="0"/>
+          </a:p>
+          <a:p>
+            <a:r>
+              <a:rPr lang="en-US" dirty="0" smtClean="0"/>
+              <a:t>	- Low Cohesion (Hard to enforce User type as parameter </a:t>
+            </a:r>
+            <a:r>
+              <a:rPr lang="en-US" dirty="0" err="1" smtClean="0"/>
+              <a:t>etc</a:t>
+            </a:r>
+            <a:r>
+              <a:rPr lang="en-US" dirty="0" smtClean="0"/>
+              <a:t> + </a:t>
+            </a:r>
+            <a:r>
+              <a:rPr lang="en-US" dirty="0" err="1" smtClean="0"/>
+              <a:t>instanceof</a:t>
+            </a:r>
+            <a:r>
+              <a:rPr lang="en-US" dirty="0" smtClean="0"/>
+              <a:t> </a:t>
+            </a:r>
+            <a:r>
+              <a:rPr lang="en-US" dirty="0" err="1" smtClean="0"/>
+              <a:t>hierarchie</a:t>
+            </a:r>
+            <a:r>
+              <a:rPr lang="en-US" dirty="0" smtClean="0"/>
+              <a:t> not possible)</a:t>
+            </a:r>
+          </a:p>
+          <a:p>
+            <a:r>
+              <a:rPr lang="en-US" dirty="0" smtClean="0"/>
+              <a:t>	- High coupling</a:t>
+            </a:r>
+          </a:p>
+          <a:p>
+            <a:r>
+              <a:rPr lang="en-US" dirty="0" smtClean="0"/>
+              <a:t>	- No </a:t>
+            </a:r>
+            <a:r>
+              <a:rPr lang="en-US" dirty="0" err="1" smtClean="0"/>
+              <a:t>Polymorpishm</a:t>
+            </a:r>
+            <a:endParaRPr lang="en-US" dirty="0" smtClean="0"/>
+          </a:p>
+          <a:p>
+            <a:r>
+              <a:rPr lang="en-US" dirty="0" smtClean="0"/>
+              <a:t>	+ Information Expert</a:t>
+            </a:r>
+          </a:p>
+          <a:p>
+            <a:endParaRPr lang="en-US" dirty="0" smtClean="0"/>
+          </a:p>
+          <a:p>
+            <a:r>
+              <a:rPr lang="en-US" dirty="0" smtClean="0"/>
+              <a:t>	* </a:t>
+            </a:r>
+            <a:r>
+              <a:rPr lang="en-US" dirty="0" err="1" smtClean="0"/>
+              <a:t>PermissionManager</a:t>
+            </a:r>
+            <a:r>
+              <a:rPr lang="en-US" dirty="0" smtClean="0"/>
+              <a:t> holding Permissions for each user with Permissions as Objects.</a:t>
+            </a:r>
+          </a:p>
+          <a:p>
+            <a:r>
+              <a:rPr lang="en-US" dirty="0" smtClean="0"/>
+              <a:t>	- High Coupling (need reference to this to check permissions)</a:t>
+            </a:r>
+          </a:p>
+          <a:p>
+            <a:r>
+              <a:rPr lang="en-US" dirty="0" smtClean="0"/>
+              <a:t>	+ High Cohesion </a:t>
+            </a:r>
+          </a:p>
+          <a:p>
+            <a:r>
+              <a:rPr lang="en-US" dirty="0" smtClean="0"/>
+              <a:t>	+ Pure Fabrication ('outsource' responsibility)</a:t>
+            </a:r>
+          </a:p>
+          <a:p>
+            <a:r>
+              <a:rPr lang="en-US" dirty="0" smtClean="0"/>
+              <a:t>	+ </a:t>
+            </a:r>
+            <a:r>
+              <a:rPr lang="en-US" dirty="0" err="1" smtClean="0"/>
+              <a:t>Polymorpishm</a:t>
+            </a:r>
+            <a:r>
+              <a:rPr lang="en-US" dirty="0" smtClean="0"/>
+              <a:t> (allow this; but isn't used)</a:t>
+            </a:r>
+          </a:p>
+          <a:p>
+            <a:r>
+              <a:rPr lang="en-US" dirty="0" smtClean="0"/>
+              <a:t>	- </a:t>
+            </a:r>
+            <a:r>
+              <a:rPr lang="en-US" dirty="0" err="1" smtClean="0"/>
+              <a:t>Polymorpishm</a:t>
+            </a:r>
+            <a:r>
+              <a:rPr lang="en-US" dirty="0" smtClean="0"/>
+              <a:t> (Lot of overhead; Big </a:t>
+            </a:r>
+            <a:r>
+              <a:rPr lang="en-US" dirty="0" err="1" smtClean="0"/>
+              <a:t>hierarchie</a:t>
+            </a:r>
+            <a:r>
+              <a:rPr lang="en-US" dirty="0" smtClean="0"/>
+              <a:t> of permissions)</a:t>
+            </a:r>
+            <a:br>
+              <a:rPr lang="en-US" dirty="0" smtClean="0"/>
+            </a:br>
+            <a:r>
+              <a:rPr lang="en-US" dirty="0" smtClean="0"/>
+              <a:t/>
+            </a:r>
+            <a:br>
+              <a:rPr lang="en-US" dirty="0" smtClean="0"/>
+            </a:br>
             <a:endParaRPr lang="nl-BE" dirty="0"/>
           </a:p>
         </p:txBody>
@@ -1715,7 +2245,7 @@
           <a:p>
             <a:fld id="{214D5328-8A8B-4507-A018-9575DDE3653B}" type="slidenum">
               <a:rPr lang="nl-BE" smtClean="0"/>
-              <a:t>13</a:t>
+              <a:t>7</a:t>
             </a:fld>
             <a:endParaRPr lang="nl-BE"/>
           </a:p>
@@ -1724,7 +2254,7 @@
     </p:spTree>
     <p:extLst>
       <p:ext uri="{BB962C8B-B14F-4D97-AF65-F5344CB8AC3E}">
-        <p14:creationId xmlns:p14="http://schemas.microsoft.com/office/powerpoint/2010/main" val="2659478590"/>
+        <p14:creationId xmlns:p14="http://schemas.microsoft.com/office/powerpoint/2010/main" val="1516752903"/>
       </p:ext>
     </p:extLst>
   </p:cSld>
@@ -1780,11 +2310,21 @@
           <a:p>
             <a:r>
               <a:rPr lang="nl-BE" dirty="0" smtClean="0"/>
-              <a:t>Hide</a:t>
+              <a:t>V</a:t>
+            </a:r>
+          </a:p>
+          <a:p>
+            <a:r>
+              <a:rPr lang="nl-BE" dirty="0" smtClean="0"/>
+              <a:t>Explain</a:t>
             </a:r>
             <a:r>
               <a:rPr lang="nl-BE" baseline="0" dirty="0" smtClean="0"/>
-              <a:t> – Backup/Just in case</a:t>
+              <a:t> </a:t>
+            </a:r>
+            <a:r>
+              <a:rPr lang="nl-BE" baseline="0" dirty="0" smtClean="0"/>
+              <a:t>Scenario’s; Interaction from UI and How DataModel fits in.</a:t>
             </a:r>
           </a:p>
           <a:p>
@@ -1792,63 +2332,96 @@
           </a:p>
           <a:p>
             <a:r>
-              <a:rPr lang="nl-BE" baseline="0" dirty="0" smtClean="0"/>
-              <a:t>Side Information GRASP:</a:t>
-            </a:r>
-          </a:p>
-          <a:p>
-            <a:r>
               <a:rPr lang="en-US" dirty="0" smtClean="0"/>
-              <a:t>High cohesion</a:t>
-            </a:r>
+              <a:t>UI - Model - </a:t>
+            </a:r>
+            <a:r>
+              <a:rPr lang="en-US" dirty="0" err="1" smtClean="0"/>
+              <a:t>Cmd</a:t>
+            </a:r>
+            <a:endParaRPr lang="en-US" dirty="0" smtClean="0"/>
           </a:p>
           <a:p>
             <a:r>
               <a:rPr lang="en-US" dirty="0" smtClean="0"/>
-              <a:t>Low coupling</a:t>
-            </a:r>
-          </a:p>
-          <a:p>
+              <a:t>	* </a:t>
+            </a:r>
+            <a:r>
+              <a:rPr lang="en-US" dirty="0" err="1" smtClean="0"/>
+              <a:t>Seperate</a:t>
+            </a:r>
             <a:r>
               <a:rPr lang="en-US" dirty="0" smtClean="0"/>
-              <a:t>Information expert</a:t>
-            </a:r>
+              <a:t> Use case steps into </a:t>
+            </a:r>
+            <a:r>
+              <a:rPr lang="en-US" dirty="0" err="1" smtClean="0"/>
+              <a:t>Cmds</a:t>
+            </a:r>
+            <a:endParaRPr lang="en-US" dirty="0" smtClean="0"/>
           </a:p>
           <a:p>
             <a:r>
               <a:rPr lang="en-US" dirty="0" smtClean="0"/>
-              <a:t>Don't talk to strangers</a:t>
-            </a:r>
-          </a:p>
-          <a:p>
+              <a:t>	+ Low coupling</a:t>
+            </a:r>
+          </a:p>
+          <a:p>
+            <a:r>
+              <a:rPr lang="en-US" dirty="0" smtClean="0"/>
+              <a:t>	- High cohesion</a:t>
+            </a:r>
+          </a:p>
+          <a:p>
+            <a:r>
+              <a:rPr lang="en-US" dirty="0" smtClean="0"/>
+              <a:t>	+ Controller</a:t>
+            </a:r>
+          </a:p>
+          <a:p>
+            <a:r>
+              <a:rPr lang="en-US" dirty="0" smtClean="0"/>
+              <a:t>	+ </a:t>
+            </a:r>
             <a:r>
               <a:rPr lang="en-US" dirty="0" err="1" smtClean="0"/>
-              <a:t>Polymorpishm</a:t>
-            </a:r>
-            <a:endParaRPr lang="en-US" dirty="0" smtClean="0"/>
-          </a:p>
-          <a:p>
+              <a:t>Polymorphispm</a:t>
+            </a:r>
             <a:r>
               <a:rPr lang="en-US" dirty="0" smtClean="0"/>
-              <a:t>Controller</a:t>
-            </a:r>
-          </a:p>
-          <a:p>
+              <a:t> (little bit - </a:t>
+            </a:r>
+            <a:r>
+              <a:rPr lang="en-US" dirty="0" err="1" smtClean="0"/>
+              <a:t>Cmds</a:t>
+            </a:r>
             <a:r>
               <a:rPr lang="en-US" dirty="0" smtClean="0"/>
-              <a:t>Pure Fabrication (Not in conceptual model, specifically made for code)</a:t>
+              <a:t>)</a:t>
             </a:r>
           </a:p>
           <a:p>
             <a:r>
               <a:rPr lang="en-US" dirty="0" smtClean="0"/>
-              <a:t>Protected Variation (Assigning responsibility in a way that variations do not have undesirable effects. The way to build a stable 'interface' in a context of variations.)</a:t>
+              <a:t>	</a:t>
             </a:r>
           </a:p>
           <a:p>
             <a:r>
               <a:rPr lang="en-US" dirty="0" smtClean="0"/>
-              <a:t>Indirection (outsource responsibility)</a:t>
+              <a:t>	* Methods lots of methods</a:t>
+            </a:r>
+          </a:p>
+          <a:p>
+            <a:r>
+              <a:rPr lang="en-US" dirty="0" smtClean="0"/>
+              <a:t>	+ High coupling</a:t>
+            </a:r>
+          </a:p>
+          <a:p>
+            <a:r>
+              <a:rPr lang="en-US" dirty="0" smtClean="0"/>
+              <a:t>	- Low cohesion</a:t>
             </a:r>
             <a:endParaRPr lang="nl-BE" dirty="0"/>
           </a:p>
@@ -1871,7 +2444,7 @@
           <a:p>
             <a:fld id="{214D5328-8A8B-4507-A018-9575DDE3653B}" type="slidenum">
               <a:rPr lang="nl-BE" smtClean="0"/>
-              <a:t>14</a:t>
+              <a:t>8</a:t>
             </a:fld>
             <a:endParaRPr lang="nl-BE"/>
           </a:p>
@@ -1880,7 +2453,7 @@
     </p:spTree>
     <p:extLst>
       <p:ext uri="{BB962C8B-B14F-4D97-AF65-F5344CB8AC3E}">
-        <p14:creationId xmlns:p14="http://schemas.microsoft.com/office/powerpoint/2010/main" val="3717514831"/>
+        <p14:creationId xmlns:p14="http://schemas.microsoft.com/office/powerpoint/2010/main" val="4125895624"/>
       </p:ext>
     </p:extLst>
   </p:cSld>
@@ -1890,9 +2463,9 @@
 </p:notes>
 </file>
 
-<file path=ppt/slideLayouts/slideLayout1.xml><?xml version="1.0" encoding="utf-8"?>
-<p:sldLayout xmlns:a="http://schemas.openxmlformats.org/drawingml/2006/main" xmlns:r="http://schemas.openxmlformats.org/officeDocument/2006/relationships" xmlns:p="http://schemas.openxmlformats.org/presentationml/2006/main" type="title" preserve="1">
-  <p:cSld name="Title Slide">
+<file path=ppt/notesSlides/notesSlide9.xml><?xml version="1.0" encoding="utf-8"?>
+<p:notes xmlns:a="http://schemas.openxmlformats.org/drawingml/2006/main" xmlns:r="http://schemas.openxmlformats.org/officeDocument/2006/relationships" xmlns:p="http://schemas.openxmlformats.org/presentationml/2006/main">
+  <p:cSld>
     <p:spTree>
       <p:nvGrpSpPr>
         <p:cNvPr id="1" name=""/>
@@ -1909,211 +2482,75 @@
       </p:grpSpPr>
       <p:sp>
         <p:nvSpPr>
-          <p:cNvPr id="2" name="Title 1"/>
-          <p:cNvSpPr>
-            <a:spLocks noGrp="1"/>
-          </p:cNvSpPr>
-          <p:nvPr>
-            <p:ph type="ctrTitle"/>
-          </p:nvPr>
-        </p:nvSpPr>
-        <p:spPr>
-          <a:xfrm>
-            <a:off x="685800" y="2130425"/>
-            <a:ext cx="7772400" cy="1470025"/>
-          </a:xfrm>
-        </p:spPr>
+          <p:cNvPr id="2" name="Tijdelijke aanduiding voor dia-afbeelding 1"/>
+          <p:cNvSpPr>
+            <a:spLocks noGrp="1" noRot="1" noChangeAspect="1"/>
+          </p:cNvSpPr>
+          <p:nvPr>
+            <p:ph type="sldImg"/>
+          </p:nvPr>
+        </p:nvSpPr>
+        <p:spPr/>
+      </p:sp>
+      <p:sp>
+        <p:nvSpPr>
+          <p:cNvPr id="3" name="Tijdelijke aanduiding voor notities 2"/>
+          <p:cNvSpPr>
+            <a:spLocks noGrp="1"/>
+          </p:cNvSpPr>
+          <p:nvPr>
+            <p:ph type="body" idx="1"/>
+          </p:nvPr>
+        </p:nvSpPr>
+        <p:spPr/>
         <p:txBody>
           <a:bodyPr/>
           <a:lstStyle/>
           <a:p>
             <a:r>
-              <a:rPr lang="en-US" smtClean="0"/>
-              <a:t>Click to edit Master title style</a:t>
-            </a:r>
-            <a:endParaRPr lang="nl-BE"/>
-          </a:p>
-        </p:txBody>
-      </p:sp>
-      <p:sp>
-        <p:nvSpPr>
-          <p:cNvPr id="3" name="Subtitle 2"/>
-          <p:cNvSpPr>
-            <a:spLocks noGrp="1"/>
-          </p:cNvSpPr>
-          <p:nvPr>
-            <p:ph type="subTitle" idx="1"/>
-          </p:nvPr>
-        </p:nvSpPr>
-        <p:spPr>
-          <a:xfrm>
-            <a:off x="1371600" y="3886200"/>
-            <a:ext cx="6400800" cy="1752600"/>
-          </a:xfrm>
-        </p:spPr>
+              <a:rPr lang="nl-NL" dirty="0" smtClean="0"/>
+              <a:t>V</a:t>
+            </a:r>
+          </a:p>
+          <a:p>
+            <a:r>
+              <a:rPr lang="nl-NL" dirty="0" smtClean="0"/>
+              <a:t>System</a:t>
+            </a:r>
+            <a:r>
+              <a:rPr lang="nl-NL" baseline="0" dirty="0" smtClean="0"/>
+              <a:t> </a:t>
+            </a:r>
+            <a:r>
+              <a:rPr lang="nl-NL" baseline="0" dirty="0" err="1" smtClean="0"/>
+              <a:t>sequence</a:t>
+            </a:r>
+            <a:r>
+              <a:rPr lang="nl-NL" baseline="0" dirty="0" smtClean="0"/>
+              <a:t> diagram</a:t>
+            </a:r>
+            <a:endParaRPr lang="nl-NL" dirty="0"/>
+          </a:p>
+        </p:txBody>
+      </p:sp>
+      <p:sp>
+        <p:nvSpPr>
+          <p:cNvPr id="4" name="Tijdelijke aanduiding voor dianummer 3"/>
+          <p:cNvSpPr>
+            <a:spLocks noGrp="1"/>
+          </p:cNvSpPr>
+          <p:nvPr>
+            <p:ph type="sldNum" sz="quarter" idx="10"/>
+          </p:nvPr>
+        </p:nvSpPr>
+        <p:spPr/>
         <p:txBody>
           <a:bodyPr/>
-          <a:lstStyle>
-            <a:lvl1pPr marL="0" indent="0" algn="ctr">
-              <a:buNone/>
-              <a:defRPr>
-                <a:solidFill>
-                  <a:schemeClr val="tx1">
-                    <a:tint val="75000"/>
-                  </a:schemeClr>
-                </a:solidFill>
-              </a:defRPr>
-            </a:lvl1pPr>
-            <a:lvl2pPr marL="457200" indent="0" algn="ctr">
-              <a:buNone/>
-              <a:defRPr>
-                <a:solidFill>
-                  <a:schemeClr val="tx1">
-                    <a:tint val="75000"/>
-                  </a:schemeClr>
-                </a:solidFill>
-              </a:defRPr>
-            </a:lvl2pPr>
-            <a:lvl3pPr marL="914400" indent="0" algn="ctr">
-              <a:buNone/>
-              <a:defRPr>
-                <a:solidFill>
-                  <a:schemeClr val="tx1">
-                    <a:tint val="75000"/>
-                  </a:schemeClr>
-                </a:solidFill>
-              </a:defRPr>
-            </a:lvl3pPr>
-            <a:lvl4pPr marL="1371600" indent="0" algn="ctr">
-              <a:buNone/>
-              <a:defRPr>
-                <a:solidFill>
-                  <a:schemeClr val="tx1">
-                    <a:tint val="75000"/>
-                  </a:schemeClr>
-                </a:solidFill>
-              </a:defRPr>
-            </a:lvl4pPr>
-            <a:lvl5pPr marL="1828800" indent="0" algn="ctr">
-              <a:buNone/>
-              <a:defRPr>
-                <a:solidFill>
-                  <a:schemeClr val="tx1">
-                    <a:tint val="75000"/>
-                  </a:schemeClr>
-                </a:solidFill>
-              </a:defRPr>
-            </a:lvl5pPr>
-            <a:lvl6pPr marL="2286000" indent="0" algn="ctr">
-              <a:buNone/>
-              <a:defRPr>
-                <a:solidFill>
-                  <a:schemeClr val="tx1">
-                    <a:tint val="75000"/>
-                  </a:schemeClr>
-                </a:solidFill>
-              </a:defRPr>
-            </a:lvl6pPr>
-            <a:lvl7pPr marL="2743200" indent="0" algn="ctr">
-              <a:buNone/>
-              <a:defRPr>
-                <a:solidFill>
-                  <a:schemeClr val="tx1">
-                    <a:tint val="75000"/>
-                  </a:schemeClr>
-                </a:solidFill>
-              </a:defRPr>
-            </a:lvl7pPr>
-            <a:lvl8pPr marL="3200400" indent="0" algn="ctr">
-              <a:buNone/>
-              <a:defRPr>
-                <a:solidFill>
-                  <a:schemeClr val="tx1">
-                    <a:tint val="75000"/>
-                  </a:schemeClr>
-                </a:solidFill>
-              </a:defRPr>
-            </a:lvl8pPr>
-            <a:lvl9pPr marL="3657600" indent="0" algn="ctr">
-              <a:buNone/>
-              <a:defRPr>
-                <a:solidFill>
-                  <a:schemeClr val="tx1">
-                    <a:tint val="75000"/>
-                  </a:schemeClr>
-                </a:solidFill>
-              </a:defRPr>
-            </a:lvl9pPr>
-          </a:lstStyle>
-          <a:p>
-            <a:r>
-              <a:rPr lang="en-US" smtClean="0"/>
-              <a:t>Click to edit Master subtitle style</a:t>
-            </a:r>
-            <a:endParaRPr lang="nl-BE"/>
-          </a:p>
-        </p:txBody>
-      </p:sp>
-      <p:sp>
-        <p:nvSpPr>
-          <p:cNvPr id="4" name="Date Placeholder 3"/>
-          <p:cNvSpPr>
-            <a:spLocks noGrp="1"/>
-          </p:cNvSpPr>
-          <p:nvPr>
-            <p:ph type="dt" sz="half" idx="10"/>
-          </p:nvPr>
-        </p:nvSpPr>
-        <p:spPr/>
-        <p:txBody>
-          <a:bodyPr/>
-          <a:lstStyle/>
-          <a:p>
-            <a:fld id="{3FF3D4C3-34CD-4E7E-97F9-86F6D58F3628}" type="datetimeFigureOut">
+          <a:lstStyle/>
+          <a:p>
+            <a:fld id="{214D5328-8A8B-4507-A018-9575DDE3653B}" type="slidenum">
               <a:rPr lang="nl-BE" smtClean="0"/>
-              <a:t>11/03/2016</a:t>
-            </a:fld>
-            <a:endParaRPr lang="nl-BE"/>
-          </a:p>
-        </p:txBody>
-      </p:sp>
-      <p:sp>
-        <p:nvSpPr>
-          <p:cNvPr id="5" name="Footer Placeholder 4"/>
-          <p:cNvSpPr>
-            <a:spLocks noGrp="1"/>
-          </p:cNvSpPr>
-          <p:nvPr>
-            <p:ph type="ftr" sz="quarter" idx="11"/>
-          </p:nvPr>
-        </p:nvSpPr>
-        <p:spPr/>
-        <p:txBody>
-          <a:bodyPr/>
-          <a:lstStyle/>
-          <a:p>
-            <a:endParaRPr lang="nl-BE"/>
-          </a:p>
-        </p:txBody>
-      </p:sp>
-      <p:sp>
-        <p:nvSpPr>
-          <p:cNvPr id="6" name="Slide Number Placeholder 5"/>
-          <p:cNvSpPr>
-            <a:spLocks noGrp="1"/>
-          </p:cNvSpPr>
-          <p:nvPr>
-            <p:ph type="sldNum" sz="quarter" idx="12"/>
-          </p:nvPr>
-        </p:nvSpPr>
-        <p:spPr/>
-        <p:txBody>
-          <a:bodyPr/>
-          <a:lstStyle/>
-          <a:p>
-            <a:fld id="{1388032C-26F7-45D2-BF4B-5C7971A85815}" type="slidenum">
-              <a:rPr lang="nl-BE" smtClean="0"/>
-              <a:t>‹#›</a:t>
+              <a:t>9</a:t>
             </a:fld>
             <a:endParaRPr lang="nl-BE"/>
           </a:p>
@@ -2122,19 +2559,19 @@
     </p:spTree>
     <p:extLst>
       <p:ext uri="{BB962C8B-B14F-4D97-AF65-F5344CB8AC3E}">
-        <p14:creationId xmlns:p14="http://schemas.microsoft.com/office/powerpoint/2010/main" val="3054078085"/>
+        <p14:creationId xmlns:p14="http://schemas.microsoft.com/office/powerpoint/2010/main" val="1428120247"/>
       </p:ext>
     </p:extLst>
   </p:cSld>
   <p:clrMapOvr>
     <a:masterClrMapping/>
   </p:clrMapOvr>
-</p:sldLayout>
+</p:notes>
 </file>
 
-<file path=ppt/slideLayouts/slideLayout10.xml><?xml version="1.0" encoding="utf-8"?>
-<p:sldLayout xmlns:a="http://schemas.openxmlformats.org/drawingml/2006/main" xmlns:r="http://schemas.openxmlformats.org/officeDocument/2006/relationships" xmlns:p="http://schemas.openxmlformats.org/presentationml/2006/main" type="vertTx" preserve="1">
-  <p:cSld name="Title and Vertical Text">
+<file path=ppt/slideLayouts/slideLayout1.xml><?xml version="1.0" encoding="utf-8"?>
+<p:sldLayout xmlns:a="http://schemas.openxmlformats.org/drawingml/2006/main" xmlns:r="http://schemas.openxmlformats.org/officeDocument/2006/relationships" xmlns:p="http://schemas.openxmlformats.org/presentationml/2006/main" showMasterSp="0" type="title" preserve="1">
+  <p:cSld name="Titeldia">
     <p:spTree>
       <p:nvGrpSpPr>
         <p:cNvPr id="1" name=""/>
@@ -2151,76 +2588,193 @@
       </p:grpSpPr>
       <p:sp>
         <p:nvSpPr>
+          <p:cNvPr id="7" name="Rectangle 6"/>
+          <p:cNvSpPr/>
+          <p:nvPr/>
+        </p:nvSpPr>
+        <p:spPr>
+          <a:xfrm>
+            <a:off x="2382" y="6400800"/>
+            <a:ext cx="9141619" cy="457200"/>
+          </a:xfrm>
+          <a:prstGeom prst="rect">
+            <a:avLst/>
+          </a:prstGeom>
+          <a:solidFill>
+            <a:schemeClr val="accent2"/>
+          </a:solidFill>
+          <a:ln>
+            <a:noFill/>
+          </a:ln>
+        </p:spPr>
+        <p:style>
+          <a:lnRef idx="2">
+            <a:schemeClr val="accent1">
+              <a:shade val="50000"/>
+            </a:schemeClr>
+          </a:lnRef>
+          <a:fillRef idx="1">
+            <a:schemeClr val="accent1"/>
+          </a:fillRef>
+          <a:effectRef idx="0">
+            <a:schemeClr val="accent1"/>
+          </a:effectRef>
+          <a:fontRef idx="minor">
+            <a:schemeClr val="lt1"/>
+          </a:fontRef>
+        </p:style>
+      </p:sp>
+      <p:sp>
+        <p:nvSpPr>
+          <p:cNvPr id="8" name="Rectangle 7"/>
+          <p:cNvSpPr/>
+          <p:nvPr/>
+        </p:nvSpPr>
+        <p:spPr>
+          <a:xfrm>
+            <a:off x="12" y="6334316"/>
+            <a:ext cx="9141619" cy="64008"/>
+          </a:xfrm>
+          <a:prstGeom prst="rect">
+            <a:avLst/>
+          </a:prstGeom>
+          <a:solidFill>
+            <a:schemeClr val="accent1"/>
+          </a:solidFill>
+          <a:ln>
+            <a:noFill/>
+          </a:ln>
+        </p:spPr>
+        <p:style>
+          <a:lnRef idx="2">
+            <a:schemeClr val="accent1">
+              <a:shade val="50000"/>
+            </a:schemeClr>
+          </a:lnRef>
+          <a:fillRef idx="1">
+            <a:schemeClr val="accent1"/>
+          </a:fillRef>
+          <a:effectRef idx="0">
+            <a:schemeClr val="accent1"/>
+          </a:effectRef>
+          <a:fontRef idx="minor">
+            <a:schemeClr val="lt1"/>
+          </a:fontRef>
+        </p:style>
+      </p:sp>
+      <p:sp>
+        <p:nvSpPr>
           <p:cNvPr id="2" name="Title 1"/>
           <p:cNvSpPr>
             <a:spLocks noGrp="1"/>
           </p:cNvSpPr>
           <p:nvPr>
-            <p:ph type="title"/>
-          </p:nvPr>
-        </p:nvSpPr>
-        <p:spPr/>
-        <p:txBody>
-          <a:bodyPr/>
-          <a:lstStyle/>
-          <a:p>
-            <a:r>
-              <a:rPr lang="en-US" smtClean="0"/>
-              <a:t>Click to edit Master title style</a:t>
-            </a:r>
-            <a:endParaRPr lang="nl-BE"/>
-          </a:p>
-        </p:txBody>
-      </p:sp>
-      <p:sp>
-        <p:nvSpPr>
-          <p:cNvPr id="3" name="Vertical Text Placeholder 2"/>
-          <p:cNvSpPr>
-            <a:spLocks noGrp="1"/>
-          </p:cNvSpPr>
-          <p:nvPr>
-            <p:ph type="body" orient="vert" idx="1"/>
-          </p:nvPr>
-        </p:nvSpPr>
-        <p:spPr/>
-        <p:txBody>
-          <a:bodyPr vert="eaVert"/>
-          <a:lstStyle/>
-          <a:p>
-            <a:pPr lvl="0"/>
-            <a:r>
-              <a:rPr lang="en-US" smtClean="0"/>
-              <a:t>Click to edit Master text styles</a:t>
-            </a:r>
-          </a:p>
-          <a:p>
-            <a:pPr lvl="1"/>
-            <a:r>
-              <a:rPr lang="en-US" smtClean="0"/>
-              <a:t>Second level</a:t>
-            </a:r>
-          </a:p>
-          <a:p>
-            <a:pPr lvl="2"/>
-            <a:r>
-              <a:rPr lang="en-US" smtClean="0"/>
-              <a:t>Third level</a:t>
-            </a:r>
-          </a:p>
-          <a:p>
-            <a:pPr lvl="3"/>
-            <a:r>
-              <a:rPr lang="en-US" smtClean="0"/>
-              <a:t>Fourth level</a:t>
-            </a:r>
-          </a:p>
-          <a:p>
-            <a:pPr lvl="4"/>
-            <a:r>
-              <a:rPr lang="en-US" smtClean="0"/>
-              <a:t>Fifth level</a:t>
-            </a:r>
-            <a:endParaRPr lang="nl-BE"/>
+            <p:ph type="ctrTitle"/>
+          </p:nvPr>
+        </p:nvSpPr>
+        <p:spPr>
+          <a:xfrm>
+            <a:off x="822960" y="758952"/>
+            <a:ext cx="7543800" cy="3566160"/>
+          </a:xfrm>
+        </p:spPr>
+        <p:txBody>
+          <a:bodyPr anchor="b">
+            <a:normAutofit/>
+          </a:bodyPr>
+          <a:lstStyle>
+            <a:lvl1pPr algn="l">
+              <a:lnSpc>
+                <a:spcPct val="85000"/>
+              </a:lnSpc>
+              <a:defRPr sz="8000" spc="-50" baseline="0">
+                <a:solidFill>
+                  <a:schemeClr val="tx1">
+                    <a:lumMod val="85000"/>
+                    <a:lumOff val="15000"/>
+                  </a:schemeClr>
+                </a:solidFill>
+              </a:defRPr>
+            </a:lvl1pPr>
+          </a:lstStyle>
+          <a:p>
+            <a:r>
+              <a:rPr lang="nl-NL" smtClean="0"/>
+              <a:t>Titelstijl van model bewerken</a:t>
+            </a:r>
+            <a:endParaRPr lang="en-US" dirty="0"/>
+          </a:p>
+        </p:txBody>
+      </p:sp>
+      <p:sp>
+        <p:nvSpPr>
+          <p:cNvPr id="3" name="Subtitle 2"/>
+          <p:cNvSpPr>
+            <a:spLocks noGrp="1"/>
+          </p:cNvSpPr>
+          <p:nvPr>
+            <p:ph type="subTitle" idx="1"/>
+          </p:nvPr>
+        </p:nvSpPr>
+        <p:spPr>
+          <a:xfrm>
+            <a:off x="825038" y="4455621"/>
+            <a:ext cx="7543800" cy="1143000"/>
+          </a:xfrm>
+        </p:spPr>
+        <p:txBody>
+          <a:bodyPr lIns="91440" rIns="91440">
+            <a:normAutofit/>
+          </a:bodyPr>
+          <a:lstStyle>
+            <a:lvl1pPr marL="0" indent="0" algn="l">
+              <a:buNone/>
+              <a:defRPr sz="2400" cap="all" spc="200" baseline="0">
+                <a:solidFill>
+                  <a:schemeClr val="tx2"/>
+                </a:solidFill>
+                <a:latin typeface="+mj-lt"/>
+              </a:defRPr>
+            </a:lvl1pPr>
+            <a:lvl2pPr marL="457200" indent="0" algn="ctr">
+              <a:buNone/>
+              <a:defRPr sz="2400"/>
+            </a:lvl2pPr>
+            <a:lvl3pPr marL="914400" indent="0" algn="ctr">
+              <a:buNone/>
+              <a:defRPr sz="2400"/>
+            </a:lvl3pPr>
+            <a:lvl4pPr marL="1371600" indent="0" algn="ctr">
+              <a:buNone/>
+              <a:defRPr sz="2000"/>
+            </a:lvl4pPr>
+            <a:lvl5pPr marL="1828800" indent="0" algn="ctr">
+              <a:buNone/>
+              <a:defRPr sz="2000"/>
+            </a:lvl5pPr>
+            <a:lvl6pPr marL="2286000" indent="0" algn="ctr">
+              <a:buNone/>
+              <a:defRPr sz="2000"/>
+            </a:lvl6pPr>
+            <a:lvl7pPr marL="2743200" indent="0" algn="ctr">
+              <a:buNone/>
+              <a:defRPr sz="2000"/>
+            </a:lvl7pPr>
+            <a:lvl8pPr marL="3200400" indent="0" algn="ctr">
+              <a:buNone/>
+              <a:defRPr sz="2000"/>
+            </a:lvl8pPr>
+            <a:lvl9pPr marL="3657600" indent="0" algn="ctr">
+              <a:buNone/>
+              <a:defRPr sz="2000"/>
+            </a:lvl9pPr>
+          </a:lstStyle>
+          <a:p>
+            <a:r>
+              <a:rPr lang="nl-NL" smtClean="0"/>
+              <a:t>Klik om de ondertitelstijl van het model te bewerken</a:t>
+            </a:r>
+            <a:endParaRPr lang="en-US" dirty="0"/>
           </a:p>
         </p:txBody>
       </p:sp>
@@ -2241,7 +2795,7 @@
           <a:p>
             <a:fld id="{3FF3D4C3-34CD-4E7E-97F9-86F6D58F3628}" type="datetimeFigureOut">
               <a:rPr lang="nl-BE" smtClean="0"/>
-              <a:t>11/03/2016</a:t>
+              <a:t>14/03/16</a:t>
             </a:fld>
             <a:endParaRPr lang="nl-BE"/>
           </a:p>
@@ -2283,16 +2837,54 @@
           <a:p>
             <a:fld id="{1388032C-26F7-45D2-BF4B-5C7971A85815}" type="slidenum">
               <a:rPr lang="nl-BE" smtClean="0"/>
-              <a:t>‹#›</a:t>
+              <a:t>‹nr.›</a:t>
             </a:fld>
             <a:endParaRPr lang="nl-BE"/>
           </a:p>
         </p:txBody>
       </p:sp>
+      <p:cxnSp>
+        <p:nvCxnSpPr>
+          <p:cNvPr id="9" name="Straight Connector 8"/>
+          <p:cNvCxnSpPr/>
+          <p:nvPr/>
+        </p:nvCxnSpPr>
+        <p:spPr>
+          <a:xfrm>
+            <a:off x="905744" y="4343400"/>
+            <a:ext cx="7406640" cy="0"/>
+          </a:xfrm>
+          <a:prstGeom prst="line">
+            <a:avLst/>
+          </a:prstGeom>
+          <a:ln w="6350">
+            <a:solidFill>
+              <a:schemeClr val="tx1">
+                <a:lumMod val="50000"/>
+                <a:lumOff val="50000"/>
+              </a:schemeClr>
+            </a:solidFill>
+          </a:ln>
+        </p:spPr>
+        <p:style>
+          <a:lnRef idx="1">
+            <a:schemeClr val="accent1"/>
+          </a:lnRef>
+          <a:fillRef idx="0">
+            <a:schemeClr val="accent1"/>
+          </a:fillRef>
+          <a:effectRef idx="0">
+            <a:schemeClr val="accent1"/>
+          </a:effectRef>
+          <a:fontRef idx="minor">
+            <a:schemeClr val="tx1"/>
+          </a:fontRef>
+        </p:style>
+      </p:cxnSp>
     </p:spTree>
     <p:extLst>
       <p:ext uri="{BB962C8B-B14F-4D97-AF65-F5344CB8AC3E}">
-        <p14:creationId xmlns:p14="http://schemas.microsoft.com/office/powerpoint/2010/main" val="3403101123"/>
+        <p14:creationId xmlns:p14="http://schemas.microsoft.com/office/powerpoint/2010/main" val="1927372065"/>
       </p:ext>
     </p:extLst>
   </p:cSld>
@@ -2302,9 +2894,9 @@
 </p:sldLayout>
 </file>
 
-<file path=ppt/slideLayouts/slideLayout11.xml><?xml version="1.0" encoding="utf-8"?>
-<p:sldLayout xmlns:a="http://schemas.openxmlformats.org/drawingml/2006/main" xmlns:r="http://schemas.openxmlformats.org/officeDocument/2006/relationships" xmlns:p="http://schemas.openxmlformats.org/presentationml/2006/main" type="vertTitleAndTx" preserve="1">
-  <p:cSld name="Vertical Title and Text">
+<file path=ppt/slideLayouts/slideLayout10.xml><?xml version="1.0" encoding="utf-8"?>
+<p:sldLayout xmlns:a="http://schemas.openxmlformats.org/drawingml/2006/main" xmlns:r="http://schemas.openxmlformats.org/officeDocument/2006/relationships" xmlns:p="http://schemas.openxmlformats.org/presentationml/2006/main" type="vertTx" preserve="1">
+  <p:cSld name="Titel en verticale tekst">
     <p:spTree>
       <p:nvGrpSpPr>
         <p:cNvPr id="1" name=""/>
@@ -2321,29 +2913,24 @@
       </p:grpSpPr>
       <p:sp>
         <p:nvSpPr>
-          <p:cNvPr id="2" name="Vertical Title 1"/>
-          <p:cNvSpPr>
-            <a:spLocks noGrp="1"/>
-          </p:cNvSpPr>
-          <p:nvPr>
-            <p:ph type="title" orient="vert"/>
-          </p:nvPr>
-        </p:nvSpPr>
-        <p:spPr>
-          <a:xfrm>
-            <a:off x="6629400" y="274638"/>
-            <a:ext cx="2057400" cy="5851525"/>
-          </a:xfrm>
-        </p:spPr>
-        <p:txBody>
-          <a:bodyPr vert="eaVert"/>
-          <a:lstStyle/>
-          <a:p>
-            <a:r>
-              <a:rPr lang="en-US" smtClean="0"/>
-              <a:t>Click to edit Master title style</a:t>
-            </a:r>
-            <a:endParaRPr lang="nl-BE"/>
+          <p:cNvPr id="2" name="Title 1"/>
+          <p:cNvSpPr>
+            <a:spLocks noGrp="1"/>
+          </p:cNvSpPr>
+          <p:nvPr>
+            <p:ph type="title"/>
+          </p:nvPr>
+        </p:nvSpPr>
+        <p:spPr/>
+        <p:txBody>
+          <a:bodyPr/>
+          <a:lstStyle/>
+          <a:p>
+            <a:r>
+              <a:rPr lang="nl-NL" smtClean="0"/>
+              <a:t>Titelstijl van model bewerken</a:t>
+            </a:r>
+            <a:endParaRPr lang="en-US" dirty="0"/>
           </a:p>
         </p:txBody>
       </p:sp>
@@ -2357,50 +2944,45 @@
             <p:ph type="body" orient="vert" idx="1"/>
           </p:nvPr>
         </p:nvSpPr>
-        <p:spPr>
-          <a:xfrm>
-            <a:off x="457200" y="274638"/>
-            <a:ext cx="6019800" cy="5851525"/>
-          </a:xfrm>
-        </p:spPr>
-        <p:txBody>
-          <a:bodyPr vert="eaVert"/>
+        <p:spPr/>
+        <p:txBody>
+          <a:bodyPr vert="eaVert" lIns="45720" tIns="0" rIns="45720" bIns="0"/>
           <a:lstStyle/>
           <a:p>
             <a:pPr lvl="0"/>
             <a:r>
-              <a:rPr lang="en-US" smtClean="0"/>
-              <a:t>Click to edit Master text styles</a:t>
+              <a:rPr lang="nl-NL" smtClean="0"/>
+              <a:t>Klik om de tekststijl van het model te bewerken</a:t>
             </a:r>
           </a:p>
           <a:p>
             <a:pPr lvl="1"/>
             <a:r>
-              <a:rPr lang="en-US" smtClean="0"/>
-              <a:t>Second level</a:t>
+              <a:rPr lang="nl-NL" smtClean="0"/>
+              <a:t>Tweede niveau</a:t>
             </a:r>
           </a:p>
           <a:p>
             <a:pPr lvl="2"/>
             <a:r>
-              <a:rPr lang="en-US" smtClean="0"/>
-              <a:t>Third level</a:t>
+              <a:rPr lang="nl-NL" smtClean="0"/>
+              <a:t>Derde niveau</a:t>
             </a:r>
           </a:p>
           <a:p>
             <a:pPr lvl="3"/>
             <a:r>
-              <a:rPr lang="en-US" smtClean="0"/>
-              <a:t>Fourth level</a:t>
+              <a:rPr lang="nl-NL" smtClean="0"/>
+              <a:t>Vierde niveau</a:t>
             </a:r>
           </a:p>
           <a:p>
             <a:pPr lvl="4"/>
             <a:r>
-              <a:rPr lang="en-US" smtClean="0"/>
-              <a:t>Fifth level</a:t>
-            </a:r>
-            <a:endParaRPr lang="nl-BE"/>
+              <a:rPr lang="nl-NL" smtClean="0"/>
+              <a:t>Vijfde niveau</a:t>
+            </a:r>
+            <a:endParaRPr lang="en-US" dirty="0"/>
           </a:p>
         </p:txBody>
       </p:sp>
@@ -2421,7 +3003,7 @@
           <a:p>
             <a:fld id="{3FF3D4C3-34CD-4E7E-97F9-86F6D58F3628}" type="datetimeFigureOut">
               <a:rPr lang="nl-BE" smtClean="0"/>
-              <a:t>11/03/2016</a:t>
+              <a:t>14/03/16</a:t>
             </a:fld>
             <a:endParaRPr lang="nl-BE"/>
           </a:p>
@@ -2463,7 +3045,7 @@
           <a:p>
             <a:fld id="{1388032C-26F7-45D2-BF4B-5C7971A85815}" type="slidenum">
               <a:rPr lang="nl-BE" smtClean="0"/>
-              <a:t>‹#›</a:t>
+              <a:t>‹nr.›</a:t>
             </a:fld>
             <a:endParaRPr lang="nl-BE"/>
           </a:p>
@@ -2472,7 +3054,7 @@
     </p:spTree>
     <p:extLst>
       <p:ext uri="{BB962C8B-B14F-4D97-AF65-F5344CB8AC3E}">
-        <p14:creationId xmlns:p14="http://schemas.microsoft.com/office/powerpoint/2010/main" val="1005559202"/>
+        <p14:creationId xmlns:p14="http://schemas.microsoft.com/office/powerpoint/2010/main" val="997268343"/>
       </p:ext>
     </p:extLst>
   </p:cSld>
@@ -2482,9 +3064,9 @@
 </p:sldLayout>
 </file>
 
-<file path=ppt/slideLayouts/slideLayout2.xml><?xml version="1.0" encoding="utf-8"?>
-<p:sldLayout xmlns:a="http://schemas.openxmlformats.org/drawingml/2006/main" xmlns:r="http://schemas.openxmlformats.org/officeDocument/2006/relationships" xmlns:p="http://schemas.openxmlformats.org/presentationml/2006/main" type="obj" preserve="1">
-  <p:cSld name="Title and Content">
+<file path=ppt/slideLayouts/slideLayout11.xml><?xml version="1.0" encoding="utf-8"?>
+<p:sldLayout xmlns:a="http://schemas.openxmlformats.org/drawingml/2006/main" xmlns:r="http://schemas.openxmlformats.org/officeDocument/2006/relationships" xmlns:p="http://schemas.openxmlformats.org/presentationml/2006/main" showMasterSp="0" type="vertTitleAndTx" preserve="1">
+  <p:cSld name="Verticale titel en tekst">
     <p:spTree>
       <p:nvGrpSpPr>
         <p:cNvPr id="1" name=""/>
@@ -2501,76 +3083,162 @@
       </p:grpSpPr>
       <p:sp>
         <p:nvSpPr>
-          <p:cNvPr id="2" name="Title 1"/>
-          <p:cNvSpPr>
-            <a:spLocks noGrp="1"/>
-          </p:cNvSpPr>
-          <p:nvPr>
-            <p:ph type="title"/>
-          </p:nvPr>
-        </p:nvSpPr>
-        <p:spPr/>
-        <p:txBody>
-          <a:bodyPr/>
-          <a:lstStyle/>
-          <a:p>
-            <a:r>
-              <a:rPr lang="en-US" smtClean="0"/>
-              <a:t>Click to edit Master title style</a:t>
-            </a:r>
-            <a:endParaRPr lang="nl-BE"/>
-          </a:p>
-        </p:txBody>
-      </p:sp>
-      <p:sp>
-        <p:nvSpPr>
-          <p:cNvPr id="3" name="Content Placeholder 2"/>
-          <p:cNvSpPr>
-            <a:spLocks noGrp="1"/>
-          </p:cNvSpPr>
-          <p:nvPr>
-            <p:ph idx="1"/>
-          </p:nvPr>
-        </p:nvSpPr>
-        <p:spPr/>
-        <p:txBody>
-          <a:bodyPr/>
+          <p:cNvPr id="7" name="Rectangle 6"/>
+          <p:cNvSpPr/>
+          <p:nvPr/>
+        </p:nvSpPr>
+        <p:spPr>
+          <a:xfrm>
+            <a:off x="2382" y="6400800"/>
+            <a:ext cx="9141619" cy="457200"/>
+          </a:xfrm>
+          <a:prstGeom prst="rect">
+            <a:avLst/>
+          </a:prstGeom>
+          <a:solidFill>
+            <a:schemeClr val="accent2"/>
+          </a:solidFill>
+          <a:ln>
+            <a:noFill/>
+          </a:ln>
+        </p:spPr>
+        <p:style>
+          <a:lnRef idx="2">
+            <a:schemeClr val="accent1">
+              <a:shade val="50000"/>
+            </a:schemeClr>
+          </a:lnRef>
+          <a:fillRef idx="1">
+            <a:schemeClr val="accent1"/>
+          </a:fillRef>
+          <a:effectRef idx="0">
+            <a:schemeClr val="accent1"/>
+          </a:effectRef>
+          <a:fontRef idx="minor">
+            <a:schemeClr val="lt1"/>
+          </a:fontRef>
+        </p:style>
+      </p:sp>
+      <p:sp>
+        <p:nvSpPr>
+          <p:cNvPr id="8" name="Rectangle 7"/>
+          <p:cNvSpPr/>
+          <p:nvPr/>
+        </p:nvSpPr>
+        <p:spPr>
+          <a:xfrm>
+            <a:off x="12" y="6334316"/>
+            <a:ext cx="9141619" cy="64008"/>
+          </a:xfrm>
+          <a:prstGeom prst="rect">
+            <a:avLst/>
+          </a:prstGeom>
+          <a:solidFill>
+            <a:schemeClr val="accent1"/>
+          </a:solidFill>
+          <a:ln>
+            <a:noFill/>
+          </a:ln>
+        </p:spPr>
+        <p:style>
+          <a:lnRef idx="2">
+            <a:schemeClr val="accent1">
+              <a:shade val="50000"/>
+            </a:schemeClr>
+          </a:lnRef>
+          <a:fillRef idx="1">
+            <a:schemeClr val="accent1"/>
+          </a:fillRef>
+          <a:effectRef idx="0">
+            <a:schemeClr val="accent1"/>
+          </a:effectRef>
+          <a:fontRef idx="minor">
+            <a:schemeClr val="lt1"/>
+          </a:fontRef>
+        </p:style>
+      </p:sp>
+      <p:sp>
+        <p:nvSpPr>
+          <p:cNvPr id="2" name="Vertical Title 1"/>
+          <p:cNvSpPr>
+            <a:spLocks noGrp="1"/>
+          </p:cNvSpPr>
+          <p:nvPr>
+            <p:ph type="title" orient="vert"/>
+          </p:nvPr>
+        </p:nvSpPr>
+        <p:spPr>
+          <a:xfrm>
+            <a:off x="6543675" y="412302"/>
+            <a:ext cx="1971675" cy="5759898"/>
+          </a:xfrm>
+        </p:spPr>
+        <p:txBody>
+          <a:bodyPr vert="eaVert"/>
+          <a:lstStyle/>
+          <a:p>
+            <a:r>
+              <a:rPr lang="nl-NL" smtClean="0"/>
+              <a:t>Titelstijl van model bewerken</a:t>
+            </a:r>
+            <a:endParaRPr lang="en-US" dirty="0"/>
+          </a:p>
+        </p:txBody>
+      </p:sp>
+      <p:sp>
+        <p:nvSpPr>
+          <p:cNvPr id="3" name="Vertical Text Placeholder 2"/>
+          <p:cNvSpPr>
+            <a:spLocks noGrp="1"/>
+          </p:cNvSpPr>
+          <p:nvPr>
+            <p:ph type="body" orient="vert" idx="1"/>
+          </p:nvPr>
+        </p:nvSpPr>
+        <p:spPr>
+          <a:xfrm>
+            <a:off x="628650" y="412302"/>
+            <a:ext cx="5800725" cy="5759898"/>
+          </a:xfrm>
+        </p:spPr>
+        <p:txBody>
+          <a:bodyPr vert="eaVert" lIns="45720" tIns="0" rIns="45720" bIns="0"/>
           <a:lstStyle/>
           <a:p>
             <a:pPr lvl="0"/>
             <a:r>
-              <a:rPr lang="en-US" smtClean="0"/>
-              <a:t>Click to edit Master text styles</a:t>
+              <a:rPr lang="nl-NL" smtClean="0"/>
+              <a:t>Klik om de tekststijl van het model te bewerken</a:t>
             </a:r>
           </a:p>
           <a:p>
             <a:pPr lvl="1"/>
             <a:r>
-              <a:rPr lang="en-US" smtClean="0"/>
-              <a:t>Second level</a:t>
+              <a:rPr lang="nl-NL" smtClean="0"/>
+              <a:t>Tweede niveau</a:t>
             </a:r>
           </a:p>
           <a:p>
             <a:pPr lvl="2"/>
             <a:r>
-              <a:rPr lang="en-US" smtClean="0"/>
-              <a:t>Third level</a:t>
+              <a:rPr lang="nl-NL" smtClean="0"/>
+              <a:t>Derde niveau</a:t>
             </a:r>
           </a:p>
           <a:p>
             <a:pPr lvl="3"/>
             <a:r>
-              <a:rPr lang="en-US" smtClean="0"/>
-              <a:t>Fourth level</a:t>
+              <a:rPr lang="nl-NL" smtClean="0"/>
+              <a:t>Vierde niveau</a:t>
             </a:r>
           </a:p>
           <a:p>
             <a:pPr lvl="4"/>
             <a:r>
-              <a:rPr lang="en-US" smtClean="0"/>
-              <a:t>Fifth level</a:t>
-            </a:r>
-            <a:endParaRPr lang="nl-BE"/>
+              <a:rPr lang="nl-NL" smtClean="0"/>
+              <a:t>Vijfde niveau</a:t>
+            </a:r>
+            <a:endParaRPr lang="en-US" dirty="0"/>
           </a:p>
         </p:txBody>
       </p:sp>
@@ -2591,7 +3259,7 @@
           <a:p>
             <a:fld id="{3FF3D4C3-34CD-4E7E-97F9-86F6D58F3628}" type="datetimeFigureOut">
               <a:rPr lang="nl-BE" smtClean="0"/>
-              <a:t>11/03/2016</a:t>
+              <a:t>14/03/16</a:t>
             </a:fld>
             <a:endParaRPr lang="nl-BE"/>
           </a:p>
@@ -2633,7 +3301,7 @@
           <a:p>
             <a:fld id="{1388032C-26F7-45D2-BF4B-5C7971A85815}" type="slidenum">
               <a:rPr lang="nl-BE" smtClean="0"/>
-              <a:t>‹#›</a:t>
+              <a:t>‹nr.›</a:t>
             </a:fld>
             <a:endParaRPr lang="nl-BE"/>
           </a:p>
@@ -2642,7 +3310,7 @@
     </p:spTree>
     <p:extLst>
       <p:ext uri="{BB962C8B-B14F-4D97-AF65-F5344CB8AC3E}">
-        <p14:creationId xmlns:p14="http://schemas.microsoft.com/office/powerpoint/2010/main" val="1004699023"/>
+        <p14:creationId xmlns:p14="http://schemas.microsoft.com/office/powerpoint/2010/main" val="2126659613"/>
       </p:ext>
     </p:extLst>
   </p:cSld>
@@ -2652,9 +3320,9 @@
 </p:sldLayout>
 </file>
 
-<file path=ppt/slideLayouts/slideLayout3.xml><?xml version="1.0" encoding="utf-8"?>
-<p:sldLayout xmlns:a="http://schemas.openxmlformats.org/drawingml/2006/main" xmlns:r="http://schemas.openxmlformats.org/officeDocument/2006/relationships" xmlns:p="http://schemas.openxmlformats.org/presentationml/2006/main" type="secHead" preserve="1">
-  <p:cSld name="Section Header">
+<file path=ppt/slideLayouts/slideLayout2.xml><?xml version="1.0" encoding="utf-8"?>
+<p:sldLayout xmlns:a="http://schemas.openxmlformats.org/drawingml/2006/main" xmlns:r="http://schemas.openxmlformats.org/officeDocument/2006/relationships" xmlns:p="http://schemas.openxmlformats.org/presentationml/2006/main" type="obj" preserve="1">
+  <p:cSld name="Titel en object">
     <p:spTree>
       <p:nvGrpSpPr>
         <p:cNvPr id="1" name=""/>
@@ -2679,25 +3347,291 @@
             <p:ph type="title"/>
           </p:nvPr>
         </p:nvSpPr>
+        <p:spPr/>
+        <p:txBody>
+          <a:bodyPr/>
+          <a:lstStyle/>
+          <a:p>
+            <a:r>
+              <a:rPr lang="nl-NL" smtClean="0"/>
+              <a:t>Titelstijl van model bewerken</a:t>
+            </a:r>
+            <a:endParaRPr lang="en-US" dirty="0"/>
+          </a:p>
+        </p:txBody>
+      </p:sp>
+      <p:sp>
+        <p:nvSpPr>
+          <p:cNvPr id="3" name="Content Placeholder 2"/>
+          <p:cNvSpPr>
+            <a:spLocks noGrp="1"/>
+          </p:cNvSpPr>
+          <p:nvPr>
+            <p:ph idx="1"/>
+          </p:nvPr>
+        </p:nvSpPr>
+        <p:spPr/>
+        <p:txBody>
+          <a:bodyPr/>
+          <a:lstStyle/>
+          <a:p>
+            <a:pPr lvl="0"/>
+            <a:r>
+              <a:rPr lang="nl-NL" smtClean="0"/>
+              <a:t>Klik om de tekststijl van het model te bewerken</a:t>
+            </a:r>
+          </a:p>
+          <a:p>
+            <a:pPr lvl="1"/>
+            <a:r>
+              <a:rPr lang="nl-NL" smtClean="0"/>
+              <a:t>Tweede niveau</a:t>
+            </a:r>
+          </a:p>
+          <a:p>
+            <a:pPr lvl="2"/>
+            <a:r>
+              <a:rPr lang="nl-NL" smtClean="0"/>
+              <a:t>Derde niveau</a:t>
+            </a:r>
+          </a:p>
+          <a:p>
+            <a:pPr lvl="3"/>
+            <a:r>
+              <a:rPr lang="nl-NL" smtClean="0"/>
+              <a:t>Vierde niveau</a:t>
+            </a:r>
+          </a:p>
+          <a:p>
+            <a:pPr lvl="4"/>
+            <a:r>
+              <a:rPr lang="nl-NL" smtClean="0"/>
+              <a:t>Vijfde niveau</a:t>
+            </a:r>
+            <a:endParaRPr lang="en-US" dirty="0"/>
+          </a:p>
+        </p:txBody>
+      </p:sp>
+      <p:sp>
+        <p:nvSpPr>
+          <p:cNvPr id="4" name="Date Placeholder 3"/>
+          <p:cNvSpPr>
+            <a:spLocks noGrp="1"/>
+          </p:cNvSpPr>
+          <p:nvPr>
+            <p:ph type="dt" sz="half" idx="10"/>
+          </p:nvPr>
+        </p:nvSpPr>
+        <p:spPr/>
+        <p:txBody>
+          <a:bodyPr/>
+          <a:lstStyle/>
+          <a:p>
+            <a:fld id="{3FF3D4C3-34CD-4E7E-97F9-86F6D58F3628}" type="datetimeFigureOut">
+              <a:rPr lang="nl-BE" smtClean="0"/>
+              <a:t>14/03/16</a:t>
+            </a:fld>
+            <a:endParaRPr lang="nl-BE"/>
+          </a:p>
+        </p:txBody>
+      </p:sp>
+      <p:sp>
+        <p:nvSpPr>
+          <p:cNvPr id="5" name="Footer Placeholder 4"/>
+          <p:cNvSpPr>
+            <a:spLocks noGrp="1"/>
+          </p:cNvSpPr>
+          <p:nvPr>
+            <p:ph type="ftr" sz="quarter" idx="11"/>
+          </p:nvPr>
+        </p:nvSpPr>
+        <p:spPr/>
+        <p:txBody>
+          <a:bodyPr/>
+          <a:lstStyle/>
+          <a:p>
+            <a:endParaRPr lang="nl-BE"/>
+          </a:p>
+        </p:txBody>
+      </p:sp>
+      <p:sp>
+        <p:nvSpPr>
+          <p:cNvPr id="6" name="Slide Number Placeholder 5"/>
+          <p:cNvSpPr>
+            <a:spLocks noGrp="1"/>
+          </p:cNvSpPr>
+          <p:nvPr>
+            <p:ph type="sldNum" sz="quarter" idx="12"/>
+          </p:nvPr>
+        </p:nvSpPr>
+        <p:spPr/>
+        <p:txBody>
+          <a:bodyPr/>
+          <a:lstStyle/>
+          <a:p>
+            <a:fld id="{1388032C-26F7-45D2-BF4B-5C7971A85815}" type="slidenum">
+              <a:rPr lang="nl-BE" smtClean="0"/>
+              <a:t>‹nr.›</a:t>
+            </a:fld>
+            <a:endParaRPr lang="nl-BE"/>
+          </a:p>
+        </p:txBody>
+      </p:sp>
+    </p:spTree>
+    <p:extLst>
+      <p:ext uri="{BB962C8B-B14F-4D97-AF65-F5344CB8AC3E}">
+        <p14:creationId xmlns:p14="http://schemas.microsoft.com/office/powerpoint/2010/main" val="698965107"/>
+      </p:ext>
+    </p:extLst>
+  </p:cSld>
+  <p:clrMapOvr>
+    <a:masterClrMapping/>
+  </p:clrMapOvr>
+</p:sldLayout>
+</file>
+
+<file path=ppt/slideLayouts/slideLayout3.xml><?xml version="1.0" encoding="utf-8"?>
+<p:sldLayout xmlns:a="http://schemas.openxmlformats.org/drawingml/2006/main" xmlns:r="http://schemas.openxmlformats.org/officeDocument/2006/relationships" xmlns:p="http://schemas.openxmlformats.org/presentationml/2006/main" showMasterSp="0" type="secHead" preserve="1">
+  <p:cSld name="Sectiekop">
+    <p:bg>
+      <p:bgPr>
+        <a:solidFill>
+          <a:schemeClr val="bg1"/>
+        </a:solidFill>
+        <a:effectLst/>
+      </p:bgPr>
+    </p:bg>
+    <p:spTree>
+      <p:nvGrpSpPr>
+        <p:cNvPr id="1" name=""/>
+        <p:cNvGrpSpPr/>
+        <p:nvPr/>
+      </p:nvGrpSpPr>
+      <p:grpSpPr>
+        <a:xfrm>
+          <a:off x="0" y="0"/>
+          <a:ext cx="0" cy="0"/>
+          <a:chOff x="0" y="0"/>
+          <a:chExt cx="0" cy="0"/>
+        </a:xfrm>
+      </p:grpSpPr>
+      <p:sp>
+        <p:nvSpPr>
+          <p:cNvPr id="7" name="Rectangle 6"/>
+          <p:cNvSpPr/>
+          <p:nvPr/>
+        </p:nvSpPr>
         <p:spPr>
           <a:xfrm>
-            <a:off x="722313" y="4406900"/>
-            <a:ext cx="7772400" cy="1362075"/>
+            <a:off x="2382" y="6400800"/>
+            <a:ext cx="9141619" cy="457200"/>
+          </a:xfrm>
+          <a:prstGeom prst="rect">
+            <a:avLst/>
+          </a:prstGeom>
+          <a:solidFill>
+            <a:schemeClr val="accent2"/>
+          </a:solidFill>
+          <a:ln>
+            <a:noFill/>
+          </a:ln>
+        </p:spPr>
+        <p:style>
+          <a:lnRef idx="2">
+            <a:schemeClr val="accent1">
+              <a:shade val="50000"/>
+            </a:schemeClr>
+          </a:lnRef>
+          <a:fillRef idx="1">
+            <a:schemeClr val="accent1"/>
+          </a:fillRef>
+          <a:effectRef idx="0">
+            <a:schemeClr val="accent1"/>
+          </a:effectRef>
+          <a:fontRef idx="minor">
+            <a:schemeClr val="lt1"/>
+          </a:fontRef>
+        </p:style>
+      </p:sp>
+      <p:sp>
+        <p:nvSpPr>
+          <p:cNvPr id="8" name="Rectangle 7"/>
+          <p:cNvSpPr/>
+          <p:nvPr/>
+        </p:nvSpPr>
+        <p:spPr>
+          <a:xfrm>
+            <a:off x="12" y="6334316"/>
+            <a:ext cx="9141619" cy="64008"/>
+          </a:xfrm>
+          <a:prstGeom prst="rect">
+            <a:avLst/>
+          </a:prstGeom>
+          <a:solidFill>
+            <a:schemeClr val="accent1"/>
+          </a:solidFill>
+          <a:ln>
+            <a:noFill/>
+          </a:ln>
+        </p:spPr>
+        <p:style>
+          <a:lnRef idx="2">
+            <a:schemeClr val="accent1">
+              <a:shade val="50000"/>
+            </a:schemeClr>
+          </a:lnRef>
+          <a:fillRef idx="1">
+            <a:schemeClr val="accent1"/>
+          </a:fillRef>
+          <a:effectRef idx="0">
+            <a:schemeClr val="accent1"/>
+          </a:effectRef>
+          <a:fontRef idx="minor">
+            <a:schemeClr val="lt1"/>
+          </a:fontRef>
+        </p:style>
+      </p:sp>
+      <p:sp>
+        <p:nvSpPr>
+          <p:cNvPr id="2" name="Title 1"/>
+          <p:cNvSpPr>
+            <a:spLocks noGrp="1"/>
+          </p:cNvSpPr>
+          <p:nvPr>
+            <p:ph type="title"/>
+          </p:nvPr>
+        </p:nvSpPr>
+        <p:spPr>
+          <a:xfrm>
+            <a:off x="822960" y="758952"/>
+            <a:ext cx="7543800" cy="3566160"/>
           </a:xfrm>
         </p:spPr>
         <p:txBody>
-          <a:bodyPr anchor="t"/>
+          <a:bodyPr anchor="b" anchorCtr="0">
+            <a:normAutofit/>
+          </a:bodyPr>
           <a:lstStyle>
-            <a:lvl1pPr algn="l">
-              <a:defRPr sz="4000" b="1" cap="all"/>
+            <a:lvl1pPr>
+              <a:lnSpc>
+                <a:spcPct val="85000"/>
+              </a:lnSpc>
+              <a:defRPr sz="8000" b="0">
+                <a:solidFill>
+                  <a:schemeClr val="tx1">
+                    <a:lumMod val="85000"/>
+                    <a:lumOff val="15000"/>
+                  </a:schemeClr>
+                </a:solidFill>
+              </a:defRPr>
             </a:lvl1pPr>
           </a:lstStyle>
           <a:p>
             <a:r>
-              <a:rPr lang="en-US" smtClean="0"/>
-              <a:t>Click to edit Master title style</a:t>
-            </a:r>
-            <a:endParaRPr lang="nl-BE"/>
+              <a:rPr lang="nl-NL" smtClean="0"/>
+              <a:t>Titelstijl van model bewerken</a:t>
+            </a:r>
+            <a:endParaRPr lang="en-US" dirty="0"/>
           </a:p>
         </p:txBody>
       </p:sp>
@@ -2713,21 +3647,22 @@
         </p:nvSpPr>
         <p:spPr>
           <a:xfrm>
-            <a:off x="722313" y="2906713"/>
-            <a:ext cx="7772400" cy="1500187"/>
+            <a:off x="822960" y="4453128"/>
+            <a:ext cx="7543800" cy="1143000"/>
           </a:xfrm>
         </p:spPr>
         <p:txBody>
-          <a:bodyPr anchor="b"/>
+          <a:bodyPr lIns="91440" rIns="91440" anchor="t" anchorCtr="0">
+            <a:normAutofit/>
+          </a:bodyPr>
           <a:lstStyle>
             <a:lvl1pPr marL="0" indent="0">
               <a:buNone/>
-              <a:defRPr sz="2000">
+              <a:defRPr sz="2400" cap="all" spc="200" baseline="0">
                 <a:solidFill>
-                  <a:schemeClr val="tx1">
-                    <a:tint val="75000"/>
-                  </a:schemeClr>
+                  <a:schemeClr val="tx2"/>
                 </a:solidFill>
+                <a:latin typeface="+mj-lt"/>
               </a:defRPr>
             </a:lvl1pPr>
             <a:lvl2pPr marL="457200" indent="0">
@@ -2814,8 +3749,8 @@
           <a:p>
             <a:pPr lvl="0"/>
             <a:r>
-              <a:rPr lang="en-US" smtClean="0"/>
-              <a:t>Click to edit Master text styles</a:t>
+              <a:rPr lang="nl-NL" smtClean="0"/>
+              <a:t>Klik om de tekststijl van het model te bewerken</a:t>
             </a:r>
           </a:p>
         </p:txBody>
@@ -2837,7 +3772,7 @@
           <a:p>
             <a:fld id="{3FF3D4C3-34CD-4E7E-97F9-86F6D58F3628}" type="datetimeFigureOut">
               <a:rPr lang="nl-BE" smtClean="0"/>
-              <a:t>11/03/2016</a:t>
+              <a:t>14/03/16</a:t>
             </a:fld>
             <a:endParaRPr lang="nl-BE"/>
           </a:p>
@@ -2879,16 +3814,54 @@
           <a:p>
             <a:fld id="{1388032C-26F7-45D2-BF4B-5C7971A85815}" type="slidenum">
               <a:rPr lang="nl-BE" smtClean="0"/>
-              <a:t>‹#›</a:t>
+              <a:t>‹nr.›</a:t>
             </a:fld>
             <a:endParaRPr lang="nl-BE"/>
           </a:p>
         </p:txBody>
       </p:sp>
+      <p:cxnSp>
+        <p:nvCxnSpPr>
+          <p:cNvPr id="9" name="Straight Connector 8"/>
+          <p:cNvCxnSpPr/>
+          <p:nvPr/>
+        </p:nvCxnSpPr>
+        <p:spPr>
+          <a:xfrm>
+            <a:off x="905744" y="4343400"/>
+            <a:ext cx="7406640" cy="0"/>
+          </a:xfrm>
+          <a:prstGeom prst="line">
+            <a:avLst/>
+          </a:prstGeom>
+          <a:ln w="6350">
+            <a:solidFill>
+              <a:schemeClr val="tx1">
+                <a:lumMod val="50000"/>
+                <a:lumOff val="50000"/>
+              </a:schemeClr>
+            </a:solidFill>
+          </a:ln>
+        </p:spPr>
+        <p:style>
+          <a:lnRef idx="1">
+            <a:schemeClr val="accent1"/>
+          </a:lnRef>
+          <a:fillRef idx="0">
+            <a:schemeClr val="accent1"/>
+          </a:fillRef>
+          <a:effectRef idx="0">
+            <a:schemeClr val="accent1"/>
+          </a:effectRef>
+          <a:fontRef idx="minor">
+            <a:schemeClr val="tx1"/>
+          </a:fontRef>
+        </p:style>
+      </p:cxnSp>
     </p:spTree>
     <p:extLst>
       <p:ext uri="{BB962C8B-B14F-4D97-AF65-F5344CB8AC3E}">
-        <p14:creationId xmlns:p14="http://schemas.microsoft.com/office/powerpoint/2010/main" val="361026216"/>
+        <p14:creationId xmlns:p14="http://schemas.microsoft.com/office/powerpoint/2010/main" val="771004259"/>
       </p:ext>
     </p:extLst>
   </p:cSld>
@@ -2900,7 +3873,7 @@
 
 <file path=ppt/slideLayouts/slideLayout4.xml><?xml version="1.0" encoding="utf-8"?>
 <p:sldLayout xmlns:a="http://schemas.openxmlformats.org/drawingml/2006/main" xmlns:r="http://schemas.openxmlformats.org/officeDocument/2006/relationships" xmlns:p="http://schemas.openxmlformats.org/presentationml/2006/main" type="twoObj" preserve="1">
-  <p:cSld name="Two Content">
+  <p:cSld name="Twee objecten">
     <p:spTree>
       <p:nvGrpSpPr>
         <p:cNvPr id="1" name=""/>
@@ -2917,194 +3890,143 @@
       </p:grpSpPr>
       <p:sp>
         <p:nvSpPr>
-          <p:cNvPr id="2" name="Title 1"/>
+          <p:cNvPr id="8" name="Title 7"/>
           <p:cNvSpPr>
             <a:spLocks noGrp="1"/>
           </p:cNvSpPr>
           <p:nvPr>
             <p:ph type="title"/>
-          </p:nvPr>
-        </p:nvSpPr>
-        <p:spPr/>
-        <p:txBody>
-          <a:bodyPr/>
-          <a:lstStyle/>
-          <a:p>
-            <a:r>
-              <a:rPr lang="en-US" smtClean="0"/>
-              <a:t>Click to edit Master title style</a:t>
-            </a:r>
-            <a:endParaRPr lang="nl-BE"/>
-          </a:p>
-        </p:txBody>
-      </p:sp>
-      <p:sp>
-        <p:nvSpPr>
-          <p:cNvPr id="3" name="Content Placeholder 2"/>
-          <p:cNvSpPr>
-            <a:spLocks noGrp="1"/>
-          </p:cNvSpPr>
-          <p:nvPr>
-            <p:ph sz="half" idx="1"/>
           </p:nvPr>
         </p:nvSpPr>
         <p:spPr>
           <a:xfrm>
-            <a:off x="457200" y="1600200"/>
-            <a:ext cx="4038600" cy="4525963"/>
+            <a:off x="822960" y="286604"/>
+            <a:ext cx="7543800" cy="1450757"/>
           </a:xfrm>
         </p:spPr>
         <p:txBody>
           <a:bodyPr/>
-          <a:lstStyle>
-            <a:lvl1pPr>
-              <a:defRPr sz="2800"/>
-            </a:lvl1pPr>
-            <a:lvl2pPr>
-              <a:defRPr sz="2400"/>
-            </a:lvl2pPr>
-            <a:lvl3pPr>
-              <a:defRPr sz="2000"/>
-            </a:lvl3pPr>
-            <a:lvl4pPr>
-              <a:defRPr sz="1800"/>
-            </a:lvl4pPr>
-            <a:lvl5pPr>
-              <a:defRPr sz="1800"/>
-            </a:lvl5pPr>
-            <a:lvl6pPr>
-              <a:defRPr sz="1800"/>
-            </a:lvl6pPr>
-            <a:lvl7pPr>
-              <a:defRPr sz="1800"/>
-            </a:lvl7pPr>
-            <a:lvl8pPr>
-              <a:defRPr sz="1800"/>
-            </a:lvl8pPr>
-            <a:lvl9pPr>
-              <a:defRPr sz="1800"/>
-            </a:lvl9pPr>
-          </a:lstStyle>
-          <a:p>
-            <a:pPr lvl="0"/>
-            <a:r>
-              <a:rPr lang="en-US" smtClean="0"/>
-              <a:t>Click to edit Master text styles</a:t>
-            </a:r>
-          </a:p>
-          <a:p>
-            <a:pPr lvl="1"/>
-            <a:r>
-              <a:rPr lang="en-US" smtClean="0"/>
-              <a:t>Second level</a:t>
-            </a:r>
-          </a:p>
-          <a:p>
-            <a:pPr lvl="2"/>
-            <a:r>
-              <a:rPr lang="en-US" smtClean="0"/>
-              <a:t>Third level</a:t>
-            </a:r>
-          </a:p>
-          <a:p>
-            <a:pPr lvl="3"/>
-            <a:r>
-              <a:rPr lang="en-US" smtClean="0"/>
-              <a:t>Fourth level</a:t>
-            </a:r>
-          </a:p>
-          <a:p>
-            <a:pPr lvl="4"/>
-            <a:r>
-              <a:rPr lang="en-US" smtClean="0"/>
-              <a:t>Fifth level</a:t>
-            </a:r>
-            <a:endParaRPr lang="nl-BE"/>
-          </a:p>
-        </p:txBody>
-      </p:sp>
-      <p:sp>
-        <p:nvSpPr>
-          <p:cNvPr id="4" name="Content Placeholder 3"/>
-          <p:cNvSpPr>
-            <a:spLocks noGrp="1"/>
-          </p:cNvSpPr>
-          <p:nvPr>
-            <p:ph sz="half" idx="2"/>
+          <a:lstStyle/>
+          <a:p>
+            <a:r>
+              <a:rPr lang="nl-NL" smtClean="0"/>
+              <a:t>Titelstijl van model bewerken</a:t>
+            </a:r>
+            <a:endParaRPr lang="en-US" dirty="0"/>
+          </a:p>
+        </p:txBody>
+      </p:sp>
+      <p:sp>
+        <p:nvSpPr>
+          <p:cNvPr id="3" name="Content Placeholder 2"/>
+          <p:cNvSpPr>
+            <a:spLocks noGrp="1"/>
+          </p:cNvSpPr>
+          <p:nvPr>
+            <p:ph sz="half" idx="1"/>
           </p:nvPr>
         </p:nvSpPr>
         <p:spPr>
           <a:xfrm>
-            <a:off x="4648200" y="1600200"/>
-            <a:ext cx="4038600" cy="4525963"/>
+            <a:off x="822960" y="1845735"/>
+            <a:ext cx="3703320" cy="4023359"/>
           </a:xfrm>
         </p:spPr>
         <p:txBody>
           <a:bodyPr/>
-          <a:lstStyle>
-            <a:lvl1pPr>
-              <a:defRPr sz="2800"/>
-            </a:lvl1pPr>
-            <a:lvl2pPr>
-              <a:defRPr sz="2400"/>
-            </a:lvl2pPr>
-            <a:lvl3pPr>
-              <a:defRPr sz="2000"/>
-            </a:lvl3pPr>
-            <a:lvl4pPr>
-              <a:defRPr sz="1800"/>
-            </a:lvl4pPr>
-            <a:lvl5pPr>
-              <a:defRPr sz="1800"/>
-            </a:lvl5pPr>
-            <a:lvl6pPr>
-              <a:defRPr sz="1800"/>
-            </a:lvl6pPr>
-            <a:lvl7pPr>
-              <a:defRPr sz="1800"/>
-            </a:lvl7pPr>
-            <a:lvl8pPr>
-              <a:defRPr sz="1800"/>
-            </a:lvl8pPr>
-            <a:lvl9pPr>
-              <a:defRPr sz="1800"/>
-            </a:lvl9pPr>
-          </a:lstStyle>
+          <a:lstStyle/>
           <a:p>
             <a:pPr lvl="0"/>
             <a:r>
-              <a:rPr lang="en-US" smtClean="0"/>
-              <a:t>Click to edit Master text styles</a:t>
+              <a:rPr lang="nl-NL" smtClean="0"/>
+              <a:t>Klik om de tekststijl van het model te bewerken</a:t>
             </a:r>
           </a:p>
           <a:p>
             <a:pPr lvl="1"/>
             <a:r>
-              <a:rPr lang="en-US" smtClean="0"/>
-              <a:t>Second level</a:t>
+              <a:rPr lang="nl-NL" smtClean="0"/>
+              <a:t>Tweede niveau</a:t>
             </a:r>
           </a:p>
           <a:p>
             <a:pPr lvl="2"/>
             <a:r>
-              <a:rPr lang="en-US" smtClean="0"/>
-              <a:t>Third level</a:t>
+              <a:rPr lang="nl-NL" smtClean="0"/>
+              <a:t>Derde niveau</a:t>
             </a:r>
           </a:p>
           <a:p>
             <a:pPr lvl="3"/>
             <a:r>
-              <a:rPr lang="en-US" smtClean="0"/>
-              <a:t>Fourth level</a:t>
+              <a:rPr lang="nl-NL" smtClean="0"/>
+              <a:t>Vierde niveau</a:t>
             </a:r>
           </a:p>
           <a:p>
             <a:pPr lvl="4"/>
             <a:r>
-              <a:rPr lang="en-US" smtClean="0"/>
-              <a:t>Fifth level</a:t>
-            </a:r>
-            <a:endParaRPr lang="nl-BE"/>
+              <a:rPr lang="nl-NL" smtClean="0"/>
+              <a:t>Vijfde niveau</a:t>
+            </a:r>
+            <a:endParaRPr lang="en-US" dirty="0"/>
+          </a:p>
+        </p:txBody>
+      </p:sp>
+      <p:sp>
+        <p:nvSpPr>
+          <p:cNvPr id="4" name="Content Placeholder 3"/>
+          <p:cNvSpPr>
+            <a:spLocks noGrp="1"/>
+          </p:cNvSpPr>
+          <p:nvPr>
+            <p:ph sz="half" idx="2"/>
+          </p:nvPr>
+        </p:nvSpPr>
+        <p:spPr>
+          <a:xfrm>
+            <a:off x="4663440" y="1845735"/>
+            <a:ext cx="3703320" cy="4023360"/>
+          </a:xfrm>
+        </p:spPr>
+        <p:txBody>
+          <a:bodyPr/>
+          <a:lstStyle/>
+          <a:p>
+            <a:pPr lvl="0"/>
+            <a:r>
+              <a:rPr lang="nl-NL" smtClean="0"/>
+              <a:t>Klik om de tekststijl van het model te bewerken</a:t>
+            </a:r>
+          </a:p>
+          <a:p>
+            <a:pPr lvl="1"/>
+            <a:r>
+              <a:rPr lang="nl-NL" smtClean="0"/>
+              <a:t>Tweede niveau</a:t>
+            </a:r>
+          </a:p>
+          <a:p>
+            <a:pPr lvl="2"/>
+            <a:r>
+              <a:rPr lang="nl-NL" smtClean="0"/>
+              <a:t>Derde niveau</a:t>
+            </a:r>
+          </a:p>
+          <a:p>
+            <a:pPr lvl="3"/>
+            <a:r>
+              <a:rPr lang="nl-NL" smtClean="0"/>
+              <a:t>Vierde niveau</a:t>
+            </a:r>
+          </a:p>
+          <a:p>
+            <a:pPr lvl="4"/>
+            <a:r>
+              <a:rPr lang="nl-NL" smtClean="0"/>
+              <a:t>Vijfde niveau</a:t>
+            </a:r>
+            <a:endParaRPr lang="en-US" dirty="0"/>
           </a:p>
         </p:txBody>
       </p:sp>
@@ -3125,7 +4047,7 @@
           <a:p>
             <a:fld id="{3FF3D4C3-34CD-4E7E-97F9-86F6D58F3628}" type="datetimeFigureOut">
               <a:rPr lang="nl-BE" smtClean="0"/>
-              <a:t>11/03/2016</a:t>
+              <a:t>14/03/16</a:t>
             </a:fld>
             <a:endParaRPr lang="nl-BE"/>
           </a:p>
@@ -3167,7 +4089,7 @@
           <a:p>
             <a:fld id="{1388032C-26F7-45D2-BF4B-5C7971A85815}" type="slidenum">
               <a:rPr lang="nl-BE" smtClean="0"/>
-              <a:t>‹#›</a:t>
+              <a:t>‹nr.›</a:t>
             </a:fld>
             <a:endParaRPr lang="nl-BE"/>
           </a:p>
@@ -3176,7 +4098,7 @@
     </p:spTree>
     <p:extLst>
       <p:ext uri="{BB962C8B-B14F-4D97-AF65-F5344CB8AC3E}">
-        <p14:creationId xmlns:p14="http://schemas.microsoft.com/office/powerpoint/2010/main" val="453965898"/>
+        <p14:creationId xmlns:p14="http://schemas.microsoft.com/office/powerpoint/2010/main" val="352255015"/>
       </p:ext>
     </p:extLst>
   </p:cSld>
@@ -3188,7 +4110,7 @@
 
 <file path=ppt/slideLayouts/slideLayout5.xml><?xml version="1.0" encoding="utf-8"?>
 <p:sldLayout xmlns:a="http://schemas.openxmlformats.org/drawingml/2006/main" xmlns:r="http://schemas.openxmlformats.org/officeDocument/2006/relationships" xmlns:p="http://schemas.openxmlformats.org/presentationml/2006/main" type="twoTxTwoObj" preserve="1">
-  <p:cSld name="Comparison">
+  <p:cSld name="Vergelijking">
     <p:spTree>
       <p:nvGrpSpPr>
         <p:cNvPr id="1" name=""/>
@@ -3205,53 +4127,60 @@
       </p:grpSpPr>
       <p:sp>
         <p:nvSpPr>
-          <p:cNvPr id="2" name="Title 1"/>
+          <p:cNvPr id="10" name="Title 9"/>
           <p:cNvSpPr>
             <a:spLocks noGrp="1"/>
           </p:cNvSpPr>
           <p:nvPr>
             <p:ph type="title"/>
-          </p:nvPr>
-        </p:nvSpPr>
-        <p:spPr/>
-        <p:txBody>
-          <a:bodyPr/>
-          <a:lstStyle>
-            <a:lvl1pPr>
-              <a:defRPr/>
-            </a:lvl1pPr>
-          </a:lstStyle>
-          <a:p>
-            <a:r>
-              <a:rPr lang="en-US" smtClean="0"/>
-              <a:t>Click to edit Master title style</a:t>
-            </a:r>
-            <a:endParaRPr lang="nl-BE"/>
-          </a:p>
-        </p:txBody>
-      </p:sp>
-      <p:sp>
-        <p:nvSpPr>
-          <p:cNvPr id="3" name="Text Placeholder 2"/>
-          <p:cNvSpPr>
-            <a:spLocks noGrp="1"/>
-          </p:cNvSpPr>
-          <p:nvPr>
-            <p:ph type="body" idx="1"/>
           </p:nvPr>
         </p:nvSpPr>
         <p:spPr>
           <a:xfrm>
-            <a:off x="457200" y="1535113"/>
-            <a:ext cx="4040188" cy="639762"/>
+            <a:off x="822960" y="286604"/>
+            <a:ext cx="7543800" cy="1450757"/>
           </a:xfrm>
         </p:spPr>
         <p:txBody>
-          <a:bodyPr anchor="b"/>
+          <a:bodyPr/>
+          <a:lstStyle/>
+          <a:p>
+            <a:r>
+              <a:rPr lang="nl-NL" smtClean="0"/>
+              <a:t>Titelstijl van model bewerken</a:t>
+            </a:r>
+            <a:endParaRPr lang="en-US" dirty="0"/>
+          </a:p>
+        </p:txBody>
+      </p:sp>
+      <p:sp>
+        <p:nvSpPr>
+          <p:cNvPr id="3" name="Text Placeholder 2"/>
+          <p:cNvSpPr>
+            <a:spLocks noGrp="1"/>
+          </p:cNvSpPr>
+          <p:nvPr>
+            <p:ph type="body" idx="1"/>
+          </p:nvPr>
+        </p:nvSpPr>
+        <p:spPr>
+          <a:xfrm>
+            <a:off x="822960" y="1846052"/>
+            <a:ext cx="3703320" cy="736282"/>
+          </a:xfrm>
+        </p:spPr>
+        <p:txBody>
+          <a:bodyPr lIns="91440" rIns="91440" anchor="ctr">
+            <a:normAutofit/>
+          </a:bodyPr>
           <a:lstStyle>
             <a:lvl1pPr marL="0" indent="0">
               <a:buNone/>
-              <a:defRPr sz="2400" b="1"/>
+              <a:defRPr sz="2000" b="0" cap="all" baseline="0">
+                <a:solidFill>
+                  <a:schemeClr val="tx2"/>
+                </a:solidFill>
+              </a:defRPr>
             </a:lvl1pPr>
             <a:lvl2pPr marL="457200" indent="0">
               <a:buNone/>
@@ -3289,8 +4218,8 @@
           <a:p>
             <a:pPr lvl="0"/>
             <a:r>
-              <a:rPr lang="en-US" smtClean="0"/>
-              <a:t>Click to edit Master text styles</a:t>
+              <a:rPr lang="nl-NL" smtClean="0"/>
+              <a:t>Klik om de tekststijl van het model te bewerken</a:t>
             </a:r>
           </a:p>
         </p:txBody>
@@ -3307,76 +4236,48 @@
         </p:nvSpPr>
         <p:spPr>
           <a:xfrm>
-            <a:off x="457200" y="2174875"/>
-            <a:ext cx="4040188" cy="3951288"/>
+            <a:off x="822960" y="2582335"/>
+            <a:ext cx="3703320" cy="3286760"/>
           </a:xfrm>
         </p:spPr>
         <p:txBody>
           <a:bodyPr/>
-          <a:lstStyle>
-            <a:lvl1pPr>
-              <a:defRPr sz="2400"/>
-            </a:lvl1pPr>
-            <a:lvl2pPr>
-              <a:defRPr sz="2000"/>
-            </a:lvl2pPr>
-            <a:lvl3pPr>
-              <a:defRPr sz="1800"/>
-            </a:lvl3pPr>
-            <a:lvl4pPr>
-              <a:defRPr sz="1600"/>
-            </a:lvl4pPr>
-            <a:lvl5pPr>
-              <a:defRPr sz="1600"/>
-            </a:lvl5pPr>
-            <a:lvl6pPr>
-              <a:defRPr sz="1600"/>
-            </a:lvl6pPr>
-            <a:lvl7pPr>
-              <a:defRPr sz="1600"/>
-            </a:lvl7pPr>
-            <a:lvl8pPr>
-              <a:defRPr sz="1600"/>
-            </a:lvl8pPr>
-            <a:lvl9pPr>
-              <a:defRPr sz="1600"/>
-            </a:lvl9pPr>
-          </a:lstStyle>
+          <a:lstStyle/>
           <a:p>
             <a:pPr lvl="0"/>
             <a:r>
-              <a:rPr lang="en-US" smtClean="0"/>
-              <a:t>Click to edit Master text styles</a:t>
+              <a:rPr lang="nl-NL" smtClean="0"/>
+              <a:t>Klik om de tekststijl van het model te bewerken</a:t>
             </a:r>
           </a:p>
           <a:p>
             <a:pPr lvl="1"/>
             <a:r>
-              <a:rPr lang="en-US" smtClean="0"/>
-              <a:t>Second level</a:t>
+              <a:rPr lang="nl-NL" smtClean="0"/>
+              <a:t>Tweede niveau</a:t>
             </a:r>
           </a:p>
           <a:p>
             <a:pPr lvl="2"/>
             <a:r>
-              <a:rPr lang="en-US" smtClean="0"/>
-              <a:t>Third level</a:t>
+              <a:rPr lang="nl-NL" smtClean="0"/>
+              <a:t>Derde niveau</a:t>
             </a:r>
           </a:p>
           <a:p>
             <a:pPr lvl="3"/>
             <a:r>
-              <a:rPr lang="en-US" smtClean="0"/>
-              <a:t>Fourth level</a:t>
+              <a:rPr lang="nl-NL" smtClean="0"/>
+              <a:t>Vierde niveau</a:t>
             </a:r>
           </a:p>
           <a:p>
             <a:pPr lvl="4"/>
             <a:r>
-              <a:rPr lang="en-US" smtClean="0"/>
-              <a:t>Fifth level</a:t>
-            </a:r>
-            <a:endParaRPr lang="nl-BE"/>
+              <a:rPr lang="nl-NL" smtClean="0"/>
+              <a:t>Vijfde niveau</a:t>
+            </a:r>
+            <a:endParaRPr lang="en-US" dirty="0"/>
           </a:p>
         </p:txBody>
       </p:sp>
@@ -3392,16 +4293,22 @@
         </p:nvSpPr>
         <p:spPr>
           <a:xfrm>
-            <a:off x="4645025" y="1535113"/>
-            <a:ext cx="4041775" cy="639762"/>
+            <a:off x="4663440" y="1846052"/>
+            <a:ext cx="3703320" cy="736282"/>
           </a:xfrm>
         </p:spPr>
         <p:txBody>
-          <a:bodyPr anchor="b"/>
+          <a:bodyPr lIns="91440" rIns="91440" anchor="ctr">
+            <a:normAutofit/>
+          </a:bodyPr>
           <a:lstStyle>
             <a:lvl1pPr marL="0" indent="0">
               <a:buNone/>
-              <a:defRPr sz="2400" b="1"/>
+              <a:defRPr sz="2000" b="0" cap="all" baseline="0">
+                <a:solidFill>
+                  <a:schemeClr val="tx2"/>
+                </a:solidFill>
+              </a:defRPr>
             </a:lvl1pPr>
             <a:lvl2pPr marL="457200" indent="0">
               <a:buNone/>
@@ -3439,8 +4346,8 @@
           <a:p>
             <a:pPr lvl="0"/>
             <a:r>
-              <a:rPr lang="en-US" smtClean="0"/>
-              <a:t>Click to edit Master text styles</a:t>
+              <a:rPr lang="nl-NL" smtClean="0"/>
+              <a:t>Klik om de tekststijl van het model te bewerken</a:t>
             </a:r>
           </a:p>
         </p:txBody>
@@ -3457,76 +4364,48 @@
         </p:nvSpPr>
         <p:spPr>
           <a:xfrm>
-            <a:off x="4645025" y="2174875"/>
-            <a:ext cx="4041775" cy="3951288"/>
+            <a:off x="4663440" y="2582334"/>
+            <a:ext cx="3703320" cy="3286760"/>
           </a:xfrm>
         </p:spPr>
         <p:txBody>
           <a:bodyPr/>
-          <a:lstStyle>
-            <a:lvl1pPr>
-              <a:defRPr sz="2400"/>
-            </a:lvl1pPr>
-            <a:lvl2pPr>
-              <a:defRPr sz="2000"/>
-            </a:lvl2pPr>
-            <a:lvl3pPr>
-              <a:defRPr sz="1800"/>
-            </a:lvl3pPr>
-            <a:lvl4pPr>
-              <a:defRPr sz="1600"/>
-            </a:lvl4pPr>
-            <a:lvl5pPr>
-              <a:defRPr sz="1600"/>
-            </a:lvl5pPr>
-            <a:lvl6pPr>
-              <a:defRPr sz="1600"/>
-            </a:lvl6pPr>
-            <a:lvl7pPr>
-              <a:defRPr sz="1600"/>
-            </a:lvl7pPr>
-            <a:lvl8pPr>
-              <a:defRPr sz="1600"/>
-            </a:lvl8pPr>
-            <a:lvl9pPr>
-              <a:defRPr sz="1600"/>
-            </a:lvl9pPr>
-          </a:lstStyle>
+          <a:lstStyle/>
           <a:p>
             <a:pPr lvl="0"/>
             <a:r>
-              <a:rPr lang="en-US" smtClean="0"/>
-              <a:t>Click to edit Master text styles</a:t>
+              <a:rPr lang="nl-NL" smtClean="0"/>
+              <a:t>Klik om de tekststijl van het model te bewerken</a:t>
             </a:r>
           </a:p>
           <a:p>
             <a:pPr lvl="1"/>
             <a:r>
-              <a:rPr lang="en-US" smtClean="0"/>
-              <a:t>Second level</a:t>
+              <a:rPr lang="nl-NL" smtClean="0"/>
+              <a:t>Tweede niveau</a:t>
             </a:r>
           </a:p>
           <a:p>
             <a:pPr lvl="2"/>
             <a:r>
-              <a:rPr lang="en-US" smtClean="0"/>
-              <a:t>Third level</a:t>
+              <a:rPr lang="nl-NL" smtClean="0"/>
+              <a:t>Derde niveau</a:t>
             </a:r>
           </a:p>
           <a:p>
             <a:pPr lvl="3"/>
             <a:r>
-              <a:rPr lang="en-US" smtClean="0"/>
-              <a:t>Fourth level</a:t>
+              <a:rPr lang="nl-NL" smtClean="0"/>
+              <a:t>Vierde niveau</a:t>
             </a:r>
           </a:p>
           <a:p>
             <a:pPr lvl="4"/>
             <a:r>
-              <a:rPr lang="en-US" smtClean="0"/>
-              <a:t>Fifth level</a:t>
-            </a:r>
-            <a:endParaRPr lang="nl-BE"/>
+              <a:rPr lang="nl-NL" smtClean="0"/>
+              <a:t>Vijfde niveau</a:t>
+            </a:r>
+            <a:endParaRPr lang="en-US" dirty="0"/>
           </a:p>
         </p:txBody>
       </p:sp>
@@ -3547,7 +4426,7 @@
           <a:p>
             <a:fld id="{3FF3D4C3-34CD-4E7E-97F9-86F6D58F3628}" type="datetimeFigureOut">
               <a:rPr lang="nl-BE" smtClean="0"/>
-              <a:t>11/03/2016</a:t>
+              <a:t>14/03/16</a:t>
             </a:fld>
             <a:endParaRPr lang="nl-BE"/>
           </a:p>
@@ -3589,7 +4468,7 @@
           <a:p>
             <a:fld id="{1388032C-26F7-45D2-BF4B-5C7971A85815}" type="slidenum">
               <a:rPr lang="nl-BE" smtClean="0"/>
-              <a:t>‹#›</a:t>
+              <a:t>‹nr.›</a:t>
             </a:fld>
             <a:endParaRPr lang="nl-BE"/>
           </a:p>
@@ -3598,7 +4477,7 @@
     </p:spTree>
     <p:extLst>
       <p:ext uri="{BB962C8B-B14F-4D97-AF65-F5344CB8AC3E}">
-        <p14:creationId xmlns:p14="http://schemas.microsoft.com/office/powerpoint/2010/main" val="3547881907"/>
+        <p14:creationId xmlns:p14="http://schemas.microsoft.com/office/powerpoint/2010/main" val="1885105973"/>
       </p:ext>
     </p:extLst>
   </p:cSld>
@@ -3610,7 +4489,7 @@
 
 <file path=ppt/slideLayouts/slideLayout6.xml><?xml version="1.0" encoding="utf-8"?>
 <p:sldLayout xmlns:a="http://schemas.openxmlformats.org/drawingml/2006/main" xmlns:r="http://schemas.openxmlformats.org/officeDocument/2006/relationships" xmlns:p="http://schemas.openxmlformats.org/presentationml/2006/main" type="titleOnly" preserve="1">
-  <p:cSld name="Title Only">
+  <p:cSld name="Alleen titel">
     <p:spTree>
       <p:nvGrpSpPr>
         <p:cNvPr id="1" name=""/>
@@ -3641,10 +4520,10 @@
           <a:lstStyle/>
           <a:p>
             <a:r>
-              <a:rPr lang="en-US" smtClean="0"/>
-              <a:t>Click to edit Master title style</a:t>
-            </a:r>
-            <a:endParaRPr lang="nl-BE"/>
+              <a:rPr lang="nl-NL" smtClean="0"/>
+              <a:t>Titelstijl van model bewerken</a:t>
+            </a:r>
+            <a:endParaRPr lang="en-US" dirty="0"/>
           </a:p>
         </p:txBody>
       </p:sp>
@@ -3665,7 +4544,7 @@
           <a:p>
             <a:fld id="{3FF3D4C3-34CD-4E7E-97F9-86F6D58F3628}" type="datetimeFigureOut">
               <a:rPr lang="nl-BE" smtClean="0"/>
-              <a:t>11/03/2016</a:t>
+              <a:t>14/03/16</a:t>
             </a:fld>
             <a:endParaRPr lang="nl-BE"/>
           </a:p>
@@ -3707,7 +4586,7 @@
           <a:p>
             <a:fld id="{1388032C-26F7-45D2-BF4B-5C7971A85815}" type="slidenum">
               <a:rPr lang="nl-BE" smtClean="0"/>
-              <a:t>‹#›</a:t>
+              <a:t>‹nr.›</a:t>
             </a:fld>
             <a:endParaRPr lang="nl-BE"/>
           </a:p>
@@ -3716,7 +4595,7 @@
     </p:spTree>
     <p:extLst>
       <p:ext uri="{BB962C8B-B14F-4D97-AF65-F5344CB8AC3E}">
-        <p14:creationId xmlns:p14="http://schemas.microsoft.com/office/powerpoint/2010/main" val="1310817862"/>
+        <p14:creationId xmlns:p14="http://schemas.microsoft.com/office/powerpoint/2010/main" val="1149844020"/>
       </p:ext>
     </p:extLst>
   </p:cSld>
@@ -3727,8 +4606,8 @@
 </file>
 
 <file path=ppt/slideLayouts/slideLayout7.xml><?xml version="1.0" encoding="utf-8"?>
-<p:sldLayout xmlns:a="http://schemas.openxmlformats.org/drawingml/2006/main" xmlns:r="http://schemas.openxmlformats.org/officeDocument/2006/relationships" xmlns:p="http://schemas.openxmlformats.org/presentationml/2006/main" type="blank" preserve="1">
-  <p:cSld name="Blank">
+<p:sldLayout xmlns:a="http://schemas.openxmlformats.org/drawingml/2006/main" xmlns:r="http://schemas.openxmlformats.org/officeDocument/2006/relationships" xmlns:p="http://schemas.openxmlformats.org/presentationml/2006/main" showMasterSp="0" type="blank" preserve="1">
+  <p:cSld name="Leeg">
     <p:spTree>
       <p:nvGrpSpPr>
         <p:cNvPr id="1" name=""/>
@@ -3745,7 +4624,83 @@
       </p:grpSpPr>
       <p:sp>
         <p:nvSpPr>
-          <p:cNvPr id="2" name="Date Placeholder 1"/>
+          <p:cNvPr id="5" name="Rectangle 4"/>
+          <p:cNvSpPr/>
+          <p:nvPr/>
+        </p:nvSpPr>
+        <p:spPr>
+          <a:xfrm>
+            <a:off x="2382" y="6400800"/>
+            <a:ext cx="9141619" cy="457200"/>
+          </a:xfrm>
+          <a:prstGeom prst="rect">
+            <a:avLst/>
+          </a:prstGeom>
+          <a:solidFill>
+            <a:schemeClr val="accent2"/>
+          </a:solidFill>
+          <a:ln>
+            <a:noFill/>
+          </a:ln>
+        </p:spPr>
+        <p:style>
+          <a:lnRef idx="2">
+            <a:schemeClr val="accent1">
+              <a:shade val="50000"/>
+            </a:schemeClr>
+          </a:lnRef>
+          <a:fillRef idx="1">
+            <a:schemeClr val="accent1"/>
+          </a:fillRef>
+          <a:effectRef idx="0">
+            <a:schemeClr val="accent1"/>
+          </a:effectRef>
+          <a:fontRef idx="minor">
+            <a:schemeClr val="lt1"/>
+          </a:fontRef>
+        </p:style>
+      </p:sp>
+      <p:sp>
+        <p:nvSpPr>
+          <p:cNvPr id="6" name="Rectangle 5"/>
+          <p:cNvSpPr/>
+          <p:nvPr/>
+        </p:nvSpPr>
+        <p:spPr>
+          <a:xfrm>
+            <a:off x="12" y="6334316"/>
+            <a:ext cx="9141619" cy="64008"/>
+          </a:xfrm>
+          <a:prstGeom prst="rect">
+            <a:avLst/>
+          </a:prstGeom>
+          <a:solidFill>
+            <a:schemeClr val="accent1"/>
+          </a:solidFill>
+          <a:ln>
+            <a:noFill/>
+          </a:ln>
+        </p:spPr>
+        <p:style>
+          <a:lnRef idx="2">
+            <a:schemeClr val="accent1">
+              <a:shade val="50000"/>
+            </a:schemeClr>
+          </a:lnRef>
+          <a:fillRef idx="1">
+            <a:schemeClr val="accent1"/>
+          </a:fillRef>
+          <a:effectRef idx="0">
+            <a:schemeClr val="accent1"/>
+          </a:effectRef>
+          <a:fontRef idx="minor">
+            <a:schemeClr val="lt1"/>
+          </a:fontRef>
+        </p:style>
+      </p:sp>
+      <p:sp>
+        <p:nvSpPr>
+          <p:cNvPr id="7" name="Date Placeholder 6"/>
           <p:cNvSpPr>
             <a:spLocks noGrp="1"/>
           </p:cNvSpPr>
@@ -3760,7 +4715,7 @@
           <a:p>
             <a:fld id="{3FF3D4C3-34CD-4E7E-97F9-86F6D58F3628}" type="datetimeFigureOut">
               <a:rPr lang="nl-BE" smtClean="0"/>
-              <a:t>11/03/2016</a:t>
+              <a:t>14/03/16</a:t>
             </a:fld>
             <a:endParaRPr lang="nl-BE"/>
           </a:p>
@@ -3768,7 +4723,7 @@
       </p:sp>
       <p:sp>
         <p:nvSpPr>
-          <p:cNvPr id="3" name="Footer Placeholder 2"/>
+          <p:cNvPr id="8" name="Footer Placeholder 7"/>
           <p:cNvSpPr>
             <a:spLocks noGrp="1"/>
           </p:cNvSpPr>
@@ -3779,7 +4734,15 @@
         <p:spPr/>
         <p:txBody>
           <a:bodyPr/>
-          <a:lstStyle/>
+          <a:lstStyle>
+            <a:lvl1pPr>
+              <a:defRPr>
+                <a:solidFill>
+                  <a:srgbClr val="FFFFFF"/>
+                </a:solidFill>
+              </a:defRPr>
+            </a:lvl1pPr>
+          </a:lstStyle>
           <a:p>
             <a:endParaRPr lang="nl-BE"/>
           </a:p>
@@ -3787,7 +4750,7 @@
       </p:sp>
       <p:sp>
         <p:nvSpPr>
-          <p:cNvPr id="4" name="Slide Number Placeholder 3"/>
+          <p:cNvPr id="9" name="Slide Number Placeholder 8"/>
           <p:cNvSpPr>
             <a:spLocks noGrp="1"/>
           </p:cNvSpPr>
@@ -3802,7 +4765,7 @@
           <a:p>
             <a:fld id="{1388032C-26F7-45D2-BF4B-5C7971A85815}" type="slidenum">
               <a:rPr lang="nl-BE" smtClean="0"/>
-              <a:t>‹#›</a:t>
+              <a:t>‹nr.›</a:t>
             </a:fld>
             <a:endParaRPr lang="nl-BE"/>
           </a:p>
@@ -3811,7 +4774,7 @@
     </p:spTree>
     <p:extLst>
       <p:ext uri="{BB962C8B-B14F-4D97-AF65-F5344CB8AC3E}">
-        <p14:creationId xmlns:p14="http://schemas.microsoft.com/office/powerpoint/2010/main" val="2948054779"/>
+        <p14:creationId xmlns:p14="http://schemas.microsoft.com/office/powerpoint/2010/main" val="223104787"/>
       </p:ext>
     </p:extLst>
   </p:cSld>
@@ -3822,8 +4785,8 @@
 </file>
 
 <file path=ppt/slideLayouts/slideLayout8.xml><?xml version="1.0" encoding="utf-8"?>
-<p:sldLayout xmlns:a="http://schemas.openxmlformats.org/drawingml/2006/main" xmlns:r="http://schemas.openxmlformats.org/officeDocument/2006/relationships" xmlns:p="http://schemas.openxmlformats.org/presentationml/2006/main" type="objTx" preserve="1">
-  <p:cSld name="Content with Caption">
+<p:sldLayout xmlns:a="http://schemas.openxmlformats.org/drawingml/2006/main" xmlns:r="http://schemas.openxmlformats.org/officeDocument/2006/relationships" xmlns:p="http://schemas.openxmlformats.org/presentationml/2006/main" showMasterSp="0" type="objTx" preserve="1">
+  <p:cSld name="Inhoud met bijschrift">
     <p:spTree>
       <p:nvGrpSpPr>
         <p:cNvPr id="1" name=""/>
@@ -3840,33 +4803,115 @@
       </p:grpSpPr>
       <p:sp>
         <p:nvSpPr>
-          <p:cNvPr id="2" name="Title 1"/>
-          <p:cNvSpPr>
-            <a:spLocks noGrp="1"/>
-          </p:cNvSpPr>
-          <p:nvPr>
-            <p:ph type="title"/>
-          </p:nvPr>
+          <p:cNvPr id="8" name="Rectangle 7"/>
+          <p:cNvSpPr/>
+          <p:nvPr/>
         </p:nvSpPr>
         <p:spPr>
           <a:xfrm>
-            <a:off x="457200" y="273050"/>
-            <a:ext cx="3008313" cy="1162050"/>
+            <a:off x="13" y="0"/>
+            <a:ext cx="3038093" cy="6858000"/>
+          </a:xfrm>
+          <a:prstGeom prst="rect">
+            <a:avLst/>
+          </a:prstGeom>
+          <a:solidFill>
+            <a:schemeClr val="accent2"/>
+          </a:solidFill>
+          <a:ln>
+            <a:noFill/>
+          </a:ln>
+        </p:spPr>
+        <p:style>
+          <a:lnRef idx="2">
+            <a:schemeClr val="accent1">
+              <a:shade val="50000"/>
+            </a:schemeClr>
+          </a:lnRef>
+          <a:fillRef idx="1">
+            <a:schemeClr val="accent1"/>
+          </a:fillRef>
+          <a:effectRef idx="0">
+            <a:schemeClr val="accent1"/>
+          </a:effectRef>
+          <a:fontRef idx="minor">
+            <a:schemeClr val="lt1"/>
+          </a:fontRef>
+        </p:style>
+      </p:sp>
+      <p:sp>
+        <p:nvSpPr>
+          <p:cNvPr id="9" name="Rectangle 8"/>
+          <p:cNvSpPr/>
+          <p:nvPr/>
+        </p:nvSpPr>
+        <p:spPr>
+          <a:xfrm>
+            <a:off x="3030053" y="0"/>
+            <a:ext cx="48006" cy="6858000"/>
+          </a:xfrm>
+          <a:prstGeom prst="rect">
+            <a:avLst/>
+          </a:prstGeom>
+          <a:solidFill>
+            <a:schemeClr val="accent1"/>
+          </a:solidFill>
+          <a:ln>
+            <a:noFill/>
+          </a:ln>
+        </p:spPr>
+        <p:style>
+          <a:lnRef idx="2">
+            <a:schemeClr val="accent1">
+              <a:shade val="50000"/>
+            </a:schemeClr>
+          </a:lnRef>
+          <a:fillRef idx="1">
+            <a:schemeClr val="accent1"/>
+          </a:fillRef>
+          <a:effectRef idx="0">
+            <a:schemeClr val="accent1"/>
+          </a:effectRef>
+          <a:fontRef idx="minor">
+            <a:schemeClr val="lt1"/>
+          </a:fontRef>
+        </p:style>
+      </p:sp>
+      <p:sp>
+        <p:nvSpPr>
+          <p:cNvPr id="2" name="Title 1"/>
+          <p:cNvSpPr>
+            <a:spLocks noGrp="1"/>
+          </p:cNvSpPr>
+          <p:nvPr>
+            <p:ph type="title"/>
+          </p:nvPr>
+        </p:nvSpPr>
+        <p:spPr>
+          <a:xfrm>
+            <a:off x="342900" y="594359"/>
+            <a:ext cx="2400300" cy="2286000"/>
           </a:xfrm>
         </p:spPr>
         <p:txBody>
-          <a:bodyPr anchor="b"/>
+          <a:bodyPr anchor="b">
+            <a:normAutofit/>
+          </a:bodyPr>
           <a:lstStyle>
-            <a:lvl1pPr algn="l">
-              <a:defRPr sz="2000" b="1"/>
+            <a:lvl1pPr>
+              <a:defRPr sz="3600" b="0">
+                <a:solidFill>
+                  <a:srgbClr val="FFFFFF"/>
+                </a:solidFill>
+              </a:defRPr>
             </a:lvl1pPr>
           </a:lstStyle>
           <a:p>
             <a:r>
-              <a:rPr lang="en-US" smtClean="0"/>
-              <a:t>Click to edit Master title style</a:t>
-            </a:r>
-            <a:endParaRPr lang="nl-BE"/>
+              <a:rPr lang="nl-NL" smtClean="0"/>
+              <a:t>Titelstijl van model bewerken</a:t>
+            </a:r>
+            <a:endParaRPr lang="en-US" dirty="0"/>
           </a:p>
         </p:txBody>
       </p:sp>
@@ -3882,76 +4927,48 @@
         </p:nvSpPr>
         <p:spPr>
           <a:xfrm>
-            <a:off x="3575050" y="273050"/>
-            <a:ext cx="5111750" cy="5853113"/>
+            <a:off x="3600450" y="731520"/>
+            <a:ext cx="4869180" cy="5257800"/>
           </a:xfrm>
         </p:spPr>
         <p:txBody>
           <a:bodyPr/>
-          <a:lstStyle>
-            <a:lvl1pPr>
-              <a:defRPr sz="3200"/>
-            </a:lvl1pPr>
-            <a:lvl2pPr>
-              <a:defRPr sz="2800"/>
-            </a:lvl2pPr>
-            <a:lvl3pPr>
-              <a:defRPr sz="2400"/>
-            </a:lvl3pPr>
-            <a:lvl4pPr>
-              <a:defRPr sz="2000"/>
-            </a:lvl4pPr>
-            <a:lvl5pPr>
-              <a:defRPr sz="2000"/>
-            </a:lvl5pPr>
-            <a:lvl6pPr>
-              <a:defRPr sz="2000"/>
-            </a:lvl6pPr>
-            <a:lvl7pPr>
-              <a:defRPr sz="2000"/>
-            </a:lvl7pPr>
-            <a:lvl8pPr>
-              <a:defRPr sz="2000"/>
-            </a:lvl8pPr>
-            <a:lvl9pPr>
-              <a:defRPr sz="2000"/>
-            </a:lvl9pPr>
-          </a:lstStyle>
+          <a:lstStyle/>
           <a:p>
             <a:pPr lvl="0"/>
             <a:r>
-              <a:rPr lang="en-US" smtClean="0"/>
-              <a:t>Click to edit Master text styles</a:t>
+              <a:rPr lang="nl-NL" smtClean="0"/>
+              <a:t>Klik om de tekststijl van het model te bewerken</a:t>
             </a:r>
           </a:p>
           <a:p>
             <a:pPr lvl="1"/>
             <a:r>
-              <a:rPr lang="en-US" smtClean="0"/>
-              <a:t>Second level</a:t>
+              <a:rPr lang="nl-NL" smtClean="0"/>
+              <a:t>Tweede niveau</a:t>
             </a:r>
           </a:p>
           <a:p>
             <a:pPr lvl="2"/>
             <a:r>
-              <a:rPr lang="en-US" smtClean="0"/>
-              <a:t>Third level</a:t>
+              <a:rPr lang="nl-NL" smtClean="0"/>
+              <a:t>Derde niveau</a:t>
             </a:r>
           </a:p>
           <a:p>
             <a:pPr lvl="3"/>
             <a:r>
-              <a:rPr lang="en-US" smtClean="0"/>
-              <a:t>Fourth level</a:t>
+              <a:rPr lang="nl-NL" smtClean="0"/>
+              <a:t>Vierde niveau</a:t>
             </a:r>
           </a:p>
           <a:p>
             <a:pPr lvl="4"/>
             <a:r>
-              <a:rPr lang="en-US" smtClean="0"/>
-              <a:t>Fifth level</a:t>
-            </a:r>
-            <a:endParaRPr lang="nl-BE"/>
+              <a:rPr lang="nl-NL" smtClean="0"/>
+              <a:t>Vijfde niveau</a:t>
+            </a:r>
+            <a:endParaRPr lang="en-US" dirty="0"/>
           </a:p>
         </p:txBody>
       </p:sp>
@@ -3967,16 +4984,22 @@
         </p:nvSpPr>
         <p:spPr>
           <a:xfrm>
-            <a:off x="457200" y="1435100"/>
-            <a:ext cx="3008313" cy="4691063"/>
+            <a:off x="342900" y="2926080"/>
+            <a:ext cx="2400300" cy="3379124"/>
           </a:xfrm>
         </p:spPr>
         <p:txBody>
-          <a:bodyPr/>
+          <a:bodyPr lIns="91440" rIns="91440">
+            <a:normAutofit/>
+          </a:bodyPr>
           <a:lstStyle>
             <a:lvl1pPr marL="0" indent="0">
               <a:buNone/>
-              <a:defRPr sz="1400"/>
+              <a:defRPr sz="1500">
+                <a:solidFill>
+                  <a:srgbClr val="FFFFFF"/>
+                </a:solidFill>
+              </a:defRPr>
             </a:lvl1pPr>
             <a:lvl2pPr marL="457200" indent="0">
               <a:buNone/>
@@ -4014,8 +5037,8 @@
           <a:p>
             <a:pPr lvl="0"/>
             <a:r>
-              <a:rPr lang="en-US" smtClean="0"/>
-              <a:t>Click to edit Master text styles</a:t>
+              <a:rPr lang="nl-NL" smtClean="0"/>
+              <a:t>Klik om de tekststijl van het model te bewerken</a:t>
             </a:r>
           </a:p>
         </p:txBody>
@@ -4030,14 +5053,23 @@
             <p:ph type="dt" sz="half" idx="10"/>
           </p:nvPr>
         </p:nvSpPr>
-        <p:spPr/>
+        <p:spPr>
+          <a:xfrm>
+            <a:off x="349134" y="6459786"/>
+            <a:ext cx="1963883" cy="365125"/>
+          </a:xfrm>
+        </p:spPr>
         <p:txBody>
           <a:bodyPr/>
-          <a:lstStyle/>
+          <a:lstStyle>
+            <a:lvl1pPr algn="l">
+              <a:defRPr/>
+            </a:lvl1pPr>
+          </a:lstStyle>
           <a:p>
             <a:fld id="{3FF3D4C3-34CD-4E7E-97F9-86F6D58F3628}" type="datetimeFigureOut">
               <a:rPr lang="nl-BE" smtClean="0"/>
-              <a:t>11/03/2016</a:t>
+              <a:t>14/03/16</a:t>
             </a:fld>
             <a:endParaRPr lang="nl-BE"/>
           </a:p>
@@ -4053,33 +5085,54 @@
             <p:ph type="ftr" sz="quarter" idx="11"/>
           </p:nvPr>
         </p:nvSpPr>
+        <p:spPr>
+          <a:xfrm>
+            <a:off x="3600450" y="6459786"/>
+            <a:ext cx="3486150" cy="365125"/>
+          </a:xfrm>
+        </p:spPr>
+        <p:txBody>
+          <a:bodyPr/>
+          <a:lstStyle>
+            <a:lvl1pPr algn="l">
+              <a:defRPr>
+                <a:solidFill>
+                  <a:schemeClr val="tx2"/>
+                </a:solidFill>
+              </a:defRPr>
+            </a:lvl1pPr>
+          </a:lstStyle>
+          <a:p>
+            <a:endParaRPr lang="nl-BE"/>
+          </a:p>
+        </p:txBody>
+      </p:sp>
+      <p:sp>
+        <p:nvSpPr>
+          <p:cNvPr id="7" name="Slide Number Placeholder 6"/>
+          <p:cNvSpPr>
+            <a:spLocks noGrp="1"/>
+          </p:cNvSpPr>
+          <p:nvPr>
+            <p:ph type="sldNum" sz="quarter" idx="12"/>
+          </p:nvPr>
+        </p:nvSpPr>
         <p:spPr/>
         <p:txBody>
           <a:bodyPr/>
-          <a:lstStyle/>
-          <a:p>
-            <a:endParaRPr lang="nl-BE"/>
-          </a:p>
-        </p:txBody>
-      </p:sp>
-      <p:sp>
-        <p:nvSpPr>
-          <p:cNvPr id="7" name="Slide Number Placeholder 6"/>
-          <p:cNvSpPr>
-            <a:spLocks noGrp="1"/>
-          </p:cNvSpPr>
-          <p:nvPr>
-            <p:ph type="sldNum" sz="quarter" idx="12"/>
-          </p:nvPr>
-        </p:nvSpPr>
-        <p:spPr/>
-        <p:txBody>
-          <a:bodyPr/>
-          <a:lstStyle/>
+          <a:lstStyle>
+            <a:lvl1pPr>
+              <a:defRPr>
+                <a:solidFill>
+                  <a:schemeClr val="tx2"/>
+                </a:solidFill>
+              </a:defRPr>
+            </a:lvl1pPr>
+          </a:lstStyle>
           <a:p>
             <a:fld id="{1388032C-26F7-45D2-BF4B-5C7971A85815}" type="slidenum">
               <a:rPr lang="nl-BE" smtClean="0"/>
-              <a:t>‹#›</a:t>
+              <a:t>‹nr.›</a:t>
             </a:fld>
             <a:endParaRPr lang="nl-BE"/>
           </a:p>
@@ -4088,7 +5141,7 @@
     </p:spTree>
     <p:extLst>
       <p:ext uri="{BB962C8B-B14F-4D97-AF65-F5344CB8AC3E}">
-        <p14:creationId xmlns:p14="http://schemas.microsoft.com/office/powerpoint/2010/main" val="3754980685"/>
+        <p14:creationId xmlns:p14="http://schemas.microsoft.com/office/powerpoint/2010/main" val="215707447"/>
       </p:ext>
     </p:extLst>
   </p:cSld>
@@ -4099,8 +5152,8 @@
 </file>
 
 <file path=ppt/slideLayouts/slideLayout9.xml><?xml version="1.0" encoding="utf-8"?>
-<p:sldLayout xmlns:a="http://schemas.openxmlformats.org/drawingml/2006/main" xmlns:r="http://schemas.openxmlformats.org/officeDocument/2006/relationships" xmlns:p="http://schemas.openxmlformats.org/presentationml/2006/main" type="picTx" preserve="1">
-  <p:cSld name="Picture with Caption">
+<p:sldLayout xmlns:a="http://schemas.openxmlformats.org/drawingml/2006/main" xmlns:r="http://schemas.openxmlformats.org/officeDocument/2006/relationships" xmlns:p="http://schemas.openxmlformats.org/presentationml/2006/main" showMasterSp="0" type="picTx" preserve="1">
+  <p:cSld name="Afbeelding met bijschrift">
     <p:spTree>
       <p:nvGrpSpPr>
         <p:cNvPr id="1" name=""/>
@@ -4117,33 +5170,115 @@
       </p:grpSpPr>
       <p:sp>
         <p:nvSpPr>
-          <p:cNvPr id="2" name="Title 1"/>
-          <p:cNvSpPr>
-            <a:spLocks noGrp="1"/>
-          </p:cNvSpPr>
-          <p:nvPr>
-            <p:ph type="title"/>
-          </p:nvPr>
+          <p:cNvPr id="8" name="Rectangle 7"/>
+          <p:cNvSpPr/>
+          <p:nvPr/>
         </p:nvSpPr>
         <p:spPr>
           <a:xfrm>
-            <a:off x="1792288" y="4800600"/>
-            <a:ext cx="5486400" cy="566738"/>
+            <a:off x="0" y="4953000"/>
+            <a:ext cx="9141619" cy="1905000"/>
+          </a:xfrm>
+          <a:prstGeom prst="rect">
+            <a:avLst/>
+          </a:prstGeom>
+          <a:solidFill>
+            <a:schemeClr val="accent2"/>
+          </a:solidFill>
+          <a:ln>
+            <a:noFill/>
+          </a:ln>
+        </p:spPr>
+        <p:style>
+          <a:lnRef idx="2">
+            <a:schemeClr val="accent1">
+              <a:shade val="50000"/>
+            </a:schemeClr>
+          </a:lnRef>
+          <a:fillRef idx="1">
+            <a:schemeClr val="accent1"/>
+          </a:fillRef>
+          <a:effectRef idx="0">
+            <a:schemeClr val="accent1"/>
+          </a:effectRef>
+          <a:fontRef idx="minor">
+            <a:schemeClr val="lt1"/>
+          </a:fontRef>
+        </p:style>
+      </p:sp>
+      <p:sp>
+        <p:nvSpPr>
+          <p:cNvPr id="9" name="Rectangle 8"/>
+          <p:cNvSpPr/>
+          <p:nvPr/>
+        </p:nvSpPr>
+        <p:spPr>
+          <a:xfrm>
+            <a:off x="12" y="4915076"/>
+            <a:ext cx="9141619" cy="64008"/>
+          </a:xfrm>
+          <a:prstGeom prst="rect">
+            <a:avLst/>
+          </a:prstGeom>
+          <a:solidFill>
+            <a:schemeClr val="accent1"/>
+          </a:solidFill>
+          <a:ln>
+            <a:noFill/>
+          </a:ln>
+        </p:spPr>
+        <p:style>
+          <a:lnRef idx="2">
+            <a:schemeClr val="accent1">
+              <a:shade val="50000"/>
+            </a:schemeClr>
+          </a:lnRef>
+          <a:fillRef idx="1">
+            <a:schemeClr val="accent1"/>
+          </a:fillRef>
+          <a:effectRef idx="0">
+            <a:schemeClr val="accent1"/>
+          </a:effectRef>
+          <a:fontRef idx="minor">
+            <a:schemeClr val="lt1"/>
+          </a:fontRef>
+        </p:style>
+      </p:sp>
+      <p:sp>
+        <p:nvSpPr>
+          <p:cNvPr id="2" name="Title 1"/>
+          <p:cNvSpPr>
+            <a:spLocks noGrp="1"/>
+          </p:cNvSpPr>
+          <p:nvPr>
+            <p:ph type="title"/>
+          </p:nvPr>
+        </p:nvSpPr>
+        <p:spPr>
+          <a:xfrm>
+            <a:off x="822960" y="5074920"/>
+            <a:ext cx="7589520" cy="822960"/>
           </a:xfrm>
         </p:spPr>
         <p:txBody>
-          <a:bodyPr anchor="b"/>
+          <a:bodyPr tIns="0" bIns="0" anchor="b">
+            <a:noAutofit/>
+          </a:bodyPr>
           <a:lstStyle>
-            <a:lvl1pPr algn="l">
-              <a:defRPr sz="2000" b="1"/>
+            <a:lvl1pPr>
+              <a:defRPr sz="3600" b="0">
+                <a:solidFill>
+                  <a:srgbClr val="FFFFFF"/>
+                </a:solidFill>
+              </a:defRPr>
             </a:lvl1pPr>
           </a:lstStyle>
           <a:p>
             <a:r>
-              <a:rPr lang="en-US" smtClean="0"/>
-              <a:t>Click to edit Master title style</a:t>
-            </a:r>
-            <a:endParaRPr lang="nl-BE"/>
+              <a:rPr lang="nl-NL" smtClean="0"/>
+              <a:t>Titelstijl van model bewerken</a:t>
+            </a:r>
+            <a:endParaRPr lang="en-US" dirty="0"/>
           </a:p>
         </p:txBody>
       </p:sp>
@@ -4151,7 +5286,7 @@
         <p:nvSpPr>
           <p:cNvPr id="3" name="Picture Placeholder 2"/>
           <p:cNvSpPr>
-            <a:spLocks noGrp="1"/>
+            <a:spLocks noGrp="1" noChangeAspect="1"/>
           </p:cNvSpPr>
           <p:nvPr>
             <p:ph type="pic" idx="1"/>
@@ -4159,12 +5294,17 @@
         </p:nvSpPr>
         <p:spPr>
           <a:xfrm>
-            <a:off x="1792288" y="612775"/>
-            <a:ext cx="5486400" cy="4114800"/>
+            <a:off x="12" y="0"/>
+            <a:ext cx="9143989" cy="4915076"/>
           </a:xfrm>
+          <a:solidFill>
+            <a:schemeClr val="bg2">
+              <a:lumMod val="90000"/>
+            </a:schemeClr>
+          </a:solidFill>
         </p:spPr>
         <p:txBody>
-          <a:bodyPr/>
+          <a:bodyPr lIns="457200" tIns="457200" anchor="t"/>
           <a:lstStyle>
             <a:lvl1pPr marL="0" indent="0">
               <a:buNone/>
@@ -4204,7 +5344,11 @@
             </a:lvl9pPr>
           </a:lstStyle>
           <a:p>
-            <a:endParaRPr lang="nl-BE"/>
+            <a:r>
+              <a:rPr lang="nl-NL" smtClean="0"/>
+              <a:t>Sleep de afbeelding naar de tijdelijke aanduiding of klik op het pictogram als u een afbeelding wilt toevoegen</a:t>
+            </a:r>
+            <a:endParaRPr lang="en-US" dirty="0"/>
           </a:p>
         </p:txBody>
       </p:sp>
@@ -4220,16 +5364,28 @@
         </p:nvSpPr>
         <p:spPr>
           <a:xfrm>
-            <a:off x="1792288" y="5367338"/>
-            <a:ext cx="5486400" cy="804862"/>
+            <a:off x="822960" y="5907024"/>
+            <a:ext cx="7589520" cy="594360"/>
           </a:xfrm>
         </p:spPr>
         <p:txBody>
-          <a:bodyPr/>
+          <a:bodyPr lIns="91440" tIns="0" rIns="91440" bIns="0">
+            <a:normAutofit/>
+          </a:bodyPr>
           <a:lstStyle>
             <a:lvl1pPr marL="0" indent="0">
+              <a:spcBef>
+                <a:spcPts val="0"/>
+              </a:spcBef>
+              <a:spcAft>
+                <a:spcPts val="600"/>
+              </a:spcAft>
               <a:buNone/>
-              <a:defRPr sz="1400"/>
+              <a:defRPr sz="1500">
+                <a:solidFill>
+                  <a:srgbClr val="FFFFFF"/>
+                </a:solidFill>
+              </a:defRPr>
             </a:lvl1pPr>
             <a:lvl2pPr marL="457200" indent="0">
               <a:buNone/>
@@ -4267,8 +5423,8 @@
           <a:p>
             <a:pPr lvl="0"/>
             <a:r>
-              <a:rPr lang="en-US" smtClean="0"/>
-              <a:t>Click to edit Master text styles</a:t>
+              <a:rPr lang="nl-NL" smtClean="0"/>
+              <a:t>Klik om de tekststijl van het model te bewerken</a:t>
             </a:r>
           </a:p>
         </p:txBody>
@@ -4290,7 +5446,7 @@
           <a:p>
             <a:fld id="{3FF3D4C3-34CD-4E7E-97F9-86F6D58F3628}" type="datetimeFigureOut">
               <a:rPr lang="nl-BE" smtClean="0"/>
-              <a:t>11/03/2016</a:t>
+              <a:t>14/03/16</a:t>
             </a:fld>
             <a:endParaRPr lang="nl-BE"/>
           </a:p>
@@ -4332,7 +5488,7 @@
           <a:p>
             <a:fld id="{1388032C-26F7-45D2-BF4B-5C7971A85815}" type="slidenum">
               <a:rPr lang="nl-BE" smtClean="0"/>
-              <a:t>‹#›</a:t>
+              <a:t>‹nr.›</a:t>
             </a:fld>
             <a:endParaRPr lang="nl-BE"/>
           </a:p>
@@ -4341,7 +5497,7 @@
     </p:spTree>
     <p:extLst>
       <p:ext uri="{BB962C8B-B14F-4D97-AF65-F5344CB8AC3E}">
-        <p14:creationId xmlns:p14="http://schemas.microsoft.com/office/powerpoint/2010/main" val="272386589"/>
+        <p14:creationId xmlns:p14="http://schemas.microsoft.com/office/powerpoint/2010/main" val="442665593"/>
       </p:ext>
     </p:extLst>
   </p:cSld>
@@ -4375,34 +5531,110 @@
       </p:grpSpPr>
       <p:sp>
         <p:nvSpPr>
-          <p:cNvPr id="2" name="Title Placeholder 1"/>
-          <p:cNvSpPr>
-            <a:spLocks noGrp="1"/>
-          </p:cNvSpPr>
-          <p:nvPr>
-            <p:ph type="title"/>
-          </p:nvPr>
+          <p:cNvPr id="7" name="Rectangle 6"/>
+          <p:cNvSpPr/>
+          <p:nvPr/>
         </p:nvSpPr>
         <p:spPr>
           <a:xfrm>
-            <a:off x="457200" y="274638"/>
-            <a:ext cx="8229600" cy="1143000"/>
+            <a:off x="0" y="6400800"/>
+            <a:ext cx="9144001" cy="457200"/>
+          </a:xfrm>
+          <a:prstGeom prst="rect">
+            <a:avLst/>
+          </a:prstGeom>
+          <a:solidFill>
+            <a:schemeClr val="accent2"/>
+          </a:solidFill>
+          <a:ln>
+            <a:noFill/>
+          </a:ln>
+        </p:spPr>
+        <p:style>
+          <a:lnRef idx="2">
+            <a:schemeClr val="accent1">
+              <a:shade val="50000"/>
+            </a:schemeClr>
+          </a:lnRef>
+          <a:fillRef idx="1">
+            <a:schemeClr val="accent1"/>
+          </a:fillRef>
+          <a:effectRef idx="0">
+            <a:schemeClr val="accent1"/>
+          </a:effectRef>
+          <a:fontRef idx="minor">
+            <a:schemeClr val="lt1"/>
+          </a:fontRef>
+        </p:style>
+      </p:sp>
+      <p:sp>
+        <p:nvSpPr>
+          <p:cNvPr id="9" name="Rectangle 8"/>
+          <p:cNvSpPr/>
+          <p:nvPr/>
+        </p:nvSpPr>
+        <p:spPr>
+          <a:xfrm>
+            <a:off x="0" y="6334316"/>
+            <a:ext cx="9144001" cy="66484"/>
+          </a:xfrm>
+          <a:prstGeom prst="rect">
+            <a:avLst/>
+          </a:prstGeom>
+          <a:solidFill>
+            <a:schemeClr val="accent1"/>
+          </a:solidFill>
+          <a:ln>
+            <a:noFill/>
+          </a:ln>
+        </p:spPr>
+        <p:style>
+          <a:lnRef idx="2">
+            <a:schemeClr val="accent1">
+              <a:shade val="50000"/>
+            </a:schemeClr>
+          </a:lnRef>
+          <a:fillRef idx="1">
+            <a:schemeClr val="accent1"/>
+          </a:fillRef>
+          <a:effectRef idx="0">
+            <a:schemeClr val="accent1"/>
+          </a:effectRef>
+          <a:fontRef idx="minor">
+            <a:schemeClr val="lt1"/>
+          </a:fontRef>
+        </p:style>
+      </p:sp>
+      <p:sp>
+        <p:nvSpPr>
+          <p:cNvPr id="2" name="Title Placeholder 1"/>
+          <p:cNvSpPr>
+            <a:spLocks noGrp="1"/>
+          </p:cNvSpPr>
+          <p:nvPr>
+            <p:ph type="title"/>
+          </p:nvPr>
+        </p:nvSpPr>
+        <p:spPr>
+          <a:xfrm>
+            <a:off x="822960" y="286604"/>
+            <a:ext cx="7543800" cy="1450757"/>
           </a:xfrm>
           <a:prstGeom prst="rect">
             <a:avLst/>
           </a:prstGeom>
         </p:spPr>
         <p:txBody>
-          <a:bodyPr vert="horz" lIns="91440" tIns="45720" rIns="91440" bIns="45720" rtlCol="0" anchor="ctr">
+          <a:bodyPr vert="horz" lIns="91440" tIns="45720" rIns="91440" bIns="45720" rtlCol="0" anchor="b">
             <a:normAutofit/>
           </a:bodyPr>
           <a:lstStyle/>
           <a:p>
             <a:r>
-              <a:rPr lang="en-US" smtClean="0"/>
-              <a:t>Click to edit Master title style</a:t>
-            </a:r>
-            <a:endParaRPr lang="nl-BE"/>
+              <a:rPr lang="nl-NL" smtClean="0"/>
+              <a:t>Titelstijl van model bewerken</a:t>
+            </a:r>
+            <a:endParaRPr lang="en-US" dirty="0"/>
           </a:p>
         </p:txBody>
       </p:sp>
@@ -4418,53 +5650,53 @@
         </p:nvSpPr>
         <p:spPr>
           <a:xfrm>
-            <a:off x="457200" y="1600200"/>
-            <a:ext cx="8229600" cy="4525963"/>
+            <a:off x="822959" y="1845734"/>
+            <a:ext cx="7543801" cy="4023360"/>
           </a:xfrm>
           <a:prstGeom prst="rect">
             <a:avLst/>
           </a:prstGeom>
         </p:spPr>
         <p:txBody>
-          <a:bodyPr vert="horz" lIns="91440" tIns="45720" rIns="91440" bIns="45720" rtlCol="0">
+          <a:bodyPr vert="horz" lIns="0" tIns="45720" rIns="0" bIns="45720" rtlCol="0">
             <a:normAutofit/>
           </a:bodyPr>
           <a:lstStyle/>
           <a:p>
             <a:pPr lvl="0"/>
             <a:r>
-              <a:rPr lang="en-US" smtClean="0"/>
-              <a:t>Click to edit Master text styles</a:t>
+              <a:rPr lang="nl-NL" smtClean="0"/>
+              <a:t>Klik om de tekststijl van het model te bewerken</a:t>
             </a:r>
           </a:p>
           <a:p>
             <a:pPr lvl="1"/>
             <a:r>
-              <a:rPr lang="en-US" smtClean="0"/>
-              <a:t>Second level</a:t>
+              <a:rPr lang="nl-NL" smtClean="0"/>
+              <a:t>Tweede niveau</a:t>
             </a:r>
           </a:p>
           <a:p>
             <a:pPr lvl="2"/>
             <a:r>
-              <a:rPr lang="en-US" smtClean="0"/>
-              <a:t>Third level</a:t>
+              <a:rPr lang="nl-NL" smtClean="0"/>
+              <a:t>Derde niveau</a:t>
             </a:r>
           </a:p>
           <a:p>
             <a:pPr lvl="3"/>
             <a:r>
-              <a:rPr lang="en-US" smtClean="0"/>
-              <a:t>Fourth level</a:t>
+              <a:rPr lang="nl-NL" smtClean="0"/>
+              <a:t>Vierde niveau</a:t>
             </a:r>
           </a:p>
           <a:p>
             <a:pPr lvl="4"/>
             <a:r>
-              <a:rPr lang="en-US" smtClean="0"/>
-              <a:t>Fifth level</a:t>
-            </a:r>
-            <a:endParaRPr lang="nl-BE"/>
+              <a:rPr lang="nl-NL" smtClean="0"/>
+              <a:t>Vijfde niveau</a:t>
+            </a:r>
+            <a:endParaRPr lang="en-US" dirty="0"/>
           </a:p>
         </p:txBody>
       </p:sp>
@@ -4480,8 +5712,8 @@
         </p:nvSpPr>
         <p:spPr>
           <a:xfrm>
-            <a:off x="457200" y="6356350"/>
-            <a:ext cx="2133600" cy="365125"/>
+            <a:off x="822961" y="6459786"/>
+            <a:ext cx="1854203" cy="365125"/>
           </a:xfrm>
           <a:prstGeom prst="rect">
             <a:avLst/>
@@ -4491,11 +5723,9 @@
           <a:bodyPr vert="horz" lIns="91440" tIns="45720" rIns="91440" bIns="45720" rtlCol="0" anchor="ctr"/>
           <a:lstStyle>
             <a:lvl1pPr algn="l">
-              <a:defRPr sz="1200">
+              <a:defRPr sz="900">
                 <a:solidFill>
-                  <a:schemeClr val="tx1">
-                    <a:tint val="75000"/>
-                  </a:schemeClr>
+                  <a:srgbClr val="FFFFFF"/>
                 </a:solidFill>
               </a:defRPr>
             </a:lvl1pPr>
@@ -4503,7 +5733,7 @@
           <a:p>
             <a:fld id="{3FF3D4C3-34CD-4E7E-97F9-86F6D58F3628}" type="datetimeFigureOut">
               <a:rPr lang="nl-BE" smtClean="0"/>
-              <a:t>11/03/2016</a:t>
+              <a:t>14/03/16</a:t>
             </a:fld>
             <a:endParaRPr lang="nl-BE"/>
           </a:p>
@@ -4521,8 +5751,8 @@
         </p:nvSpPr>
         <p:spPr>
           <a:xfrm>
-            <a:off x="3124200" y="6356350"/>
-            <a:ext cx="2895600" cy="365125"/>
+            <a:off x="2764639" y="6459786"/>
+            <a:ext cx="3617103" cy="365125"/>
           </a:xfrm>
           <a:prstGeom prst="rect">
             <a:avLst/>
@@ -4532,11 +5762,9 @@
           <a:bodyPr vert="horz" lIns="91440" tIns="45720" rIns="91440" bIns="45720" rtlCol="0" anchor="ctr"/>
           <a:lstStyle>
             <a:lvl1pPr algn="ctr">
-              <a:defRPr sz="1200">
+              <a:defRPr sz="900" cap="all" baseline="0">
                 <a:solidFill>
-                  <a:schemeClr val="tx1">
-                    <a:tint val="75000"/>
-                  </a:schemeClr>
+                  <a:srgbClr val="FFFFFF"/>
                 </a:solidFill>
               </a:defRPr>
             </a:lvl1pPr>
@@ -4558,8 +5786,8 @@
         </p:nvSpPr>
         <p:spPr>
           <a:xfrm>
-            <a:off x="6553200" y="6356350"/>
-            <a:ext cx="2133600" cy="365125"/>
+            <a:off x="7425344" y="6459786"/>
+            <a:ext cx="984019" cy="365125"/>
           </a:xfrm>
           <a:prstGeom prst="rect">
             <a:avLst/>
@@ -4569,11 +5797,9 @@
           <a:bodyPr vert="horz" lIns="91440" tIns="45720" rIns="91440" bIns="45720" rtlCol="0" anchor="ctr"/>
           <a:lstStyle>
             <a:lvl1pPr algn="r">
-              <a:defRPr sz="1200">
+              <a:defRPr sz="1050">
                 <a:solidFill>
-                  <a:schemeClr val="tx1">
-                    <a:tint val="75000"/>
-                  </a:schemeClr>
+                  <a:srgbClr val="FFFFFF"/>
                 </a:solidFill>
               </a:defRPr>
             </a:lvl1pPr>
@@ -4581,43 +5807,87 @@
           <a:p>
             <a:fld id="{1388032C-26F7-45D2-BF4B-5C7971A85815}" type="slidenum">
               <a:rPr lang="nl-BE" smtClean="0"/>
-              <a:t>‹#›</a:t>
+              <a:t>‹nr.›</a:t>
             </a:fld>
             <a:endParaRPr lang="nl-BE"/>
           </a:p>
         </p:txBody>
       </p:sp>
+      <p:cxnSp>
+        <p:nvCxnSpPr>
+          <p:cNvPr id="10" name="Straight Connector 9"/>
+          <p:cNvCxnSpPr/>
+          <p:nvPr/>
+        </p:nvCxnSpPr>
+        <p:spPr>
+          <a:xfrm>
+            <a:off x="895149" y="1737845"/>
+            <a:ext cx="7475220" cy="0"/>
+          </a:xfrm>
+          <a:prstGeom prst="line">
+            <a:avLst/>
+          </a:prstGeom>
+          <a:ln w="6350">
+            <a:solidFill>
+              <a:schemeClr val="tx1">
+                <a:lumMod val="50000"/>
+                <a:lumOff val="50000"/>
+              </a:schemeClr>
+            </a:solidFill>
+          </a:ln>
+        </p:spPr>
+        <p:style>
+          <a:lnRef idx="1">
+            <a:schemeClr val="accent1"/>
+          </a:lnRef>
+          <a:fillRef idx="0">
+            <a:schemeClr val="accent1"/>
+          </a:fillRef>
+          <a:effectRef idx="0">
+            <a:schemeClr val="accent1"/>
+          </a:effectRef>
+          <a:fontRef idx="minor">
+            <a:schemeClr val="tx1"/>
+          </a:fontRef>
+        </p:style>
+      </p:cxnSp>
     </p:spTree>
     <p:extLst>
       <p:ext uri="{BB962C8B-B14F-4D97-AF65-F5344CB8AC3E}">
-        <p14:creationId xmlns:p14="http://schemas.microsoft.com/office/powerpoint/2010/main" val="813223793"/>
+        <p14:creationId xmlns:p14="http://schemas.microsoft.com/office/powerpoint/2010/main" val="837795571"/>
       </p:ext>
     </p:extLst>
   </p:cSld>
   <p:clrMap bg1="lt1" tx1="dk1" bg2="lt2" tx2="dk2" accent1="accent1" accent2="accent2" accent3="accent3" accent4="accent4" accent5="accent5" accent6="accent6" hlink="hlink" folHlink="folHlink"/>
   <p:sldLayoutIdLst>
-    <p:sldLayoutId id="2147483649" r:id="rId1"/>
-    <p:sldLayoutId id="2147483650" r:id="rId2"/>
-    <p:sldLayoutId id="2147483651" r:id="rId3"/>
-    <p:sldLayoutId id="2147483652" r:id="rId4"/>
-    <p:sldLayoutId id="2147483653" r:id="rId5"/>
-    <p:sldLayoutId id="2147483654" r:id="rId6"/>
-    <p:sldLayoutId id="2147483655" r:id="rId7"/>
-    <p:sldLayoutId id="2147483656" r:id="rId8"/>
-    <p:sldLayoutId id="2147483657" r:id="rId9"/>
-    <p:sldLayoutId id="2147483658" r:id="rId10"/>
-    <p:sldLayoutId id="2147483659" r:id="rId11"/>
+    <p:sldLayoutId id="2147483673" r:id="rId1"/>
+    <p:sldLayoutId id="2147483674" r:id="rId2"/>
+    <p:sldLayoutId id="2147483675" r:id="rId3"/>
+    <p:sldLayoutId id="2147483676" r:id="rId4"/>
+    <p:sldLayoutId id="2147483677" r:id="rId5"/>
+    <p:sldLayoutId id="2147483678" r:id="rId6"/>
+    <p:sldLayoutId id="2147483679" r:id="rId7"/>
+    <p:sldLayoutId id="2147483680" r:id="rId8"/>
+    <p:sldLayoutId id="2147483681" r:id="rId9"/>
+    <p:sldLayoutId id="2147483682" r:id="rId10"/>
+    <p:sldLayoutId id="2147483683" r:id="rId11"/>
   </p:sldLayoutIdLst>
   <p:txStyles>
     <p:titleStyle>
-      <a:lvl1pPr algn="ctr" defTabSz="914400" rtl="0" eaLnBrk="1" latinLnBrk="0" hangingPunct="1">
+      <a:lvl1pPr algn="l" defTabSz="914400" rtl="0" eaLnBrk="1" latinLnBrk="0" hangingPunct="1">
+        <a:lnSpc>
+          <a:spcPct val="85000"/>
+        </a:lnSpc>
         <a:spcBef>
           <a:spcPct val="0"/>
         </a:spcBef>
         <a:buNone/>
-        <a:defRPr sz="4400" kern="1200">
+        <a:defRPr sz="4800" kern="1200" spc="-50" baseline="0">
           <a:solidFill>
-            <a:schemeClr val="tx1"/>
+            <a:schemeClr val="tx1">
+              <a:lumMod val="75000"/>
+              <a:lumOff val="25000"/>
+            </a:schemeClr>
           </a:solidFill>
           <a:latin typeface="+mj-lt"/>
           <a:ea typeface="+mj-ea"/>
@@ -4626,135 +5896,244 @@
       </a:lvl1pPr>
     </p:titleStyle>
     <p:bodyStyle>
-      <a:lvl1pPr marL="342900" indent="-342900" algn="l" defTabSz="914400" rtl="0" eaLnBrk="1" latinLnBrk="0" hangingPunct="1">
+      <a:lvl1pPr marL="91440" indent="-91440" algn="l" defTabSz="914400" rtl="0" eaLnBrk="1" latinLnBrk="0" hangingPunct="1">
+        <a:lnSpc>
+          <a:spcPct val="90000"/>
+        </a:lnSpc>
         <a:spcBef>
-          <a:spcPct val="20000"/>
+          <a:spcPts val="1200"/>
         </a:spcBef>
-        <a:buFont typeface="Arial" panose="020B0604020202020204" pitchFamily="34" charset="0"/>
-        <a:buChar char="•"/>
-        <a:defRPr sz="3200" kern="1200">
+        <a:spcAft>
+          <a:spcPts val="200"/>
+        </a:spcAft>
+        <a:buClr>
+          <a:schemeClr val="accent1"/>
+        </a:buClr>
+        <a:buSzPct val="100000"/>
+        <a:buFont typeface="Calibri" panose="020F0502020204030204" pitchFamily="34" charset="0"/>
+        <a:buChar char=" "/>
+        <a:defRPr sz="2000" kern="1200">
           <a:solidFill>
-            <a:schemeClr val="tx1"/>
+            <a:schemeClr val="tx1">
+              <a:lumMod val="75000"/>
+              <a:lumOff val="25000"/>
+            </a:schemeClr>
           </a:solidFill>
           <a:latin typeface="+mn-lt"/>
           <a:ea typeface="+mn-ea"/>
           <a:cs typeface="+mn-cs"/>
         </a:defRPr>
       </a:lvl1pPr>
-      <a:lvl2pPr marL="742950" indent="-285750" algn="l" defTabSz="914400" rtl="0" eaLnBrk="1" latinLnBrk="0" hangingPunct="1">
+      <a:lvl2pPr marL="384048" indent="-182880" algn="l" defTabSz="914400" rtl="0" eaLnBrk="1" latinLnBrk="0" hangingPunct="1">
+        <a:lnSpc>
+          <a:spcPct val="90000"/>
+        </a:lnSpc>
         <a:spcBef>
-          <a:spcPct val="20000"/>
+          <a:spcPts val="200"/>
         </a:spcBef>
-        <a:buFont typeface="Arial" panose="020B0604020202020204" pitchFamily="34" charset="0"/>
-        <a:buChar char="–"/>
-        <a:defRPr sz="2800" kern="1200">
+        <a:spcAft>
+          <a:spcPts val="400"/>
+        </a:spcAft>
+        <a:buClr>
+          <a:schemeClr val="accent1"/>
+        </a:buClr>
+        <a:buFont typeface="Calibri" pitchFamily="34" charset="0"/>
+        <a:buChar char="◦"/>
+        <a:defRPr sz="1800" kern="1200">
           <a:solidFill>
-            <a:schemeClr val="tx1"/>
+            <a:schemeClr val="tx1">
+              <a:lumMod val="75000"/>
+              <a:lumOff val="25000"/>
+            </a:schemeClr>
           </a:solidFill>
           <a:latin typeface="+mn-lt"/>
           <a:ea typeface="+mn-ea"/>
           <a:cs typeface="+mn-cs"/>
         </a:defRPr>
       </a:lvl2pPr>
-      <a:lvl3pPr marL="1143000" indent="-228600" algn="l" defTabSz="914400" rtl="0" eaLnBrk="1" latinLnBrk="0" hangingPunct="1">
+      <a:lvl3pPr marL="566928" indent="-182880" algn="l" defTabSz="914400" rtl="0" eaLnBrk="1" latinLnBrk="0" hangingPunct="1">
+        <a:lnSpc>
+          <a:spcPct val="90000"/>
+        </a:lnSpc>
         <a:spcBef>
-          <a:spcPct val="20000"/>
+          <a:spcPts val="200"/>
         </a:spcBef>
-        <a:buFont typeface="Arial" panose="020B0604020202020204" pitchFamily="34" charset="0"/>
-        <a:buChar char="•"/>
-        <a:defRPr sz="2400" kern="1200">
+        <a:spcAft>
+          <a:spcPts val="400"/>
+        </a:spcAft>
+        <a:buClr>
+          <a:schemeClr val="accent1"/>
+        </a:buClr>
+        <a:buFont typeface="Calibri" pitchFamily="34" charset="0"/>
+        <a:buChar char="◦"/>
+        <a:defRPr sz="1400" kern="1200">
           <a:solidFill>
-            <a:schemeClr val="tx1"/>
+            <a:schemeClr val="tx1">
+              <a:lumMod val="75000"/>
+              <a:lumOff val="25000"/>
+            </a:schemeClr>
           </a:solidFill>
           <a:latin typeface="+mn-lt"/>
           <a:ea typeface="+mn-ea"/>
           <a:cs typeface="+mn-cs"/>
         </a:defRPr>
       </a:lvl3pPr>
-      <a:lvl4pPr marL="1600200" indent="-228600" algn="l" defTabSz="914400" rtl="0" eaLnBrk="1" latinLnBrk="0" hangingPunct="1">
+      <a:lvl4pPr marL="749808" indent="-182880" algn="l" defTabSz="914400" rtl="0" eaLnBrk="1" latinLnBrk="0" hangingPunct="1">
+        <a:lnSpc>
+          <a:spcPct val="90000"/>
+        </a:lnSpc>
         <a:spcBef>
-          <a:spcPct val="20000"/>
+          <a:spcPts val="200"/>
         </a:spcBef>
-        <a:buFont typeface="Arial" panose="020B0604020202020204" pitchFamily="34" charset="0"/>
-        <a:buChar char="–"/>
-        <a:defRPr sz="2000" kern="1200">
+        <a:spcAft>
+          <a:spcPts val="400"/>
+        </a:spcAft>
+        <a:buClr>
+          <a:schemeClr val="accent1"/>
+        </a:buClr>
+        <a:buFont typeface="Calibri" pitchFamily="34" charset="0"/>
+        <a:buChar char="◦"/>
+        <a:defRPr sz="1400" kern="1200">
           <a:solidFill>
-            <a:schemeClr val="tx1"/>
+            <a:schemeClr val="tx1">
+              <a:lumMod val="75000"/>
+              <a:lumOff val="25000"/>
+            </a:schemeClr>
           </a:solidFill>
           <a:latin typeface="+mn-lt"/>
           <a:ea typeface="+mn-ea"/>
           <a:cs typeface="+mn-cs"/>
         </a:defRPr>
       </a:lvl4pPr>
-      <a:lvl5pPr marL="2057400" indent="-228600" algn="l" defTabSz="914400" rtl="0" eaLnBrk="1" latinLnBrk="0" hangingPunct="1">
+      <a:lvl5pPr marL="932688" indent="-182880" algn="l" defTabSz="914400" rtl="0" eaLnBrk="1" latinLnBrk="0" hangingPunct="1">
+        <a:lnSpc>
+          <a:spcPct val="90000"/>
+        </a:lnSpc>
         <a:spcBef>
-          <a:spcPct val="20000"/>
+          <a:spcPts val="200"/>
         </a:spcBef>
-        <a:buFont typeface="Arial" panose="020B0604020202020204" pitchFamily="34" charset="0"/>
-        <a:buChar char="»"/>
-        <a:defRPr sz="2000" kern="1200">
+        <a:spcAft>
+          <a:spcPts val="400"/>
+        </a:spcAft>
+        <a:buClr>
+          <a:schemeClr val="accent1"/>
+        </a:buClr>
+        <a:buFont typeface="Calibri" pitchFamily="34" charset="0"/>
+        <a:buChar char="◦"/>
+        <a:defRPr sz="1400" kern="1200">
           <a:solidFill>
-            <a:schemeClr val="tx1"/>
+            <a:schemeClr val="tx1">
+              <a:lumMod val="75000"/>
+              <a:lumOff val="25000"/>
+            </a:schemeClr>
           </a:solidFill>
           <a:latin typeface="+mn-lt"/>
           <a:ea typeface="+mn-ea"/>
           <a:cs typeface="+mn-cs"/>
         </a:defRPr>
       </a:lvl5pPr>
-      <a:lvl6pPr marL="2514600" indent="-228600" algn="l" defTabSz="914400" rtl="0" eaLnBrk="1" latinLnBrk="0" hangingPunct="1">
+      <a:lvl6pPr marL="1100000" indent="-228600" algn="l" defTabSz="914400" rtl="0" eaLnBrk="1" latinLnBrk="0" hangingPunct="1">
+        <a:lnSpc>
+          <a:spcPct val="90000"/>
+        </a:lnSpc>
         <a:spcBef>
-          <a:spcPct val="20000"/>
+          <a:spcPts val="200"/>
         </a:spcBef>
-        <a:buFont typeface="Arial" panose="020B0604020202020204" pitchFamily="34" charset="0"/>
-        <a:buChar char="•"/>
-        <a:defRPr sz="2000" kern="1200">
+        <a:spcAft>
+          <a:spcPts val="400"/>
+        </a:spcAft>
+        <a:buClr>
+          <a:schemeClr val="accent1"/>
+        </a:buClr>
+        <a:buFont typeface="Calibri" pitchFamily="34" charset="0"/>
+        <a:buChar char="◦"/>
+        <a:defRPr sz="1400" kern="1200">
           <a:solidFill>
-            <a:schemeClr val="tx1"/>
+            <a:schemeClr val="tx1">
+              <a:lumMod val="75000"/>
+              <a:lumOff val="25000"/>
+            </a:schemeClr>
           </a:solidFill>
           <a:latin typeface="+mn-lt"/>
           <a:ea typeface="+mn-ea"/>
           <a:cs typeface="+mn-cs"/>
         </a:defRPr>
       </a:lvl6pPr>
-      <a:lvl7pPr marL="2971800" indent="-228600" algn="l" defTabSz="914400" rtl="0" eaLnBrk="1" latinLnBrk="0" hangingPunct="1">
+      <a:lvl7pPr marL="1300000" indent="-228600" algn="l" defTabSz="914400" rtl="0" eaLnBrk="1" latinLnBrk="0" hangingPunct="1">
+        <a:lnSpc>
+          <a:spcPct val="90000"/>
+        </a:lnSpc>
         <a:spcBef>
-          <a:spcPct val="20000"/>
+          <a:spcPts val="200"/>
         </a:spcBef>
-        <a:buFont typeface="Arial" panose="020B0604020202020204" pitchFamily="34" charset="0"/>
-        <a:buChar char="•"/>
-        <a:defRPr sz="2000" kern="1200">
+        <a:spcAft>
+          <a:spcPts val="400"/>
+        </a:spcAft>
+        <a:buClr>
+          <a:schemeClr val="accent1"/>
+        </a:buClr>
+        <a:buFont typeface="Calibri" pitchFamily="34" charset="0"/>
+        <a:buChar char="◦"/>
+        <a:defRPr sz="1400" kern="1200">
           <a:solidFill>
-            <a:schemeClr val="tx1"/>
+            <a:schemeClr val="tx1">
+              <a:lumMod val="75000"/>
+              <a:lumOff val="25000"/>
+            </a:schemeClr>
           </a:solidFill>
           <a:latin typeface="+mn-lt"/>
           <a:ea typeface="+mn-ea"/>
           <a:cs typeface="+mn-cs"/>
         </a:defRPr>
       </a:lvl7pPr>
-      <a:lvl8pPr marL="3429000" indent="-228600" algn="l" defTabSz="914400" rtl="0" eaLnBrk="1" latinLnBrk="0" hangingPunct="1">
+      <a:lvl8pPr marL="1500000" indent="-228600" algn="l" defTabSz="914400" rtl="0" eaLnBrk="1" latinLnBrk="0" hangingPunct="1">
+        <a:lnSpc>
+          <a:spcPct val="90000"/>
+        </a:lnSpc>
         <a:spcBef>
-          <a:spcPct val="20000"/>
+          <a:spcPts val="200"/>
         </a:spcBef>
-        <a:buFont typeface="Arial" panose="020B0604020202020204" pitchFamily="34" charset="0"/>
-        <a:buChar char="•"/>
-        <a:defRPr sz="2000" kern="1200">
+        <a:spcAft>
+          <a:spcPts val="400"/>
+        </a:spcAft>
+        <a:buClr>
+          <a:schemeClr val="accent1"/>
+        </a:buClr>
+        <a:buFont typeface="Calibri" pitchFamily="34" charset="0"/>
+        <a:buChar char="◦"/>
+        <a:defRPr sz="1400" kern="1200">
           <a:solidFill>
-            <a:schemeClr val="tx1"/>
+            <a:schemeClr val="tx1">
+              <a:lumMod val="75000"/>
+              <a:lumOff val="25000"/>
+            </a:schemeClr>
           </a:solidFill>
           <a:latin typeface="+mn-lt"/>
           <a:ea typeface="+mn-ea"/>
           <a:cs typeface="+mn-cs"/>
         </a:defRPr>
       </a:lvl8pPr>
-      <a:lvl9pPr marL="3886200" indent="-228600" algn="l" defTabSz="914400" rtl="0" eaLnBrk="1" latinLnBrk="0" hangingPunct="1">
+      <a:lvl9pPr marL="1700000" indent="-228600" algn="l" defTabSz="914400" rtl="0" eaLnBrk="1" latinLnBrk="0" hangingPunct="1">
+        <a:lnSpc>
+          <a:spcPct val="90000"/>
+        </a:lnSpc>
         <a:spcBef>
-          <a:spcPct val="20000"/>
+          <a:spcPts val="200"/>
         </a:spcBef>
-        <a:buFont typeface="Arial" panose="020B0604020202020204" pitchFamily="34" charset="0"/>
-        <a:buChar char="•"/>
-        <a:defRPr sz="2000" kern="1200">
+        <a:spcAft>
+          <a:spcPts val="400"/>
+        </a:spcAft>
+        <a:buClr>
+          <a:schemeClr val="accent1"/>
+        </a:buClr>
+        <a:buFont typeface="Calibri" pitchFamily="34" charset="0"/>
+        <a:buChar char="◦"/>
+        <a:defRPr sz="1400" kern="1200">
           <a:solidFill>
-            <a:schemeClr val="tx1"/>
+            <a:schemeClr val="tx1">
+              <a:lumMod val="75000"/>
+              <a:lumOff val="25000"/>
+            </a:schemeClr>
           </a:solidFill>
           <a:latin typeface="+mn-lt"/>
           <a:ea typeface="+mn-ea"/>
@@ -4764,7 +6143,7 @@
     </p:bodyStyle>
     <p:otherStyle>
       <a:defPPr>
-        <a:defRPr lang="nl-BE"/>
+        <a:defRPr lang="en-US"/>
       </a:defPPr>
       <a:lvl1pPr marL="0" algn="l" defTabSz="914400" rtl="0" eaLnBrk="1" latinLnBrk="0" hangingPunct="1">
         <a:defRPr sz="1800" kern="1200">
@@ -4895,7 +6274,9 @@
           </a:xfrm>
         </p:spPr>
         <p:txBody>
-          <a:bodyPr/>
+          <a:bodyPr>
+            <a:normAutofit fontScale="90000"/>
+          </a:bodyPr>
           <a:lstStyle/>
           <a:p>
             <a:r>
@@ -4950,6 +6331,122 @@
           <a:chExt cx="0" cy="0"/>
         </a:xfrm>
       </p:grpSpPr>
+      <p:sp>
+        <p:nvSpPr>
+          <p:cNvPr id="2" name="Title 1"/>
+          <p:cNvSpPr>
+            <a:spLocks noGrp="1"/>
+          </p:cNvSpPr>
+          <p:nvPr>
+            <p:ph type="title"/>
+          </p:nvPr>
+        </p:nvSpPr>
+        <p:spPr>
+          <a:xfrm>
+            <a:off x="395536" y="-531440"/>
+            <a:ext cx="8229600" cy="1143000"/>
+          </a:xfrm>
+        </p:spPr>
+        <p:txBody>
+          <a:bodyPr>
+            <a:normAutofit/>
+          </a:bodyPr>
+          <a:lstStyle/>
+          <a:p>
+            <a:r>
+              <a:rPr lang="nl-BE" sz="4000" dirty="0" smtClean="0"/>
+              <a:t>Detailed use case</a:t>
+            </a:r>
+            <a:endParaRPr lang="nl-BE" sz="4000" dirty="0"/>
+          </a:p>
+        </p:txBody>
+      </p:sp>
+      <p:sp>
+        <p:nvSpPr>
+          <p:cNvPr id="3" name="Rechthoek 2"/>
+          <p:cNvSpPr/>
+          <p:nvPr/>
+        </p:nvSpPr>
+        <p:spPr>
+          <a:xfrm>
+            <a:off x="0" y="5661248"/>
+            <a:ext cx="323528" cy="1196752"/>
+          </a:xfrm>
+          <a:prstGeom prst="rect">
+            <a:avLst/>
+          </a:prstGeom>
+          <a:ln>
+            <a:solidFill>
+              <a:schemeClr val="bg1"/>
+            </a:solidFill>
+          </a:ln>
+        </p:spPr>
+        <p:style>
+          <a:lnRef idx="2">
+            <a:schemeClr val="accent6"/>
+          </a:lnRef>
+          <a:fillRef idx="1">
+            <a:schemeClr val="lt1"/>
+          </a:fillRef>
+          <a:effectRef idx="0">
+            <a:schemeClr val="accent6"/>
+          </a:effectRef>
+          <a:fontRef idx="minor">
+            <a:schemeClr val="dk1"/>
+          </a:fontRef>
+        </p:style>
+        <p:txBody>
+          <a:bodyPr rtlCol="0" anchor="ctr"/>
+          <a:lstStyle/>
+          <a:p>
+            <a:pPr algn="ctr"/>
+            <a:endParaRPr lang="nl-NL"/>
+          </a:p>
+        </p:txBody>
+      </p:sp>
+      <p:sp>
+        <p:nvSpPr>
+          <p:cNvPr id="4" name="Rechthoek 3"/>
+          <p:cNvSpPr/>
+          <p:nvPr/>
+        </p:nvSpPr>
+        <p:spPr>
+          <a:xfrm>
+            <a:off x="8964488" y="6309320"/>
+            <a:ext cx="179512" cy="548680"/>
+          </a:xfrm>
+          <a:prstGeom prst="rect">
+            <a:avLst/>
+          </a:prstGeom>
+          <a:ln>
+            <a:solidFill>
+              <a:schemeClr val="bg1"/>
+            </a:solidFill>
+          </a:ln>
+        </p:spPr>
+        <p:style>
+          <a:lnRef idx="2">
+            <a:schemeClr val="accent6"/>
+          </a:lnRef>
+          <a:fillRef idx="1">
+            <a:schemeClr val="lt1"/>
+          </a:fillRef>
+          <a:effectRef idx="0">
+            <a:schemeClr val="accent6"/>
+          </a:effectRef>
+          <a:fontRef idx="minor">
+            <a:schemeClr val="dk1"/>
+          </a:fontRef>
+        </p:style>
+        <p:txBody>
+          <a:bodyPr rtlCol="0" anchor="ctr"/>
+          <a:lstStyle/>
+          <a:p>
+            <a:pPr algn="ctr"/>
+            <a:endParaRPr lang="nl-NL"/>
+          </a:p>
+        </p:txBody>
+      </p:sp>
       <p:pic>
         <p:nvPicPr>
           <p:cNvPr id="9218" name="Picture 2" descr="C:\Users\Admin\Desktop\Iteratie1-group03\group03\diagrams\UpdateBugReport.png"/>
@@ -4959,7 +6456,7 @@
           <p:nvPr/>
         </p:nvPicPr>
         <p:blipFill>
-          <a:blip r:embed="rId2" cstate="print">
+          <a:blip r:embed="rId3" cstate="print">
             <a:extLst>
               <a:ext uri="{28A0092B-C50C-407E-A947-70E740481C1C}">
                 <a14:useLocalDpi xmlns:a14="http://schemas.microsoft.com/office/drawing/2010/main" val="0"/>
@@ -4991,34 +6488,6 @@
           </a:extLst>
         </p:spPr>
       </p:pic>
-      <p:sp>
-        <p:nvSpPr>
-          <p:cNvPr id="2" name="Title 1"/>
-          <p:cNvSpPr>
-            <a:spLocks noGrp="1"/>
-          </p:cNvSpPr>
-          <p:nvPr>
-            <p:ph type="title"/>
-          </p:nvPr>
-        </p:nvSpPr>
-        <p:spPr>
-          <a:xfrm>
-            <a:off x="518864" y="-315416"/>
-            <a:ext cx="8229600" cy="1143000"/>
-          </a:xfrm>
-        </p:spPr>
-        <p:txBody>
-          <a:bodyPr/>
-          <a:lstStyle/>
-          <a:p>
-            <a:r>
-              <a:rPr lang="nl-BE" dirty="0" smtClean="0"/>
-              <a:t>Detailed use case</a:t>
-            </a:r>
-            <a:endParaRPr lang="nl-BE" dirty="0"/>
-          </a:p>
-        </p:txBody>
-      </p:sp>
     </p:spTree>
     <p:extLst>
       <p:ext uri="{BB962C8B-B14F-4D97-AF65-F5344CB8AC3E}">
@@ -5066,22 +6535,31 @@
             <p:ph type="title"/>
           </p:nvPr>
         </p:nvSpPr>
-        <p:spPr/>
+        <p:spPr>
+          <a:xfrm>
+            <a:off x="822960" y="-27384"/>
+            <a:ext cx="7543800" cy="1450757"/>
+          </a:xfrm>
+        </p:spPr>
         <p:txBody>
           <a:bodyPr>
-            <a:normAutofit fontScale="90000"/>
+            <a:normAutofit/>
           </a:bodyPr>
           <a:lstStyle/>
           <a:p>
             <a:r>
+              <a:rPr lang="nl-BE" sz="4000" dirty="0" smtClean="0"/>
+              <a:t>DataModel</a:t>
+            </a:r>
+            <a:r>
               <a:rPr lang="nl-BE" dirty="0" smtClean="0"/>
-              <a:t>DataModel</a:t>
+              <a:t/>
             </a:r>
             <a:br>
               <a:rPr lang="nl-BE" dirty="0" smtClean="0"/>
             </a:br>
             <a:r>
-              <a:rPr lang="nl-BE" dirty="0" smtClean="0"/>
+              <a:rPr lang="nl-BE" sz="4000" dirty="0" smtClean="0"/>
               <a:t>UpdateProjectSequence</a:t>
             </a:r>
             <a:endParaRPr lang="nl-BE" dirty="0"/>
@@ -5097,7 +6575,7 @@
           <p:nvPr/>
         </p:nvPicPr>
         <p:blipFill>
-          <a:blip r:embed="rId2" cstate="print">
+          <a:blip r:embed="rId3" cstate="print">
             <a:extLst>
               <a:ext uri="{28A0092B-C50C-407E-A947-70E740481C1C}">
                 <a14:useLocalDpi xmlns:a14="http://schemas.microsoft.com/office/drawing/2010/main" val="0"/>
@@ -5318,7 +6796,7 @@
         </p:spPr>
         <p:txBody>
           <a:bodyPr>
-            <a:normAutofit lnSpcReduction="10000"/>
+            <a:normAutofit/>
           </a:bodyPr>
           <a:lstStyle/>
           <a:p>
@@ -5573,11 +7051,11 @@
   <p:clrMapOvr>
     <a:masterClrMapping/>
   </p:clrMapOvr>
-  <mc:AlternateContent xmlns:mc="http://schemas.openxmlformats.org/markup-compatibility/2006">
-    <mc:Choice xmlns:p14="http://schemas.microsoft.com/office/powerpoint/2010/main" Requires="p14">
+  <mc:AlternateContent xmlns:mc="http://schemas.openxmlformats.org/markup-compatibility/2006" xmlns:p14="http://schemas.microsoft.com/office/powerpoint/2010/main">
+    <mc:Choice Requires="p14">
       <p:transition spd="slow" p14:dur="2000"/>
     </mc:Choice>
-    <mc:Fallback>
+    <mc:Fallback xmlns="">
       <p:transition spd="slow"/>
     </mc:Fallback>
   </mc:AlternateContent>
@@ -5592,7 +7070,7 @@
 </file>
 
 <file path=ppt/slides/slide14.xml><?xml version="1.0" encoding="utf-8"?>
-<p:sld xmlns:a="http://schemas.openxmlformats.org/drawingml/2006/main" xmlns:r="http://schemas.openxmlformats.org/officeDocument/2006/relationships" xmlns:p="http://schemas.openxmlformats.org/presentationml/2006/main">
+<p:sld xmlns:a="http://schemas.openxmlformats.org/drawingml/2006/main" xmlns:r="http://schemas.openxmlformats.org/officeDocument/2006/relationships" xmlns:p="http://schemas.openxmlformats.org/presentationml/2006/main" show="0">
   <p:cSld>
     <p:spTree>
       <p:nvGrpSpPr>
@@ -5707,7 +7185,7 @@
         <p:spPr/>
         <p:txBody>
           <a:bodyPr>
-            <a:normAutofit fontScale="90000"/>
+            <a:normAutofit/>
           </a:bodyPr>
           <a:lstStyle/>
           <a:p>
@@ -5827,8 +7305,8 @@
         </p:blipFill>
         <p:spPr bwMode="auto">
           <a:xfrm>
-            <a:off x="1596827" y="0"/>
-            <a:ext cx="7583685" cy="6858000"/>
+            <a:off x="1475656" y="27384"/>
+            <a:ext cx="7583685" cy="6830616"/>
           </a:xfrm>
           <a:prstGeom prst="rect">
             <a:avLst/>
@@ -5852,14 +7330,20 @@
             <a:spLocks noGrp="1"/>
           </p:cNvSpPr>
           <p:nvPr>
-            <p:ph type="title"/>
+            <p:ph type="title" idx="4294967295"/>
           </p:nvPr>
         </p:nvSpPr>
         <p:spPr>
           <a:xfrm>
-            <a:off x="0" y="5715000"/>
-            <a:ext cx="5166245" cy="1143000"/>
+            <a:off x="-3841" y="5715000"/>
+            <a:ext cx="2991665" cy="1143000"/>
           </a:xfrm>
+          <a:prstGeom prst="rect">
+            <a:avLst/>
+          </a:prstGeom>
+          <a:solidFill>
+            <a:schemeClr val="bg1"/>
+          </a:solidFill>
         </p:spPr>
         <p:txBody>
           <a:bodyPr>
@@ -5880,6 +7364,73 @@
               <a:t>(Class level)</a:t>
             </a:r>
             <a:endParaRPr lang="nl-BE" sz="3200" dirty="0"/>
+          </a:p>
+        </p:txBody>
+      </p:sp>
+      <p:sp>
+        <p:nvSpPr>
+          <p:cNvPr id="3" name="Tekstvak 2"/>
+          <p:cNvSpPr txBox="1"/>
+          <p:nvPr/>
+        </p:nvSpPr>
+        <p:spPr>
+          <a:xfrm>
+            <a:off x="-1441342" y="6307810"/>
+            <a:ext cx="184731" cy="369332"/>
+          </a:xfrm>
+          <a:prstGeom prst="rect">
+            <a:avLst/>
+          </a:prstGeom>
+          <a:noFill/>
+        </p:spPr>
+        <p:txBody>
+          <a:bodyPr wrap="none" rtlCol="0">
+            <a:spAutoFit/>
+          </a:bodyPr>
+          <a:lstStyle/>
+          <a:p>
+            <a:endParaRPr lang="nl-NL" dirty="0"/>
+          </a:p>
+        </p:txBody>
+      </p:sp>
+      <p:sp>
+        <p:nvSpPr>
+          <p:cNvPr id="4" name="Rechthoek 3"/>
+          <p:cNvSpPr/>
+          <p:nvPr/>
+        </p:nvSpPr>
+        <p:spPr>
+          <a:xfrm>
+            <a:off x="8748464" y="6165304"/>
+            <a:ext cx="395536" cy="692696"/>
+          </a:xfrm>
+          <a:prstGeom prst="rect">
+            <a:avLst/>
+          </a:prstGeom>
+          <a:ln>
+            <a:noFill/>
+          </a:ln>
+        </p:spPr>
+        <p:style>
+          <a:lnRef idx="2">
+            <a:schemeClr val="accent6"/>
+          </a:lnRef>
+          <a:fillRef idx="1">
+            <a:schemeClr val="lt1"/>
+          </a:fillRef>
+          <a:effectRef idx="0">
+            <a:schemeClr val="accent6"/>
+          </a:effectRef>
+          <a:fontRef idx="minor">
+            <a:schemeClr val="dk1"/>
+          </a:fontRef>
+        </p:style>
+        <p:txBody>
+          <a:bodyPr rtlCol="0" anchor="ctr"/>
+          <a:lstStyle/>
+          <a:p>
+            <a:pPr algn="ctr"/>
+            <a:endParaRPr lang="nl-NL"/>
           </a:p>
         </p:txBody>
       </p:sp>
@@ -5952,7 +7503,7 @@
           <p:nvPr/>
         </p:nvPicPr>
         <p:blipFill>
-          <a:blip r:embed="rId2">
+          <a:blip r:embed="rId3">
             <a:extLst>
               <a:ext uri="{28A0092B-C50C-407E-A947-70E740481C1C}">
                 <a14:useLocalDpi xmlns:a14="http://schemas.microsoft.com/office/drawing/2010/main" val="0"/>
@@ -6090,7 +7641,7 @@
         </p:blipFill>
         <p:spPr bwMode="auto">
           <a:xfrm>
-            <a:off x="1595984" y="0"/>
+            <a:off x="1740000" y="0"/>
             <a:ext cx="6936456" cy="6858000"/>
           </a:xfrm>
           <a:prstGeom prst="rect">
@@ -6115,28 +7666,121 @@
             <a:spLocks noGrp="1"/>
           </p:cNvSpPr>
           <p:nvPr>
-            <p:ph type="title"/>
+            <p:ph type="title" idx="4294967295"/>
           </p:nvPr>
         </p:nvSpPr>
         <p:spPr>
           <a:xfrm>
-            <a:off x="467544" y="-27384"/>
-            <a:ext cx="8229600" cy="1143000"/>
+            <a:off x="914400" y="-26988"/>
+            <a:ext cx="8229600" cy="719138"/>
           </a:xfrm>
         </p:spPr>
         <p:txBody>
-          <a:bodyPr/>
-          <a:lstStyle/>
-          <a:p>
-            <a:r>
-              <a:rPr lang="nl-BE" dirty="0"/>
+          <a:bodyPr>
+            <a:normAutofit/>
+          </a:bodyPr>
+          <a:lstStyle/>
+          <a:p>
+            <a:r>
+              <a:rPr lang="nl-BE" sz="4400" dirty="0"/>
               <a:t>b</a:t>
             </a:r>
             <a:r>
-              <a:rPr lang="nl-BE" dirty="0" smtClean="0"/>
+              <a:rPr lang="nl-BE" sz="4400" dirty="0" smtClean="0"/>
               <a:t>ugdomain</a:t>
             </a:r>
-            <a:endParaRPr lang="nl-BE" dirty="0"/>
+            <a:endParaRPr lang="nl-BE" sz="4400" dirty="0"/>
+          </a:p>
+        </p:txBody>
+      </p:sp>
+      <p:sp>
+        <p:nvSpPr>
+          <p:cNvPr id="2" name="Rechthoek 1"/>
+          <p:cNvSpPr/>
+          <p:nvPr/>
+        </p:nvSpPr>
+        <p:spPr>
+          <a:xfrm>
+            <a:off x="0" y="6237312"/>
+            <a:ext cx="1740000" cy="620688"/>
+          </a:xfrm>
+          <a:prstGeom prst="rect">
+            <a:avLst/>
+          </a:prstGeom>
+          <a:ln>
+            <a:solidFill>
+              <a:schemeClr val="bg1"/>
+            </a:solidFill>
+          </a:ln>
+        </p:spPr>
+        <p:style>
+          <a:lnRef idx="2">
+            <a:schemeClr val="accent6"/>
+          </a:lnRef>
+          <a:fillRef idx="1">
+            <a:schemeClr val="lt1"/>
+          </a:fillRef>
+          <a:effectRef idx="0">
+            <a:schemeClr val="accent6"/>
+          </a:effectRef>
+          <a:fontRef idx="minor">
+            <a:schemeClr val="dk1"/>
+          </a:fontRef>
+        </p:style>
+        <p:txBody>
+          <a:bodyPr rtlCol="0" anchor="ctr"/>
+          <a:lstStyle/>
+          <a:p>
+            <a:pPr algn="ctr"/>
+            <a:endParaRPr lang="nl-NL"/>
+          </a:p>
+        </p:txBody>
+      </p:sp>
+      <p:sp>
+        <p:nvSpPr>
+          <p:cNvPr id="3" name="Rechthoek 2"/>
+          <p:cNvSpPr/>
+          <p:nvPr/>
+        </p:nvSpPr>
+        <p:spPr>
+          <a:xfrm>
+            <a:off x="8676456" y="6237312"/>
+            <a:ext cx="467544" cy="620688"/>
+          </a:xfrm>
+          <a:prstGeom prst="rect">
+            <a:avLst/>
+          </a:prstGeom>
+          <a:solidFill>
+            <a:schemeClr val="bg1"/>
+          </a:solidFill>
+          <a:ln>
+            <a:solidFill>
+              <a:schemeClr val="bg1"/>
+            </a:solidFill>
+          </a:ln>
+        </p:spPr>
+        <p:style>
+          <a:lnRef idx="2">
+            <a:schemeClr val="accent1">
+              <a:shade val="50000"/>
+            </a:schemeClr>
+          </a:lnRef>
+          <a:fillRef idx="1">
+            <a:schemeClr val="accent1"/>
+          </a:fillRef>
+          <a:effectRef idx="0">
+            <a:schemeClr val="accent1"/>
+          </a:effectRef>
+          <a:fontRef idx="minor">
+            <a:schemeClr val="lt1"/>
+          </a:fontRef>
+        </p:style>
+        <p:txBody>
+          <a:bodyPr rtlCol="0" anchor="ctr"/>
+          <a:lstStyle/>
+          <a:p>
+            <a:pPr algn="ctr"/>
+            <a:endParaRPr lang="nl-NL"/>
           </a:p>
         </p:txBody>
       </p:sp>
@@ -6186,7 +7830,7 @@
           <p:nvPr/>
         </p:nvPicPr>
         <p:blipFill>
-          <a:blip r:embed="rId2">
+          <a:blip r:embed="rId3">
             <a:extLst>
               <a:ext uri="{28A0092B-C50C-407E-A947-70E740481C1C}">
                 <a14:useLocalDpi xmlns:a14="http://schemas.microsoft.com/office/drawing/2010/main" val="0"/>
@@ -6420,7 +8064,7 @@
         </p:nvSpPr>
         <p:spPr>
           <a:xfrm>
-            <a:off x="0" y="0"/>
+            <a:off x="179512" y="0"/>
             <a:ext cx="7380312" cy="1296144"/>
           </a:xfrm>
         </p:spPr>
@@ -6548,7 +8192,7 @@
         </p:nvSpPr>
         <p:spPr>
           <a:xfrm>
-            <a:off x="-36512" y="-27384"/>
+            <a:off x="298021" y="-3969"/>
             <a:ext cx="8229600" cy="1143000"/>
           </a:xfrm>
         </p:spPr>
@@ -6559,10 +8203,106 @@
           <a:lstStyle/>
           <a:p>
             <a:r>
-              <a:rPr lang="nl-BE" dirty="0" smtClean="0"/>
+              <a:rPr lang="nl-BE" sz="4000" dirty="0" smtClean="0"/>
               <a:t>Commands - UI</a:t>
             </a:r>
-            <a:endParaRPr lang="nl-BE" dirty="0"/>
+            <a:endParaRPr lang="nl-BE" sz="4000" dirty="0"/>
+          </a:p>
+        </p:txBody>
+      </p:sp>
+      <p:sp>
+        <p:nvSpPr>
+          <p:cNvPr id="3" name="Rechthoek 2"/>
+          <p:cNvSpPr/>
+          <p:nvPr/>
+        </p:nvSpPr>
+        <p:spPr>
+          <a:xfrm>
+            <a:off x="0" y="6237312"/>
+            <a:ext cx="971600" cy="620688"/>
+          </a:xfrm>
+          <a:prstGeom prst="rect">
+            <a:avLst/>
+          </a:prstGeom>
+          <a:solidFill>
+            <a:schemeClr val="bg1"/>
+          </a:solidFill>
+          <a:ln>
+            <a:solidFill>
+              <a:schemeClr val="bg1"/>
+            </a:solidFill>
+          </a:ln>
+        </p:spPr>
+        <p:style>
+          <a:lnRef idx="2">
+            <a:schemeClr val="accent1">
+              <a:shade val="50000"/>
+            </a:schemeClr>
+          </a:lnRef>
+          <a:fillRef idx="1">
+            <a:schemeClr val="accent1"/>
+          </a:fillRef>
+          <a:effectRef idx="0">
+            <a:schemeClr val="accent1"/>
+          </a:effectRef>
+          <a:fontRef idx="minor">
+            <a:schemeClr val="lt1"/>
+          </a:fontRef>
+        </p:style>
+        <p:txBody>
+          <a:bodyPr rtlCol="0" anchor="ctr"/>
+          <a:lstStyle/>
+          <a:p>
+            <a:pPr algn="ctr"/>
+            <a:endParaRPr lang="nl-NL"/>
+          </a:p>
+        </p:txBody>
+      </p:sp>
+      <p:sp>
+        <p:nvSpPr>
+          <p:cNvPr id="4" name="Rechthoek 3"/>
+          <p:cNvSpPr/>
+          <p:nvPr/>
+        </p:nvSpPr>
+        <p:spPr>
+          <a:xfrm>
+            <a:off x="8845978" y="6309320"/>
+            <a:ext cx="298022" cy="548680"/>
+          </a:xfrm>
+          <a:prstGeom prst="rect">
+            <a:avLst/>
+          </a:prstGeom>
+          <a:solidFill>
+            <a:schemeClr val="bg1"/>
+          </a:solidFill>
+          <a:ln>
+            <a:solidFill>
+              <a:schemeClr val="bg1"/>
+            </a:solidFill>
+          </a:ln>
+        </p:spPr>
+        <p:style>
+          <a:lnRef idx="2">
+            <a:schemeClr val="accent1">
+              <a:shade val="50000"/>
+            </a:schemeClr>
+          </a:lnRef>
+          <a:fillRef idx="1">
+            <a:schemeClr val="accent1"/>
+          </a:fillRef>
+          <a:effectRef idx="0">
+            <a:schemeClr val="accent1"/>
+          </a:effectRef>
+          <a:fontRef idx="minor">
+            <a:schemeClr val="lt1"/>
+          </a:fontRef>
+        </p:style>
+        <p:txBody>
+          <a:bodyPr rtlCol="0" anchor="ctr"/>
+          <a:lstStyle/>
+          <a:p>
+            <a:pPr algn="ctr"/>
+            <a:endParaRPr lang="nl-NL"/>
           </a:p>
         </p:txBody>
       </p:sp>
@@ -6610,18 +8350,18 @@
             <a:spLocks noGrp="1"/>
           </p:cNvSpPr>
           <p:nvPr>
-            <p:ph type="title"/>
+            <p:ph type="title" idx="4294967295"/>
           </p:nvPr>
         </p:nvSpPr>
         <p:spPr>
           <a:xfrm>
-            <a:off x="457200" y="197768"/>
+            <a:off x="158824" y="198438"/>
             <a:ext cx="8229600" cy="1143000"/>
           </a:xfrm>
         </p:spPr>
         <p:txBody>
           <a:bodyPr>
-            <a:normAutofit fontScale="90000"/>
+            <a:normAutofit/>
           </a:bodyPr>
           <a:lstStyle/>
           <a:p>
@@ -6649,7 +8389,7 @@
           <p:nvPr/>
         </p:nvPicPr>
         <p:blipFill>
-          <a:blip r:embed="rId2" cstate="print">
+          <a:blip r:embed="rId3" cstate="print">
             <a:extLst>
               <a:ext uri="{28A0092B-C50C-407E-A947-70E740481C1C}">
                 <a14:useLocalDpi xmlns:a14="http://schemas.microsoft.com/office/drawing/2010/main" val="0"/>
@@ -6702,9 +8442,9 @@
 </file>
 
 <file path=ppt/theme/theme1.xml><?xml version="1.0" encoding="utf-8"?>
-<a:theme xmlns:a="http://schemas.openxmlformats.org/drawingml/2006/main" name="Office Theme">
+<a:theme xmlns:a="http://schemas.openxmlformats.org/drawingml/2006/main" name="Retrospectief">
   <a:themeElements>
-    <a:clrScheme name="Office">
+    <a:clrScheme name="Retrospectief">
       <a:dk1>
         <a:sysClr val="windowText" lastClr="000000"/>
       </a:dk1>
@@ -6712,39 +8452,39 @@
         <a:sysClr val="window" lastClr="FFFFFF"/>
       </a:lt1>
       <a:dk2>
-        <a:srgbClr val="1F497D"/>
+        <a:srgbClr val="344068"/>
       </a:dk2>
       <a:lt2>
-        <a:srgbClr val="EEECE1"/>
+        <a:srgbClr val="D9E0E6"/>
       </a:lt2>
       <a:accent1>
-        <a:srgbClr val="4F81BD"/>
+        <a:srgbClr val="1CADE4"/>
       </a:accent1>
       <a:accent2>
-        <a:srgbClr val="C0504D"/>
+        <a:srgbClr val="2683C6"/>
       </a:accent2>
       <a:accent3>
-        <a:srgbClr val="9BBB59"/>
+        <a:srgbClr val="28C4CC"/>
       </a:accent3>
       <a:accent4>
-        <a:srgbClr val="8064A2"/>
+        <a:srgbClr val="42BA97"/>
       </a:accent4>
       <a:accent5>
-        <a:srgbClr val="4BACC6"/>
+        <a:srgbClr val="3E8853"/>
       </a:accent5>
       <a:accent6>
-        <a:srgbClr val="F79646"/>
+        <a:srgbClr val="62A39F"/>
       </a:accent6>
       <a:hlink>
-        <a:srgbClr val="0000FF"/>
+        <a:srgbClr val="6EAC1C"/>
       </a:hlink>
       <a:folHlink>
-        <a:srgbClr val="800080"/>
+        <a:srgbClr val="B26B02"/>
       </a:folHlink>
     </a:clrScheme>
-    <a:fontScheme name="Office">
+    <a:fontScheme name="Retrospectief">
       <a:majorFont>
-        <a:latin typeface="Calibri"/>
+        <a:latin typeface="Calibri Light" panose="020F0302020204030204"/>
         <a:ea typeface=""/>
         <a:cs typeface=""/>
         <a:font script="Jpan" typeface="ＭＳ Ｐゴシック"/>
@@ -6779,7 +8519,7 @@
         <a:font script="Geor" typeface="Sylfaen"/>
       </a:majorFont>
       <a:minorFont>
-        <a:latin typeface="Calibri"/>
+        <a:latin typeface="Calibri" panose="020F0502020204030204"/>
         <a:ea typeface=""/>
         <a:cs typeface=""/>
         <a:font script="Jpan" typeface="ＭＳ Ｐゴシック"/>
@@ -6814,7 +8554,7 @@
         <a:font script="Geor" typeface="Sylfaen"/>
       </a:minorFont>
     </a:fontScheme>
-    <a:fmtScheme name="Office">
+    <a:fmtScheme name="Retrospectief">
       <a:fillStyleLst>
         <a:solidFill>
           <a:schemeClr val="phClr"/>
@@ -6823,56 +8563,73 @@
           <a:gsLst>
             <a:gs pos="0">
               <a:schemeClr val="phClr">
-                <a:tint val="50000"/>
-                <a:satMod val="300000"/>
+                <a:tint val="65000"/>
+                <a:shade val="92000"/>
+                <a:satMod val="130000"/>
               </a:schemeClr>
             </a:gs>
-            <a:gs pos="35000">
+            <a:gs pos="45000">
               <a:schemeClr val="phClr">
-                <a:tint val="37000"/>
-                <a:satMod val="300000"/>
+                <a:tint val="60000"/>
+                <a:shade val="99000"/>
+                <a:satMod val="120000"/>
               </a:schemeClr>
             </a:gs>
             <a:gs pos="100000">
               <a:schemeClr val="phClr">
-                <a:tint val="15000"/>
-                <a:satMod val="350000"/>
+                <a:tint val="55000"/>
+                <a:satMod val="140000"/>
               </a:schemeClr>
             </a:gs>
           </a:gsLst>
-          <a:lin ang="16200000" scaled="1"/>
+          <a:path path="circle">
+            <a:fillToRect l="100000" t="100000" r="100000" b="100000"/>
+          </a:path>
         </a:gradFill>
         <a:gradFill rotWithShape="1">
           <a:gsLst>
             <a:gs pos="0">
               <a:schemeClr val="phClr">
-                <a:shade val="51000"/>
+                <a:shade val="85000"/>
                 <a:satMod val="130000"/>
               </a:schemeClr>
             </a:gs>
-            <a:gs pos="80000">
+            <a:gs pos="34000">
               <a:schemeClr val="phClr">
-                <a:shade val="93000"/>
+                <a:shade val="87000"/>
+                <a:satMod val="125000"/>
+              </a:schemeClr>
+            </a:gs>
+            <a:gs pos="70000">
+              <a:schemeClr val="phClr">
+                <a:tint val="100000"/>
+                <a:shade val="90000"/>
                 <a:satMod val="130000"/>
               </a:schemeClr>
             </a:gs>
             <a:gs pos="100000">
               <a:schemeClr val="phClr">
-                <a:shade val="94000"/>
-                <a:satMod val="135000"/>
+                <a:tint val="100000"/>
+                <a:shade val="100000"/>
+                <a:satMod val="110000"/>
               </a:schemeClr>
             </a:gs>
           </a:gsLst>
-          <a:lin ang="16200000" scaled="0"/>
+          <a:path path="circle">
+            <a:fillToRect l="100000" t="100000" r="100000" b="100000"/>
+          </a:path>
         </a:gradFill>
       </a:fillStyleLst>
       <a:lnStyleLst>
-        <a:ln w="9525" cap="flat" cmpd="sng" algn="ctr">
+        <a:ln w="12700" cap="flat" cmpd="sng" algn="ctr">
           <a:solidFill>
-            <a:schemeClr val="phClr">
-              <a:shade val="95000"/>
-              <a:satMod val="105000"/>
-            </a:schemeClr>
+            <a:schemeClr val="phClr"/>
+          </a:solidFill>
+          <a:prstDash val="solid"/>
+        </a:ln>
+        <a:ln w="15875" cap="flat" cmpd="sng" algn="ctr">
+          <a:solidFill>
+            <a:schemeClr val="phClr"/>
           </a:solidFill>
           <a:prstDash val="solid"/>
         </a:ln>
@@ -6882,37 +8639,25 @@
           </a:solidFill>
           <a:prstDash val="solid"/>
         </a:ln>
-        <a:ln w="38100" cap="flat" cmpd="sng" algn="ctr">
-          <a:solidFill>
-            <a:schemeClr val="phClr"/>
-          </a:solidFill>
-          <a:prstDash val="solid"/>
-        </a:ln>
       </a:lnStyleLst>
       <a:effectStyleLst>
         <a:effectStyle>
+          <a:effectLst/>
+        </a:effectStyle>
+        <a:effectStyle>
           <a:effectLst>
-            <a:outerShdw blurRad="40000" dist="20000" dir="5400000" rotWithShape="0">
+            <a:outerShdw blurRad="38100" dist="25400" dir="2700000" algn="br" rotWithShape="0">
               <a:srgbClr val="000000">
-                <a:alpha val="38000"/>
+                <a:alpha val="60000"/>
               </a:srgbClr>
             </a:outerShdw>
           </a:effectLst>
         </a:effectStyle>
         <a:effectStyle>
           <a:effectLst>
-            <a:outerShdw blurRad="40000" dist="23000" dir="5400000" rotWithShape="0">
+            <a:outerShdw blurRad="44450" dist="25400" dir="2700000" algn="br" rotWithShape="0">
               <a:srgbClr val="000000">
-                <a:alpha val="35000"/>
-              </a:srgbClr>
-            </a:outerShdw>
-          </a:effectLst>
-        </a:effectStyle>
-        <a:effectStyle>
-          <a:effectLst>
-            <a:outerShdw blurRad="40000" dist="23000" dir="5400000" rotWithShape="0">
-              <a:srgbClr val="000000">
-                <a:alpha val="35000"/>
+                <a:alpha val="60000"/>
               </a:srgbClr>
             </a:outerShdw>
           </a:effectLst>
@@ -6921,11 +8666,11 @@
               <a:rot lat="0" lon="0" rev="0"/>
             </a:camera>
             <a:lightRig rig="threePt" dir="t">
-              <a:rot lat="0" lon="0" rev="1200000"/>
+              <a:rot lat="0" lon="0" rev="19800000"/>
             </a:lightRig>
           </a:scene3d>
-          <a:sp3d>
-            <a:bevelT w="63500" h="25400"/>
+          <a:sp3d prstMaterial="flat">
+            <a:bevelT w="25400" h="31750"/>
           </a:sp3d>
         </a:effectStyle>
       </a:effectStyleLst>
@@ -6933,56 +8678,49 @@
         <a:solidFill>
           <a:schemeClr val="phClr"/>
         </a:solidFill>
+        <a:solidFill>
+          <a:schemeClr val="phClr">
+            <a:tint val="90000"/>
+            <a:shade val="97000"/>
+            <a:satMod val="130000"/>
+          </a:schemeClr>
+        </a:solidFill>
         <a:gradFill rotWithShape="1">
           <a:gsLst>
             <a:gs pos="0">
               <a:schemeClr val="phClr">
-                <a:tint val="40000"/>
-                <a:satMod val="350000"/>
+                <a:tint val="96000"/>
+                <a:shade val="99000"/>
+                <a:satMod val="140000"/>
               </a:schemeClr>
             </a:gs>
-            <a:gs pos="40000">
+            <a:gs pos="65000">
               <a:schemeClr val="phClr">
-                <a:tint val="45000"/>
-                <a:shade val="99000"/>
-                <a:satMod val="350000"/>
+                <a:tint val="100000"/>
+                <a:shade val="80000"/>
+                <a:satMod val="130000"/>
               </a:schemeClr>
             </a:gs>
             <a:gs pos="100000">
               <a:schemeClr val="phClr">
-                <a:shade val="20000"/>
-                <a:satMod val="255000"/>
+                <a:tint val="100000"/>
+                <a:shade val="48000"/>
+                <a:satMod val="120000"/>
               </a:schemeClr>
             </a:gs>
           </a:gsLst>
-          <a:path path="circle">
-            <a:fillToRect l="50000" t="-80000" r="50000" b="180000"/>
-          </a:path>
-        </a:gradFill>
-        <a:gradFill rotWithShape="1">
-          <a:gsLst>
-            <a:gs pos="0">
-              <a:schemeClr val="phClr">
-                <a:tint val="80000"/>
-                <a:satMod val="300000"/>
-              </a:schemeClr>
-            </a:gs>
-            <a:gs pos="100000">
-              <a:schemeClr val="phClr">
-                <a:shade val="30000"/>
-                <a:satMod val="200000"/>
-              </a:schemeClr>
-            </a:gs>
-          </a:gsLst>
-          <a:path path="circle">
-            <a:fillToRect l="50000" t="50000" r="50000" b="50000"/>
-          </a:path>
+          <a:lin ang="16200000" scaled="0"/>
         </a:gradFill>
       </a:bgFillStyleLst>
     </a:fmtScheme>
   </a:themeElements>
   <a:objectDefaults/>
   <a:extraClrSchemeLst/>
+  <a:extLst>
+    <a:ext uri="{05A4C25C-085E-4340-85A3-A5531E510DB2}">
+      <thm15:themeFamily xmlns:thm15="http://schemas.microsoft.com/office/thememl/2012/main" name="Retrospect" id="{5F128B03-DCCA-4EEB-AB3B-CF2899314A46}" vid="{9CC26709-368C-4D72-9060-94E5B3FF3CD6}"/>
+    </a:ext>
+  </a:extLst>
 </a:theme>
 </file>
 

--- a/Iteratie 1/PresentatieIteratie1Group03.pptx
+++ b/Iteratie 1/PresentatieIteratie1Group03.pptx
@@ -221,7 +221,7 @@
           <a:p>
             <a:fld id="{DEE8A487-D36E-4470-8771-B8133C9D26D4}" type="datetimeFigureOut">
               <a:rPr lang="nl-BE" smtClean="0"/>
-              <a:t>14/03/16</a:t>
+              <a:t>15/03/2016</a:t>
             </a:fld>
             <a:endParaRPr lang="nl-BE"/>
           </a:p>
@@ -380,7 +380,7 @@
           <a:p>
             <a:fld id="{214D5328-8A8B-4507-A018-9575DDE3653B}" type="slidenum">
               <a:rPr lang="nl-BE" smtClean="0"/>
-              <a:t>‹nr.›</a:t>
+              <a:t>‹#›</a:t>
             </a:fld>
             <a:endParaRPr lang="nl-BE"/>
           </a:p>
@@ -811,19 +811,11 @@
           <a:p>
             <a:r>
               <a:rPr lang="nl-BE" dirty="0" smtClean="0"/>
-              <a:t>TODO</a:t>
-            </a:r>
-            <a:r>
-              <a:rPr lang="nl-BE" dirty="0" smtClean="0"/>
-              <a:t>?</a:t>
+              <a:t>TODO?</a:t>
             </a:r>
             <a:r>
               <a:rPr lang="nl-BE" baseline="0" dirty="0" smtClean="0"/>
-              <a:t>   Tekstvak met uitleg Test strategy? (White box testing + mocking</a:t>
-            </a:r>
-            <a:r>
-              <a:rPr lang="nl-BE" baseline="0" dirty="0" smtClean="0"/>
-              <a:t>)</a:t>
+              <a:t>   Tekstvak met uitleg Test strategy? (White box testing + mocking)</a:t>
             </a:r>
           </a:p>
           <a:p>
@@ -1169,11 +1161,7 @@
           <a:p>
             <a:r>
               <a:rPr lang="nl-BE" baseline="0" dirty="0" smtClean="0"/>
-              <a:t>Notice: No dependencies from Model to UI</a:t>
-            </a:r>
-            <a:r>
-              <a:rPr lang="nl-BE" baseline="0" dirty="0" smtClean="0"/>
-              <a:t>.</a:t>
+              <a:t>Notice: No dependencies from Model to UI.</a:t>
             </a:r>
           </a:p>
           <a:p>
@@ -1181,7 +1169,6 @@
               <a:rPr lang="nl-BE" baseline="0" dirty="0" smtClean="0"/>
               <a:t>=&gt; Low coupling</a:t>
             </a:r>
-            <a:endParaRPr lang="nl-BE" baseline="0" dirty="0" smtClean="0"/>
           </a:p>
           <a:p>
             <a:endParaRPr lang="nl-BE" baseline="0" dirty="0" smtClean="0"/>
@@ -1499,11 +1486,7 @@
           <a:p>
             <a:r>
               <a:rPr lang="nl-BE" sz="800" dirty="0" smtClean="0"/>
-              <a:t>Project </a:t>
-            </a:r>
-            <a:r>
-              <a:rPr lang="nl-BE" sz="800" dirty="0" smtClean="0"/>
-              <a:t>+ Subsystems</a:t>
+              <a:t>Project + Subsystems</a:t>
             </a:r>
           </a:p>
           <a:p>
@@ -1821,11 +1804,7 @@
             </a:r>
             <a:r>
               <a:rPr lang="nl-BE" baseline="0" dirty="0" smtClean="0"/>
-              <a:t> </a:t>
-            </a:r>
-            <a:r>
-              <a:rPr lang="nl-BE" baseline="0" dirty="0" smtClean="0"/>
-              <a:t>Permissions interaction</a:t>
+              <a:t> Permissions interaction</a:t>
             </a:r>
           </a:p>
           <a:p>
@@ -2320,11 +2299,7 @@
             </a:r>
             <a:r>
               <a:rPr lang="nl-BE" baseline="0" dirty="0" smtClean="0"/>
-              <a:t> </a:t>
-            </a:r>
-            <a:r>
-              <a:rPr lang="nl-BE" baseline="0" dirty="0" smtClean="0"/>
-              <a:t>Scenario’s; Interaction from UI and How DataModel fits in.</a:t>
+              <a:t> Scenario’s; Interaction from UI and How DataModel fits in.</a:t>
             </a:r>
           </a:p>
           <a:p>
@@ -2795,7 +2770,7 @@
           <a:p>
             <a:fld id="{3FF3D4C3-34CD-4E7E-97F9-86F6D58F3628}" type="datetimeFigureOut">
               <a:rPr lang="nl-BE" smtClean="0"/>
-              <a:t>14/03/16</a:t>
+              <a:t>15/03/2016</a:t>
             </a:fld>
             <a:endParaRPr lang="nl-BE"/>
           </a:p>
@@ -2837,7 +2812,7 @@
           <a:p>
             <a:fld id="{1388032C-26F7-45D2-BF4B-5C7971A85815}" type="slidenum">
               <a:rPr lang="nl-BE" smtClean="0"/>
-              <a:t>‹nr.›</a:t>
+              <a:t>‹#›</a:t>
             </a:fld>
             <a:endParaRPr lang="nl-BE"/>
           </a:p>
@@ -3003,7 +2978,7 @@
           <a:p>
             <a:fld id="{3FF3D4C3-34CD-4E7E-97F9-86F6D58F3628}" type="datetimeFigureOut">
               <a:rPr lang="nl-BE" smtClean="0"/>
-              <a:t>14/03/16</a:t>
+              <a:t>15/03/2016</a:t>
             </a:fld>
             <a:endParaRPr lang="nl-BE"/>
           </a:p>
@@ -3045,7 +3020,7 @@
           <a:p>
             <a:fld id="{1388032C-26F7-45D2-BF4B-5C7971A85815}" type="slidenum">
               <a:rPr lang="nl-BE" smtClean="0"/>
-              <a:t>‹nr.›</a:t>
+              <a:t>‹#›</a:t>
             </a:fld>
             <a:endParaRPr lang="nl-BE"/>
           </a:p>
@@ -3259,7 +3234,7 @@
           <a:p>
             <a:fld id="{3FF3D4C3-34CD-4E7E-97F9-86F6D58F3628}" type="datetimeFigureOut">
               <a:rPr lang="nl-BE" smtClean="0"/>
-              <a:t>14/03/16</a:t>
+              <a:t>15/03/2016</a:t>
             </a:fld>
             <a:endParaRPr lang="nl-BE"/>
           </a:p>
@@ -3301,7 +3276,7 @@
           <a:p>
             <a:fld id="{1388032C-26F7-45D2-BF4B-5C7971A85815}" type="slidenum">
               <a:rPr lang="nl-BE" smtClean="0"/>
-              <a:t>‹nr.›</a:t>
+              <a:t>‹#›</a:t>
             </a:fld>
             <a:endParaRPr lang="nl-BE"/>
           </a:p>
@@ -3429,7 +3404,7 @@
           <a:p>
             <a:fld id="{3FF3D4C3-34CD-4E7E-97F9-86F6D58F3628}" type="datetimeFigureOut">
               <a:rPr lang="nl-BE" smtClean="0"/>
-              <a:t>14/03/16</a:t>
+              <a:t>15/03/2016</a:t>
             </a:fld>
             <a:endParaRPr lang="nl-BE"/>
           </a:p>
@@ -3471,7 +3446,7 @@
           <a:p>
             <a:fld id="{1388032C-26F7-45D2-BF4B-5C7971A85815}" type="slidenum">
               <a:rPr lang="nl-BE" smtClean="0"/>
-              <a:t>‹nr.›</a:t>
+              <a:t>‹#›</a:t>
             </a:fld>
             <a:endParaRPr lang="nl-BE"/>
           </a:p>
@@ -3772,7 +3747,7 @@
           <a:p>
             <a:fld id="{3FF3D4C3-34CD-4E7E-97F9-86F6D58F3628}" type="datetimeFigureOut">
               <a:rPr lang="nl-BE" smtClean="0"/>
-              <a:t>14/03/16</a:t>
+              <a:t>15/03/2016</a:t>
             </a:fld>
             <a:endParaRPr lang="nl-BE"/>
           </a:p>
@@ -3814,7 +3789,7 @@
           <a:p>
             <a:fld id="{1388032C-26F7-45D2-BF4B-5C7971A85815}" type="slidenum">
               <a:rPr lang="nl-BE" smtClean="0"/>
-              <a:t>‹nr.›</a:t>
+              <a:t>‹#›</a:t>
             </a:fld>
             <a:endParaRPr lang="nl-BE"/>
           </a:p>
@@ -4047,7 +4022,7 @@
           <a:p>
             <a:fld id="{3FF3D4C3-34CD-4E7E-97F9-86F6D58F3628}" type="datetimeFigureOut">
               <a:rPr lang="nl-BE" smtClean="0"/>
-              <a:t>14/03/16</a:t>
+              <a:t>15/03/2016</a:t>
             </a:fld>
             <a:endParaRPr lang="nl-BE"/>
           </a:p>
@@ -4089,7 +4064,7 @@
           <a:p>
             <a:fld id="{1388032C-26F7-45D2-BF4B-5C7971A85815}" type="slidenum">
               <a:rPr lang="nl-BE" smtClean="0"/>
-              <a:t>‹nr.›</a:t>
+              <a:t>‹#›</a:t>
             </a:fld>
             <a:endParaRPr lang="nl-BE"/>
           </a:p>
@@ -4426,7 +4401,7 @@
           <a:p>
             <a:fld id="{3FF3D4C3-34CD-4E7E-97F9-86F6D58F3628}" type="datetimeFigureOut">
               <a:rPr lang="nl-BE" smtClean="0"/>
-              <a:t>14/03/16</a:t>
+              <a:t>15/03/2016</a:t>
             </a:fld>
             <a:endParaRPr lang="nl-BE"/>
           </a:p>
@@ -4468,7 +4443,7 @@
           <a:p>
             <a:fld id="{1388032C-26F7-45D2-BF4B-5C7971A85815}" type="slidenum">
               <a:rPr lang="nl-BE" smtClean="0"/>
-              <a:t>‹nr.›</a:t>
+              <a:t>‹#›</a:t>
             </a:fld>
             <a:endParaRPr lang="nl-BE"/>
           </a:p>
@@ -4544,7 +4519,7 @@
           <a:p>
             <a:fld id="{3FF3D4C3-34CD-4E7E-97F9-86F6D58F3628}" type="datetimeFigureOut">
               <a:rPr lang="nl-BE" smtClean="0"/>
-              <a:t>14/03/16</a:t>
+              <a:t>15/03/2016</a:t>
             </a:fld>
             <a:endParaRPr lang="nl-BE"/>
           </a:p>
@@ -4586,7 +4561,7 @@
           <a:p>
             <a:fld id="{1388032C-26F7-45D2-BF4B-5C7971A85815}" type="slidenum">
               <a:rPr lang="nl-BE" smtClean="0"/>
-              <a:t>‹nr.›</a:t>
+              <a:t>‹#›</a:t>
             </a:fld>
             <a:endParaRPr lang="nl-BE"/>
           </a:p>
@@ -4715,7 +4690,7 @@
           <a:p>
             <a:fld id="{3FF3D4C3-34CD-4E7E-97F9-86F6D58F3628}" type="datetimeFigureOut">
               <a:rPr lang="nl-BE" smtClean="0"/>
-              <a:t>14/03/16</a:t>
+              <a:t>15/03/2016</a:t>
             </a:fld>
             <a:endParaRPr lang="nl-BE"/>
           </a:p>
@@ -4765,7 +4740,7 @@
           <a:p>
             <a:fld id="{1388032C-26F7-45D2-BF4B-5C7971A85815}" type="slidenum">
               <a:rPr lang="nl-BE" smtClean="0"/>
-              <a:t>‹nr.›</a:t>
+              <a:t>‹#›</a:t>
             </a:fld>
             <a:endParaRPr lang="nl-BE"/>
           </a:p>
@@ -5069,7 +5044,7 @@
           <a:p>
             <a:fld id="{3FF3D4C3-34CD-4E7E-97F9-86F6D58F3628}" type="datetimeFigureOut">
               <a:rPr lang="nl-BE" smtClean="0"/>
-              <a:t>14/03/16</a:t>
+              <a:t>15/03/2016</a:t>
             </a:fld>
             <a:endParaRPr lang="nl-BE"/>
           </a:p>
@@ -5132,7 +5107,7 @@
           <a:p>
             <a:fld id="{1388032C-26F7-45D2-BF4B-5C7971A85815}" type="slidenum">
               <a:rPr lang="nl-BE" smtClean="0"/>
-              <a:t>‹nr.›</a:t>
+              <a:t>‹#›</a:t>
             </a:fld>
             <a:endParaRPr lang="nl-BE"/>
           </a:p>
@@ -5446,7 +5421,7 @@
           <a:p>
             <a:fld id="{3FF3D4C3-34CD-4E7E-97F9-86F6D58F3628}" type="datetimeFigureOut">
               <a:rPr lang="nl-BE" smtClean="0"/>
-              <a:t>14/03/16</a:t>
+              <a:t>15/03/2016</a:t>
             </a:fld>
             <a:endParaRPr lang="nl-BE"/>
           </a:p>
@@ -5488,7 +5463,7 @@
           <a:p>
             <a:fld id="{1388032C-26F7-45D2-BF4B-5C7971A85815}" type="slidenum">
               <a:rPr lang="nl-BE" smtClean="0"/>
-              <a:t>‹nr.›</a:t>
+              <a:t>‹#›</a:t>
             </a:fld>
             <a:endParaRPr lang="nl-BE"/>
           </a:p>
@@ -5733,7 +5708,7 @@
           <a:p>
             <a:fld id="{3FF3D4C3-34CD-4E7E-97F9-86F6D58F3628}" type="datetimeFigureOut">
               <a:rPr lang="nl-BE" smtClean="0"/>
-              <a:t>14/03/16</a:t>
+              <a:t>15/03/2016</a:t>
             </a:fld>
             <a:endParaRPr lang="nl-BE"/>
           </a:p>
@@ -5807,7 +5782,7 @@
           <a:p>
             <a:fld id="{1388032C-26F7-45D2-BF4B-5C7971A85815}" type="slidenum">
               <a:rPr lang="nl-BE" smtClean="0"/>
-              <a:t>‹nr.›</a:t>
+              <a:t>‹#›</a:t>
             </a:fld>
             <a:endParaRPr lang="nl-BE"/>
           </a:p>
@@ -6617,11 +6592,11 @@
   <p:clrMapOvr>
     <a:masterClrMapping/>
   </p:clrMapOvr>
-  <mc:AlternateContent xmlns:mc="http://schemas.openxmlformats.org/markup-compatibility/2006">
-    <mc:Choice xmlns:p14="http://schemas.microsoft.com/office/powerpoint/2010/main" Requires="p14">
+  <mc:AlternateContent xmlns:mc="http://schemas.openxmlformats.org/markup-compatibility/2006" xmlns:p14="http://schemas.microsoft.com/office/powerpoint/2010/main">
+    <mc:Choice Requires="p14">
       <p:transition spd="slow" p14:dur="2000"/>
     </mc:Choice>
-    <mc:Fallback>
+    <mc:Fallback xmlns="">
       <p:transition spd="slow"/>
     </mc:Fallback>
   </mc:AlternateContent>
@@ -6771,47 +6746,8 @@
           <a:lstStyle/>
           <a:p>
             <a:r>
-              <a:rPr lang="nl-BE" dirty="0" smtClean="0"/>
+              <a:rPr lang="nl-BE" dirty="0" err="1" smtClean="0"/>
               <a:t>TimeTable</a:t>
-            </a:r>
-            <a:endParaRPr lang="nl-BE" dirty="0"/>
-          </a:p>
-        </p:txBody>
-      </p:sp>
-      <p:sp>
-        <p:nvSpPr>
-          <p:cNvPr id="3" name="Content Placeholder 2"/>
-          <p:cNvSpPr>
-            <a:spLocks noGrp="1"/>
-          </p:cNvSpPr>
-          <p:nvPr>
-            <p:ph idx="1"/>
-          </p:nvPr>
-        </p:nvSpPr>
-        <p:spPr>
-          <a:xfrm>
-            <a:off x="457200" y="1600201"/>
-            <a:ext cx="8229600" cy="2188840"/>
-          </a:xfrm>
-        </p:spPr>
-        <p:txBody>
-          <a:bodyPr>
-            <a:normAutofit/>
-          </a:bodyPr>
-          <a:lstStyle/>
-          <a:p>
-            <a:r>
-              <a:rPr lang="nl-BE" dirty="0" smtClean="0"/>
-              <a:t>TODO Add Uurbestuding hier!!</a:t>
-            </a:r>
-          </a:p>
-          <a:p>
-            <a:endParaRPr lang="nl-BE" dirty="0"/>
-          </a:p>
-          <a:p>
-            <a:r>
-              <a:rPr lang="nl-BE" dirty="0" smtClean="0"/>
-              <a:t>Enkel totaal overzicht. NIET UITLEGGEN tijdens presentatie.</a:t>
             </a:r>
             <a:endParaRPr lang="nl-BE" dirty="0"/>
           </a:p>
@@ -7041,6 +6977,553 @@
           </a:p>
         </p:txBody>
       </p:sp>
+      <p:graphicFrame>
+        <p:nvGraphicFramePr>
+          <p:cNvPr id="7" name="Content Placeholder 6"/>
+          <p:cNvGraphicFramePr>
+            <a:graphicFrameLocks noGrp="1"/>
+          </p:cNvGraphicFramePr>
+          <p:nvPr>
+            <p:ph idx="1"/>
+            <p:extLst>
+              <p:ext uri="{D42A27DB-BD31-4B8C-83A1-F6EECF244321}">
+                <p14:modId xmlns:p14="http://schemas.microsoft.com/office/powerpoint/2010/main" val="113879438"/>
+              </p:ext>
+            </p:extLst>
+          </p:nvPr>
+        </p:nvGraphicFramePr>
+        <p:xfrm>
+          <a:off x="3154700" y="2142117"/>
+          <a:ext cx="2880320" cy="1358891"/>
+        </p:xfrm>
+        <a:graphic>
+          <a:graphicData uri="http://schemas.openxmlformats.org/drawingml/2006/table">
+            <a:tbl>
+              <a:tblPr>
+                <a:tableStyleId>{5C22544A-7EE6-4342-B048-85BDC9FD1C3A}</a:tableStyleId>
+              </a:tblPr>
+              <a:tblGrid>
+                <a:gridCol w="659694"/>
+                <a:gridCol w="757236"/>
+                <a:gridCol w="731695"/>
+                <a:gridCol w="731695"/>
+              </a:tblGrid>
+              <a:tr h="377767">
+                <a:tc>
+                  <a:txBody>
+                    <a:bodyPr/>
+                    <a:lstStyle/>
+                    <a:p>
+                      <a:pPr marL="0" marR="0" indent="0" algn="l" defTabSz="914400" rtl="0" eaLnBrk="1" fontAlgn="b" latinLnBrk="0" hangingPunct="1">
+                        <a:lnSpc>
+                          <a:spcPct val="100000"/>
+                        </a:lnSpc>
+                        <a:spcBef>
+                          <a:spcPts val="0"/>
+                        </a:spcBef>
+                        <a:spcAft>
+                          <a:spcPts val="0"/>
+                        </a:spcAft>
+                        <a:buClrTx/>
+                        <a:buSzTx/>
+                        <a:buFontTx/>
+                        <a:buNone/>
+                        <a:tabLst/>
+                        <a:defRPr/>
+                      </a:pPr>
+                      <a:r>
+                        <a:rPr lang="nl-BE" sz="1100" u="none" strike="noStrike" dirty="0" smtClean="0">
+                          <a:effectLst/>
+                        </a:rPr>
+                        <a:t>iteration</a:t>
+                      </a:r>
+                      <a:endParaRPr lang="nl-BE" sz="1100" b="0" i="0" u="none" strike="noStrike" dirty="0" smtClean="0">
+                        <a:solidFill>
+                          <a:srgbClr val="FFFFFF"/>
+                        </a:solidFill>
+                        <a:effectLst/>
+                        <a:latin typeface="Calibri" panose="020F0502020204030204" pitchFamily="34" charset="0"/>
+                      </a:endParaRPr>
+                    </a:p>
+                  </a:txBody>
+                  <a:tcPr marL="9525" marR="9525" marT="9525" marB="0" anchor="ctr">
+                    <a:solidFill>
+                      <a:schemeClr val="accent1"/>
+                    </a:solidFill>
+                  </a:tcPr>
+                </a:tc>
+                <a:tc>
+                  <a:txBody>
+                    <a:bodyPr/>
+                    <a:lstStyle/>
+                    <a:p>
+                      <a:pPr algn="ctr" fontAlgn="ctr"/>
+                      <a:r>
+                        <a:rPr lang="nl-BE" sz="1100" u="none" strike="noStrike" dirty="0">
+                          <a:effectLst/>
+                        </a:rPr>
+                        <a:t>1</a:t>
+                      </a:r>
+                      <a:endParaRPr lang="nl-BE" sz="1100" b="0" i="0" u="none" strike="noStrike" dirty="0">
+                        <a:solidFill>
+                          <a:srgbClr val="FFFFFF"/>
+                        </a:solidFill>
+                        <a:effectLst/>
+                        <a:latin typeface="Calibri" panose="020F0502020204030204" pitchFamily="34" charset="0"/>
+                      </a:endParaRPr>
+                    </a:p>
+                  </a:txBody>
+                  <a:tcPr marL="9525" marR="9525" marT="9525" marB="0" anchor="ctr">
+                    <a:solidFill>
+                      <a:schemeClr val="accent1"/>
+                    </a:solidFill>
+                  </a:tcPr>
+                </a:tc>
+                <a:tc>
+                  <a:txBody>
+                    <a:bodyPr/>
+                    <a:lstStyle/>
+                    <a:p>
+                      <a:pPr algn="ctr" fontAlgn="ctr"/>
+                      <a:r>
+                        <a:rPr lang="nl-BE" sz="1100" u="none" strike="noStrike" dirty="0">
+                          <a:effectLst/>
+                        </a:rPr>
+                        <a:t>2</a:t>
+                      </a:r>
+                      <a:endParaRPr lang="nl-BE" sz="1100" b="0" i="0" u="none" strike="noStrike" dirty="0">
+                        <a:solidFill>
+                          <a:srgbClr val="FFFFFF"/>
+                        </a:solidFill>
+                        <a:effectLst/>
+                        <a:latin typeface="Calibri" panose="020F0502020204030204" pitchFamily="34" charset="0"/>
+                      </a:endParaRPr>
+                    </a:p>
+                  </a:txBody>
+                  <a:tcPr marL="9525" marR="9525" marT="9525" marB="0" anchor="ctr">
+                    <a:solidFill>
+                      <a:schemeClr val="accent1"/>
+                    </a:solidFill>
+                  </a:tcPr>
+                </a:tc>
+                <a:tc>
+                  <a:txBody>
+                    <a:bodyPr/>
+                    <a:lstStyle/>
+                    <a:p>
+                      <a:pPr algn="ctr" fontAlgn="ctr"/>
+                      <a:r>
+                        <a:rPr lang="nl-BE" sz="1100" u="none" strike="noStrike" dirty="0">
+                          <a:effectLst/>
+                        </a:rPr>
+                        <a:t>3</a:t>
+                      </a:r>
+                      <a:endParaRPr lang="nl-BE" sz="1100" b="0" i="0" u="none" strike="noStrike" dirty="0">
+                        <a:solidFill>
+                          <a:srgbClr val="FFFFFF"/>
+                        </a:solidFill>
+                        <a:effectLst/>
+                        <a:latin typeface="Calibri" panose="020F0502020204030204" pitchFamily="34" charset="0"/>
+                      </a:endParaRPr>
+                    </a:p>
+                  </a:txBody>
+                  <a:tcPr marL="9525" marR="9525" marT="9525" marB="0" anchor="ctr">
+                    <a:solidFill>
+                      <a:schemeClr val="accent1"/>
+                    </a:solidFill>
+                  </a:tcPr>
+                </a:tc>
+              </a:tr>
+              <a:tr h="245281">
+                <a:tc>
+                  <a:txBody>
+                    <a:bodyPr/>
+                    <a:lstStyle/>
+                    <a:p>
+                      <a:pPr algn="l" fontAlgn="b"/>
+                      <a:r>
+                        <a:rPr lang="nl-BE" sz="1100" u="none" strike="noStrike" dirty="0">
+                          <a:effectLst/>
+                        </a:rPr>
+                        <a:t>ben</a:t>
+                      </a:r>
+                      <a:endParaRPr lang="nl-BE" sz="1100" b="0" i="0" u="none" strike="noStrike" dirty="0">
+                        <a:solidFill>
+                          <a:srgbClr val="FFFFFF"/>
+                        </a:solidFill>
+                        <a:effectLst/>
+                        <a:latin typeface="Calibri" panose="020F0502020204030204" pitchFamily="34" charset="0"/>
+                      </a:endParaRPr>
+                    </a:p>
+                  </a:txBody>
+                  <a:tcPr marL="9525" marR="9525" marT="9525" marB="0" anchor="b">
+                    <a:solidFill>
+                      <a:schemeClr val="accent1">
+                        <a:lumMod val="60000"/>
+                        <a:lumOff val="40000"/>
+                      </a:schemeClr>
+                    </a:solidFill>
+                  </a:tcPr>
+                </a:tc>
+                <a:tc>
+                  <a:txBody>
+                    <a:bodyPr/>
+                    <a:lstStyle/>
+                    <a:p>
+                      <a:pPr algn="r" fontAlgn="b"/>
+                      <a:r>
+                        <a:rPr lang="nl-BE" sz="1100" u="none" strike="noStrike">
+                          <a:effectLst/>
+                        </a:rPr>
+                        <a:t>109:50</a:t>
+                      </a:r>
+                      <a:endParaRPr lang="nl-BE" sz="1100" b="0" i="0" u="none" strike="noStrike">
+                        <a:solidFill>
+                          <a:srgbClr val="000000"/>
+                        </a:solidFill>
+                        <a:effectLst/>
+                        <a:latin typeface="Calibri" panose="020F0502020204030204" pitchFamily="34" charset="0"/>
+                      </a:endParaRPr>
+                    </a:p>
+                  </a:txBody>
+                  <a:tcPr marL="9525" marR="9525" marT="9525" marB="0" anchor="b"/>
+                </a:tc>
+                <a:tc>
+                  <a:txBody>
+                    <a:bodyPr/>
+                    <a:lstStyle/>
+                    <a:p>
+                      <a:pPr algn="l" fontAlgn="b"/>
+                      <a:endParaRPr lang="nl-BE" sz="1100" b="0" i="0" u="none" strike="noStrike">
+                        <a:solidFill>
+                          <a:srgbClr val="000000"/>
+                        </a:solidFill>
+                        <a:effectLst/>
+                        <a:latin typeface="Calibri" panose="020F0502020204030204" pitchFamily="34" charset="0"/>
+                      </a:endParaRPr>
+                    </a:p>
+                  </a:txBody>
+                  <a:tcPr marL="9525" marR="9525" marT="9525" marB="0" anchor="b"/>
+                </a:tc>
+                <a:tc>
+                  <a:txBody>
+                    <a:bodyPr/>
+                    <a:lstStyle/>
+                    <a:p>
+                      <a:pPr algn="l" fontAlgn="b"/>
+                      <a:endParaRPr lang="nl-BE" sz="1100" b="0" i="0" u="none" strike="noStrike">
+                        <a:solidFill>
+                          <a:srgbClr val="000000"/>
+                        </a:solidFill>
+                        <a:effectLst/>
+                        <a:latin typeface="Calibri" panose="020F0502020204030204" pitchFamily="34" charset="0"/>
+                      </a:endParaRPr>
+                    </a:p>
+                  </a:txBody>
+                  <a:tcPr marL="9525" marR="9525" marT="9525" marB="0" anchor="b"/>
+                </a:tc>
+              </a:tr>
+              <a:tr h="245281">
+                <a:tc>
+                  <a:txBody>
+                    <a:bodyPr/>
+                    <a:lstStyle/>
+                    <a:p>
+                      <a:pPr algn="l" fontAlgn="b"/>
+                      <a:r>
+                        <a:rPr lang="nl-BE" sz="1100" u="none" strike="noStrike" dirty="0" err="1">
+                          <a:effectLst/>
+                        </a:rPr>
+                        <a:t>vincent</a:t>
+                      </a:r>
+                      <a:endParaRPr lang="nl-BE" sz="1100" b="0" i="0" u="none" strike="noStrike" dirty="0">
+                        <a:solidFill>
+                          <a:srgbClr val="FFFFFF"/>
+                        </a:solidFill>
+                        <a:effectLst/>
+                        <a:latin typeface="Calibri" panose="020F0502020204030204" pitchFamily="34" charset="0"/>
+                      </a:endParaRPr>
+                    </a:p>
+                  </a:txBody>
+                  <a:tcPr marL="9525" marR="9525" marT="9525" marB="0" anchor="b">
+                    <a:solidFill>
+                      <a:schemeClr val="accent1">
+                        <a:lumMod val="60000"/>
+                        <a:lumOff val="40000"/>
+                      </a:schemeClr>
+                    </a:solidFill>
+                  </a:tcPr>
+                </a:tc>
+                <a:tc>
+                  <a:txBody>
+                    <a:bodyPr/>
+                    <a:lstStyle/>
+                    <a:p>
+                      <a:pPr algn="r" fontAlgn="b"/>
+                      <a:r>
+                        <a:rPr lang="nl-BE" sz="1100" u="none" strike="noStrike">
+                          <a:effectLst/>
+                        </a:rPr>
+                        <a:t>107:05</a:t>
+                      </a:r>
+                      <a:endParaRPr lang="nl-BE" sz="1100" b="0" i="0" u="none" strike="noStrike">
+                        <a:solidFill>
+                          <a:srgbClr val="000000"/>
+                        </a:solidFill>
+                        <a:effectLst/>
+                        <a:latin typeface="Calibri" panose="020F0502020204030204" pitchFamily="34" charset="0"/>
+                      </a:endParaRPr>
+                    </a:p>
+                  </a:txBody>
+                  <a:tcPr marL="9525" marR="9525" marT="9525" marB="0" anchor="b"/>
+                </a:tc>
+                <a:tc>
+                  <a:txBody>
+                    <a:bodyPr/>
+                    <a:lstStyle/>
+                    <a:p>
+                      <a:pPr algn="l" fontAlgn="b"/>
+                      <a:endParaRPr lang="nl-BE" sz="1100" b="0" i="0" u="none" strike="noStrike">
+                        <a:solidFill>
+                          <a:srgbClr val="000000"/>
+                        </a:solidFill>
+                        <a:effectLst/>
+                        <a:latin typeface="Calibri" panose="020F0502020204030204" pitchFamily="34" charset="0"/>
+                      </a:endParaRPr>
+                    </a:p>
+                  </a:txBody>
+                  <a:tcPr marL="9525" marR="9525" marT="9525" marB="0" anchor="b"/>
+                </a:tc>
+                <a:tc>
+                  <a:txBody>
+                    <a:bodyPr/>
+                    <a:lstStyle/>
+                    <a:p>
+                      <a:pPr algn="l" fontAlgn="b"/>
+                      <a:endParaRPr lang="nl-BE" sz="1100" b="0" i="0" u="none" strike="noStrike">
+                        <a:solidFill>
+                          <a:srgbClr val="000000"/>
+                        </a:solidFill>
+                        <a:effectLst/>
+                        <a:latin typeface="Calibri" panose="020F0502020204030204" pitchFamily="34" charset="0"/>
+                      </a:endParaRPr>
+                    </a:p>
+                  </a:txBody>
+                  <a:tcPr marL="9525" marR="9525" marT="9525" marB="0" anchor="b"/>
+                </a:tc>
+              </a:tr>
+              <a:tr h="245281">
+                <a:tc>
+                  <a:txBody>
+                    <a:bodyPr/>
+                    <a:lstStyle/>
+                    <a:p>
+                      <a:pPr algn="l" fontAlgn="b"/>
+                      <a:r>
+                        <a:rPr lang="nl-BE" sz="1100" u="none" strike="noStrike" dirty="0" err="1">
+                          <a:effectLst/>
+                        </a:rPr>
+                        <a:t>mathias</a:t>
+                      </a:r>
+                      <a:endParaRPr lang="nl-BE" sz="1100" b="0" i="0" u="none" strike="noStrike" dirty="0">
+                        <a:solidFill>
+                          <a:srgbClr val="FFFFFF"/>
+                        </a:solidFill>
+                        <a:effectLst/>
+                        <a:latin typeface="Calibri" panose="020F0502020204030204" pitchFamily="34" charset="0"/>
+                      </a:endParaRPr>
+                    </a:p>
+                  </a:txBody>
+                  <a:tcPr marL="9525" marR="9525" marT="9525" marB="0" anchor="b">
+                    <a:solidFill>
+                      <a:schemeClr val="accent1">
+                        <a:lumMod val="60000"/>
+                        <a:lumOff val="40000"/>
+                      </a:schemeClr>
+                    </a:solidFill>
+                  </a:tcPr>
+                </a:tc>
+                <a:tc>
+                  <a:txBody>
+                    <a:bodyPr/>
+                    <a:lstStyle/>
+                    <a:p>
+                      <a:pPr algn="r" fontAlgn="b"/>
+                      <a:r>
+                        <a:rPr lang="nl-BE" sz="1100" u="none" strike="noStrike">
+                          <a:effectLst/>
+                        </a:rPr>
+                        <a:t>73:45</a:t>
+                      </a:r>
+                      <a:endParaRPr lang="nl-BE" sz="1100" b="0" i="0" u="none" strike="noStrike">
+                        <a:solidFill>
+                          <a:srgbClr val="000000"/>
+                        </a:solidFill>
+                        <a:effectLst/>
+                        <a:latin typeface="Calibri" panose="020F0502020204030204" pitchFamily="34" charset="0"/>
+                      </a:endParaRPr>
+                    </a:p>
+                  </a:txBody>
+                  <a:tcPr marL="9525" marR="9525" marT="9525" marB="0" anchor="b"/>
+                </a:tc>
+                <a:tc>
+                  <a:txBody>
+                    <a:bodyPr/>
+                    <a:lstStyle/>
+                    <a:p>
+                      <a:pPr algn="l" fontAlgn="b"/>
+                      <a:endParaRPr lang="nl-BE" sz="1100" b="0" i="0" u="none" strike="noStrike">
+                        <a:solidFill>
+                          <a:srgbClr val="000000"/>
+                        </a:solidFill>
+                        <a:effectLst/>
+                        <a:latin typeface="Calibri" panose="020F0502020204030204" pitchFamily="34" charset="0"/>
+                      </a:endParaRPr>
+                    </a:p>
+                  </a:txBody>
+                  <a:tcPr marL="9525" marR="9525" marT="9525" marB="0" anchor="b"/>
+                </a:tc>
+                <a:tc>
+                  <a:txBody>
+                    <a:bodyPr/>
+                    <a:lstStyle/>
+                    <a:p>
+                      <a:pPr algn="l" fontAlgn="b"/>
+                      <a:endParaRPr lang="nl-BE" sz="1100" b="0" i="0" u="none" strike="noStrike">
+                        <a:solidFill>
+                          <a:srgbClr val="000000"/>
+                        </a:solidFill>
+                        <a:effectLst/>
+                        <a:latin typeface="Calibri" panose="020F0502020204030204" pitchFamily="34" charset="0"/>
+                      </a:endParaRPr>
+                    </a:p>
+                  </a:txBody>
+                  <a:tcPr marL="9525" marR="9525" marT="9525" marB="0" anchor="b"/>
+                </a:tc>
+              </a:tr>
+              <a:tr h="245281">
+                <a:tc>
+                  <a:txBody>
+                    <a:bodyPr/>
+                    <a:lstStyle/>
+                    <a:p>
+                      <a:pPr algn="l" fontAlgn="b"/>
+                      <a:r>
+                        <a:rPr lang="nl-BE" sz="1100" u="none" strike="noStrike" dirty="0">
+                          <a:effectLst/>
+                        </a:rPr>
+                        <a:t>kwinten</a:t>
+                      </a:r>
+                      <a:endParaRPr lang="nl-BE" sz="1100" b="0" i="0" u="none" strike="noStrike" dirty="0">
+                        <a:solidFill>
+                          <a:srgbClr val="FFFFFF"/>
+                        </a:solidFill>
+                        <a:effectLst/>
+                        <a:latin typeface="Calibri" panose="020F0502020204030204" pitchFamily="34" charset="0"/>
+                      </a:endParaRPr>
+                    </a:p>
+                  </a:txBody>
+                  <a:tcPr marL="9525" marR="9525" marT="9525" marB="0" anchor="b">
+                    <a:solidFill>
+                      <a:schemeClr val="accent1">
+                        <a:lumMod val="60000"/>
+                        <a:lumOff val="40000"/>
+                      </a:schemeClr>
+                    </a:solidFill>
+                  </a:tcPr>
+                </a:tc>
+                <a:tc>
+                  <a:txBody>
+                    <a:bodyPr/>
+                    <a:lstStyle/>
+                    <a:p>
+                      <a:pPr algn="r" fontAlgn="b"/>
+                      <a:r>
+                        <a:rPr lang="nl-BE" sz="1100" u="none" strike="noStrike">
+                          <a:effectLst/>
+                        </a:rPr>
+                        <a:t>62:15</a:t>
+                      </a:r>
+                      <a:endParaRPr lang="nl-BE" sz="1100" b="0" i="0" u="none" strike="noStrike">
+                        <a:solidFill>
+                          <a:srgbClr val="000000"/>
+                        </a:solidFill>
+                        <a:effectLst/>
+                        <a:latin typeface="Calibri" panose="020F0502020204030204" pitchFamily="34" charset="0"/>
+                      </a:endParaRPr>
+                    </a:p>
+                  </a:txBody>
+                  <a:tcPr marL="9525" marR="9525" marT="9525" marB="0" anchor="b"/>
+                </a:tc>
+                <a:tc>
+                  <a:txBody>
+                    <a:bodyPr/>
+                    <a:lstStyle/>
+                    <a:p>
+                      <a:pPr algn="l" fontAlgn="b"/>
+                      <a:endParaRPr lang="nl-BE" sz="1100" b="0" i="0" u="none" strike="noStrike">
+                        <a:solidFill>
+                          <a:srgbClr val="000000"/>
+                        </a:solidFill>
+                        <a:effectLst/>
+                        <a:latin typeface="Calibri" panose="020F0502020204030204" pitchFamily="34" charset="0"/>
+                      </a:endParaRPr>
+                    </a:p>
+                  </a:txBody>
+                  <a:tcPr marL="9525" marR="9525" marT="9525" marB="0" anchor="b"/>
+                </a:tc>
+                <a:tc>
+                  <a:txBody>
+                    <a:bodyPr/>
+                    <a:lstStyle/>
+                    <a:p>
+                      <a:pPr algn="l" fontAlgn="b"/>
+                      <a:endParaRPr lang="nl-BE" sz="1100" b="0" i="0" u="none" strike="noStrike" dirty="0">
+                        <a:solidFill>
+                          <a:srgbClr val="000000"/>
+                        </a:solidFill>
+                        <a:effectLst/>
+                        <a:latin typeface="Calibri" panose="020F0502020204030204" pitchFamily="34" charset="0"/>
+                      </a:endParaRPr>
+                    </a:p>
+                  </a:txBody>
+                  <a:tcPr marL="9525" marR="9525" marT="9525" marB="0" anchor="b"/>
+                </a:tc>
+              </a:tr>
+            </a:tbl>
+          </a:graphicData>
+        </a:graphic>
+      </p:graphicFrame>
+      <p:sp>
+        <p:nvSpPr>
+          <p:cNvPr id="8" name="TextBox 7"/>
+          <p:cNvSpPr txBox="1"/>
+          <p:nvPr/>
+        </p:nvSpPr>
+        <p:spPr>
+          <a:xfrm>
+            <a:off x="6156176" y="3203669"/>
+            <a:ext cx="970137" cy="369332"/>
+          </a:xfrm>
+          <a:prstGeom prst="rect">
+            <a:avLst/>
+          </a:prstGeom>
+          <a:noFill/>
+        </p:spPr>
+        <p:txBody>
+          <a:bodyPr wrap="none" rtlCol="0">
+            <a:spAutoFit/>
+          </a:bodyPr>
+          <a:lstStyle/>
+          <a:p>
+            <a:r>
+              <a:rPr lang="nl-BE" dirty="0" smtClean="0"/>
+              <a:t>In h:mm</a:t>
+            </a:r>
+            <a:endParaRPr lang="nl-BE" dirty="0"/>
+          </a:p>
+        </p:txBody>
+      </p:sp>
     </p:spTree>
     <p:extLst>
       <p:ext uri="{BB962C8B-B14F-4D97-AF65-F5344CB8AC3E}">
@@ -7137,11 +7620,11 @@
   <p:clrMapOvr>
     <a:masterClrMapping/>
   </p:clrMapOvr>
-  <mc:AlternateContent xmlns:mc="http://schemas.openxmlformats.org/markup-compatibility/2006">
-    <mc:Choice xmlns:p14="http://schemas.microsoft.com/office/powerpoint/2010/main" Requires="p14">
+  <mc:AlternateContent xmlns:mc="http://schemas.openxmlformats.org/markup-compatibility/2006" xmlns:p14="http://schemas.microsoft.com/office/powerpoint/2010/main">
+    <mc:Choice Requires="p14">
       <p:transition spd="slow" p14:dur="2000"/>
     </mc:Choice>
-    <mc:Fallback>
+    <mc:Fallback xmlns="">
       <p:transition spd="slow"/>
     </mc:Fallback>
   </mc:AlternateContent>

--- a/Iteratie 1/PresentatieIteratie1Group03.pptx
+++ b/Iteratie 1/PresentatieIteratie1Group03.pptx
@@ -221,7 +221,7 @@
           <a:p>
             <a:fld id="{DEE8A487-D36E-4470-8771-B8133C9D26D4}" type="datetimeFigureOut">
               <a:rPr lang="nl-BE" smtClean="0"/>
-              <a:t>15/03/2016</a:t>
+              <a:t>15/03/16</a:t>
             </a:fld>
             <a:endParaRPr lang="nl-BE"/>
           </a:p>
@@ -380,7 +380,7 @@
           <a:p>
             <a:fld id="{214D5328-8A8B-4507-A018-9575DDE3653B}" type="slidenum">
               <a:rPr lang="nl-BE" smtClean="0"/>
-              <a:t>‹#›</a:t>
+              <a:t>‹nr.›</a:t>
             </a:fld>
             <a:endParaRPr lang="nl-BE"/>
           </a:p>
@@ -1264,15 +1264,70 @@
             </a:r>
           </a:p>
           <a:p>
+            <a:pPr marL="171450" marR="0" indent="-171450" algn="l" defTabSz="914400" rtl="0" eaLnBrk="1" fontAlgn="auto" latinLnBrk="0" hangingPunct="1">
+              <a:lnSpc>
+                <a:spcPct val="100000"/>
+              </a:lnSpc>
+              <a:spcBef>
+                <a:spcPts val="0"/>
+              </a:spcBef>
+              <a:spcAft>
+                <a:spcPts val="0"/>
+              </a:spcAft>
+              <a:buClrTx/>
+              <a:buSzTx/>
+              <a:buFont typeface="Symbol" charset="2"/>
+              <a:buChar char="Þ"/>
+              <a:tabLst/>
+              <a:defRPr/>
+            </a:pPr>
             <a:r>
               <a:rPr lang="nl-BE" dirty="0" smtClean="0"/>
-              <a:t>=&gt; General</a:t>
+              <a:t>General</a:t>
             </a:r>
             <a:r>
               <a:rPr lang="nl-BE" baseline="0" dirty="0" smtClean="0"/>
               <a:t> overview of the more important classes involved in the interaction between the packages.</a:t>
             </a:r>
-            <a:endParaRPr lang="nl-BE" dirty="0"/>
+          </a:p>
+          <a:p>
+            <a:pPr marL="171450" marR="0" indent="-171450" algn="l" defTabSz="914400" rtl="0" eaLnBrk="1" fontAlgn="auto" latinLnBrk="0" hangingPunct="1">
+              <a:lnSpc>
+                <a:spcPct val="100000"/>
+              </a:lnSpc>
+              <a:spcBef>
+                <a:spcPts val="0"/>
+              </a:spcBef>
+              <a:spcAft>
+                <a:spcPts val="0"/>
+              </a:spcAft>
+              <a:buClrTx/>
+              <a:buSzTx/>
+              <a:buFont typeface="Symbol" charset="2"/>
+              <a:buChar char="Þ"/>
+              <a:tabLst/>
+              <a:defRPr/>
+            </a:pPr>
+            <a:endParaRPr lang="nl-BE" dirty="0" smtClean="0"/>
+          </a:p>
+          <a:p>
+            <a:r>
+              <a:rPr lang="nl-BE" dirty="0" smtClean="0"/>
+              <a:t>Notice</a:t>
+            </a:r>
+            <a:r>
+              <a:rPr lang="nl-BE" baseline="0" dirty="0" smtClean="0"/>
+              <a:t>: no dependencies from BugDomain to others.</a:t>
+            </a:r>
+          </a:p>
+          <a:p>
+            <a:r>
+              <a:rPr lang="nl-BE" baseline="0" dirty="0" smtClean="0"/>
+              <a:t>Notice: No dependencies from Model to UI.</a:t>
+            </a:r>
+          </a:p>
+          <a:p>
+            <a:endParaRPr lang="nl-BE" dirty="0" smtClean="0"/>
           </a:p>
         </p:txBody>
       </p:sp>
@@ -2770,7 +2825,7 @@
           <a:p>
             <a:fld id="{3FF3D4C3-34CD-4E7E-97F9-86F6D58F3628}" type="datetimeFigureOut">
               <a:rPr lang="nl-BE" smtClean="0"/>
-              <a:t>15/03/2016</a:t>
+              <a:t>15/03/16</a:t>
             </a:fld>
             <a:endParaRPr lang="nl-BE"/>
           </a:p>
@@ -2812,7 +2867,7 @@
           <a:p>
             <a:fld id="{1388032C-26F7-45D2-BF4B-5C7971A85815}" type="slidenum">
               <a:rPr lang="nl-BE" smtClean="0"/>
-              <a:t>‹#›</a:t>
+              <a:t>‹nr.›</a:t>
             </a:fld>
             <a:endParaRPr lang="nl-BE"/>
           </a:p>
@@ -2978,7 +3033,7 @@
           <a:p>
             <a:fld id="{3FF3D4C3-34CD-4E7E-97F9-86F6D58F3628}" type="datetimeFigureOut">
               <a:rPr lang="nl-BE" smtClean="0"/>
-              <a:t>15/03/2016</a:t>
+              <a:t>15/03/16</a:t>
             </a:fld>
             <a:endParaRPr lang="nl-BE"/>
           </a:p>
@@ -3020,7 +3075,7 @@
           <a:p>
             <a:fld id="{1388032C-26F7-45D2-BF4B-5C7971A85815}" type="slidenum">
               <a:rPr lang="nl-BE" smtClean="0"/>
-              <a:t>‹#›</a:t>
+              <a:t>‹nr.›</a:t>
             </a:fld>
             <a:endParaRPr lang="nl-BE"/>
           </a:p>
@@ -3234,7 +3289,7 @@
           <a:p>
             <a:fld id="{3FF3D4C3-34CD-4E7E-97F9-86F6D58F3628}" type="datetimeFigureOut">
               <a:rPr lang="nl-BE" smtClean="0"/>
-              <a:t>15/03/2016</a:t>
+              <a:t>15/03/16</a:t>
             </a:fld>
             <a:endParaRPr lang="nl-BE"/>
           </a:p>
@@ -3276,7 +3331,7 @@
           <a:p>
             <a:fld id="{1388032C-26F7-45D2-BF4B-5C7971A85815}" type="slidenum">
               <a:rPr lang="nl-BE" smtClean="0"/>
-              <a:t>‹#›</a:t>
+              <a:t>‹nr.›</a:t>
             </a:fld>
             <a:endParaRPr lang="nl-BE"/>
           </a:p>
@@ -3404,7 +3459,7 @@
           <a:p>
             <a:fld id="{3FF3D4C3-34CD-4E7E-97F9-86F6D58F3628}" type="datetimeFigureOut">
               <a:rPr lang="nl-BE" smtClean="0"/>
-              <a:t>15/03/2016</a:t>
+              <a:t>15/03/16</a:t>
             </a:fld>
             <a:endParaRPr lang="nl-BE"/>
           </a:p>
@@ -3446,7 +3501,7 @@
           <a:p>
             <a:fld id="{1388032C-26F7-45D2-BF4B-5C7971A85815}" type="slidenum">
               <a:rPr lang="nl-BE" smtClean="0"/>
-              <a:t>‹#›</a:t>
+              <a:t>‹nr.›</a:t>
             </a:fld>
             <a:endParaRPr lang="nl-BE"/>
           </a:p>
@@ -3747,7 +3802,7 @@
           <a:p>
             <a:fld id="{3FF3D4C3-34CD-4E7E-97F9-86F6D58F3628}" type="datetimeFigureOut">
               <a:rPr lang="nl-BE" smtClean="0"/>
-              <a:t>15/03/2016</a:t>
+              <a:t>15/03/16</a:t>
             </a:fld>
             <a:endParaRPr lang="nl-BE"/>
           </a:p>
@@ -3789,7 +3844,7 @@
           <a:p>
             <a:fld id="{1388032C-26F7-45D2-BF4B-5C7971A85815}" type="slidenum">
               <a:rPr lang="nl-BE" smtClean="0"/>
-              <a:t>‹#›</a:t>
+              <a:t>‹nr.›</a:t>
             </a:fld>
             <a:endParaRPr lang="nl-BE"/>
           </a:p>
@@ -4022,7 +4077,7 @@
           <a:p>
             <a:fld id="{3FF3D4C3-34CD-4E7E-97F9-86F6D58F3628}" type="datetimeFigureOut">
               <a:rPr lang="nl-BE" smtClean="0"/>
-              <a:t>15/03/2016</a:t>
+              <a:t>15/03/16</a:t>
             </a:fld>
             <a:endParaRPr lang="nl-BE"/>
           </a:p>
@@ -4064,7 +4119,7 @@
           <a:p>
             <a:fld id="{1388032C-26F7-45D2-BF4B-5C7971A85815}" type="slidenum">
               <a:rPr lang="nl-BE" smtClean="0"/>
-              <a:t>‹#›</a:t>
+              <a:t>‹nr.›</a:t>
             </a:fld>
             <a:endParaRPr lang="nl-BE"/>
           </a:p>
@@ -4401,7 +4456,7 @@
           <a:p>
             <a:fld id="{3FF3D4C3-34CD-4E7E-97F9-86F6D58F3628}" type="datetimeFigureOut">
               <a:rPr lang="nl-BE" smtClean="0"/>
-              <a:t>15/03/2016</a:t>
+              <a:t>15/03/16</a:t>
             </a:fld>
             <a:endParaRPr lang="nl-BE"/>
           </a:p>
@@ -4443,7 +4498,7 @@
           <a:p>
             <a:fld id="{1388032C-26F7-45D2-BF4B-5C7971A85815}" type="slidenum">
               <a:rPr lang="nl-BE" smtClean="0"/>
-              <a:t>‹#›</a:t>
+              <a:t>‹nr.›</a:t>
             </a:fld>
             <a:endParaRPr lang="nl-BE"/>
           </a:p>
@@ -4519,7 +4574,7 @@
           <a:p>
             <a:fld id="{3FF3D4C3-34CD-4E7E-97F9-86F6D58F3628}" type="datetimeFigureOut">
               <a:rPr lang="nl-BE" smtClean="0"/>
-              <a:t>15/03/2016</a:t>
+              <a:t>15/03/16</a:t>
             </a:fld>
             <a:endParaRPr lang="nl-BE"/>
           </a:p>
@@ -4561,7 +4616,7 @@
           <a:p>
             <a:fld id="{1388032C-26F7-45D2-BF4B-5C7971A85815}" type="slidenum">
               <a:rPr lang="nl-BE" smtClean="0"/>
-              <a:t>‹#›</a:t>
+              <a:t>‹nr.›</a:t>
             </a:fld>
             <a:endParaRPr lang="nl-BE"/>
           </a:p>
@@ -4690,7 +4745,7 @@
           <a:p>
             <a:fld id="{3FF3D4C3-34CD-4E7E-97F9-86F6D58F3628}" type="datetimeFigureOut">
               <a:rPr lang="nl-BE" smtClean="0"/>
-              <a:t>15/03/2016</a:t>
+              <a:t>15/03/16</a:t>
             </a:fld>
             <a:endParaRPr lang="nl-BE"/>
           </a:p>
@@ -4740,7 +4795,7 @@
           <a:p>
             <a:fld id="{1388032C-26F7-45D2-BF4B-5C7971A85815}" type="slidenum">
               <a:rPr lang="nl-BE" smtClean="0"/>
-              <a:t>‹#›</a:t>
+              <a:t>‹nr.›</a:t>
             </a:fld>
             <a:endParaRPr lang="nl-BE"/>
           </a:p>
@@ -5044,7 +5099,7 @@
           <a:p>
             <a:fld id="{3FF3D4C3-34CD-4E7E-97F9-86F6D58F3628}" type="datetimeFigureOut">
               <a:rPr lang="nl-BE" smtClean="0"/>
-              <a:t>15/03/2016</a:t>
+              <a:t>15/03/16</a:t>
             </a:fld>
             <a:endParaRPr lang="nl-BE"/>
           </a:p>
@@ -5107,7 +5162,7 @@
           <a:p>
             <a:fld id="{1388032C-26F7-45D2-BF4B-5C7971A85815}" type="slidenum">
               <a:rPr lang="nl-BE" smtClean="0"/>
-              <a:t>‹#›</a:t>
+              <a:t>‹nr.›</a:t>
             </a:fld>
             <a:endParaRPr lang="nl-BE"/>
           </a:p>
@@ -5421,7 +5476,7 @@
           <a:p>
             <a:fld id="{3FF3D4C3-34CD-4E7E-97F9-86F6D58F3628}" type="datetimeFigureOut">
               <a:rPr lang="nl-BE" smtClean="0"/>
-              <a:t>15/03/2016</a:t>
+              <a:t>15/03/16</a:t>
             </a:fld>
             <a:endParaRPr lang="nl-BE"/>
           </a:p>
@@ -5463,7 +5518,7 @@
           <a:p>
             <a:fld id="{1388032C-26F7-45D2-BF4B-5C7971A85815}" type="slidenum">
               <a:rPr lang="nl-BE" smtClean="0"/>
-              <a:t>‹#›</a:t>
+              <a:t>‹nr.›</a:t>
             </a:fld>
             <a:endParaRPr lang="nl-BE"/>
           </a:p>
@@ -5708,7 +5763,7 @@
           <a:p>
             <a:fld id="{3FF3D4C3-34CD-4E7E-97F9-86F6D58F3628}" type="datetimeFigureOut">
               <a:rPr lang="nl-BE" smtClean="0"/>
-              <a:t>15/03/2016</a:t>
+              <a:t>15/03/16</a:t>
             </a:fld>
             <a:endParaRPr lang="nl-BE"/>
           </a:p>
@@ -5782,7 +5837,7 @@
           <a:p>
             <a:fld id="{1388032C-26F7-45D2-BF4B-5C7971A85815}" type="slidenum">
               <a:rPr lang="nl-BE" smtClean="0"/>
-              <a:t>‹#›</a:t>
+              <a:t>‹nr.›</a:t>
             </a:fld>
             <a:endParaRPr lang="nl-BE"/>
           </a:p>
@@ -6592,11 +6647,11 @@
   <p:clrMapOvr>
     <a:masterClrMapping/>
   </p:clrMapOvr>
-  <mc:AlternateContent xmlns:mc="http://schemas.openxmlformats.org/markup-compatibility/2006" xmlns:p14="http://schemas.microsoft.com/office/powerpoint/2010/main">
-    <mc:Choice Requires="p14">
+  <mc:AlternateContent xmlns:mc="http://schemas.openxmlformats.org/markup-compatibility/2006">
+    <mc:Choice xmlns:p14="http://schemas.microsoft.com/office/powerpoint/2010/main" Requires="p14">
       <p:transition spd="slow" p14:dur="2000"/>
     </mc:Choice>
-    <mc:Fallback xmlns="">
+    <mc:Fallback>
       <p:transition spd="slow"/>
     </mc:Fallback>
   </mc:AlternateContent>
@@ -7620,11 +7675,11 @@
   <p:clrMapOvr>
     <a:masterClrMapping/>
   </p:clrMapOvr>
-  <mc:AlternateContent xmlns:mc="http://schemas.openxmlformats.org/markup-compatibility/2006" xmlns:p14="http://schemas.microsoft.com/office/powerpoint/2010/main">
-    <mc:Choice Requires="p14">
+  <mc:AlternateContent xmlns:mc="http://schemas.openxmlformats.org/markup-compatibility/2006">
+    <mc:Choice xmlns:p14="http://schemas.microsoft.com/office/powerpoint/2010/main" Requires="p14">
       <p:transition spd="slow" p14:dur="2000"/>
     </mc:Choice>
-    <mc:Fallback xmlns="">
+    <mc:Fallback>
       <p:transition spd="slow"/>
     </mc:Fallback>
   </mc:AlternateContent>

--- a/Iteratie 1/PresentatieIteratie1Group03.pptx
+++ b/Iteratie 1/PresentatieIteratie1Group03.pptx
@@ -8,7 +8,7 @@
     <p:notesMasterId r:id="rId16"/>
   </p:notesMasterIdLst>
   <p:sldIdLst>
-    <p:sldId id="256" r:id="rId2"/>
+    <p:sldId id="272" r:id="rId2"/>
     <p:sldId id="257" r:id="rId3"/>
     <p:sldId id="258" r:id="rId4"/>
     <p:sldId id="263" r:id="rId5"/>
@@ -508,7 +508,7 @@
       </p:grpSpPr>
       <p:sp>
         <p:nvSpPr>
-          <p:cNvPr id="2" name="Tijdelijke aanduiding voor dia-afbeelding 1"/>
+          <p:cNvPr id="2" name="Slide Image Placeholder 1"/>
           <p:cNvSpPr>
             <a:spLocks noGrp="1" noRot="1" noChangeAspect="1"/>
           </p:cNvSpPr>
@@ -520,7 +520,7 @@
       </p:sp>
       <p:sp>
         <p:nvSpPr>
-          <p:cNvPr id="3" name="Tijdelijke aanduiding voor notities 2"/>
+          <p:cNvPr id="3" name="Notes Placeholder 2"/>
           <p:cNvSpPr>
             <a:spLocks noGrp="1"/>
           </p:cNvSpPr>
@@ -534,16 +534,43 @@
           <a:lstStyle/>
           <a:p>
             <a:r>
-              <a:rPr lang="nl-NL" dirty="0" smtClean="0"/>
+              <a:rPr lang="nl-BE" dirty="0" smtClean="0"/>
               <a:t>M</a:t>
             </a:r>
-            <a:endParaRPr lang="nl-NL" dirty="0"/>
-          </a:p>
-        </p:txBody>
-      </p:sp>
-      <p:sp>
-        <p:nvSpPr>
-          <p:cNvPr id="4" name="Tijdelijke aanduiding voor dianummer 3"/>
+          </a:p>
+          <a:p>
+            <a:r>
+              <a:rPr lang="nl-BE" dirty="0" smtClean="0"/>
+              <a:t>Notice</a:t>
+            </a:r>
+            <a:r>
+              <a:rPr lang="nl-BE" baseline="0" dirty="0" smtClean="0"/>
+              <a:t>: no dependencies from BugDomain to others.</a:t>
+            </a:r>
+          </a:p>
+          <a:p>
+            <a:r>
+              <a:rPr lang="nl-BE" baseline="0" dirty="0" smtClean="0"/>
+              <a:t>Notice: No dependencies from Model to UI.</a:t>
+            </a:r>
+          </a:p>
+          <a:p>
+            <a:r>
+              <a:rPr lang="nl-BE" baseline="0" dirty="0" smtClean="0"/>
+              <a:t>=&gt; Low coupling</a:t>
+            </a:r>
+          </a:p>
+          <a:p>
+            <a:endParaRPr lang="nl-BE" baseline="0" dirty="0" smtClean="0"/>
+          </a:p>
+          <a:p>
+            <a:endParaRPr lang="nl-BE" dirty="0"/>
+          </a:p>
+        </p:txBody>
+      </p:sp>
+      <p:sp>
+        <p:nvSpPr>
+          <p:cNvPr id="4" name="Slide Number Placeholder 3"/>
           <p:cNvSpPr>
             <a:spLocks noGrp="1"/>
           </p:cNvSpPr>
@@ -558,7 +585,7 @@
           <a:p>
             <a:fld id="{214D5328-8A8B-4507-A018-9575DDE3653B}" type="slidenum">
               <a:rPr lang="nl-BE" smtClean="0"/>
-              <a:t>1</a:t>
+              <a:t>2</a:t>
             </a:fld>
             <a:endParaRPr lang="nl-BE"/>
           </a:p>
@@ -567,7 +594,7 @@
     </p:spTree>
     <p:extLst>
       <p:ext uri="{BB962C8B-B14F-4D97-AF65-F5344CB8AC3E}">
-        <p14:creationId xmlns:p14="http://schemas.microsoft.com/office/powerpoint/2010/main" val="45917313"/>
+        <p14:creationId xmlns:p14="http://schemas.microsoft.com/office/powerpoint/2010/main" val="3444975034"/>
       </p:ext>
     </p:extLst>
   </p:cSld>
@@ -621,21 +648,7 @@
           <a:bodyPr/>
           <a:lstStyle/>
           <a:p>
-            <a:r>
-              <a:rPr lang="nl-NL" dirty="0" smtClean="0"/>
-              <a:t>V</a:t>
-            </a:r>
-          </a:p>
-          <a:p>
-            <a:r>
-              <a:rPr lang="nl-NL" dirty="0" err="1" smtClean="0"/>
-              <a:t>Sequence</a:t>
-            </a:r>
-            <a:r>
-              <a:rPr lang="nl-NL" smtClean="0"/>
-              <a:t> diagram</a:t>
-            </a:r>
-            <a:endParaRPr lang="nl-NL" dirty="0"/>
+            <a:endParaRPr lang="nl-NL"/>
           </a:p>
         </p:txBody>
       </p:sp>
@@ -656,7 +669,7 @@
           <a:p>
             <a:fld id="{214D5328-8A8B-4507-A018-9575DDE3653B}" type="slidenum">
               <a:rPr lang="nl-BE" smtClean="0"/>
-              <a:t>10</a:t>
+              <a:t>11</a:t>
             </a:fld>
             <a:endParaRPr lang="nl-BE"/>
           </a:p>
@@ -665,7 +678,7 @@
     </p:spTree>
     <p:extLst>
       <p:ext uri="{BB962C8B-B14F-4D97-AF65-F5344CB8AC3E}">
-        <p14:creationId xmlns:p14="http://schemas.microsoft.com/office/powerpoint/2010/main" val="2139752457"/>
+        <p14:creationId xmlns:p14="http://schemas.microsoft.com/office/powerpoint/2010/main" val="1058392137"/>
       </p:ext>
     </p:extLst>
   </p:cSld>
@@ -694,7 +707,7 @@
       </p:grpSpPr>
       <p:sp>
         <p:nvSpPr>
-          <p:cNvPr id="2" name="Tijdelijke aanduiding voor dia-afbeelding 1"/>
+          <p:cNvPr id="2" name="Slide Image Placeholder 1"/>
           <p:cNvSpPr>
             <a:spLocks noGrp="1" noRot="1" noChangeAspect="1"/>
           </p:cNvSpPr>
@@ -706,7 +719,7 @@
       </p:sp>
       <p:sp>
         <p:nvSpPr>
-          <p:cNvPr id="3" name="Tijdelijke aanduiding voor notities 2"/>
+          <p:cNvPr id="3" name="Notes Placeholder 2"/>
           <p:cNvSpPr>
             <a:spLocks noGrp="1"/>
           </p:cNvSpPr>
@@ -719,13 +732,29 @@
           <a:bodyPr/>
           <a:lstStyle/>
           <a:p>
-            <a:endParaRPr lang="nl-NL"/>
-          </a:p>
-        </p:txBody>
-      </p:sp>
-      <p:sp>
-        <p:nvSpPr>
-          <p:cNvPr id="4" name="Tijdelijke aanduiding voor dianummer 3"/>
+            <a:r>
+              <a:rPr lang="nl-BE" dirty="0" smtClean="0"/>
+              <a:t>K /</a:t>
+            </a:r>
+          </a:p>
+          <a:p>
+            <a:r>
+              <a:rPr lang="nl-BE" dirty="0" smtClean="0"/>
+              <a:t>TODO?</a:t>
+            </a:r>
+            <a:r>
+              <a:rPr lang="nl-BE" baseline="0" dirty="0" smtClean="0"/>
+              <a:t>   Tekstvak met uitleg Test strategy? (White box testing + mocking)</a:t>
+            </a:r>
+          </a:p>
+          <a:p>
+            <a:endParaRPr lang="nl-BE" baseline="0" dirty="0" smtClean="0"/>
+          </a:p>
+        </p:txBody>
+      </p:sp>
+      <p:sp>
+        <p:nvSpPr>
+          <p:cNvPr id="4" name="Slide Number Placeholder 3"/>
           <p:cNvSpPr>
             <a:spLocks noGrp="1"/>
           </p:cNvSpPr>
@@ -740,7 +769,7 @@
           <a:p>
             <a:fld id="{214D5328-8A8B-4507-A018-9575DDE3653B}" type="slidenum">
               <a:rPr lang="nl-BE" smtClean="0"/>
-              <a:t>11</a:t>
+              <a:t>12</a:t>
             </a:fld>
             <a:endParaRPr lang="nl-BE"/>
           </a:p>
@@ -749,7 +778,7 @@
     </p:spTree>
     <p:extLst>
       <p:ext uri="{BB962C8B-B14F-4D97-AF65-F5344CB8AC3E}">
-        <p14:creationId xmlns:p14="http://schemas.microsoft.com/office/powerpoint/2010/main" val="1058392137"/>
+        <p14:creationId xmlns:p14="http://schemas.microsoft.com/office/powerpoint/2010/main" val="3130617486"/>
       </p:ext>
     </p:extLst>
   </p:cSld>
@@ -803,106 +832,6 @@
           <a:bodyPr/>
           <a:lstStyle/>
           <a:p>
-            <a:r>
-              <a:rPr lang="nl-BE" dirty="0" smtClean="0"/>
-              <a:t>K /</a:t>
-            </a:r>
-          </a:p>
-          <a:p>
-            <a:r>
-              <a:rPr lang="nl-BE" dirty="0" smtClean="0"/>
-              <a:t>TODO?</a:t>
-            </a:r>
-            <a:r>
-              <a:rPr lang="nl-BE" baseline="0" dirty="0" smtClean="0"/>
-              <a:t>   Tekstvak met uitleg Test strategy? (White box testing + mocking)</a:t>
-            </a:r>
-          </a:p>
-          <a:p>
-            <a:endParaRPr lang="nl-BE" baseline="0" dirty="0" smtClean="0"/>
-          </a:p>
-        </p:txBody>
-      </p:sp>
-      <p:sp>
-        <p:nvSpPr>
-          <p:cNvPr id="4" name="Slide Number Placeholder 3"/>
-          <p:cNvSpPr>
-            <a:spLocks noGrp="1"/>
-          </p:cNvSpPr>
-          <p:nvPr>
-            <p:ph type="sldNum" sz="quarter" idx="10"/>
-          </p:nvPr>
-        </p:nvSpPr>
-        <p:spPr/>
-        <p:txBody>
-          <a:bodyPr/>
-          <a:lstStyle/>
-          <a:p>
-            <a:fld id="{214D5328-8A8B-4507-A018-9575DDE3653B}" type="slidenum">
-              <a:rPr lang="nl-BE" smtClean="0"/>
-              <a:t>12</a:t>
-            </a:fld>
-            <a:endParaRPr lang="nl-BE"/>
-          </a:p>
-        </p:txBody>
-      </p:sp>
-    </p:spTree>
-    <p:extLst>
-      <p:ext uri="{BB962C8B-B14F-4D97-AF65-F5344CB8AC3E}">
-        <p14:creationId xmlns:p14="http://schemas.microsoft.com/office/powerpoint/2010/main" val="3130617486"/>
-      </p:ext>
-    </p:extLst>
-  </p:cSld>
-  <p:clrMapOvr>
-    <a:masterClrMapping/>
-  </p:clrMapOvr>
-</p:notes>
-</file>
-
-<file path=ppt/notesSlides/notesSlide13.xml><?xml version="1.0" encoding="utf-8"?>
-<p:notes xmlns:a="http://schemas.openxmlformats.org/drawingml/2006/main" xmlns:r="http://schemas.openxmlformats.org/officeDocument/2006/relationships" xmlns:p="http://schemas.openxmlformats.org/presentationml/2006/main">
-  <p:cSld>
-    <p:spTree>
-      <p:nvGrpSpPr>
-        <p:cNvPr id="1" name=""/>
-        <p:cNvGrpSpPr/>
-        <p:nvPr/>
-      </p:nvGrpSpPr>
-      <p:grpSpPr>
-        <a:xfrm>
-          <a:off x="0" y="0"/>
-          <a:ext cx="0" cy="0"/>
-          <a:chOff x="0" y="0"/>
-          <a:chExt cx="0" cy="0"/>
-        </a:xfrm>
-      </p:grpSpPr>
-      <p:sp>
-        <p:nvSpPr>
-          <p:cNvPr id="2" name="Slide Image Placeholder 1"/>
-          <p:cNvSpPr>
-            <a:spLocks noGrp="1" noRot="1" noChangeAspect="1"/>
-          </p:cNvSpPr>
-          <p:nvPr>
-            <p:ph type="sldImg"/>
-          </p:nvPr>
-        </p:nvSpPr>
-        <p:spPr/>
-      </p:sp>
-      <p:sp>
-        <p:nvSpPr>
-          <p:cNvPr id="3" name="Notes Placeholder 2"/>
-          <p:cNvSpPr>
-            <a:spLocks noGrp="1"/>
-          </p:cNvSpPr>
-          <p:nvPr>
-            <p:ph type="body" idx="1"/>
-          </p:nvPr>
-        </p:nvSpPr>
-        <p:spPr/>
-        <p:txBody>
-          <a:bodyPr/>
-          <a:lstStyle/>
-          <a:p>
             <a:endParaRPr lang="nl-BE" dirty="0"/>
           </a:p>
         </p:txBody>
@@ -943,7 +872,7 @@
 </p:notes>
 </file>
 
-<file path=ppt/notesSlides/notesSlide14.xml><?xml version="1.0" encoding="utf-8"?>
+<file path=ppt/notesSlides/notesSlide13.xml><?xml version="1.0" encoding="utf-8"?>
 <p:notes xmlns:a="http://schemas.openxmlformats.org/drawingml/2006/main" xmlns:r="http://schemas.openxmlformats.org/officeDocument/2006/relationships" xmlns:p="http://schemas.openxmlformats.org/presentationml/2006/main">
   <p:cSld>
     <p:spTree>
@@ -1149,6 +1078,53 @@
             </a:r>
           </a:p>
           <a:p>
+            <a:pPr marL="171450" marR="0" indent="-171450" algn="l" defTabSz="914400" rtl="0" eaLnBrk="1" fontAlgn="auto" latinLnBrk="0" hangingPunct="1">
+              <a:lnSpc>
+                <a:spcPct val="100000"/>
+              </a:lnSpc>
+              <a:spcBef>
+                <a:spcPts val="0"/>
+              </a:spcBef>
+              <a:spcAft>
+                <a:spcPts val="0"/>
+              </a:spcAft>
+              <a:buClrTx/>
+              <a:buSzTx/>
+              <a:buFont typeface="Symbol" charset="2"/>
+              <a:buChar char="Þ"/>
+              <a:tabLst/>
+              <a:defRPr/>
+            </a:pPr>
+            <a:r>
+              <a:rPr lang="nl-BE" dirty="0" smtClean="0"/>
+              <a:t>General</a:t>
+            </a:r>
+            <a:r>
+              <a:rPr lang="nl-BE" baseline="0" dirty="0" smtClean="0"/>
+              <a:t> overview of the more important classes involved in the interaction between the packages.</a:t>
+            </a:r>
+          </a:p>
+          <a:p>
+            <a:pPr marL="171450" marR="0" indent="-171450" algn="l" defTabSz="914400" rtl="0" eaLnBrk="1" fontAlgn="auto" latinLnBrk="0" hangingPunct="1">
+              <a:lnSpc>
+                <a:spcPct val="100000"/>
+              </a:lnSpc>
+              <a:spcBef>
+                <a:spcPts val="0"/>
+              </a:spcBef>
+              <a:spcAft>
+                <a:spcPts val="0"/>
+              </a:spcAft>
+              <a:buClrTx/>
+              <a:buSzTx/>
+              <a:buFont typeface="Symbol" charset="2"/>
+              <a:buChar char="Þ"/>
+              <a:tabLst/>
+              <a:defRPr/>
+            </a:pPr>
+            <a:endParaRPr lang="nl-BE" dirty="0" smtClean="0"/>
+          </a:p>
+          <a:p>
             <a:r>
               <a:rPr lang="nl-BE" dirty="0" smtClean="0"/>
               <a:t>Notice</a:t>
@@ -1165,16 +1141,7 @@
             </a:r>
           </a:p>
           <a:p>
-            <a:r>
-              <a:rPr lang="nl-BE" baseline="0" dirty="0" smtClean="0"/>
-              <a:t>=&gt; Low coupling</a:t>
-            </a:r>
-          </a:p>
-          <a:p>
-            <a:endParaRPr lang="nl-BE" baseline="0" dirty="0" smtClean="0"/>
-          </a:p>
-          <a:p>
-            <a:endParaRPr lang="nl-BE" dirty="0"/>
+            <a:endParaRPr lang="nl-BE" dirty="0" smtClean="0"/>
           </a:p>
         </p:txBody>
       </p:sp>
@@ -1195,7 +1162,7 @@
           <a:p>
             <a:fld id="{214D5328-8A8B-4507-A018-9575DDE3653B}" type="slidenum">
               <a:rPr lang="nl-BE" smtClean="0"/>
-              <a:t>2</a:t>
+              <a:t>3</a:t>
             </a:fld>
             <a:endParaRPr lang="nl-BE"/>
           </a:p>
@@ -1204,7 +1171,7 @@
     </p:spTree>
     <p:extLst>
       <p:ext uri="{BB962C8B-B14F-4D97-AF65-F5344CB8AC3E}">
-        <p14:creationId xmlns:p14="http://schemas.microsoft.com/office/powerpoint/2010/main" val="3444975034"/>
+        <p14:creationId xmlns:p14="http://schemas.microsoft.com/office/powerpoint/2010/main" val="1860602385"/>
       </p:ext>
     </p:extLst>
   </p:cSld>
@@ -1233,7 +1200,7 @@
       </p:grpSpPr>
       <p:sp>
         <p:nvSpPr>
-          <p:cNvPr id="2" name="Slide Image Placeholder 1"/>
+          <p:cNvPr id="2" name="Tijdelijke aanduiding voor dia-afbeelding 1"/>
           <p:cNvSpPr>
             <a:spLocks noGrp="1" noRot="1" noChangeAspect="1"/>
           </p:cNvSpPr>
@@ -1245,7 +1212,7 @@
       </p:sp>
       <p:sp>
         <p:nvSpPr>
-          <p:cNvPr id="3" name="Notes Placeholder 2"/>
+          <p:cNvPr id="3" name="Tijdelijke aanduiding voor notities 2"/>
           <p:cNvSpPr>
             <a:spLocks noGrp="1"/>
           </p:cNvSpPr>
@@ -1259,81 +1226,50 @@
           <a:lstStyle/>
           <a:p>
             <a:r>
-              <a:rPr lang="nl-BE" dirty="0" smtClean="0"/>
-              <a:t>M</a:t>
-            </a:r>
-          </a:p>
-          <a:p>
-            <a:pPr marL="171450" marR="0" indent="-171450" algn="l" defTabSz="914400" rtl="0" eaLnBrk="1" fontAlgn="auto" latinLnBrk="0" hangingPunct="1">
-              <a:lnSpc>
-                <a:spcPct val="100000"/>
-              </a:lnSpc>
-              <a:spcBef>
-                <a:spcPts val="0"/>
-              </a:spcBef>
-              <a:spcAft>
-                <a:spcPts val="0"/>
-              </a:spcAft>
-              <a:buClrTx/>
-              <a:buSzTx/>
-              <a:buFont typeface="Symbol" charset="2"/>
-              <a:buChar char="Þ"/>
-              <a:tabLst/>
-              <a:defRPr/>
-            </a:pPr>
-            <a:r>
-              <a:rPr lang="nl-BE" dirty="0" smtClean="0"/>
-              <a:t>General</a:t>
-            </a:r>
-            <a:r>
-              <a:rPr lang="nl-BE" baseline="0" dirty="0" smtClean="0"/>
-              <a:t> overview of the more important classes involved in the interaction between the packages.</a:t>
-            </a:r>
-          </a:p>
-          <a:p>
-            <a:pPr marL="171450" marR="0" indent="-171450" algn="l" defTabSz="914400" rtl="0" eaLnBrk="1" fontAlgn="auto" latinLnBrk="0" hangingPunct="1">
-              <a:lnSpc>
-                <a:spcPct val="100000"/>
-              </a:lnSpc>
-              <a:spcBef>
-                <a:spcPts val="0"/>
-              </a:spcBef>
-              <a:spcAft>
-                <a:spcPts val="0"/>
-              </a:spcAft>
-              <a:buClrTx/>
-              <a:buSzTx/>
-              <a:buFont typeface="Symbol" charset="2"/>
-              <a:buChar char="Þ"/>
-              <a:tabLst/>
-              <a:defRPr/>
-            </a:pPr>
-            <a:endParaRPr lang="nl-BE" dirty="0" smtClean="0"/>
-          </a:p>
-          <a:p>
-            <a:r>
-              <a:rPr lang="nl-BE" dirty="0" smtClean="0"/>
-              <a:t>Notice</a:t>
-            </a:r>
-            <a:r>
-              <a:rPr lang="nl-BE" baseline="0" dirty="0" smtClean="0"/>
-              <a:t>: no dependencies from BugDomain to others.</a:t>
-            </a:r>
-          </a:p>
-          <a:p>
-            <a:r>
-              <a:rPr lang="nl-BE" baseline="0" dirty="0" smtClean="0"/>
-              <a:t>Notice: No dependencies from Model to UI.</a:t>
-            </a:r>
-          </a:p>
-          <a:p>
-            <a:endParaRPr lang="nl-BE" dirty="0" smtClean="0"/>
-          </a:p>
-        </p:txBody>
-      </p:sp>
-      <p:sp>
-        <p:nvSpPr>
-          <p:cNvPr id="4" name="Slide Number Placeholder 3"/>
+              <a:rPr lang="nl-NL" dirty="0" smtClean="0"/>
+              <a:t>K</a:t>
+            </a:r>
+          </a:p>
+          <a:p>
+            <a:r>
+              <a:rPr lang="nl-NL" dirty="0" smtClean="0"/>
+              <a:t>Next</a:t>
+            </a:r>
+            <a:r>
+              <a:rPr lang="nl-NL" baseline="0" dirty="0" smtClean="0"/>
+              <a:t> we </a:t>
+            </a:r>
+            <a:r>
+              <a:rPr lang="nl-NL" baseline="0" dirty="0" err="1" smtClean="0"/>
+              <a:t>will</a:t>
+            </a:r>
+            <a:r>
+              <a:rPr lang="nl-NL" baseline="0" dirty="0" smtClean="0"/>
+              <a:t> have a look at </a:t>
+            </a:r>
+            <a:r>
+              <a:rPr lang="nl-NL" baseline="0" dirty="0" err="1" smtClean="0"/>
+              <a:t>the</a:t>
+            </a:r>
+            <a:r>
+              <a:rPr lang="nl-NL" baseline="0" dirty="0" smtClean="0"/>
+              <a:t> </a:t>
+            </a:r>
+            <a:r>
+              <a:rPr lang="nl-NL" baseline="0" dirty="0" err="1" smtClean="0"/>
+              <a:t>bugdomain</a:t>
+            </a:r>
+            <a:r>
+              <a:rPr lang="nl-NL" baseline="0" dirty="0" smtClean="0"/>
+              <a:t> package. </a:t>
+            </a:r>
+            <a:endParaRPr lang="nl-NL" dirty="0"/>
+          </a:p>
+        </p:txBody>
+      </p:sp>
+      <p:sp>
+        <p:nvSpPr>
+          <p:cNvPr id="4" name="Tijdelijke aanduiding voor dianummer 3"/>
           <p:cNvSpPr>
             <a:spLocks noGrp="1"/>
           </p:cNvSpPr>
@@ -1348,7 +1284,7 @@
           <a:p>
             <a:fld id="{214D5328-8A8B-4507-A018-9575DDE3653B}" type="slidenum">
               <a:rPr lang="nl-BE" smtClean="0"/>
-              <a:t>3</a:t>
+              <a:t>4</a:t>
             </a:fld>
             <a:endParaRPr lang="nl-BE"/>
           </a:p>
@@ -1357,7 +1293,7 @@
     </p:spTree>
     <p:extLst>
       <p:ext uri="{BB962C8B-B14F-4D97-AF65-F5344CB8AC3E}">
-        <p14:creationId xmlns:p14="http://schemas.microsoft.com/office/powerpoint/2010/main" val="1860602385"/>
+        <p14:creationId xmlns:p14="http://schemas.microsoft.com/office/powerpoint/2010/main" val="1715414557"/>
       </p:ext>
     </p:extLst>
   </p:cSld>
@@ -1386,7 +1322,7 @@
       </p:grpSpPr>
       <p:sp>
         <p:nvSpPr>
-          <p:cNvPr id="2" name="Tijdelijke aanduiding voor dia-afbeelding 1"/>
+          <p:cNvPr id="2" name="Slide Image Placeholder 1"/>
           <p:cNvSpPr>
             <a:spLocks noGrp="1" noRot="1" noChangeAspect="1"/>
           </p:cNvSpPr>
@@ -1398,7 +1334,7 @@
       </p:sp>
       <p:sp>
         <p:nvSpPr>
-          <p:cNvPr id="3" name="Tijdelijke aanduiding voor notities 2"/>
+          <p:cNvPr id="3" name="Notes Placeholder 2"/>
           <p:cNvSpPr>
             <a:spLocks noGrp="1"/>
           </p:cNvSpPr>
@@ -1412,50 +1348,154 @@
           <a:lstStyle/>
           <a:p>
             <a:r>
-              <a:rPr lang="nl-NL" dirty="0" smtClean="0"/>
+              <a:rPr lang="nl-BE" sz="800" dirty="0" smtClean="0"/>
               <a:t>K</a:t>
             </a:r>
           </a:p>
           <a:p>
             <a:r>
-              <a:rPr lang="nl-NL" dirty="0" smtClean="0"/>
-              <a:t>Next</a:t>
-            </a:r>
-            <a:r>
-              <a:rPr lang="nl-NL" baseline="0" dirty="0" smtClean="0"/>
-              <a:t> we </a:t>
-            </a:r>
-            <a:r>
-              <a:rPr lang="nl-NL" baseline="0" dirty="0" err="1" smtClean="0"/>
-              <a:t>will</a:t>
-            </a:r>
-            <a:r>
-              <a:rPr lang="nl-NL" baseline="0" dirty="0" smtClean="0"/>
-              <a:t> have a look at </a:t>
-            </a:r>
-            <a:r>
-              <a:rPr lang="nl-NL" baseline="0" dirty="0" err="1" smtClean="0"/>
-              <a:t>the</a:t>
-            </a:r>
-            <a:r>
-              <a:rPr lang="nl-NL" baseline="0" dirty="0" smtClean="0"/>
-              <a:t> </a:t>
-            </a:r>
-            <a:r>
-              <a:rPr lang="nl-NL" baseline="0" dirty="0" err="1" smtClean="0"/>
-              <a:t>bugdomain</a:t>
-            </a:r>
-            <a:r>
-              <a:rPr lang="nl-NL" baseline="0" dirty="0" smtClean="0"/>
-              <a:t> package. </a:t>
-            </a:r>
-            <a:endParaRPr lang="nl-NL" dirty="0"/>
-          </a:p>
-        </p:txBody>
-      </p:sp>
-      <p:sp>
-        <p:nvSpPr>
-          <p:cNvPr id="4" name="Tijdelijke aanduiding voor dianummer 3"/>
+              <a:rPr lang="nl-BE" sz="800" dirty="0" smtClean="0"/>
+              <a:t>Project + Subsystems</a:t>
+            </a:r>
+          </a:p>
+          <a:p>
+            <a:r>
+              <a:rPr lang="nl-BE" sz="800" dirty="0" smtClean="0"/>
+              <a:t>	* AbstractSystem (name, vID, descip, childs). Proj &amp; Sub inherits.</a:t>
+            </a:r>
+          </a:p>
+          <a:p>
+            <a:r>
+              <a:rPr lang="nl-BE" sz="800" dirty="0" smtClean="0"/>
+              <a:t>	+ Polymorhispm</a:t>
+            </a:r>
+          </a:p>
+          <a:p>
+            <a:r>
+              <a:rPr lang="nl-BE" sz="800" dirty="0" smtClean="0"/>
+              <a:t>	+ High Cohesion</a:t>
+            </a:r>
+          </a:p>
+          <a:p>
+            <a:r>
+              <a:rPr lang="nl-BE" sz="800" dirty="0" smtClean="0"/>
+              <a:t>	- High Coupling</a:t>
+            </a:r>
+          </a:p>
+          <a:p>
+            <a:endParaRPr lang="nl-BE" sz="800" dirty="0" smtClean="0"/>
+          </a:p>
+          <a:p>
+            <a:r>
+              <a:rPr lang="nl-BE" sz="800" dirty="0" smtClean="0"/>
+              <a:t>	* Project w attribute SubSystem.</a:t>
+            </a:r>
+          </a:p>
+          <a:p>
+            <a:r>
+              <a:rPr lang="nl-BE" sz="800" dirty="0" smtClean="0"/>
+              <a:t>	- Code redundancy; </a:t>
+            </a:r>
+          </a:p>
+          <a:p>
+            <a:r>
+              <a:rPr lang="nl-BE" sz="800" dirty="0" smtClean="0"/>
+              <a:t>	- High Coupling (Lower than first)</a:t>
+            </a:r>
+          </a:p>
+          <a:p>
+            <a:r>
+              <a:rPr lang="nl-BE" sz="800" dirty="0" smtClean="0"/>
+              <a:t>	</a:t>
+            </a:r>
+          </a:p>
+          <a:p>
+            <a:r>
+              <a:rPr lang="nl-BE" sz="800" dirty="0" smtClean="0"/>
+              <a:t>	* Project &amp; Subsystem as one class (Composite)</a:t>
+            </a:r>
+          </a:p>
+          <a:p>
+            <a:r>
+              <a:rPr lang="nl-BE" sz="800" dirty="0" smtClean="0"/>
+              <a:t>	+ Low Coupling</a:t>
+            </a:r>
+          </a:p>
+          <a:p>
+            <a:r>
+              <a:rPr lang="nl-BE" sz="800" dirty="0" smtClean="0"/>
+              <a:t>	- Low Cohesion (Can't differentiate between Proj &amp; Sub. Code for Bugreports is redundant for Proj)</a:t>
+            </a:r>
+          </a:p>
+          <a:p>
+            <a:endParaRPr lang="nl-BE" sz="800" dirty="0" smtClean="0"/>
+          </a:p>
+          <a:p>
+            <a:r>
+              <a:rPr lang="nl-BE" sz="800" dirty="0" smtClean="0"/>
+              <a:t>BugReport + Tags (Duplicate specifiek)</a:t>
+            </a:r>
+          </a:p>
+          <a:p>
+            <a:r>
+              <a:rPr lang="nl-BE" sz="800" dirty="0" smtClean="0"/>
+              <a:t>	* Tag enum w logic inside the Tag enum.</a:t>
+            </a:r>
+          </a:p>
+          <a:p>
+            <a:r>
+              <a:rPr lang="nl-BE" sz="800" dirty="0" smtClean="0"/>
+              <a:t>	+ Information Expert</a:t>
+            </a:r>
+          </a:p>
+          <a:p>
+            <a:r>
+              <a:rPr lang="nl-BE" sz="800" dirty="0" smtClean="0"/>
+              <a:t>	+ High Cohesion</a:t>
+            </a:r>
+          </a:p>
+          <a:p>
+            <a:endParaRPr lang="nl-BE" sz="800" dirty="0" smtClean="0"/>
+          </a:p>
+          <a:p>
+            <a:r>
+              <a:rPr lang="nl-BE" sz="800" dirty="0" smtClean="0"/>
+              <a:t>	* Tags als objecten w logic inside the Tag</a:t>
+            </a:r>
+          </a:p>
+          <a:p>
+            <a:r>
+              <a:rPr lang="nl-BE" sz="800" dirty="0" smtClean="0"/>
+              <a:t>	+ Polymorhispm -&gt; seperate the logic inside the Tags</a:t>
+            </a:r>
+          </a:p>
+          <a:p>
+            <a:r>
+              <a:rPr lang="nl-BE" sz="800" dirty="0" smtClean="0"/>
+              <a:t>	- High coupling between Tag Objects</a:t>
+            </a:r>
+          </a:p>
+          <a:p>
+            <a:r>
+              <a:rPr lang="nl-BE" sz="800" dirty="0" smtClean="0"/>
+              <a:t>	+ Option to add non-static variables.</a:t>
+            </a:r>
+          </a:p>
+          <a:p>
+            <a:endParaRPr lang="nl-BE" sz="800" dirty="0" smtClean="0"/>
+          </a:p>
+          <a:p>
+            <a:r>
+              <a:rPr lang="nl-BE" sz="800" dirty="0" smtClean="0"/>
+              <a:t>	</a:t>
+            </a:r>
+            <a:endParaRPr lang="nl-BE" sz="800" dirty="0"/>
+          </a:p>
+        </p:txBody>
+      </p:sp>
+      <p:sp>
+        <p:nvSpPr>
+          <p:cNvPr id="4" name="Slide Number Placeholder 3"/>
           <p:cNvSpPr>
             <a:spLocks noGrp="1"/>
           </p:cNvSpPr>
@@ -1470,7 +1510,7 @@
           <a:p>
             <a:fld id="{214D5328-8A8B-4507-A018-9575DDE3653B}" type="slidenum">
               <a:rPr lang="nl-BE" smtClean="0"/>
-              <a:t>4</a:t>
+              <a:t>5</a:t>
             </a:fld>
             <a:endParaRPr lang="nl-BE"/>
           </a:p>
@@ -1479,7 +1519,7 @@
     </p:spTree>
     <p:extLst>
       <p:ext uri="{BB962C8B-B14F-4D97-AF65-F5344CB8AC3E}">
-        <p14:creationId xmlns:p14="http://schemas.microsoft.com/office/powerpoint/2010/main" val="1715414557"/>
+        <p14:creationId xmlns:p14="http://schemas.microsoft.com/office/powerpoint/2010/main" val="1014031131"/>
       </p:ext>
     </p:extLst>
   </p:cSld>
@@ -1508,7 +1548,7 @@
       </p:grpSpPr>
       <p:sp>
         <p:nvSpPr>
-          <p:cNvPr id="2" name="Slide Image Placeholder 1"/>
+          <p:cNvPr id="2" name="Tijdelijke aanduiding voor dia-afbeelding 1"/>
           <p:cNvSpPr>
             <a:spLocks noGrp="1" noRot="1" noChangeAspect="1"/>
           </p:cNvSpPr>
@@ -1520,7 +1560,7 @@
       </p:sp>
       <p:sp>
         <p:nvSpPr>
-          <p:cNvPr id="3" name="Notes Placeholder 2"/>
+          <p:cNvPr id="3" name="Tijdelijke aanduiding voor notities 2"/>
           <p:cNvSpPr>
             <a:spLocks noGrp="1"/>
           </p:cNvSpPr>
@@ -1534,154 +1574,16 @@
           <a:lstStyle/>
           <a:p>
             <a:r>
-              <a:rPr lang="nl-BE" sz="800" dirty="0" smtClean="0"/>
-              <a:t>K</a:t>
-            </a:r>
-          </a:p>
-          <a:p>
-            <a:r>
-              <a:rPr lang="nl-BE" sz="800" dirty="0" smtClean="0"/>
-              <a:t>Project + Subsystems</a:t>
-            </a:r>
-          </a:p>
-          <a:p>
-            <a:r>
-              <a:rPr lang="nl-BE" sz="800" dirty="0" smtClean="0"/>
-              <a:t>	* AbstractSystem (name, vID, descip, childs). Proj &amp; Sub inherits.</a:t>
-            </a:r>
-          </a:p>
-          <a:p>
-            <a:r>
-              <a:rPr lang="nl-BE" sz="800" dirty="0" smtClean="0"/>
-              <a:t>	+ Polymorhispm</a:t>
-            </a:r>
-          </a:p>
-          <a:p>
-            <a:r>
-              <a:rPr lang="nl-BE" sz="800" dirty="0" smtClean="0"/>
-              <a:t>	+ High Cohesion</a:t>
-            </a:r>
-          </a:p>
-          <a:p>
-            <a:r>
-              <a:rPr lang="nl-BE" sz="800" dirty="0" smtClean="0"/>
-              <a:t>	- High Coupling</a:t>
-            </a:r>
-          </a:p>
-          <a:p>
-            <a:endParaRPr lang="nl-BE" sz="800" dirty="0" smtClean="0"/>
-          </a:p>
-          <a:p>
-            <a:r>
-              <a:rPr lang="nl-BE" sz="800" dirty="0" smtClean="0"/>
-              <a:t>	* Project w attribute SubSystem.</a:t>
-            </a:r>
-          </a:p>
-          <a:p>
-            <a:r>
-              <a:rPr lang="nl-BE" sz="800" dirty="0" smtClean="0"/>
-              <a:t>	- Code redundancy; </a:t>
-            </a:r>
-          </a:p>
-          <a:p>
-            <a:r>
-              <a:rPr lang="nl-BE" sz="800" dirty="0" smtClean="0"/>
-              <a:t>	- High Coupling (Lower than first)</a:t>
-            </a:r>
-          </a:p>
-          <a:p>
-            <a:r>
-              <a:rPr lang="nl-BE" sz="800" dirty="0" smtClean="0"/>
-              <a:t>	</a:t>
-            </a:r>
-          </a:p>
-          <a:p>
-            <a:r>
-              <a:rPr lang="nl-BE" sz="800" dirty="0" smtClean="0"/>
-              <a:t>	* Project &amp; Subsystem as one class (Composite)</a:t>
-            </a:r>
-          </a:p>
-          <a:p>
-            <a:r>
-              <a:rPr lang="nl-BE" sz="800" dirty="0" smtClean="0"/>
-              <a:t>	+ Low Coupling</a:t>
-            </a:r>
-          </a:p>
-          <a:p>
-            <a:r>
-              <a:rPr lang="nl-BE" sz="800" dirty="0" smtClean="0"/>
-              <a:t>	- Low Cohesion (Can't differentiate between Proj &amp; Sub. Code for Bugreports is redundant for Proj)</a:t>
-            </a:r>
-          </a:p>
-          <a:p>
-            <a:endParaRPr lang="nl-BE" sz="800" dirty="0" smtClean="0"/>
-          </a:p>
-          <a:p>
-            <a:r>
-              <a:rPr lang="nl-BE" sz="800" dirty="0" smtClean="0"/>
-              <a:t>BugReport + Tags (Duplicate specifiek)</a:t>
-            </a:r>
-          </a:p>
-          <a:p>
-            <a:r>
-              <a:rPr lang="nl-BE" sz="800" dirty="0" smtClean="0"/>
-              <a:t>	* Tag enum w logic inside the Tag enum.</a:t>
-            </a:r>
-          </a:p>
-          <a:p>
-            <a:r>
-              <a:rPr lang="nl-BE" sz="800" dirty="0" smtClean="0"/>
-              <a:t>	+ Information Expert</a:t>
-            </a:r>
-          </a:p>
-          <a:p>
-            <a:r>
-              <a:rPr lang="nl-BE" sz="800" dirty="0" smtClean="0"/>
-              <a:t>	+ High Cohesion</a:t>
-            </a:r>
-          </a:p>
-          <a:p>
-            <a:endParaRPr lang="nl-BE" sz="800" dirty="0" smtClean="0"/>
-          </a:p>
-          <a:p>
-            <a:r>
-              <a:rPr lang="nl-BE" sz="800" dirty="0" smtClean="0"/>
-              <a:t>	* Tags als objecten w logic inside the Tag</a:t>
-            </a:r>
-          </a:p>
-          <a:p>
-            <a:r>
-              <a:rPr lang="nl-BE" sz="800" dirty="0" smtClean="0"/>
-              <a:t>	+ Polymorhispm -&gt; seperate the logic inside the Tags</a:t>
-            </a:r>
-          </a:p>
-          <a:p>
-            <a:r>
-              <a:rPr lang="nl-BE" sz="800" dirty="0" smtClean="0"/>
-              <a:t>	- High coupling between Tag Objects</a:t>
-            </a:r>
-          </a:p>
-          <a:p>
-            <a:r>
-              <a:rPr lang="nl-BE" sz="800" dirty="0" smtClean="0"/>
-              <a:t>	+ Option to add non-static variables.</a:t>
-            </a:r>
-          </a:p>
-          <a:p>
-            <a:endParaRPr lang="nl-BE" sz="800" dirty="0" smtClean="0"/>
-          </a:p>
-          <a:p>
-            <a:r>
-              <a:rPr lang="nl-BE" sz="800" dirty="0" smtClean="0"/>
-              <a:t>	</a:t>
-            </a:r>
-            <a:endParaRPr lang="nl-BE" sz="800" dirty="0"/>
-          </a:p>
-        </p:txBody>
-      </p:sp>
-      <p:sp>
-        <p:nvSpPr>
-          <p:cNvPr id="4" name="Slide Number Placeholder 3"/>
+              <a:rPr lang="nl-NL" dirty="0" smtClean="0"/>
+              <a:t>B</a:t>
+            </a:r>
+            <a:endParaRPr lang="nl-NL" dirty="0"/>
+          </a:p>
+        </p:txBody>
+      </p:sp>
+      <p:sp>
+        <p:nvSpPr>
+          <p:cNvPr id="4" name="Tijdelijke aanduiding voor dianummer 3"/>
           <p:cNvSpPr>
             <a:spLocks noGrp="1"/>
           </p:cNvSpPr>
@@ -1696,7 +1598,7 @@
           <a:p>
             <a:fld id="{214D5328-8A8B-4507-A018-9575DDE3653B}" type="slidenum">
               <a:rPr lang="nl-BE" smtClean="0"/>
-              <a:t>5</a:t>
+              <a:t>6</a:t>
             </a:fld>
             <a:endParaRPr lang="nl-BE"/>
           </a:p>
@@ -1705,7 +1607,7 @@
     </p:spTree>
     <p:extLst>
       <p:ext uri="{BB962C8B-B14F-4D97-AF65-F5344CB8AC3E}">
-        <p14:creationId xmlns:p14="http://schemas.microsoft.com/office/powerpoint/2010/main" val="1014031131"/>
+        <p14:creationId xmlns:p14="http://schemas.microsoft.com/office/powerpoint/2010/main" val="785650318"/>
       </p:ext>
     </p:extLst>
   </p:cSld>
@@ -1734,7 +1636,7 @@
       </p:grpSpPr>
       <p:sp>
         <p:nvSpPr>
-          <p:cNvPr id="2" name="Tijdelijke aanduiding voor dia-afbeelding 1"/>
+          <p:cNvPr id="2" name="Slide Image Placeholder 1"/>
           <p:cNvSpPr>
             <a:spLocks noGrp="1" noRot="1" noChangeAspect="1"/>
           </p:cNvSpPr>
@@ -1746,7 +1648,7 @@
       </p:sp>
       <p:sp>
         <p:nvSpPr>
-          <p:cNvPr id="3" name="Tijdelijke aanduiding voor notities 2"/>
+          <p:cNvPr id="3" name="Notes Placeholder 2"/>
           <p:cNvSpPr>
             <a:spLocks noGrp="1"/>
           </p:cNvSpPr>
@@ -1760,16 +1662,423 @@
           <a:lstStyle/>
           <a:p>
             <a:r>
-              <a:rPr lang="nl-NL" dirty="0" smtClean="0"/>
+              <a:rPr lang="nl-BE" dirty="0" smtClean="0"/>
               <a:t>B</a:t>
             </a:r>
-            <a:endParaRPr lang="nl-NL" dirty="0"/>
-          </a:p>
-        </p:txBody>
-      </p:sp>
-      <p:sp>
-        <p:nvSpPr>
-          <p:cNvPr id="4" name="Tijdelijke aanduiding voor dianummer 3"/>
+          </a:p>
+          <a:p>
+            <a:r>
+              <a:rPr lang="nl-BE" dirty="0" smtClean="0"/>
+              <a:t>Shows</a:t>
+            </a:r>
+            <a:r>
+              <a:rPr lang="nl-BE" baseline="0" dirty="0" smtClean="0"/>
+              <a:t> Permissions interaction</a:t>
+            </a:r>
+          </a:p>
+          <a:p>
+            <a:r>
+              <a:rPr lang="nl-BE" baseline="0" dirty="0" smtClean="0"/>
+              <a:t>Also mention the User, Dev, Admin, Issuer hierarchie.</a:t>
+            </a:r>
+          </a:p>
+          <a:p>
+            <a:endParaRPr lang="nl-BE" baseline="0" dirty="0" smtClean="0"/>
+          </a:p>
+          <a:p>
+            <a:r>
+              <a:rPr lang="en-US" dirty="0" smtClean="0"/>
+              <a:t>User + Project + Role + </a:t>
+            </a:r>
+            <a:r>
+              <a:rPr lang="en-US" dirty="0" err="1" smtClean="0"/>
+              <a:t>RolePerm</a:t>
+            </a:r>
+            <a:endParaRPr lang="en-US" dirty="0" smtClean="0"/>
+          </a:p>
+          <a:p>
+            <a:r>
+              <a:rPr lang="en-US" dirty="0" smtClean="0"/>
+              <a:t>	* Project holding list of Users with roles. And associate list of </a:t>
+            </a:r>
+            <a:r>
+              <a:rPr lang="en-US" dirty="0" err="1" smtClean="0"/>
+              <a:t>rolePerms</a:t>
+            </a:r>
+            <a:r>
+              <a:rPr lang="en-US" dirty="0" smtClean="0"/>
+              <a:t> with Role</a:t>
+            </a:r>
+          </a:p>
+          <a:p>
+            <a:r>
+              <a:rPr lang="en-US" dirty="0" smtClean="0"/>
+              <a:t>	- High Coupling (to </a:t>
+            </a:r>
+            <a:r>
+              <a:rPr lang="en-US" dirty="0" err="1" smtClean="0"/>
+              <a:t>RolePerms</a:t>
+            </a:r>
+            <a:r>
+              <a:rPr lang="en-US" dirty="0" smtClean="0"/>
+              <a:t>; no interface of methods such as </a:t>
+            </a:r>
+          </a:p>
+          <a:p>
+            <a:r>
+              <a:rPr lang="en-US" dirty="0" smtClean="0"/>
+              <a:t>	+ Information Expert</a:t>
+            </a:r>
+          </a:p>
+          <a:p>
+            <a:r>
+              <a:rPr lang="en-US" dirty="0" smtClean="0"/>
+              <a:t>	</a:t>
+            </a:r>
+          </a:p>
+          <a:p>
+            <a:r>
+              <a:rPr lang="en-US" dirty="0" smtClean="0"/>
+              <a:t>	* </a:t>
+            </a:r>
+            <a:r>
+              <a:rPr lang="en-US" dirty="0" err="1" smtClean="0"/>
+              <a:t>RolePerms</a:t>
+            </a:r>
+            <a:r>
+              <a:rPr lang="en-US" dirty="0" smtClean="0"/>
+              <a:t> = classes held in user </a:t>
+            </a:r>
+          </a:p>
+          <a:p>
+            <a:r>
+              <a:rPr lang="en-US" dirty="0" smtClean="0"/>
+              <a:t>	- Low cohesion</a:t>
+            </a:r>
+          </a:p>
+          <a:p>
+            <a:r>
+              <a:rPr lang="en-US" dirty="0" smtClean="0"/>
+              <a:t>	+ Information Expert</a:t>
+            </a:r>
+          </a:p>
+          <a:p>
+            <a:r>
+              <a:rPr lang="en-US" dirty="0" smtClean="0"/>
+              <a:t>	</a:t>
+            </a:r>
+          </a:p>
+          <a:p>
+            <a:r>
+              <a:rPr lang="en-US" dirty="0" smtClean="0"/>
+              <a:t>	* </a:t>
+            </a:r>
+            <a:r>
+              <a:rPr lang="en-US" dirty="0" err="1" smtClean="0"/>
+              <a:t>PermissionManager</a:t>
+            </a:r>
+            <a:r>
+              <a:rPr lang="en-US" dirty="0" smtClean="0"/>
+              <a:t> - see User </a:t>
+            </a:r>
+            <a:r>
+              <a:rPr lang="en-US" dirty="0" err="1" smtClean="0"/>
+              <a:t>hierarchie</a:t>
+            </a:r>
+            <a:r>
+              <a:rPr lang="en-US" dirty="0" smtClean="0"/>
+              <a:t> + </a:t>
+            </a:r>
+            <a:r>
+              <a:rPr lang="en-US" dirty="0" err="1" smtClean="0"/>
+              <a:t>Userperm</a:t>
+            </a:r>
+            <a:endParaRPr lang="en-US" dirty="0" smtClean="0"/>
+          </a:p>
+          <a:p>
+            <a:endParaRPr lang="en-US" dirty="0" smtClean="0"/>
+          </a:p>
+          <a:p>
+            <a:r>
+              <a:rPr lang="en-US" dirty="0" smtClean="0"/>
+              <a:t>User </a:t>
+            </a:r>
+            <a:r>
+              <a:rPr lang="en-US" dirty="0" err="1" smtClean="0"/>
+              <a:t>hierarchie</a:t>
+            </a:r>
+            <a:r>
+              <a:rPr lang="en-US" dirty="0" smtClean="0"/>
+              <a:t> + </a:t>
+            </a:r>
+            <a:r>
+              <a:rPr lang="en-US" dirty="0" err="1" smtClean="0"/>
+              <a:t>UserPerm</a:t>
+            </a:r>
+            <a:endParaRPr lang="en-US" dirty="0" smtClean="0"/>
+          </a:p>
+          <a:p>
+            <a:r>
+              <a:rPr lang="en-US" dirty="0" smtClean="0"/>
+              <a:t>	* </a:t>
+            </a:r>
+            <a:r>
+              <a:rPr lang="en-US" dirty="0" err="1" smtClean="0"/>
+              <a:t>UserPerm</a:t>
+            </a:r>
+            <a:r>
+              <a:rPr lang="en-US" dirty="0" smtClean="0"/>
+              <a:t> as </a:t>
+            </a:r>
+            <a:r>
+              <a:rPr lang="en-US" dirty="0" err="1" smtClean="0"/>
+              <a:t>enum</a:t>
+            </a:r>
+            <a:r>
+              <a:rPr lang="en-US" dirty="0" smtClean="0"/>
+              <a:t> and User </a:t>
+            </a:r>
+            <a:r>
+              <a:rPr lang="en-US" dirty="0" err="1" smtClean="0"/>
+              <a:t>hierarchie</a:t>
+            </a:r>
+            <a:r>
+              <a:rPr lang="en-US" dirty="0" smtClean="0"/>
+              <a:t> has arrays of the permissions the user has</a:t>
+            </a:r>
+          </a:p>
+          <a:p>
+            <a:r>
+              <a:rPr lang="en-US" dirty="0" smtClean="0"/>
+              <a:t>	+ </a:t>
+            </a:r>
+            <a:r>
+              <a:rPr lang="en-US" dirty="0" err="1" smtClean="0"/>
+              <a:t>Polymorpishm</a:t>
+            </a:r>
+            <a:r>
+              <a:rPr lang="en-US" dirty="0" smtClean="0"/>
+              <a:t> (also very </a:t>
+            </a:r>
+            <a:r>
+              <a:rPr lang="en-US" dirty="0" err="1" smtClean="0"/>
+              <a:t>flexibile</a:t>
+            </a:r>
+            <a:r>
+              <a:rPr lang="en-US" dirty="0" smtClean="0"/>
+              <a:t> can be changed dynamic)</a:t>
+            </a:r>
+          </a:p>
+          <a:p>
+            <a:r>
+              <a:rPr lang="en-US" dirty="0" smtClean="0"/>
+              <a:t>	+ High Cohesion</a:t>
+            </a:r>
+          </a:p>
+          <a:p>
+            <a:r>
+              <a:rPr lang="en-US" dirty="0" smtClean="0"/>
+              <a:t>	+ Information Expert</a:t>
+            </a:r>
+          </a:p>
+          <a:p>
+            <a:r>
+              <a:rPr lang="en-US" dirty="0" smtClean="0"/>
+              <a:t>	- High Coupling between 2 classes (A lot of coupling w permissions since User does not define methods for each permission, rather there are permissions for every action and it is checked if the user has this.)</a:t>
+            </a:r>
+          </a:p>
+          <a:p>
+            <a:r>
+              <a:rPr lang="en-US" dirty="0" smtClean="0"/>
+              <a:t>	- High Coupling between User &amp; Permissions (Adding a permission requires an update for the user </a:t>
+            </a:r>
+            <a:r>
+              <a:rPr lang="en-US" dirty="0" err="1" smtClean="0"/>
+              <a:t>hierarchie</a:t>
+            </a:r>
+            <a:r>
+              <a:rPr lang="en-US" dirty="0" smtClean="0"/>
+              <a:t> to make sure certain users have the permissions and others do not.)</a:t>
+            </a:r>
+          </a:p>
+          <a:p>
+            <a:endParaRPr lang="en-US" dirty="0" smtClean="0"/>
+          </a:p>
+          <a:p>
+            <a:r>
+              <a:rPr lang="en-US" dirty="0" smtClean="0"/>
+              <a:t>	* User class + </a:t>
+            </a:r>
+            <a:r>
+              <a:rPr lang="en-US" dirty="0" err="1" smtClean="0"/>
+              <a:t>Enum</a:t>
+            </a:r>
+            <a:r>
+              <a:rPr lang="en-US" dirty="0" smtClean="0"/>
+              <a:t> </a:t>
+            </a:r>
+            <a:r>
+              <a:rPr lang="en-US" dirty="0" err="1" smtClean="0"/>
+              <a:t>userType</a:t>
+            </a:r>
+            <a:r>
+              <a:rPr lang="en-US" dirty="0" smtClean="0"/>
+              <a:t> + Using </a:t>
+            </a:r>
+            <a:r>
+              <a:rPr lang="en-US" dirty="0" err="1" smtClean="0"/>
+              <a:t>UserPerm</a:t>
+            </a:r>
+            <a:r>
+              <a:rPr lang="en-US" dirty="0" smtClean="0"/>
+              <a:t> as argument of </a:t>
+            </a:r>
+            <a:r>
+              <a:rPr lang="en-US" dirty="0" err="1" smtClean="0"/>
+              <a:t>userType</a:t>
+            </a:r>
+            <a:endParaRPr lang="en-US" dirty="0" smtClean="0"/>
+          </a:p>
+          <a:p>
+            <a:r>
+              <a:rPr lang="en-US" dirty="0" smtClean="0"/>
+              <a:t>	- Low Cohesion (Hard to enforce User type as parameter </a:t>
+            </a:r>
+            <a:r>
+              <a:rPr lang="en-US" dirty="0" err="1" smtClean="0"/>
+              <a:t>etc</a:t>
+            </a:r>
+            <a:r>
+              <a:rPr lang="en-US" dirty="0" smtClean="0"/>
+              <a:t> + </a:t>
+            </a:r>
+            <a:r>
+              <a:rPr lang="en-US" dirty="0" err="1" smtClean="0"/>
+              <a:t>instanceof</a:t>
+            </a:r>
+            <a:r>
+              <a:rPr lang="en-US" dirty="0" smtClean="0"/>
+              <a:t> </a:t>
+            </a:r>
+            <a:r>
+              <a:rPr lang="en-US" dirty="0" err="1" smtClean="0"/>
+              <a:t>hierarchie</a:t>
+            </a:r>
+            <a:r>
+              <a:rPr lang="en-US" dirty="0" smtClean="0"/>
+              <a:t> not possible)</a:t>
+            </a:r>
+          </a:p>
+          <a:p>
+            <a:r>
+              <a:rPr lang="en-US" dirty="0" smtClean="0"/>
+              <a:t>	- High coupling</a:t>
+            </a:r>
+          </a:p>
+          <a:p>
+            <a:r>
+              <a:rPr lang="en-US" dirty="0" smtClean="0"/>
+              <a:t>	- No </a:t>
+            </a:r>
+            <a:r>
+              <a:rPr lang="en-US" dirty="0" err="1" smtClean="0"/>
+              <a:t>Polymorpishm</a:t>
+            </a:r>
+            <a:endParaRPr lang="en-US" dirty="0" smtClean="0"/>
+          </a:p>
+          <a:p>
+            <a:r>
+              <a:rPr lang="en-US" dirty="0" smtClean="0"/>
+              <a:t>	+ Information Expert</a:t>
+            </a:r>
+          </a:p>
+          <a:p>
+            <a:endParaRPr lang="en-US" dirty="0" smtClean="0"/>
+          </a:p>
+          <a:p>
+            <a:r>
+              <a:rPr lang="en-US" dirty="0" smtClean="0"/>
+              <a:t>	* </a:t>
+            </a:r>
+            <a:r>
+              <a:rPr lang="en-US" dirty="0" err="1" smtClean="0"/>
+              <a:t>PermissionManager</a:t>
+            </a:r>
+            <a:r>
+              <a:rPr lang="en-US" dirty="0" smtClean="0"/>
+              <a:t> holding Permissions for each user with Permissions as Objects.</a:t>
+            </a:r>
+          </a:p>
+          <a:p>
+            <a:r>
+              <a:rPr lang="en-US" dirty="0" smtClean="0"/>
+              <a:t>	- High Coupling (need reference to this to check permissions)</a:t>
+            </a:r>
+          </a:p>
+          <a:p>
+            <a:r>
+              <a:rPr lang="en-US" dirty="0" smtClean="0"/>
+              <a:t>	+ High Cohesion </a:t>
+            </a:r>
+          </a:p>
+          <a:p>
+            <a:r>
+              <a:rPr lang="en-US" dirty="0" smtClean="0"/>
+              <a:t>	+ Pure Fabrication ('outsource' responsibility)</a:t>
+            </a:r>
+          </a:p>
+          <a:p>
+            <a:r>
+              <a:rPr lang="en-US" dirty="0" smtClean="0"/>
+              <a:t>	+ </a:t>
+            </a:r>
+            <a:r>
+              <a:rPr lang="en-US" dirty="0" err="1" smtClean="0"/>
+              <a:t>Polymorpishm</a:t>
+            </a:r>
+            <a:r>
+              <a:rPr lang="en-US" dirty="0" smtClean="0"/>
+              <a:t> (allow this; but isn't used)</a:t>
+            </a:r>
+          </a:p>
+          <a:p>
+            <a:r>
+              <a:rPr lang="en-US" dirty="0" smtClean="0"/>
+              <a:t>	- </a:t>
+            </a:r>
+            <a:r>
+              <a:rPr lang="en-US" dirty="0" err="1" smtClean="0"/>
+              <a:t>Polymorpishm</a:t>
+            </a:r>
+            <a:r>
+              <a:rPr lang="en-US" dirty="0" smtClean="0"/>
+              <a:t> (Lot of overhead; Big </a:t>
+            </a:r>
+            <a:r>
+              <a:rPr lang="en-US" dirty="0" err="1" smtClean="0"/>
+              <a:t>hierarchie</a:t>
+            </a:r>
+            <a:r>
+              <a:rPr lang="en-US" dirty="0" smtClean="0"/>
+              <a:t> of permissions)</a:t>
+            </a:r>
+            <a:br>
+              <a:rPr lang="en-US" dirty="0" smtClean="0"/>
+            </a:br>
+            <a:r>
+              <a:rPr lang="en-US" dirty="0" smtClean="0"/>
+              <a:t/>
+            </a:r>
+            <a:br>
+              <a:rPr lang="en-US" dirty="0" smtClean="0"/>
+            </a:br>
+            <a:endParaRPr lang="nl-BE" dirty="0"/>
+          </a:p>
+        </p:txBody>
+      </p:sp>
+      <p:sp>
+        <p:nvSpPr>
+          <p:cNvPr id="4" name="Slide Number Placeholder 3"/>
           <p:cNvSpPr>
             <a:spLocks noGrp="1"/>
           </p:cNvSpPr>
@@ -1784,7 +2093,7 @@
           <a:p>
             <a:fld id="{214D5328-8A8B-4507-A018-9575DDE3653B}" type="slidenum">
               <a:rPr lang="nl-BE" smtClean="0"/>
-              <a:t>6</a:t>
+              <a:t>7</a:t>
             </a:fld>
             <a:endParaRPr lang="nl-BE"/>
           </a:p>
@@ -1793,7 +2102,7 @@
     </p:spTree>
     <p:extLst>
       <p:ext uri="{BB962C8B-B14F-4D97-AF65-F5344CB8AC3E}">
-        <p14:creationId xmlns:p14="http://schemas.microsoft.com/office/powerpoint/2010/main" val="785650318"/>
+        <p14:creationId xmlns:p14="http://schemas.microsoft.com/office/powerpoint/2010/main" val="1516752903"/>
       </p:ext>
     </p:extLst>
   </p:cSld>
@@ -1849,23 +2158,17 @@
           <a:p>
             <a:r>
               <a:rPr lang="nl-BE" dirty="0" smtClean="0"/>
-              <a:t>B</a:t>
+              <a:t>V</a:t>
             </a:r>
           </a:p>
           <a:p>
             <a:r>
               <a:rPr lang="nl-BE" dirty="0" smtClean="0"/>
-              <a:t>Shows</a:t>
+              <a:t>Explain</a:t>
             </a:r>
             <a:r>
               <a:rPr lang="nl-BE" baseline="0" dirty="0" smtClean="0"/>
-              <a:t> Permissions interaction</a:t>
-            </a:r>
-          </a:p>
-          <a:p>
-            <a:r>
-              <a:rPr lang="nl-BE" baseline="0" dirty="0" smtClean="0"/>
-              <a:t>Also mention the User, Dev, Admin, Issuer hierarchie.</a:t>
+              <a:t> Scenario’s; Interaction from UI and How DataModel fits in.</a:t>
             </a:r>
           </a:p>
           <a:p>
@@ -1874,46 +2177,71 @@
           <a:p>
             <a:r>
               <a:rPr lang="en-US" dirty="0" smtClean="0"/>
-              <a:t>User + Project + Role + </a:t>
+              <a:t>UI - Model - </a:t>
             </a:r>
             <a:r>
               <a:rPr lang="en-US" dirty="0" err="1" smtClean="0"/>
-              <a:t>RolePerm</a:t>
+              <a:t>Cmd</a:t>
             </a:r>
             <a:endParaRPr lang="en-US" dirty="0" smtClean="0"/>
           </a:p>
           <a:p>
             <a:r>
               <a:rPr lang="en-US" dirty="0" smtClean="0"/>
-              <a:t>	* Project holding list of Users with roles. And associate list of </a:t>
+              <a:t>	* </a:t>
             </a:r>
             <a:r>
               <a:rPr lang="en-US" dirty="0" err="1" smtClean="0"/>
-              <a:t>rolePerms</a:t>
+              <a:t>Seperate</a:t>
             </a:r>
             <a:r>
               <a:rPr lang="en-US" dirty="0" smtClean="0"/>
-              <a:t> with Role</a:t>
-            </a:r>
+              <a:t> Use case steps into </a:t>
+            </a:r>
+            <a:r>
+              <a:rPr lang="en-US" dirty="0" err="1" smtClean="0"/>
+              <a:t>Cmds</a:t>
+            </a:r>
+            <a:endParaRPr lang="en-US" dirty="0" smtClean="0"/>
           </a:p>
           <a:p>
             <a:r>
               <a:rPr lang="en-US" dirty="0" smtClean="0"/>
-              <a:t>	- High Coupling (to </a:t>
+              <a:t>	+ Low coupling</a:t>
+            </a:r>
+          </a:p>
+          <a:p>
+            <a:r>
+              <a:rPr lang="en-US" dirty="0" smtClean="0"/>
+              <a:t>	- High cohesion</a:t>
+            </a:r>
+          </a:p>
+          <a:p>
+            <a:r>
+              <a:rPr lang="en-US" dirty="0" smtClean="0"/>
+              <a:t>	+ Controller</a:t>
+            </a:r>
+          </a:p>
+          <a:p>
+            <a:r>
+              <a:rPr lang="en-US" dirty="0" smtClean="0"/>
+              <a:t>	+ </a:t>
             </a:r>
             <a:r>
               <a:rPr lang="en-US" dirty="0" err="1" smtClean="0"/>
-              <a:t>RolePerms</a:t>
+              <a:t>Polymorphispm</a:t>
             </a:r>
             <a:r>
               <a:rPr lang="en-US" dirty="0" smtClean="0"/>
-              <a:t>; no interface of methods such as </a:t>
-            </a:r>
-          </a:p>
-          <a:p>
+              <a:t> (little bit - </a:t>
+            </a:r>
+            <a:r>
+              <a:rPr lang="en-US" dirty="0" err="1" smtClean="0"/>
+              <a:t>Cmds</a:t>
+            </a:r>
             <a:r>
               <a:rPr lang="en-US" dirty="0" smtClean="0"/>
-              <a:t>	+ Information Expert</a:t>
+              <a:t>)</a:t>
             </a:r>
           </a:p>
           <a:p>
@@ -1925,15 +2253,13 @@
           <a:p>
             <a:r>
               <a:rPr lang="en-US" dirty="0" smtClean="0"/>
-              <a:t>	* </a:t>
-            </a:r>
-            <a:r>
-              <a:rPr lang="en-US" dirty="0" err="1" smtClean="0"/>
-              <a:t>RolePerms</a:t>
-            </a:r>
+              <a:t>	* Methods lots of methods</a:t>
+            </a:r>
+          </a:p>
+          <a:p>
             <a:r>
               <a:rPr lang="en-US" dirty="0" smtClean="0"/>
-              <a:t> = classes held in user </a:t>
+              <a:t>	+ High coupling</a:t>
             </a:r>
           </a:p>
           <a:p>
@@ -1941,323 +2267,6 @@
               <a:rPr lang="en-US" dirty="0" smtClean="0"/>
               <a:t>	- Low cohesion</a:t>
             </a:r>
-          </a:p>
-          <a:p>
-            <a:r>
-              <a:rPr lang="en-US" dirty="0" smtClean="0"/>
-              <a:t>	+ Information Expert</a:t>
-            </a:r>
-          </a:p>
-          <a:p>
-            <a:r>
-              <a:rPr lang="en-US" dirty="0" smtClean="0"/>
-              <a:t>	</a:t>
-            </a:r>
-          </a:p>
-          <a:p>
-            <a:r>
-              <a:rPr lang="en-US" dirty="0" smtClean="0"/>
-              <a:t>	* </a:t>
-            </a:r>
-            <a:r>
-              <a:rPr lang="en-US" dirty="0" err="1" smtClean="0"/>
-              <a:t>PermissionManager</a:t>
-            </a:r>
-            <a:r>
-              <a:rPr lang="en-US" dirty="0" smtClean="0"/>
-              <a:t> - see User </a:t>
-            </a:r>
-            <a:r>
-              <a:rPr lang="en-US" dirty="0" err="1" smtClean="0"/>
-              <a:t>hierarchie</a:t>
-            </a:r>
-            <a:r>
-              <a:rPr lang="en-US" dirty="0" smtClean="0"/>
-              <a:t> + </a:t>
-            </a:r>
-            <a:r>
-              <a:rPr lang="en-US" dirty="0" err="1" smtClean="0"/>
-              <a:t>Userperm</a:t>
-            </a:r>
-            <a:endParaRPr lang="en-US" dirty="0" smtClean="0"/>
-          </a:p>
-          <a:p>
-            <a:endParaRPr lang="en-US" dirty="0" smtClean="0"/>
-          </a:p>
-          <a:p>
-            <a:r>
-              <a:rPr lang="en-US" dirty="0" smtClean="0"/>
-              <a:t>User </a:t>
-            </a:r>
-            <a:r>
-              <a:rPr lang="en-US" dirty="0" err="1" smtClean="0"/>
-              <a:t>hierarchie</a:t>
-            </a:r>
-            <a:r>
-              <a:rPr lang="en-US" dirty="0" smtClean="0"/>
-              <a:t> + </a:t>
-            </a:r>
-            <a:r>
-              <a:rPr lang="en-US" dirty="0" err="1" smtClean="0"/>
-              <a:t>UserPerm</a:t>
-            </a:r>
-            <a:endParaRPr lang="en-US" dirty="0" smtClean="0"/>
-          </a:p>
-          <a:p>
-            <a:r>
-              <a:rPr lang="en-US" dirty="0" smtClean="0"/>
-              <a:t>	* </a:t>
-            </a:r>
-            <a:r>
-              <a:rPr lang="en-US" dirty="0" err="1" smtClean="0"/>
-              <a:t>UserPerm</a:t>
-            </a:r>
-            <a:r>
-              <a:rPr lang="en-US" dirty="0" smtClean="0"/>
-              <a:t> as </a:t>
-            </a:r>
-            <a:r>
-              <a:rPr lang="en-US" dirty="0" err="1" smtClean="0"/>
-              <a:t>enum</a:t>
-            </a:r>
-            <a:r>
-              <a:rPr lang="en-US" dirty="0" smtClean="0"/>
-              <a:t> and User </a:t>
-            </a:r>
-            <a:r>
-              <a:rPr lang="en-US" dirty="0" err="1" smtClean="0"/>
-              <a:t>hierarchie</a:t>
-            </a:r>
-            <a:r>
-              <a:rPr lang="en-US" dirty="0" smtClean="0"/>
-              <a:t> has arrays of the permissions the user has</a:t>
-            </a:r>
-          </a:p>
-          <a:p>
-            <a:r>
-              <a:rPr lang="en-US" dirty="0" smtClean="0"/>
-              <a:t>	+ </a:t>
-            </a:r>
-            <a:r>
-              <a:rPr lang="en-US" dirty="0" err="1" smtClean="0"/>
-              <a:t>Polymorpishm</a:t>
-            </a:r>
-            <a:r>
-              <a:rPr lang="en-US" dirty="0" smtClean="0"/>
-              <a:t> (also very </a:t>
-            </a:r>
-            <a:r>
-              <a:rPr lang="en-US" dirty="0" err="1" smtClean="0"/>
-              <a:t>flexibile</a:t>
-            </a:r>
-            <a:r>
-              <a:rPr lang="en-US" dirty="0" smtClean="0"/>
-              <a:t> can be changed dynamic)</a:t>
-            </a:r>
-          </a:p>
-          <a:p>
-            <a:r>
-              <a:rPr lang="en-US" dirty="0" smtClean="0"/>
-              <a:t>	+ High Cohesion</a:t>
-            </a:r>
-          </a:p>
-          <a:p>
-            <a:r>
-              <a:rPr lang="en-US" dirty="0" smtClean="0"/>
-              <a:t>	+ Information Expert</a:t>
-            </a:r>
-          </a:p>
-          <a:p>
-            <a:r>
-              <a:rPr lang="en-US" dirty="0" smtClean="0"/>
-              <a:t>	- High Coupling between 2 classes (A lot of coupling w permissions since User does not define methods for each permission, rather there are permissions for every action and it is checked if the user has this.)</a:t>
-            </a:r>
-          </a:p>
-          <a:p>
-            <a:r>
-              <a:rPr lang="en-US" dirty="0" smtClean="0"/>
-              <a:t>	- High Coupling between User &amp; Permissions (Adding a permission requires an update for the user </a:t>
-            </a:r>
-            <a:r>
-              <a:rPr lang="en-US" dirty="0" err="1" smtClean="0"/>
-              <a:t>hierarchie</a:t>
-            </a:r>
-            <a:r>
-              <a:rPr lang="en-US" dirty="0" smtClean="0"/>
-              <a:t> to make sure certain users have the permissions and others do not.)</a:t>
-            </a:r>
-          </a:p>
-          <a:p>
-            <a:endParaRPr lang="en-US" dirty="0" smtClean="0"/>
-          </a:p>
-          <a:p>
-            <a:r>
-              <a:rPr lang="en-US" dirty="0" smtClean="0"/>
-              <a:t>	* User class + </a:t>
-            </a:r>
-            <a:r>
-              <a:rPr lang="en-US" dirty="0" err="1" smtClean="0"/>
-              <a:t>Enum</a:t>
-            </a:r>
-            <a:r>
-              <a:rPr lang="en-US" dirty="0" smtClean="0"/>
-              <a:t> </a:t>
-            </a:r>
-            <a:r>
-              <a:rPr lang="en-US" dirty="0" err="1" smtClean="0"/>
-              <a:t>userType</a:t>
-            </a:r>
-            <a:r>
-              <a:rPr lang="en-US" dirty="0" smtClean="0"/>
-              <a:t> + Using </a:t>
-            </a:r>
-            <a:r>
-              <a:rPr lang="en-US" dirty="0" err="1" smtClean="0"/>
-              <a:t>UserPerm</a:t>
-            </a:r>
-            <a:r>
-              <a:rPr lang="en-US" dirty="0" smtClean="0"/>
-              <a:t> as argument of </a:t>
-            </a:r>
-            <a:r>
-              <a:rPr lang="en-US" dirty="0" err="1" smtClean="0"/>
-              <a:t>userType</a:t>
-            </a:r>
-            <a:endParaRPr lang="en-US" dirty="0" smtClean="0"/>
-          </a:p>
-          <a:p>
-            <a:r>
-              <a:rPr lang="en-US" dirty="0" smtClean="0"/>
-              <a:t>	- Low Cohesion (Hard to enforce User type as parameter </a:t>
-            </a:r>
-            <a:r>
-              <a:rPr lang="en-US" dirty="0" err="1" smtClean="0"/>
-              <a:t>etc</a:t>
-            </a:r>
-            <a:r>
-              <a:rPr lang="en-US" dirty="0" smtClean="0"/>
-              <a:t> + </a:t>
-            </a:r>
-            <a:r>
-              <a:rPr lang="en-US" dirty="0" err="1" smtClean="0"/>
-              <a:t>instanceof</a:t>
-            </a:r>
-            <a:r>
-              <a:rPr lang="en-US" dirty="0" smtClean="0"/>
-              <a:t> </a:t>
-            </a:r>
-            <a:r>
-              <a:rPr lang="en-US" dirty="0" err="1" smtClean="0"/>
-              <a:t>hierarchie</a:t>
-            </a:r>
-            <a:r>
-              <a:rPr lang="en-US" dirty="0" smtClean="0"/>
-              <a:t> not possible)</a:t>
-            </a:r>
-          </a:p>
-          <a:p>
-            <a:r>
-              <a:rPr lang="en-US" dirty="0" smtClean="0"/>
-              <a:t>	- High coupling</a:t>
-            </a:r>
-          </a:p>
-          <a:p>
-            <a:r>
-              <a:rPr lang="en-US" dirty="0" smtClean="0"/>
-              <a:t>	- No </a:t>
-            </a:r>
-            <a:r>
-              <a:rPr lang="en-US" dirty="0" err="1" smtClean="0"/>
-              <a:t>Polymorpishm</a:t>
-            </a:r>
-            <a:endParaRPr lang="en-US" dirty="0" smtClean="0"/>
-          </a:p>
-          <a:p>
-            <a:r>
-              <a:rPr lang="en-US" dirty="0" smtClean="0"/>
-              <a:t>	+ Information Expert</a:t>
-            </a:r>
-          </a:p>
-          <a:p>
-            <a:endParaRPr lang="en-US" dirty="0" smtClean="0"/>
-          </a:p>
-          <a:p>
-            <a:r>
-              <a:rPr lang="en-US" dirty="0" smtClean="0"/>
-              <a:t>	* </a:t>
-            </a:r>
-            <a:r>
-              <a:rPr lang="en-US" dirty="0" err="1" smtClean="0"/>
-              <a:t>PermissionManager</a:t>
-            </a:r>
-            <a:r>
-              <a:rPr lang="en-US" dirty="0" smtClean="0"/>
-              <a:t> holding Permissions for each user with Permissions as Objects.</a:t>
-            </a:r>
-          </a:p>
-          <a:p>
-            <a:r>
-              <a:rPr lang="en-US" dirty="0" smtClean="0"/>
-              <a:t>	- High Coupling (need reference to this to check permissions)</a:t>
-            </a:r>
-          </a:p>
-          <a:p>
-            <a:r>
-              <a:rPr lang="en-US" dirty="0" smtClean="0"/>
-              <a:t>	+ High Cohesion </a:t>
-            </a:r>
-          </a:p>
-          <a:p>
-            <a:r>
-              <a:rPr lang="en-US" dirty="0" smtClean="0"/>
-              <a:t>	+ Pure Fabrication ('outsource' responsibility)</a:t>
-            </a:r>
-          </a:p>
-          <a:p>
-            <a:r>
-              <a:rPr lang="en-US" dirty="0" smtClean="0"/>
-              <a:t>	+ </a:t>
-            </a:r>
-            <a:r>
-              <a:rPr lang="en-US" dirty="0" err="1" smtClean="0"/>
-              <a:t>Polymorpishm</a:t>
-            </a:r>
-            <a:r>
-              <a:rPr lang="en-US" dirty="0" smtClean="0"/>
-              <a:t> (allow this; but isn't used)</a:t>
-            </a:r>
-          </a:p>
-          <a:p>
-            <a:r>
-              <a:rPr lang="en-US" dirty="0" smtClean="0"/>
-              <a:t>	- </a:t>
-            </a:r>
-            <a:r>
-              <a:rPr lang="en-US" dirty="0" err="1" smtClean="0"/>
-              <a:t>Polymorpishm</a:t>
-            </a:r>
-            <a:r>
-              <a:rPr lang="en-US" dirty="0" smtClean="0"/>
-              <a:t> (Lot of overhead; Big </a:t>
-            </a:r>
-            <a:r>
-              <a:rPr lang="en-US" dirty="0" err="1" smtClean="0"/>
-              <a:t>hierarchie</a:t>
-            </a:r>
-            <a:r>
-              <a:rPr lang="en-US" dirty="0" smtClean="0"/>
-              <a:t> of permissions)</a:t>
-            </a:r>
-            <a:br>
-              <a:rPr lang="en-US" dirty="0" smtClean="0"/>
-            </a:br>
-            <a:r>
-              <a:rPr lang="en-US" dirty="0" smtClean="0"/>
-              <a:t/>
-            </a:r>
-            <a:br>
-              <a:rPr lang="en-US" dirty="0" smtClean="0"/>
-            </a:br>
             <a:endParaRPr lang="nl-BE" dirty="0"/>
           </a:p>
         </p:txBody>
@@ -2279,7 +2288,7 @@
           <a:p>
             <a:fld id="{214D5328-8A8B-4507-A018-9575DDE3653B}" type="slidenum">
               <a:rPr lang="nl-BE" smtClean="0"/>
-              <a:t>7</a:t>
+              <a:t>8</a:t>
             </a:fld>
             <a:endParaRPr lang="nl-BE"/>
           </a:p>
@@ -2288,7 +2297,7 @@
     </p:spTree>
     <p:extLst>
       <p:ext uri="{BB962C8B-B14F-4D97-AF65-F5344CB8AC3E}">
-        <p14:creationId xmlns:p14="http://schemas.microsoft.com/office/powerpoint/2010/main" val="1516752903"/>
+        <p14:creationId xmlns:p14="http://schemas.microsoft.com/office/powerpoint/2010/main" val="4125895624"/>
       </p:ext>
     </p:extLst>
   </p:cSld>
@@ -2317,7 +2326,7 @@
       </p:grpSpPr>
       <p:sp>
         <p:nvSpPr>
-          <p:cNvPr id="2" name="Slide Image Placeholder 1"/>
+          <p:cNvPr id="2" name="Tijdelijke aanduiding voor dia-afbeelding 1"/>
           <p:cNvSpPr>
             <a:spLocks noGrp="1" noRot="1" noChangeAspect="1"/>
           </p:cNvSpPr>
@@ -2329,7 +2338,7 @@
       </p:sp>
       <p:sp>
         <p:nvSpPr>
-          <p:cNvPr id="3" name="Notes Placeholder 2"/>
+          <p:cNvPr id="3" name="Tijdelijke aanduiding voor notities 2"/>
           <p:cNvSpPr>
             <a:spLocks noGrp="1"/>
           </p:cNvSpPr>
@@ -2343,123 +2352,34 @@
           <a:lstStyle/>
           <a:p>
             <a:r>
-              <a:rPr lang="nl-BE" dirty="0" smtClean="0"/>
+              <a:rPr lang="nl-NL" dirty="0" smtClean="0"/>
               <a:t>V</a:t>
             </a:r>
           </a:p>
           <a:p>
             <a:r>
-              <a:rPr lang="nl-BE" dirty="0" smtClean="0"/>
-              <a:t>Explain</a:t>
-            </a:r>
-            <a:r>
-              <a:rPr lang="nl-BE" baseline="0" dirty="0" smtClean="0"/>
-              <a:t> Scenario’s; Interaction from UI and How DataModel fits in.</a:t>
-            </a:r>
-          </a:p>
-          <a:p>
-            <a:endParaRPr lang="nl-BE" baseline="0" dirty="0" smtClean="0"/>
-          </a:p>
-          <a:p>
-            <a:r>
-              <a:rPr lang="en-US" dirty="0" smtClean="0"/>
-              <a:t>UI - Model - </a:t>
-            </a:r>
-            <a:r>
-              <a:rPr lang="en-US" dirty="0" err="1" smtClean="0"/>
-              <a:t>Cmd</a:t>
-            </a:r>
-            <a:endParaRPr lang="en-US" dirty="0" smtClean="0"/>
-          </a:p>
-          <a:p>
-            <a:r>
-              <a:rPr lang="en-US" dirty="0" smtClean="0"/>
-              <a:t>	* </a:t>
-            </a:r>
-            <a:r>
-              <a:rPr lang="en-US" dirty="0" err="1" smtClean="0"/>
-              <a:t>Seperate</a:t>
-            </a:r>
-            <a:r>
-              <a:rPr lang="en-US" dirty="0" smtClean="0"/>
-              <a:t> Use case steps into </a:t>
-            </a:r>
-            <a:r>
-              <a:rPr lang="en-US" dirty="0" err="1" smtClean="0"/>
-              <a:t>Cmds</a:t>
-            </a:r>
-            <a:endParaRPr lang="en-US" dirty="0" smtClean="0"/>
-          </a:p>
-          <a:p>
-            <a:r>
-              <a:rPr lang="en-US" dirty="0" smtClean="0"/>
-              <a:t>	+ Low coupling</a:t>
-            </a:r>
-          </a:p>
-          <a:p>
-            <a:r>
-              <a:rPr lang="en-US" dirty="0" smtClean="0"/>
-              <a:t>	- High cohesion</a:t>
-            </a:r>
-          </a:p>
-          <a:p>
-            <a:r>
-              <a:rPr lang="en-US" dirty="0" smtClean="0"/>
-              <a:t>	+ Controller</a:t>
-            </a:r>
-          </a:p>
-          <a:p>
-            <a:r>
-              <a:rPr lang="en-US" dirty="0" smtClean="0"/>
-              <a:t>	+ </a:t>
-            </a:r>
-            <a:r>
-              <a:rPr lang="en-US" dirty="0" err="1" smtClean="0"/>
-              <a:t>Polymorphispm</a:t>
-            </a:r>
-            <a:r>
-              <a:rPr lang="en-US" dirty="0" smtClean="0"/>
-              <a:t> (little bit - </a:t>
-            </a:r>
-            <a:r>
-              <a:rPr lang="en-US" dirty="0" err="1" smtClean="0"/>
-              <a:t>Cmds</a:t>
-            </a:r>
-            <a:r>
-              <a:rPr lang="en-US" dirty="0" smtClean="0"/>
-              <a:t>)</a:t>
-            </a:r>
-          </a:p>
-          <a:p>
-            <a:r>
-              <a:rPr lang="en-US" dirty="0" smtClean="0"/>
-              <a:t>	</a:t>
-            </a:r>
-          </a:p>
-          <a:p>
-            <a:r>
-              <a:rPr lang="en-US" dirty="0" smtClean="0"/>
-              <a:t>	* Methods lots of methods</a:t>
-            </a:r>
-          </a:p>
-          <a:p>
-            <a:r>
-              <a:rPr lang="en-US" dirty="0" smtClean="0"/>
-              <a:t>	+ High coupling</a:t>
-            </a:r>
-          </a:p>
-          <a:p>
-            <a:r>
-              <a:rPr lang="en-US" dirty="0" smtClean="0"/>
-              <a:t>	- Low cohesion</a:t>
-            </a:r>
-            <a:endParaRPr lang="nl-BE" dirty="0"/>
-          </a:p>
-        </p:txBody>
-      </p:sp>
-      <p:sp>
-        <p:nvSpPr>
-          <p:cNvPr id="4" name="Slide Number Placeholder 3"/>
+              <a:rPr lang="nl-NL" dirty="0" smtClean="0"/>
+              <a:t>System</a:t>
+            </a:r>
+            <a:r>
+              <a:rPr lang="nl-NL" baseline="0" dirty="0" smtClean="0"/>
+              <a:t> </a:t>
+            </a:r>
+            <a:r>
+              <a:rPr lang="nl-NL" baseline="0" dirty="0" err="1" smtClean="0"/>
+              <a:t>sequence</a:t>
+            </a:r>
+            <a:r>
+              <a:rPr lang="nl-NL" baseline="0" dirty="0" smtClean="0"/>
+              <a:t> diagram</a:t>
+            </a:r>
+            <a:endParaRPr lang="nl-NL" dirty="0"/>
+          </a:p>
+        </p:txBody>
+      </p:sp>
+      <p:sp>
+        <p:nvSpPr>
+          <p:cNvPr id="4" name="Tijdelijke aanduiding voor dianummer 3"/>
           <p:cNvSpPr>
             <a:spLocks noGrp="1"/>
           </p:cNvSpPr>
@@ -2474,7 +2394,7 @@
           <a:p>
             <a:fld id="{214D5328-8A8B-4507-A018-9575DDE3653B}" type="slidenum">
               <a:rPr lang="nl-BE" smtClean="0"/>
-              <a:t>8</a:t>
+              <a:t>9</a:t>
             </a:fld>
             <a:endParaRPr lang="nl-BE"/>
           </a:p>
@@ -2483,7 +2403,7 @@
     </p:spTree>
     <p:extLst>
       <p:ext uri="{BB962C8B-B14F-4D97-AF65-F5344CB8AC3E}">
-        <p14:creationId xmlns:p14="http://schemas.microsoft.com/office/powerpoint/2010/main" val="4125895624"/>
+        <p14:creationId xmlns:p14="http://schemas.microsoft.com/office/powerpoint/2010/main" val="1428120247"/>
       </p:ext>
     </p:extLst>
   </p:cSld>
@@ -2544,19 +2464,11 @@
           </a:p>
           <a:p>
             <a:r>
-              <a:rPr lang="nl-NL" dirty="0" smtClean="0"/>
-              <a:t>System</a:t>
-            </a:r>
-            <a:r>
-              <a:rPr lang="nl-NL" baseline="0" dirty="0" smtClean="0"/>
-              <a:t> </a:t>
-            </a:r>
-            <a:r>
-              <a:rPr lang="nl-NL" baseline="0" dirty="0" err="1" smtClean="0"/>
-              <a:t>sequence</a:t>
-            </a:r>
-            <a:r>
-              <a:rPr lang="nl-NL" baseline="0" dirty="0" smtClean="0"/>
+              <a:rPr lang="nl-NL" dirty="0" err="1" smtClean="0"/>
+              <a:t>Sequence</a:t>
+            </a:r>
+            <a:r>
+              <a:rPr lang="nl-NL" smtClean="0"/>
               <a:t> diagram</a:t>
             </a:r>
             <a:endParaRPr lang="nl-NL" dirty="0"/>
@@ -2580,7 +2492,7 @@
           <a:p>
             <a:fld id="{214D5328-8A8B-4507-A018-9575DDE3653B}" type="slidenum">
               <a:rPr lang="nl-BE" smtClean="0"/>
-              <a:t>9</a:t>
+              <a:t>10</a:t>
             </a:fld>
             <a:endParaRPr lang="nl-BE"/>
           </a:p>
@@ -2589,7 +2501,7 @@
     </p:spTree>
     <p:extLst>
       <p:ext uri="{BB962C8B-B14F-4D97-AF65-F5344CB8AC3E}">
-        <p14:creationId xmlns:p14="http://schemas.microsoft.com/office/powerpoint/2010/main" val="1428120247"/>
+        <p14:creationId xmlns:p14="http://schemas.microsoft.com/office/powerpoint/2010/main" val="2139752457"/>
       </p:ext>
     </p:extLst>
   </p:cSld>
@@ -6289,7 +6201,7 @@
       </p:grpSpPr>
       <p:sp>
         <p:nvSpPr>
-          <p:cNvPr id="2" name="Title 1"/>
+          <p:cNvPr id="2" name="Titel 1"/>
           <p:cNvSpPr>
             <a:spLocks noGrp="1"/>
           </p:cNvSpPr>
@@ -6297,50 +6209,120 @@
             <p:ph type="ctrTitle"/>
           </p:nvPr>
         </p:nvSpPr>
-        <p:spPr>
-          <a:xfrm>
-            <a:off x="611560" y="2420888"/>
-            <a:ext cx="7772400" cy="1470025"/>
-          </a:xfrm>
-        </p:spPr>
+        <p:spPr/>
+        <p:txBody>
+          <a:bodyPr/>
+          <a:lstStyle/>
+          <a:p>
+            <a:r>
+              <a:rPr lang="nl-BE" dirty="0"/>
+              <a:t>SWOP Iteratie 1</a:t>
+            </a:r>
+            <a:br>
+              <a:rPr lang="nl-BE" dirty="0"/>
+            </a:br>
+            <a:r>
+              <a:rPr lang="nl-BE" dirty="0"/>
+              <a:t>Group 03</a:t>
+            </a:r>
+            <a:endParaRPr lang="nl-NL" dirty="0"/>
+          </a:p>
+        </p:txBody>
+      </p:sp>
+      <p:sp>
+        <p:nvSpPr>
+          <p:cNvPr id="3" name="Ondertitel 2"/>
+          <p:cNvSpPr>
+            <a:spLocks noGrp="1"/>
+          </p:cNvSpPr>
+          <p:nvPr>
+            <p:ph type="subTitle" idx="1"/>
+          </p:nvPr>
+        </p:nvSpPr>
+        <p:spPr/>
         <p:txBody>
           <a:bodyPr>
-            <a:normAutofit fontScale="90000"/>
+            <a:normAutofit fontScale="70000" lnSpcReduction="20000"/>
           </a:bodyPr>
           <a:lstStyle/>
           <a:p>
-            <a:r>
-              <a:rPr lang="nl-BE" dirty="0" smtClean="0"/>
-              <a:t>SWOP Iteratie 1</a:t>
-            </a:r>
-            <a:br>
-              <a:rPr lang="nl-BE" dirty="0" smtClean="0"/>
-            </a:br>
-            <a:r>
-              <a:rPr lang="nl-BE" dirty="0" smtClean="0"/>
-              <a:t>Group 03</a:t>
-            </a:r>
-            <a:endParaRPr lang="nl-BE" dirty="0"/>
+            <a:pPr>
+              <a:spcBef>
+                <a:spcPts val="600"/>
+              </a:spcBef>
+            </a:pPr>
+            <a:r>
+              <a:rPr lang="nl-NL" cap="none" dirty="0" smtClean="0"/>
+              <a:t>Kwinten </a:t>
+            </a:r>
+            <a:r>
+              <a:rPr lang="nl-NL" cap="none" dirty="0" err="1"/>
+              <a:t>B</a:t>
+            </a:r>
+            <a:r>
+              <a:rPr lang="nl-NL" cap="none" dirty="0" err="1" smtClean="0"/>
+              <a:t>uytaert</a:t>
+            </a:r>
+            <a:endParaRPr lang="nl-NL" cap="none" dirty="0" smtClean="0"/>
+          </a:p>
+          <a:p>
+            <a:pPr>
+              <a:spcBef>
+                <a:spcPts val="600"/>
+              </a:spcBef>
+            </a:pPr>
+            <a:r>
+              <a:rPr lang="nl-NL" cap="none" dirty="0" smtClean="0"/>
+              <a:t>Mathias </a:t>
+            </a:r>
+            <a:r>
+              <a:rPr lang="nl-NL" cap="none" dirty="0"/>
+              <a:t>D</a:t>
+            </a:r>
+            <a:r>
+              <a:rPr lang="nl-NL" cap="none" dirty="0" smtClean="0"/>
+              <a:t>ekempeneer</a:t>
+            </a:r>
+          </a:p>
+          <a:p>
+            <a:pPr>
+              <a:spcBef>
+                <a:spcPts val="600"/>
+              </a:spcBef>
+            </a:pPr>
+            <a:r>
+              <a:rPr lang="nl-NL" cap="none" dirty="0" smtClean="0"/>
+              <a:t>Vincent Derkinderen</a:t>
+            </a:r>
+          </a:p>
+          <a:p>
+            <a:pPr>
+              <a:spcBef>
+                <a:spcPts val="600"/>
+              </a:spcBef>
+            </a:pPr>
+            <a:r>
+              <a:rPr lang="nl-NL" cap="none" dirty="0" smtClean="0"/>
+              <a:t>Ben </a:t>
+            </a:r>
+            <a:r>
+              <a:rPr lang="nl-NL" cap="none" dirty="0" err="1" smtClean="0"/>
+              <a:t>Goethuys</a:t>
+            </a:r>
+            <a:endParaRPr lang="nl-NL" cap="none" dirty="0"/>
           </a:p>
         </p:txBody>
       </p:sp>
     </p:spTree>
     <p:extLst>
       <p:ext uri="{BB962C8B-B14F-4D97-AF65-F5344CB8AC3E}">
-        <p14:creationId xmlns:p14="http://schemas.microsoft.com/office/powerpoint/2010/main" val="1605355052"/>
+        <p14:creationId xmlns:p14="http://schemas.microsoft.com/office/powerpoint/2010/main" val="2061658048"/>
       </p:ext>
     </p:extLst>
   </p:cSld>
   <p:clrMapOvr>
     <a:masterClrMapping/>
   </p:clrMapOvr>
-  <p:timing>
-    <p:tnLst>
-      <p:par>
-        <p:cTn id="1" dur="indefinite" restart="never" nodeType="tmRoot"/>
-      </p:par>
-    </p:tnLst>
-  </p:timing>
 </p:sld>
 </file>
 

--- a/Iteratie 1/PresentatieIteratie1Group03.pptx
+++ b/Iteratie 1/PresentatieIteratie1Group03.pptx
@@ -1101,8 +1101,56 @@
             </a:r>
             <a:r>
               <a:rPr lang="nl-BE" baseline="0" dirty="0" smtClean="0"/>
-              <a:t> overview of the more important classes involved in the interaction between the packages.</a:t>
-            </a:r>
+              <a:t> overview of the more important classes involved in the interaction between the packages</a:t>
+            </a:r>
+            <a:r>
+              <a:rPr lang="nl-BE" baseline="0" dirty="0" smtClean="0"/>
+              <a:t>.</a:t>
+            </a:r>
+          </a:p>
+          <a:p>
+            <a:pPr marL="171450" marR="0" indent="-171450" algn="l" defTabSz="914400" rtl="0" eaLnBrk="1" fontAlgn="auto" latinLnBrk="0" hangingPunct="1">
+              <a:lnSpc>
+                <a:spcPct val="100000"/>
+              </a:lnSpc>
+              <a:spcBef>
+                <a:spcPts val="0"/>
+              </a:spcBef>
+              <a:spcAft>
+                <a:spcPts val="0"/>
+              </a:spcAft>
+              <a:buClrTx/>
+              <a:buSzTx/>
+              <a:buFont typeface="Symbol" charset="2"/>
+              <a:buChar char="Þ"/>
+              <a:tabLst/>
+              <a:defRPr/>
+            </a:pPr>
+            <a:endParaRPr lang="nl-BE" baseline="0" dirty="0" smtClean="0"/>
+          </a:p>
+          <a:p>
+            <a:pPr marL="171450" marR="0" indent="-171450" algn="l" defTabSz="914400" rtl="0" eaLnBrk="1" fontAlgn="auto" latinLnBrk="0" hangingPunct="1">
+              <a:lnSpc>
+                <a:spcPct val="100000"/>
+              </a:lnSpc>
+              <a:spcBef>
+                <a:spcPts val="0"/>
+              </a:spcBef>
+              <a:spcAft>
+                <a:spcPts val="0"/>
+              </a:spcAft>
+              <a:buClrTx/>
+              <a:buSzTx/>
+              <a:buFont typeface="Symbol" charset="2"/>
+              <a:buChar char="Þ"/>
+              <a:tabLst/>
+              <a:defRPr/>
+            </a:pPr>
+            <a:r>
+              <a:rPr lang="nl-BE" baseline="0" dirty="0" smtClean="0"/>
+              <a:t>Project, Datamodel, User, Terminal, CmdParser, Cmd</a:t>
+            </a:r>
+            <a:endParaRPr lang="nl-BE" baseline="0" dirty="0" smtClean="0"/>
           </a:p>
           <a:p>
             <a:pPr marL="171450" marR="0" indent="-171450" algn="l" defTabSz="914400" rtl="0" eaLnBrk="1" fontAlgn="auto" latinLnBrk="0" hangingPunct="1">
@@ -6215,8 +6263,16 @@
           <a:lstStyle/>
           <a:p>
             <a:r>
+              <a:rPr lang="nl-BE"/>
+              <a:t>SWOP </a:t>
+            </a:r>
+            <a:r>
+              <a:rPr lang="nl-BE" smtClean="0"/>
+              <a:t>Iteration </a:t>
+            </a:r>
+            <a:r>
               <a:rPr lang="nl-BE" dirty="0"/>
-              <a:t>SWOP Iteratie 1</a:t>
+              <a:t>1</a:t>
             </a:r>
             <a:br>
               <a:rPr lang="nl-BE" dirty="0"/>
@@ -6323,6 +6379,13 @@
   <p:clrMapOvr>
     <a:masterClrMapping/>
   </p:clrMapOvr>
+  <p:timing>
+    <p:tnLst>
+      <p:par>
+        <p:cTn id="1" dur="indefinite" restart="never" nodeType="tmRoot"/>
+      </p:par>
+    </p:tnLst>
+  </p:timing>
 </p:sld>
 </file>
 

--- a/Iteratie 1/PresentatieIteratie1Group03.pptx
+++ b/Iteratie 1/PresentatieIteratie1Group03.pptx
@@ -508,7 +508,7 @@
       </p:grpSpPr>
       <p:sp>
         <p:nvSpPr>
-          <p:cNvPr id="2" name="Slide Image Placeholder 1"/>
+          <p:cNvPr id="2" name="Tijdelijke aanduiding voor dia-afbeelding 1"/>
           <p:cNvSpPr>
             <a:spLocks noGrp="1" noRot="1" noChangeAspect="1"/>
           </p:cNvSpPr>
@@ -520,7 +520,7 @@
       </p:sp>
       <p:sp>
         <p:nvSpPr>
-          <p:cNvPr id="3" name="Notes Placeholder 2"/>
+          <p:cNvPr id="3" name="Tijdelijke aanduiding voor notities 2"/>
           <p:cNvSpPr>
             <a:spLocks noGrp="1"/>
           </p:cNvSpPr>
@@ -533,44 +533,13 @@
           <a:bodyPr/>
           <a:lstStyle/>
           <a:p>
-            <a:r>
-              <a:rPr lang="nl-BE" dirty="0" smtClean="0"/>
-              <a:t>M</a:t>
-            </a:r>
-          </a:p>
-          <a:p>
-            <a:r>
-              <a:rPr lang="nl-BE" dirty="0" smtClean="0"/>
-              <a:t>Notice</a:t>
-            </a:r>
-            <a:r>
-              <a:rPr lang="nl-BE" baseline="0" dirty="0" smtClean="0"/>
-              <a:t>: no dependencies from BugDomain to others.</a:t>
-            </a:r>
-          </a:p>
-          <a:p>
-            <a:r>
-              <a:rPr lang="nl-BE" baseline="0" dirty="0" smtClean="0"/>
-              <a:t>Notice: No dependencies from Model to UI.</a:t>
-            </a:r>
-          </a:p>
-          <a:p>
-            <a:r>
-              <a:rPr lang="nl-BE" baseline="0" dirty="0" smtClean="0"/>
-              <a:t>=&gt; Low coupling</a:t>
-            </a:r>
-          </a:p>
-          <a:p>
-            <a:endParaRPr lang="nl-BE" baseline="0" dirty="0" smtClean="0"/>
-          </a:p>
-          <a:p>
-            <a:endParaRPr lang="nl-BE" dirty="0"/>
-          </a:p>
-        </p:txBody>
-      </p:sp>
-      <p:sp>
-        <p:nvSpPr>
-          <p:cNvPr id="4" name="Slide Number Placeholder 3"/>
+            <a:endParaRPr lang="nl-NL" dirty="0"/>
+          </a:p>
+        </p:txBody>
+      </p:sp>
+      <p:sp>
+        <p:nvSpPr>
+          <p:cNvPr id="4" name="Tijdelijke aanduiding voor dianummer 3"/>
           <p:cNvSpPr>
             <a:spLocks noGrp="1"/>
           </p:cNvSpPr>
@@ -585,7 +554,7 @@
           <a:p>
             <a:fld id="{214D5328-8A8B-4507-A018-9575DDE3653B}" type="slidenum">
               <a:rPr lang="nl-BE" smtClean="0"/>
-              <a:t>2</a:t>
+              <a:t>1</a:t>
             </a:fld>
             <a:endParaRPr lang="nl-BE"/>
           </a:p>
@@ -594,7 +563,7 @@
     </p:spTree>
     <p:extLst>
       <p:ext uri="{BB962C8B-B14F-4D97-AF65-F5344CB8AC3E}">
-        <p14:creationId xmlns:p14="http://schemas.microsoft.com/office/powerpoint/2010/main" val="3444975034"/>
+        <p14:creationId xmlns:p14="http://schemas.microsoft.com/office/powerpoint/2010/main" val="400965229"/>
       </p:ext>
     </p:extLst>
   </p:cSld>
@@ -648,7 +617,21 @@
           <a:bodyPr/>
           <a:lstStyle/>
           <a:p>
-            <a:endParaRPr lang="nl-NL"/>
+            <a:r>
+              <a:rPr lang="nl-NL" dirty="0" smtClean="0"/>
+              <a:t>V</a:t>
+            </a:r>
+          </a:p>
+          <a:p>
+            <a:r>
+              <a:rPr lang="nl-NL" dirty="0" err="1" smtClean="0"/>
+              <a:t>Sequence</a:t>
+            </a:r>
+            <a:r>
+              <a:rPr lang="nl-NL" smtClean="0"/>
+              <a:t> diagram</a:t>
+            </a:r>
+            <a:endParaRPr lang="nl-NL" dirty="0"/>
           </a:p>
         </p:txBody>
       </p:sp>
@@ -669,7 +652,7 @@
           <a:p>
             <a:fld id="{214D5328-8A8B-4507-A018-9575DDE3653B}" type="slidenum">
               <a:rPr lang="nl-BE" smtClean="0"/>
-              <a:t>11</a:t>
+              <a:t>10</a:t>
             </a:fld>
             <a:endParaRPr lang="nl-BE"/>
           </a:p>
@@ -678,7 +661,7 @@
     </p:spTree>
     <p:extLst>
       <p:ext uri="{BB962C8B-B14F-4D97-AF65-F5344CB8AC3E}">
-        <p14:creationId xmlns:p14="http://schemas.microsoft.com/office/powerpoint/2010/main" val="1058392137"/>
+        <p14:creationId xmlns:p14="http://schemas.microsoft.com/office/powerpoint/2010/main" val="2139752457"/>
       </p:ext>
     </p:extLst>
   </p:cSld>
@@ -707,7 +690,7 @@
       </p:grpSpPr>
       <p:sp>
         <p:nvSpPr>
-          <p:cNvPr id="2" name="Slide Image Placeholder 1"/>
+          <p:cNvPr id="2" name="Tijdelijke aanduiding voor dia-afbeelding 1"/>
           <p:cNvSpPr>
             <a:spLocks noGrp="1" noRot="1" noChangeAspect="1"/>
           </p:cNvSpPr>
@@ -719,7 +702,7 @@
       </p:sp>
       <p:sp>
         <p:nvSpPr>
-          <p:cNvPr id="3" name="Notes Placeholder 2"/>
+          <p:cNvPr id="3" name="Tijdelijke aanduiding voor notities 2"/>
           <p:cNvSpPr>
             <a:spLocks noGrp="1"/>
           </p:cNvSpPr>
@@ -732,29 +715,13 @@
           <a:bodyPr/>
           <a:lstStyle/>
           <a:p>
-            <a:r>
-              <a:rPr lang="nl-BE" dirty="0" smtClean="0"/>
-              <a:t>K /</a:t>
-            </a:r>
-          </a:p>
-          <a:p>
-            <a:r>
-              <a:rPr lang="nl-BE" dirty="0" smtClean="0"/>
-              <a:t>TODO?</a:t>
-            </a:r>
-            <a:r>
-              <a:rPr lang="nl-BE" baseline="0" dirty="0" smtClean="0"/>
-              <a:t>   Tekstvak met uitleg Test strategy? (White box testing + mocking)</a:t>
-            </a:r>
-          </a:p>
-          <a:p>
-            <a:endParaRPr lang="nl-BE" baseline="0" dirty="0" smtClean="0"/>
-          </a:p>
-        </p:txBody>
-      </p:sp>
-      <p:sp>
-        <p:nvSpPr>
-          <p:cNvPr id="4" name="Slide Number Placeholder 3"/>
+            <a:endParaRPr lang="nl-NL"/>
+          </a:p>
+        </p:txBody>
+      </p:sp>
+      <p:sp>
+        <p:nvSpPr>
+          <p:cNvPr id="4" name="Tijdelijke aanduiding voor dianummer 3"/>
           <p:cNvSpPr>
             <a:spLocks noGrp="1"/>
           </p:cNvSpPr>
@@ -769,7 +736,7 @@
           <a:p>
             <a:fld id="{214D5328-8A8B-4507-A018-9575DDE3653B}" type="slidenum">
               <a:rPr lang="nl-BE" smtClean="0"/>
-              <a:t>12</a:t>
+              <a:t>11</a:t>
             </a:fld>
             <a:endParaRPr lang="nl-BE"/>
           </a:p>
@@ -778,7 +745,7 @@
     </p:spTree>
     <p:extLst>
       <p:ext uri="{BB962C8B-B14F-4D97-AF65-F5344CB8AC3E}">
-        <p14:creationId xmlns:p14="http://schemas.microsoft.com/office/powerpoint/2010/main" val="3130617486"/>
+        <p14:creationId xmlns:p14="http://schemas.microsoft.com/office/powerpoint/2010/main" val="1058392137"/>
       </p:ext>
     </p:extLst>
   </p:cSld>
@@ -832,6 +799,114 @@
           <a:bodyPr/>
           <a:lstStyle/>
           <a:p>
+            <a:r>
+              <a:rPr lang="nl-BE" dirty="0" smtClean="0"/>
+              <a:t>K /</a:t>
+            </a:r>
+          </a:p>
+          <a:p>
+            <a:r>
+              <a:rPr lang="nl-BE" dirty="0" smtClean="0"/>
+              <a:t>TODO?</a:t>
+            </a:r>
+            <a:r>
+              <a:rPr lang="nl-BE" baseline="0" dirty="0" smtClean="0"/>
+              <a:t>   Tekstvak met uitleg Test strategy? (White box testing + </a:t>
+            </a:r>
+            <a:r>
+              <a:rPr lang="nl-BE" baseline="0" dirty="0" smtClean="0"/>
+              <a:t>stubbing</a:t>
+            </a:r>
+            <a:r>
+              <a:rPr lang="nl-BE" baseline="0" dirty="0" smtClean="0"/>
+              <a:t>)</a:t>
+            </a:r>
+          </a:p>
+          <a:p>
+            <a:endParaRPr lang="nl-BE" baseline="0" dirty="0" smtClean="0"/>
+          </a:p>
+        </p:txBody>
+      </p:sp>
+      <p:sp>
+        <p:nvSpPr>
+          <p:cNvPr id="4" name="Slide Number Placeholder 3"/>
+          <p:cNvSpPr>
+            <a:spLocks noGrp="1"/>
+          </p:cNvSpPr>
+          <p:nvPr>
+            <p:ph type="sldNum" sz="quarter" idx="10"/>
+          </p:nvPr>
+        </p:nvSpPr>
+        <p:spPr/>
+        <p:txBody>
+          <a:bodyPr/>
+          <a:lstStyle/>
+          <a:p>
+            <a:fld id="{214D5328-8A8B-4507-A018-9575DDE3653B}" type="slidenum">
+              <a:rPr lang="nl-BE" smtClean="0"/>
+              <a:t>12</a:t>
+            </a:fld>
+            <a:endParaRPr lang="nl-BE"/>
+          </a:p>
+        </p:txBody>
+      </p:sp>
+    </p:spTree>
+    <p:extLst>
+      <p:ext uri="{BB962C8B-B14F-4D97-AF65-F5344CB8AC3E}">
+        <p14:creationId xmlns:p14="http://schemas.microsoft.com/office/powerpoint/2010/main" val="3130617486"/>
+      </p:ext>
+    </p:extLst>
+  </p:cSld>
+  <p:clrMapOvr>
+    <a:masterClrMapping/>
+  </p:clrMapOvr>
+</p:notes>
+</file>
+
+<file path=ppt/notesSlides/notesSlide13.xml><?xml version="1.0" encoding="utf-8"?>
+<p:notes xmlns:a="http://schemas.openxmlformats.org/drawingml/2006/main" xmlns:r="http://schemas.openxmlformats.org/officeDocument/2006/relationships" xmlns:p="http://schemas.openxmlformats.org/presentationml/2006/main">
+  <p:cSld>
+    <p:spTree>
+      <p:nvGrpSpPr>
+        <p:cNvPr id="1" name=""/>
+        <p:cNvGrpSpPr/>
+        <p:nvPr/>
+      </p:nvGrpSpPr>
+      <p:grpSpPr>
+        <a:xfrm>
+          <a:off x="0" y="0"/>
+          <a:ext cx="0" cy="0"/>
+          <a:chOff x="0" y="0"/>
+          <a:chExt cx="0" cy="0"/>
+        </a:xfrm>
+      </p:grpSpPr>
+      <p:sp>
+        <p:nvSpPr>
+          <p:cNvPr id="2" name="Slide Image Placeholder 1"/>
+          <p:cNvSpPr>
+            <a:spLocks noGrp="1" noRot="1" noChangeAspect="1"/>
+          </p:cNvSpPr>
+          <p:nvPr>
+            <p:ph type="sldImg"/>
+          </p:nvPr>
+        </p:nvSpPr>
+        <p:spPr/>
+      </p:sp>
+      <p:sp>
+        <p:nvSpPr>
+          <p:cNvPr id="3" name="Notes Placeholder 2"/>
+          <p:cNvSpPr>
+            <a:spLocks noGrp="1"/>
+          </p:cNvSpPr>
+          <p:nvPr>
+            <p:ph type="body" idx="1"/>
+          </p:nvPr>
+        </p:nvSpPr>
+        <p:spPr/>
+        <p:txBody>
+          <a:bodyPr/>
+          <a:lstStyle/>
+          <a:p>
             <a:endParaRPr lang="nl-BE" dirty="0"/>
           </a:p>
         </p:txBody>
@@ -872,7 +947,7 @@
 </p:notes>
 </file>
 
-<file path=ppt/notesSlides/notesSlide13.xml><?xml version="1.0" encoding="utf-8"?>
+<file path=ppt/notesSlides/notesSlide14.xml><?xml version="1.0" encoding="utf-8"?>
 <p:notes xmlns:a="http://schemas.openxmlformats.org/drawingml/2006/main" xmlns:r="http://schemas.openxmlformats.org/officeDocument/2006/relationships" xmlns:p="http://schemas.openxmlformats.org/presentationml/2006/main">
   <p:cSld>
     <p:spTree>
@@ -1078,101 +1153,6 @@
             </a:r>
           </a:p>
           <a:p>
-            <a:pPr marL="171450" marR="0" indent="-171450" algn="l" defTabSz="914400" rtl="0" eaLnBrk="1" fontAlgn="auto" latinLnBrk="0" hangingPunct="1">
-              <a:lnSpc>
-                <a:spcPct val="100000"/>
-              </a:lnSpc>
-              <a:spcBef>
-                <a:spcPts val="0"/>
-              </a:spcBef>
-              <a:spcAft>
-                <a:spcPts val="0"/>
-              </a:spcAft>
-              <a:buClrTx/>
-              <a:buSzTx/>
-              <a:buFont typeface="Symbol" charset="2"/>
-              <a:buChar char="Þ"/>
-              <a:tabLst/>
-              <a:defRPr/>
-            </a:pPr>
-            <a:r>
-              <a:rPr lang="nl-BE" dirty="0" smtClean="0"/>
-              <a:t>General</a:t>
-            </a:r>
-            <a:r>
-              <a:rPr lang="nl-BE" baseline="0" dirty="0" smtClean="0"/>
-              <a:t> overview of the more important classes involved in the interaction between the packages</a:t>
-            </a:r>
-            <a:r>
-              <a:rPr lang="nl-BE" baseline="0" dirty="0" smtClean="0"/>
-              <a:t>.</a:t>
-            </a:r>
-          </a:p>
-          <a:p>
-            <a:pPr marL="171450" marR="0" indent="-171450" algn="l" defTabSz="914400" rtl="0" eaLnBrk="1" fontAlgn="auto" latinLnBrk="0" hangingPunct="1">
-              <a:lnSpc>
-                <a:spcPct val="100000"/>
-              </a:lnSpc>
-              <a:spcBef>
-                <a:spcPts val="0"/>
-              </a:spcBef>
-              <a:spcAft>
-                <a:spcPts val="0"/>
-              </a:spcAft>
-              <a:buClrTx/>
-              <a:buSzTx/>
-              <a:buFont typeface="Symbol" charset="2"/>
-              <a:buChar char="Þ"/>
-              <a:tabLst/>
-              <a:defRPr/>
-            </a:pPr>
-            <a:endParaRPr lang="nl-BE" baseline="0" dirty="0" smtClean="0"/>
-          </a:p>
-          <a:p>
-            <a:pPr marL="171450" marR="0" indent="-171450" algn="l" defTabSz="914400" rtl="0" eaLnBrk="1" fontAlgn="auto" latinLnBrk="0" hangingPunct="1">
-              <a:lnSpc>
-                <a:spcPct val="100000"/>
-              </a:lnSpc>
-              <a:spcBef>
-                <a:spcPts val="0"/>
-              </a:spcBef>
-              <a:spcAft>
-                <a:spcPts val="0"/>
-              </a:spcAft>
-              <a:buClrTx/>
-              <a:buSzTx/>
-              <a:buFont typeface="Symbol" charset="2"/>
-              <a:buChar char="Þ"/>
-              <a:tabLst/>
-              <a:defRPr/>
-            </a:pPr>
-            <a:r>
-              <a:rPr lang="nl-BE" baseline="0" dirty="0" smtClean="0"/>
-              <a:t>Project, Datamodel, User, Terminal, CmdParser, Cmd</a:t>
-            </a:r>
-            <a:endParaRPr lang="nl-BE" baseline="0" dirty="0" smtClean="0"/>
-          </a:p>
-          <a:p>
-            <a:pPr marL="171450" marR="0" indent="-171450" algn="l" defTabSz="914400" rtl="0" eaLnBrk="1" fontAlgn="auto" latinLnBrk="0" hangingPunct="1">
-              <a:lnSpc>
-                <a:spcPct val="100000"/>
-              </a:lnSpc>
-              <a:spcBef>
-                <a:spcPts val="0"/>
-              </a:spcBef>
-              <a:spcAft>
-                <a:spcPts val="0"/>
-              </a:spcAft>
-              <a:buClrTx/>
-              <a:buSzTx/>
-              <a:buFont typeface="Symbol" charset="2"/>
-              <a:buChar char="Þ"/>
-              <a:tabLst/>
-              <a:defRPr/>
-            </a:pPr>
-            <a:endParaRPr lang="nl-BE" dirty="0" smtClean="0"/>
-          </a:p>
-          <a:p>
             <a:r>
               <a:rPr lang="nl-BE" dirty="0" smtClean="0"/>
               <a:t>Notice</a:t>
@@ -1189,7 +1169,16 @@
             </a:r>
           </a:p>
           <a:p>
-            <a:endParaRPr lang="nl-BE" dirty="0" smtClean="0"/>
+            <a:r>
+              <a:rPr lang="nl-BE" baseline="0" dirty="0" smtClean="0"/>
+              <a:t>=&gt; Low coupling</a:t>
+            </a:r>
+          </a:p>
+          <a:p>
+            <a:endParaRPr lang="nl-BE" baseline="0" dirty="0" smtClean="0"/>
+          </a:p>
+          <a:p>
+            <a:endParaRPr lang="nl-BE" dirty="0"/>
           </a:p>
         </p:txBody>
       </p:sp>
@@ -1210,7 +1199,7 @@
           <a:p>
             <a:fld id="{214D5328-8A8B-4507-A018-9575DDE3653B}" type="slidenum">
               <a:rPr lang="nl-BE" smtClean="0"/>
-              <a:t>3</a:t>
+              <a:t>2</a:t>
             </a:fld>
             <a:endParaRPr lang="nl-BE"/>
           </a:p>
@@ -1219,7 +1208,7 @@
     </p:spTree>
     <p:extLst>
       <p:ext uri="{BB962C8B-B14F-4D97-AF65-F5344CB8AC3E}">
-        <p14:creationId xmlns:p14="http://schemas.microsoft.com/office/powerpoint/2010/main" val="1860602385"/>
+        <p14:creationId xmlns:p14="http://schemas.microsoft.com/office/powerpoint/2010/main" val="3444975034"/>
       </p:ext>
     </p:extLst>
   </p:cSld>
@@ -1248,7 +1237,7 @@
       </p:grpSpPr>
       <p:sp>
         <p:nvSpPr>
-          <p:cNvPr id="2" name="Tijdelijke aanduiding voor dia-afbeelding 1"/>
+          <p:cNvPr id="2" name="Slide Image Placeholder 1"/>
           <p:cNvSpPr>
             <a:spLocks noGrp="1" noRot="1" noChangeAspect="1"/>
           </p:cNvSpPr>
@@ -1260,7 +1249,7 @@
       </p:sp>
       <p:sp>
         <p:nvSpPr>
-          <p:cNvPr id="3" name="Tijdelijke aanduiding voor notities 2"/>
+          <p:cNvPr id="3" name="Notes Placeholder 2"/>
           <p:cNvSpPr>
             <a:spLocks noGrp="1"/>
           </p:cNvSpPr>
@@ -1274,50 +1263,129 @@
           <a:lstStyle/>
           <a:p>
             <a:r>
-              <a:rPr lang="nl-NL" dirty="0" smtClean="0"/>
-              <a:t>K</a:t>
-            </a:r>
-          </a:p>
-          <a:p>
-            <a:r>
-              <a:rPr lang="nl-NL" dirty="0" smtClean="0"/>
-              <a:t>Next</a:t>
-            </a:r>
-            <a:r>
-              <a:rPr lang="nl-NL" baseline="0" dirty="0" smtClean="0"/>
-              <a:t> we </a:t>
-            </a:r>
-            <a:r>
-              <a:rPr lang="nl-NL" baseline="0" dirty="0" err="1" smtClean="0"/>
-              <a:t>will</a:t>
-            </a:r>
-            <a:r>
-              <a:rPr lang="nl-NL" baseline="0" dirty="0" smtClean="0"/>
-              <a:t> have a look at </a:t>
-            </a:r>
-            <a:r>
-              <a:rPr lang="nl-NL" baseline="0" dirty="0" err="1" smtClean="0"/>
-              <a:t>the</a:t>
-            </a:r>
-            <a:r>
-              <a:rPr lang="nl-NL" baseline="0" dirty="0" smtClean="0"/>
-              <a:t> </a:t>
-            </a:r>
-            <a:r>
-              <a:rPr lang="nl-NL" baseline="0" dirty="0" err="1" smtClean="0"/>
-              <a:t>bugdomain</a:t>
-            </a:r>
-            <a:r>
-              <a:rPr lang="nl-NL" baseline="0" dirty="0" smtClean="0"/>
-              <a:t> package. </a:t>
-            </a:r>
-            <a:endParaRPr lang="nl-NL" dirty="0"/>
-          </a:p>
-        </p:txBody>
-      </p:sp>
-      <p:sp>
-        <p:nvSpPr>
-          <p:cNvPr id="4" name="Tijdelijke aanduiding voor dianummer 3"/>
+              <a:rPr lang="nl-BE" dirty="0" smtClean="0"/>
+              <a:t>M</a:t>
+            </a:r>
+          </a:p>
+          <a:p>
+            <a:pPr marL="171450" marR="0" indent="-171450" algn="l" defTabSz="914400" rtl="0" eaLnBrk="1" fontAlgn="auto" latinLnBrk="0" hangingPunct="1">
+              <a:lnSpc>
+                <a:spcPct val="100000"/>
+              </a:lnSpc>
+              <a:spcBef>
+                <a:spcPts val="0"/>
+              </a:spcBef>
+              <a:spcAft>
+                <a:spcPts val="0"/>
+              </a:spcAft>
+              <a:buClrTx/>
+              <a:buSzTx/>
+              <a:buFont typeface="Symbol" charset="2"/>
+              <a:buChar char="Þ"/>
+              <a:tabLst/>
+              <a:defRPr/>
+            </a:pPr>
+            <a:r>
+              <a:rPr lang="nl-BE" dirty="0" smtClean="0"/>
+              <a:t>General</a:t>
+            </a:r>
+            <a:r>
+              <a:rPr lang="nl-BE" baseline="0" dirty="0" smtClean="0"/>
+              <a:t> overview of the more important classes involved in the interaction between the packages</a:t>
+            </a:r>
+            <a:r>
+              <a:rPr lang="nl-BE" baseline="0" dirty="0" smtClean="0"/>
+              <a:t>.</a:t>
+            </a:r>
+          </a:p>
+          <a:p>
+            <a:pPr marL="171450" marR="0" indent="-171450" algn="l" defTabSz="914400" rtl="0" eaLnBrk="1" fontAlgn="auto" latinLnBrk="0" hangingPunct="1">
+              <a:lnSpc>
+                <a:spcPct val="100000"/>
+              </a:lnSpc>
+              <a:spcBef>
+                <a:spcPts val="0"/>
+              </a:spcBef>
+              <a:spcAft>
+                <a:spcPts val="0"/>
+              </a:spcAft>
+              <a:buClrTx/>
+              <a:buSzTx/>
+              <a:buFont typeface="Symbol" charset="2"/>
+              <a:buChar char="Þ"/>
+              <a:tabLst/>
+              <a:defRPr/>
+            </a:pPr>
+            <a:endParaRPr lang="nl-BE" baseline="0" dirty="0" smtClean="0"/>
+          </a:p>
+          <a:p>
+            <a:pPr marL="171450" marR="0" indent="-171450" algn="l" defTabSz="914400" rtl="0" eaLnBrk="1" fontAlgn="auto" latinLnBrk="0" hangingPunct="1">
+              <a:lnSpc>
+                <a:spcPct val="100000"/>
+              </a:lnSpc>
+              <a:spcBef>
+                <a:spcPts val="0"/>
+              </a:spcBef>
+              <a:spcAft>
+                <a:spcPts val="0"/>
+              </a:spcAft>
+              <a:buClrTx/>
+              <a:buSzTx/>
+              <a:buFont typeface="Symbol" charset="2"/>
+              <a:buChar char="Þ"/>
+              <a:tabLst/>
+              <a:defRPr/>
+            </a:pPr>
+            <a:r>
+              <a:rPr lang="nl-BE" baseline="0" dirty="0" smtClean="0"/>
+              <a:t>Project, Datamodel, User, Terminal, CmdParser, Cmd</a:t>
+            </a:r>
+            <a:endParaRPr lang="nl-BE" baseline="0" dirty="0" smtClean="0"/>
+          </a:p>
+          <a:p>
+            <a:pPr marL="171450" marR="0" indent="-171450" algn="l" defTabSz="914400" rtl="0" eaLnBrk="1" fontAlgn="auto" latinLnBrk="0" hangingPunct="1">
+              <a:lnSpc>
+                <a:spcPct val="100000"/>
+              </a:lnSpc>
+              <a:spcBef>
+                <a:spcPts val="0"/>
+              </a:spcBef>
+              <a:spcAft>
+                <a:spcPts val="0"/>
+              </a:spcAft>
+              <a:buClrTx/>
+              <a:buSzTx/>
+              <a:buFont typeface="Symbol" charset="2"/>
+              <a:buChar char="Þ"/>
+              <a:tabLst/>
+              <a:defRPr/>
+            </a:pPr>
+            <a:endParaRPr lang="nl-BE" dirty="0" smtClean="0"/>
+          </a:p>
+          <a:p>
+            <a:r>
+              <a:rPr lang="nl-BE" dirty="0" smtClean="0"/>
+              <a:t>Notice</a:t>
+            </a:r>
+            <a:r>
+              <a:rPr lang="nl-BE" baseline="0" dirty="0" smtClean="0"/>
+              <a:t>: no dependencies from BugDomain to others.</a:t>
+            </a:r>
+          </a:p>
+          <a:p>
+            <a:r>
+              <a:rPr lang="nl-BE" baseline="0" dirty="0" smtClean="0"/>
+              <a:t>Notice: No dependencies from Model to UI.</a:t>
+            </a:r>
+          </a:p>
+          <a:p>
+            <a:endParaRPr lang="nl-BE" dirty="0" smtClean="0"/>
+          </a:p>
+        </p:txBody>
+      </p:sp>
+      <p:sp>
+        <p:nvSpPr>
+          <p:cNvPr id="4" name="Slide Number Placeholder 3"/>
           <p:cNvSpPr>
             <a:spLocks noGrp="1"/>
           </p:cNvSpPr>
@@ -1332,7 +1400,7 @@
           <a:p>
             <a:fld id="{214D5328-8A8B-4507-A018-9575DDE3653B}" type="slidenum">
               <a:rPr lang="nl-BE" smtClean="0"/>
-              <a:t>4</a:t>
+              <a:t>3</a:t>
             </a:fld>
             <a:endParaRPr lang="nl-BE"/>
           </a:p>
@@ -1341,7 +1409,7 @@
     </p:spTree>
     <p:extLst>
       <p:ext uri="{BB962C8B-B14F-4D97-AF65-F5344CB8AC3E}">
-        <p14:creationId xmlns:p14="http://schemas.microsoft.com/office/powerpoint/2010/main" val="1715414557"/>
+        <p14:creationId xmlns:p14="http://schemas.microsoft.com/office/powerpoint/2010/main" val="1860602385"/>
       </p:ext>
     </p:extLst>
   </p:cSld>
@@ -1370,7 +1438,7 @@
       </p:grpSpPr>
       <p:sp>
         <p:nvSpPr>
-          <p:cNvPr id="2" name="Slide Image Placeholder 1"/>
+          <p:cNvPr id="2" name="Tijdelijke aanduiding voor dia-afbeelding 1"/>
           <p:cNvSpPr>
             <a:spLocks noGrp="1" noRot="1" noChangeAspect="1"/>
           </p:cNvSpPr>
@@ -1382,7 +1450,7 @@
       </p:sp>
       <p:sp>
         <p:nvSpPr>
-          <p:cNvPr id="3" name="Notes Placeholder 2"/>
+          <p:cNvPr id="3" name="Tijdelijke aanduiding voor notities 2"/>
           <p:cNvSpPr>
             <a:spLocks noGrp="1"/>
           </p:cNvSpPr>
@@ -1396,154 +1464,50 @@
           <a:lstStyle/>
           <a:p>
             <a:r>
-              <a:rPr lang="nl-BE" sz="800" dirty="0" smtClean="0"/>
+              <a:rPr lang="nl-NL" dirty="0" smtClean="0"/>
               <a:t>K</a:t>
             </a:r>
           </a:p>
           <a:p>
             <a:r>
-              <a:rPr lang="nl-BE" sz="800" dirty="0" smtClean="0"/>
-              <a:t>Project + Subsystems</a:t>
-            </a:r>
-          </a:p>
-          <a:p>
-            <a:r>
-              <a:rPr lang="nl-BE" sz="800" dirty="0" smtClean="0"/>
-              <a:t>	* AbstractSystem (name, vID, descip, childs). Proj &amp; Sub inherits.</a:t>
-            </a:r>
-          </a:p>
-          <a:p>
-            <a:r>
-              <a:rPr lang="nl-BE" sz="800" dirty="0" smtClean="0"/>
-              <a:t>	+ Polymorhispm</a:t>
-            </a:r>
-          </a:p>
-          <a:p>
-            <a:r>
-              <a:rPr lang="nl-BE" sz="800" dirty="0" smtClean="0"/>
-              <a:t>	+ High Cohesion</a:t>
-            </a:r>
-          </a:p>
-          <a:p>
-            <a:r>
-              <a:rPr lang="nl-BE" sz="800" dirty="0" smtClean="0"/>
-              <a:t>	- High Coupling</a:t>
-            </a:r>
-          </a:p>
-          <a:p>
-            <a:endParaRPr lang="nl-BE" sz="800" dirty="0" smtClean="0"/>
-          </a:p>
-          <a:p>
-            <a:r>
-              <a:rPr lang="nl-BE" sz="800" dirty="0" smtClean="0"/>
-              <a:t>	* Project w attribute SubSystem.</a:t>
-            </a:r>
-          </a:p>
-          <a:p>
-            <a:r>
-              <a:rPr lang="nl-BE" sz="800" dirty="0" smtClean="0"/>
-              <a:t>	- Code redundancy; </a:t>
-            </a:r>
-          </a:p>
-          <a:p>
-            <a:r>
-              <a:rPr lang="nl-BE" sz="800" dirty="0" smtClean="0"/>
-              <a:t>	- High Coupling (Lower than first)</a:t>
-            </a:r>
-          </a:p>
-          <a:p>
-            <a:r>
-              <a:rPr lang="nl-BE" sz="800" dirty="0" smtClean="0"/>
-              <a:t>	</a:t>
-            </a:r>
-          </a:p>
-          <a:p>
-            <a:r>
-              <a:rPr lang="nl-BE" sz="800" dirty="0" smtClean="0"/>
-              <a:t>	* Project &amp; Subsystem as one class (Composite)</a:t>
-            </a:r>
-          </a:p>
-          <a:p>
-            <a:r>
-              <a:rPr lang="nl-BE" sz="800" dirty="0" smtClean="0"/>
-              <a:t>	+ Low Coupling</a:t>
-            </a:r>
-          </a:p>
-          <a:p>
-            <a:r>
-              <a:rPr lang="nl-BE" sz="800" dirty="0" smtClean="0"/>
-              <a:t>	- Low Cohesion (Can't differentiate between Proj &amp; Sub. Code for Bugreports is redundant for Proj)</a:t>
-            </a:r>
-          </a:p>
-          <a:p>
-            <a:endParaRPr lang="nl-BE" sz="800" dirty="0" smtClean="0"/>
-          </a:p>
-          <a:p>
-            <a:r>
-              <a:rPr lang="nl-BE" sz="800" dirty="0" smtClean="0"/>
-              <a:t>BugReport + Tags (Duplicate specifiek)</a:t>
-            </a:r>
-          </a:p>
-          <a:p>
-            <a:r>
-              <a:rPr lang="nl-BE" sz="800" dirty="0" smtClean="0"/>
-              <a:t>	* Tag enum w logic inside the Tag enum.</a:t>
-            </a:r>
-          </a:p>
-          <a:p>
-            <a:r>
-              <a:rPr lang="nl-BE" sz="800" dirty="0" smtClean="0"/>
-              <a:t>	+ Information Expert</a:t>
-            </a:r>
-          </a:p>
-          <a:p>
-            <a:r>
-              <a:rPr lang="nl-BE" sz="800" dirty="0" smtClean="0"/>
-              <a:t>	+ High Cohesion</a:t>
-            </a:r>
-          </a:p>
-          <a:p>
-            <a:endParaRPr lang="nl-BE" sz="800" dirty="0" smtClean="0"/>
-          </a:p>
-          <a:p>
-            <a:r>
-              <a:rPr lang="nl-BE" sz="800" dirty="0" smtClean="0"/>
-              <a:t>	* Tags als objecten w logic inside the Tag</a:t>
-            </a:r>
-          </a:p>
-          <a:p>
-            <a:r>
-              <a:rPr lang="nl-BE" sz="800" dirty="0" smtClean="0"/>
-              <a:t>	+ Polymorhispm -&gt; seperate the logic inside the Tags</a:t>
-            </a:r>
-          </a:p>
-          <a:p>
-            <a:r>
-              <a:rPr lang="nl-BE" sz="800" dirty="0" smtClean="0"/>
-              <a:t>	- High coupling between Tag Objects</a:t>
-            </a:r>
-          </a:p>
-          <a:p>
-            <a:r>
-              <a:rPr lang="nl-BE" sz="800" dirty="0" smtClean="0"/>
-              <a:t>	+ Option to add non-static variables.</a:t>
-            </a:r>
-          </a:p>
-          <a:p>
-            <a:endParaRPr lang="nl-BE" sz="800" dirty="0" smtClean="0"/>
-          </a:p>
-          <a:p>
-            <a:r>
-              <a:rPr lang="nl-BE" sz="800" dirty="0" smtClean="0"/>
-              <a:t>	</a:t>
-            </a:r>
-            <a:endParaRPr lang="nl-BE" sz="800" dirty="0"/>
-          </a:p>
-        </p:txBody>
-      </p:sp>
-      <p:sp>
-        <p:nvSpPr>
-          <p:cNvPr id="4" name="Slide Number Placeholder 3"/>
+              <a:rPr lang="nl-NL" dirty="0" smtClean="0"/>
+              <a:t>Next</a:t>
+            </a:r>
+            <a:r>
+              <a:rPr lang="nl-NL" baseline="0" dirty="0" smtClean="0"/>
+              <a:t> we </a:t>
+            </a:r>
+            <a:r>
+              <a:rPr lang="nl-NL" baseline="0" dirty="0" err="1" smtClean="0"/>
+              <a:t>will</a:t>
+            </a:r>
+            <a:r>
+              <a:rPr lang="nl-NL" baseline="0" dirty="0" smtClean="0"/>
+              <a:t> have a look at </a:t>
+            </a:r>
+            <a:r>
+              <a:rPr lang="nl-NL" baseline="0" dirty="0" err="1" smtClean="0"/>
+              <a:t>the</a:t>
+            </a:r>
+            <a:r>
+              <a:rPr lang="nl-NL" baseline="0" dirty="0" smtClean="0"/>
+              <a:t> </a:t>
+            </a:r>
+            <a:r>
+              <a:rPr lang="nl-NL" baseline="0" dirty="0" err="1" smtClean="0"/>
+              <a:t>bugdomain</a:t>
+            </a:r>
+            <a:r>
+              <a:rPr lang="nl-NL" baseline="0" dirty="0" smtClean="0"/>
+              <a:t> package. </a:t>
+            </a:r>
+            <a:endParaRPr lang="nl-NL" dirty="0"/>
+          </a:p>
+        </p:txBody>
+      </p:sp>
+      <p:sp>
+        <p:nvSpPr>
+          <p:cNvPr id="4" name="Tijdelijke aanduiding voor dianummer 3"/>
           <p:cNvSpPr>
             <a:spLocks noGrp="1"/>
           </p:cNvSpPr>
@@ -1558,7 +1522,7 @@
           <a:p>
             <a:fld id="{214D5328-8A8B-4507-A018-9575DDE3653B}" type="slidenum">
               <a:rPr lang="nl-BE" smtClean="0"/>
-              <a:t>5</a:t>
+              <a:t>4</a:t>
             </a:fld>
             <a:endParaRPr lang="nl-BE"/>
           </a:p>
@@ -1567,7 +1531,7 @@
     </p:spTree>
     <p:extLst>
       <p:ext uri="{BB962C8B-B14F-4D97-AF65-F5344CB8AC3E}">
-        <p14:creationId xmlns:p14="http://schemas.microsoft.com/office/powerpoint/2010/main" val="1014031131"/>
+        <p14:creationId xmlns:p14="http://schemas.microsoft.com/office/powerpoint/2010/main" val="1715414557"/>
       </p:ext>
     </p:extLst>
   </p:cSld>
@@ -1596,7 +1560,7 @@
       </p:grpSpPr>
       <p:sp>
         <p:nvSpPr>
-          <p:cNvPr id="2" name="Tijdelijke aanduiding voor dia-afbeelding 1"/>
+          <p:cNvPr id="2" name="Slide Image Placeholder 1"/>
           <p:cNvSpPr>
             <a:spLocks noGrp="1" noRot="1" noChangeAspect="1"/>
           </p:cNvSpPr>
@@ -1608,7 +1572,7 @@
       </p:sp>
       <p:sp>
         <p:nvSpPr>
-          <p:cNvPr id="3" name="Tijdelijke aanduiding voor notities 2"/>
+          <p:cNvPr id="3" name="Notes Placeholder 2"/>
           <p:cNvSpPr>
             <a:spLocks noGrp="1"/>
           </p:cNvSpPr>
@@ -1622,16 +1586,173 @@
           <a:lstStyle/>
           <a:p>
             <a:r>
-              <a:rPr lang="nl-NL" dirty="0" smtClean="0"/>
-              <a:t>B</a:t>
-            </a:r>
-            <a:endParaRPr lang="nl-NL" dirty="0"/>
-          </a:p>
-        </p:txBody>
-      </p:sp>
-      <p:sp>
-        <p:nvSpPr>
-          <p:cNvPr id="4" name="Tijdelijke aanduiding voor dianummer 3"/>
+              <a:rPr lang="nl-BE" sz="800" dirty="0" smtClean="0"/>
+              <a:t>K</a:t>
+            </a:r>
+          </a:p>
+          <a:p>
+            <a:r>
+              <a:rPr lang="nl-BE" sz="800" dirty="0" smtClean="0"/>
+              <a:t>Project + Subsystems</a:t>
+            </a:r>
+          </a:p>
+          <a:p>
+            <a:r>
+              <a:rPr lang="nl-BE" sz="800" dirty="0" smtClean="0"/>
+              <a:t>	* AbstractSystem (name, vID, descip, childs). Proj &amp; Sub inherits.</a:t>
+            </a:r>
+          </a:p>
+          <a:p>
+            <a:r>
+              <a:rPr lang="nl-BE" sz="800" dirty="0" smtClean="0"/>
+              <a:t>	+ Polymorhispm</a:t>
+            </a:r>
+          </a:p>
+          <a:p>
+            <a:r>
+              <a:rPr lang="nl-BE" sz="800" dirty="0" smtClean="0"/>
+              <a:t>	+ High </a:t>
+            </a:r>
+            <a:r>
+              <a:rPr lang="nl-BE" sz="800" dirty="0" smtClean="0"/>
+              <a:t>Cohesion</a:t>
+            </a:r>
+          </a:p>
+          <a:p>
+            <a:r>
+              <a:rPr lang="nl-BE" sz="800" dirty="0" smtClean="0"/>
+              <a:t>	+ creator principle</a:t>
+            </a:r>
+            <a:r>
+              <a:rPr lang="nl-BE" sz="800" baseline="0" dirty="0" smtClean="0"/>
+              <a:t> (constructor of subsystem not in API, but from abstract system)</a:t>
+            </a:r>
+            <a:r>
+              <a:rPr lang="nl-BE" sz="800" dirty="0" smtClean="0"/>
+              <a:t>  </a:t>
+            </a:r>
+            <a:endParaRPr lang="nl-BE" sz="800" dirty="0" smtClean="0"/>
+          </a:p>
+          <a:p>
+            <a:r>
+              <a:rPr lang="nl-BE" sz="800" dirty="0" smtClean="0"/>
+              <a:t>	- High Coupling</a:t>
+            </a:r>
+          </a:p>
+          <a:p>
+            <a:endParaRPr lang="nl-BE" sz="800" dirty="0" smtClean="0"/>
+          </a:p>
+          <a:p>
+            <a:r>
+              <a:rPr lang="nl-BE" sz="800" dirty="0" smtClean="0"/>
+              <a:t>	* Project w attribute SubSystem.</a:t>
+            </a:r>
+          </a:p>
+          <a:p>
+            <a:r>
+              <a:rPr lang="nl-BE" sz="800" dirty="0" smtClean="0"/>
+              <a:t>	- Code redundancy; </a:t>
+            </a:r>
+          </a:p>
+          <a:p>
+            <a:r>
+              <a:rPr lang="nl-BE" sz="800" dirty="0" smtClean="0"/>
+              <a:t>	- High Coupling (Lower than first)</a:t>
+            </a:r>
+          </a:p>
+          <a:p>
+            <a:r>
+              <a:rPr lang="nl-BE" sz="800" dirty="0" smtClean="0"/>
+              <a:t>	</a:t>
+            </a:r>
+          </a:p>
+          <a:p>
+            <a:r>
+              <a:rPr lang="nl-BE" sz="800" dirty="0" smtClean="0"/>
+              <a:t>	* Project &amp; Subsystem as one class (Composite)</a:t>
+            </a:r>
+          </a:p>
+          <a:p>
+            <a:r>
+              <a:rPr lang="nl-BE" sz="800" dirty="0" smtClean="0"/>
+              <a:t>	+ Low Coupling</a:t>
+            </a:r>
+          </a:p>
+          <a:p>
+            <a:r>
+              <a:rPr lang="nl-BE" sz="800" dirty="0" smtClean="0"/>
+              <a:t>	- Low Cohesion (Can't differentiate between Proj &amp; Sub. Code for Bugreports is redundant for Proj)</a:t>
+            </a:r>
+          </a:p>
+          <a:p>
+            <a:endParaRPr lang="nl-BE" sz="800" dirty="0" smtClean="0"/>
+          </a:p>
+          <a:p>
+            <a:r>
+              <a:rPr lang="nl-BE" sz="800" dirty="0" smtClean="0"/>
+              <a:t>BugReport + Tags (Duplicate specifiek)</a:t>
+            </a:r>
+          </a:p>
+          <a:p>
+            <a:r>
+              <a:rPr lang="nl-BE" sz="800" dirty="0" smtClean="0"/>
+              <a:t>	* Tag enum w logic inside the Tag enum.</a:t>
+            </a:r>
+          </a:p>
+          <a:p>
+            <a:r>
+              <a:rPr lang="nl-BE" sz="800" dirty="0" smtClean="0"/>
+              <a:t>	+ Information Expert</a:t>
+            </a:r>
+          </a:p>
+          <a:p>
+            <a:r>
+              <a:rPr lang="nl-BE" sz="800" dirty="0" smtClean="0"/>
+              <a:t>	+ High Cohesion</a:t>
+            </a:r>
+          </a:p>
+          <a:p>
+            <a:endParaRPr lang="nl-BE" sz="800" dirty="0" smtClean="0"/>
+          </a:p>
+          <a:p>
+            <a:r>
+              <a:rPr lang="nl-BE" sz="800" dirty="0" smtClean="0"/>
+              <a:t>	* Tags als objecten w logic inside the Tag</a:t>
+            </a:r>
+          </a:p>
+          <a:p>
+            <a:r>
+              <a:rPr lang="nl-BE" sz="800" dirty="0" smtClean="0"/>
+              <a:t>	+ Polymorhispm -&gt; seperate the logic inside the Tags</a:t>
+            </a:r>
+          </a:p>
+          <a:p>
+            <a:r>
+              <a:rPr lang="nl-BE" sz="800" dirty="0" smtClean="0"/>
+              <a:t>	- High coupling between Tag Objects</a:t>
+            </a:r>
+          </a:p>
+          <a:p>
+            <a:r>
+              <a:rPr lang="nl-BE" sz="800" dirty="0" smtClean="0"/>
+              <a:t>	+ Option to add non-static variables.</a:t>
+            </a:r>
+          </a:p>
+          <a:p>
+            <a:endParaRPr lang="nl-BE" sz="800" dirty="0" smtClean="0"/>
+          </a:p>
+          <a:p>
+            <a:r>
+              <a:rPr lang="nl-BE" sz="800" dirty="0" smtClean="0"/>
+              <a:t>	</a:t>
+            </a:r>
+            <a:endParaRPr lang="nl-BE" sz="800" dirty="0"/>
+          </a:p>
+        </p:txBody>
+      </p:sp>
+      <p:sp>
+        <p:nvSpPr>
+          <p:cNvPr id="4" name="Slide Number Placeholder 3"/>
           <p:cNvSpPr>
             <a:spLocks noGrp="1"/>
           </p:cNvSpPr>
@@ -1646,7 +1767,7 @@
           <a:p>
             <a:fld id="{214D5328-8A8B-4507-A018-9575DDE3653B}" type="slidenum">
               <a:rPr lang="nl-BE" smtClean="0"/>
-              <a:t>6</a:t>
+              <a:t>5</a:t>
             </a:fld>
             <a:endParaRPr lang="nl-BE"/>
           </a:p>
@@ -1655,7 +1776,7 @@
     </p:spTree>
     <p:extLst>
       <p:ext uri="{BB962C8B-B14F-4D97-AF65-F5344CB8AC3E}">
-        <p14:creationId xmlns:p14="http://schemas.microsoft.com/office/powerpoint/2010/main" val="785650318"/>
+        <p14:creationId xmlns:p14="http://schemas.microsoft.com/office/powerpoint/2010/main" val="1014031131"/>
       </p:ext>
     </p:extLst>
   </p:cSld>
@@ -1684,7 +1805,7 @@
       </p:grpSpPr>
       <p:sp>
         <p:nvSpPr>
-          <p:cNvPr id="2" name="Slide Image Placeholder 1"/>
+          <p:cNvPr id="2" name="Tijdelijke aanduiding voor dia-afbeelding 1"/>
           <p:cNvSpPr>
             <a:spLocks noGrp="1" noRot="1" noChangeAspect="1"/>
           </p:cNvSpPr>
@@ -1696,7 +1817,7 @@
       </p:sp>
       <p:sp>
         <p:nvSpPr>
-          <p:cNvPr id="3" name="Notes Placeholder 2"/>
+          <p:cNvPr id="3" name="Tijdelijke aanduiding voor notities 2"/>
           <p:cNvSpPr>
             <a:spLocks noGrp="1"/>
           </p:cNvSpPr>
@@ -1710,423 +1831,16 @@
           <a:lstStyle/>
           <a:p>
             <a:r>
-              <a:rPr lang="nl-BE" dirty="0" smtClean="0"/>
+              <a:rPr lang="nl-NL" dirty="0" smtClean="0"/>
               <a:t>B</a:t>
             </a:r>
-          </a:p>
-          <a:p>
-            <a:r>
-              <a:rPr lang="nl-BE" dirty="0" smtClean="0"/>
-              <a:t>Shows</a:t>
-            </a:r>
-            <a:r>
-              <a:rPr lang="nl-BE" baseline="0" dirty="0" smtClean="0"/>
-              <a:t> Permissions interaction</a:t>
-            </a:r>
-          </a:p>
-          <a:p>
-            <a:r>
-              <a:rPr lang="nl-BE" baseline="0" dirty="0" smtClean="0"/>
-              <a:t>Also mention the User, Dev, Admin, Issuer hierarchie.</a:t>
-            </a:r>
-          </a:p>
-          <a:p>
-            <a:endParaRPr lang="nl-BE" baseline="0" dirty="0" smtClean="0"/>
-          </a:p>
-          <a:p>
-            <a:r>
-              <a:rPr lang="en-US" dirty="0" smtClean="0"/>
-              <a:t>User + Project + Role + </a:t>
-            </a:r>
-            <a:r>
-              <a:rPr lang="en-US" dirty="0" err="1" smtClean="0"/>
-              <a:t>RolePerm</a:t>
-            </a:r>
-            <a:endParaRPr lang="en-US" dirty="0" smtClean="0"/>
-          </a:p>
-          <a:p>
-            <a:r>
-              <a:rPr lang="en-US" dirty="0" smtClean="0"/>
-              <a:t>	* Project holding list of Users with roles. And associate list of </a:t>
-            </a:r>
-            <a:r>
-              <a:rPr lang="en-US" dirty="0" err="1" smtClean="0"/>
-              <a:t>rolePerms</a:t>
-            </a:r>
-            <a:r>
-              <a:rPr lang="en-US" dirty="0" smtClean="0"/>
-              <a:t> with Role</a:t>
-            </a:r>
-          </a:p>
-          <a:p>
-            <a:r>
-              <a:rPr lang="en-US" dirty="0" smtClean="0"/>
-              <a:t>	- High Coupling (to </a:t>
-            </a:r>
-            <a:r>
-              <a:rPr lang="en-US" dirty="0" err="1" smtClean="0"/>
-              <a:t>RolePerms</a:t>
-            </a:r>
-            <a:r>
-              <a:rPr lang="en-US" dirty="0" smtClean="0"/>
-              <a:t>; no interface of methods such as </a:t>
-            </a:r>
-          </a:p>
-          <a:p>
-            <a:r>
-              <a:rPr lang="en-US" dirty="0" smtClean="0"/>
-              <a:t>	+ Information Expert</a:t>
-            </a:r>
-          </a:p>
-          <a:p>
-            <a:r>
-              <a:rPr lang="en-US" dirty="0" smtClean="0"/>
-              <a:t>	</a:t>
-            </a:r>
-          </a:p>
-          <a:p>
-            <a:r>
-              <a:rPr lang="en-US" dirty="0" smtClean="0"/>
-              <a:t>	* </a:t>
-            </a:r>
-            <a:r>
-              <a:rPr lang="en-US" dirty="0" err="1" smtClean="0"/>
-              <a:t>RolePerms</a:t>
-            </a:r>
-            <a:r>
-              <a:rPr lang="en-US" dirty="0" smtClean="0"/>
-              <a:t> = classes held in user </a:t>
-            </a:r>
-          </a:p>
-          <a:p>
-            <a:r>
-              <a:rPr lang="en-US" dirty="0" smtClean="0"/>
-              <a:t>	- Low cohesion</a:t>
-            </a:r>
-          </a:p>
-          <a:p>
-            <a:r>
-              <a:rPr lang="en-US" dirty="0" smtClean="0"/>
-              <a:t>	+ Information Expert</a:t>
-            </a:r>
-          </a:p>
-          <a:p>
-            <a:r>
-              <a:rPr lang="en-US" dirty="0" smtClean="0"/>
-              <a:t>	</a:t>
-            </a:r>
-          </a:p>
-          <a:p>
-            <a:r>
-              <a:rPr lang="en-US" dirty="0" smtClean="0"/>
-              <a:t>	* </a:t>
-            </a:r>
-            <a:r>
-              <a:rPr lang="en-US" dirty="0" err="1" smtClean="0"/>
-              <a:t>PermissionManager</a:t>
-            </a:r>
-            <a:r>
-              <a:rPr lang="en-US" dirty="0" smtClean="0"/>
-              <a:t> - see User </a:t>
-            </a:r>
-            <a:r>
-              <a:rPr lang="en-US" dirty="0" err="1" smtClean="0"/>
-              <a:t>hierarchie</a:t>
-            </a:r>
-            <a:r>
-              <a:rPr lang="en-US" dirty="0" smtClean="0"/>
-              <a:t> + </a:t>
-            </a:r>
-            <a:r>
-              <a:rPr lang="en-US" dirty="0" err="1" smtClean="0"/>
-              <a:t>Userperm</a:t>
-            </a:r>
-            <a:endParaRPr lang="en-US" dirty="0" smtClean="0"/>
-          </a:p>
-          <a:p>
-            <a:endParaRPr lang="en-US" dirty="0" smtClean="0"/>
-          </a:p>
-          <a:p>
-            <a:r>
-              <a:rPr lang="en-US" dirty="0" smtClean="0"/>
-              <a:t>User </a:t>
-            </a:r>
-            <a:r>
-              <a:rPr lang="en-US" dirty="0" err="1" smtClean="0"/>
-              <a:t>hierarchie</a:t>
-            </a:r>
-            <a:r>
-              <a:rPr lang="en-US" dirty="0" smtClean="0"/>
-              <a:t> + </a:t>
-            </a:r>
-            <a:r>
-              <a:rPr lang="en-US" dirty="0" err="1" smtClean="0"/>
-              <a:t>UserPerm</a:t>
-            </a:r>
-            <a:endParaRPr lang="en-US" dirty="0" smtClean="0"/>
-          </a:p>
-          <a:p>
-            <a:r>
-              <a:rPr lang="en-US" dirty="0" smtClean="0"/>
-              <a:t>	* </a:t>
-            </a:r>
-            <a:r>
-              <a:rPr lang="en-US" dirty="0" err="1" smtClean="0"/>
-              <a:t>UserPerm</a:t>
-            </a:r>
-            <a:r>
-              <a:rPr lang="en-US" dirty="0" smtClean="0"/>
-              <a:t> as </a:t>
-            </a:r>
-            <a:r>
-              <a:rPr lang="en-US" dirty="0" err="1" smtClean="0"/>
-              <a:t>enum</a:t>
-            </a:r>
-            <a:r>
-              <a:rPr lang="en-US" dirty="0" smtClean="0"/>
-              <a:t> and User </a:t>
-            </a:r>
-            <a:r>
-              <a:rPr lang="en-US" dirty="0" err="1" smtClean="0"/>
-              <a:t>hierarchie</a:t>
-            </a:r>
-            <a:r>
-              <a:rPr lang="en-US" dirty="0" smtClean="0"/>
-              <a:t> has arrays of the permissions the user has</a:t>
-            </a:r>
-          </a:p>
-          <a:p>
-            <a:r>
-              <a:rPr lang="en-US" dirty="0" smtClean="0"/>
-              <a:t>	+ </a:t>
-            </a:r>
-            <a:r>
-              <a:rPr lang="en-US" dirty="0" err="1" smtClean="0"/>
-              <a:t>Polymorpishm</a:t>
-            </a:r>
-            <a:r>
-              <a:rPr lang="en-US" dirty="0" smtClean="0"/>
-              <a:t> (also very </a:t>
-            </a:r>
-            <a:r>
-              <a:rPr lang="en-US" dirty="0" err="1" smtClean="0"/>
-              <a:t>flexibile</a:t>
-            </a:r>
-            <a:r>
-              <a:rPr lang="en-US" dirty="0" smtClean="0"/>
-              <a:t> can be changed dynamic)</a:t>
-            </a:r>
-          </a:p>
-          <a:p>
-            <a:r>
-              <a:rPr lang="en-US" dirty="0" smtClean="0"/>
-              <a:t>	+ High Cohesion</a:t>
-            </a:r>
-          </a:p>
-          <a:p>
-            <a:r>
-              <a:rPr lang="en-US" dirty="0" smtClean="0"/>
-              <a:t>	+ Information Expert</a:t>
-            </a:r>
-          </a:p>
-          <a:p>
-            <a:r>
-              <a:rPr lang="en-US" dirty="0" smtClean="0"/>
-              <a:t>	- High Coupling between 2 classes (A lot of coupling w permissions since User does not define methods for each permission, rather there are permissions for every action and it is checked if the user has this.)</a:t>
-            </a:r>
-          </a:p>
-          <a:p>
-            <a:r>
-              <a:rPr lang="en-US" dirty="0" smtClean="0"/>
-              <a:t>	- High Coupling between User &amp; Permissions (Adding a permission requires an update for the user </a:t>
-            </a:r>
-            <a:r>
-              <a:rPr lang="en-US" dirty="0" err="1" smtClean="0"/>
-              <a:t>hierarchie</a:t>
-            </a:r>
-            <a:r>
-              <a:rPr lang="en-US" dirty="0" smtClean="0"/>
-              <a:t> to make sure certain users have the permissions and others do not.)</a:t>
-            </a:r>
-          </a:p>
-          <a:p>
-            <a:endParaRPr lang="en-US" dirty="0" smtClean="0"/>
-          </a:p>
-          <a:p>
-            <a:r>
-              <a:rPr lang="en-US" dirty="0" smtClean="0"/>
-              <a:t>	* User class + </a:t>
-            </a:r>
-            <a:r>
-              <a:rPr lang="en-US" dirty="0" err="1" smtClean="0"/>
-              <a:t>Enum</a:t>
-            </a:r>
-            <a:r>
-              <a:rPr lang="en-US" dirty="0" smtClean="0"/>
-              <a:t> </a:t>
-            </a:r>
-            <a:r>
-              <a:rPr lang="en-US" dirty="0" err="1" smtClean="0"/>
-              <a:t>userType</a:t>
-            </a:r>
-            <a:r>
-              <a:rPr lang="en-US" dirty="0" smtClean="0"/>
-              <a:t> + Using </a:t>
-            </a:r>
-            <a:r>
-              <a:rPr lang="en-US" dirty="0" err="1" smtClean="0"/>
-              <a:t>UserPerm</a:t>
-            </a:r>
-            <a:r>
-              <a:rPr lang="en-US" dirty="0" smtClean="0"/>
-              <a:t> as argument of </a:t>
-            </a:r>
-            <a:r>
-              <a:rPr lang="en-US" dirty="0" err="1" smtClean="0"/>
-              <a:t>userType</a:t>
-            </a:r>
-            <a:endParaRPr lang="en-US" dirty="0" smtClean="0"/>
-          </a:p>
-          <a:p>
-            <a:r>
-              <a:rPr lang="en-US" dirty="0" smtClean="0"/>
-              <a:t>	- Low Cohesion (Hard to enforce User type as parameter </a:t>
-            </a:r>
-            <a:r>
-              <a:rPr lang="en-US" dirty="0" err="1" smtClean="0"/>
-              <a:t>etc</a:t>
-            </a:r>
-            <a:r>
-              <a:rPr lang="en-US" dirty="0" smtClean="0"/>
-              <a:t> + </a:t>
-            </a:r>
-            <a:r>
-              <a:rPr lang="en-US" dirty="0" err="1" smtClean="0"/>
-              <a:t>instanceof</a:t>
-            </a:r>
-            <a:r>
-              <a:rPr lang="en-US" dirty="0" smtClean="0"/>
-              <a:t> </a:t>
-            </a:r>
-            <a:r>
-              <a:rPr lang="en-US" dirty="0" err="1" smtClean="0"/>
-              <a:t>hierarchie</a:t>
-            </a:r>
-            <a:r>
-              <a:rPr lang="en-US" dirty="0" smtClean="0"/>
-              <a:t> not possible)</a:t>
-            </a:r>
-          </a:p>
-          <a:p>
-            <a:r>
-              <a:rPr lang="en-US" dirty="0" smtClean="0"/>
-              <a:t>	- High coupling</a:t>
-            </a:r>
-          </a:p>
-          <a:p>
-            <a:r>
-              <a:rPr lang="en-US" dirty="0" smtClean="0"/>
-              <a:t>	- No </a:t>
-            </a:r>
-            <a:r>
-              <a:rPr lang="en-US" dirty="0" err="1" smtClean="0"/>
-              <a:t>Polymorpishm</a:t>
-            </a:r>
-            <a:endParaRPr lang="en-US" dirty="0" smtClean="0"/>
-          </a:p>
-          <a:p>
-            <a:r>
-              <a:rPr lang="en-US" dirty="0" smtClean="0"/>
-              <a:t>	+ Information Expert</a:t>
-            </a:r>
-          </a:p>
-          <a:p>
-            <a:endParaRPr lang="en-US" dirty="0" smtClean="0"/>
-          </a:p>
-          <a:p>
-            <a:r>
-              <a:rPr lang="en-US" dirty="0" smtClean="0"/>
-              <a:t>	* </a:t>
-            </a:r>
-            <a:r>
-              <a:rPr lang="en-US" dirty="0" err="1" smtClean="0"/>
-              <a:t>PermissionManager</a:t>
-            </a:r>
-            <a:r>
-              <a:rPr lang="en-US" dirty="0" smtClean="0"/>
-              <a:t> holding Permissions for each user with Permissions as Objects.</a:t>
-            </a:r>
-          </a:p>
-          <a:p>
-            <a:r>
-              <a:rPr lang="en-US" dirty="0" smtClean="0"/>
-              <a:t>	- High Coupling (need reference to this to check permissions)</a:t>
-            </a:r>
-          </a:p>
-          <a:p>
-            <a:r>
-              <a:rPr lang="en-US" dirty="0" smtClean="0"/>
-              <a:t>	+ High Cohesion </a:t>
-            </a:r>
-          </a:p>
-          <a:p>
-            <a:r>
-              <a:rPr lang="en-US" dirty="0" smtClean="0"/>
-              <a:t>	+ Pure Fabrication ('outsource' responsibility)</a:t>
-            </a:r>
-          </a:p>
-          <a:p>
-            <a:r>
-              <a:rPr lang="en-US" dirty="0" smtClean="0"/>
-              <a:t>	+ </a:t>
-            </a:r>
-            <a:r>
-              <a:rPr lang="en-US" dirty="0" err="1" smtClean="0"/>
-              <a:t>Polymorpishm</a:t>
-            </a:r>
-            <a:r>
-              <a:rPr lang="en-US" dirty="0" smtClean="0"/>
-              <a:t> (allow this; but isn't used)</a:t>
-            </a:r>
-          </a:p>
-          <a:p>
-            <a:r>
-              <a:rPr lang="en-US" dirty="0" smtClean="0"/>
-              <a:t>	- </a:t>
-            </a:r>
-            <a:r>
-              <a:rPr lang="en-US" dirty="0" err="1" smtClean="0"/>
-              <a:t>Polymorpishm</a:t>
-            </a:r>
-            <a:r>
-              <a:rPr lang="en-US" dirty="0" smtClean="0"/>
-              <a:t> (Lot of overhead; Big </a:t>
-            </a:r>
-            <a:r>
-              <a:rPr lang="en-US" dirty="0" err="1" smtClean="0"/>
-              <a:t>hierarchie</a:t>
-            </a:r>
-            <a:r>
-              <a:rPr lang="en-US" dirty="0" smtClean="0"/>
-              <a:t> of permissions)</a:t>
-            </a:r>
-            <a:br>
-              <a:rPr lang="en-US" dirty="0" smtClean="0"/>
-            </a:br>
-            <a:r>
-              <a:rPr lang="en-US" dirty="0" smtClean="0"/>
-              <a:t/>
-            </a:r>
-            <a:br>
-              <a:rPr lang="en-US" dirty="0" smtClean="0"/>
-            </a:br>
-            <a:endParaRPr lang="nl-BE" dirty="0"/>
-          </a:p>
-        </p:txBody>
-      </p:sp>
-      <p:sp>
-        <p:nvSpPr>
-          <p:cNvPr id="4" name="Slide Number Placeholder 3"/>
+            <a:endParaRPr lang="nl-NL" dirty="0"/>
+          </a:p>
+        </p:txBody>
+      </p:sp>
+      <p:sp>
+        <p:nvSpPr>
+          <p:cNvPr id="4" name="Tijdelijke aanduiding voor dianummer 3"/>
           <p:cNvSpPr>
             <a:spLocks noGrp="1"/>
           </p:cNvSpPr>
@@ -2141,7 +1855,7 @@
           <a:p>
             <a:fld id="{214D5328-8A8B-4507-A018-9575DDE3653B}" type="slidenum">
               <a:rPr lang="nl-BE" smtClean="0"/>
-              <a:t>7</a:t>
+              <a:t>6</a:t>
             </a:fld>
             <a:endParaRPr lang="nl-BE"/>
           </a:p>
@@ -2150,7 +1864,7 @@
     </p:spTree>
     <p:extLst>
       <p:ext uri="{BB962C8B-B14F-4D97-AF65-F5344CB8AC3E}">
-        <p14:creationId xmlns:p14="http://schemas.microsoft.com/office/powerpoint/2010/main" val="1516752903"/>
+        <p14:creationId xmlns:p14="http://schemas.microsoft.com/office/powerpoint/2010/main" val="785650318"/>
       </p:ext>
     </p:extLst>
   </p:cSld>
@@ -2206,17 +1920,23 @@
           <a:p>
             <a:r>
               <a:rPr lang="nl-BE" dirty="0" smtClean="0"/>
-              <a:t>V</a:t>
+              <a:t>B</a:t>
             </a:r>
           </a:p>
           <a:p>
             <a:r>
               <a:rPr lang="nl-BE" dirty="0" smtClean="0"/>
-              <a:t>Explain</a:t>
+              <a:t>Shows</a:t>
             </a:r>
             <a:r>
               <a:rPr lang="nl-BE" baseline="0" dirty="0" smtClean="0"/>
-              <a:t> Scenario’s; Interaction from UI and How DataModel fits in.</a:t>
+              <a:t> Permissions interaction</a:t>
+            </a:r>
+          </a:p>
+          <a:p>
+            <a:r>
+              <a:rPr lang="nl-BE" baseline="0" dirty="0" smtClean="0"/>
+              <a:t>Also mention the User, Dev, Admin, Issuer hierarchie.</a:t>
             </a:r>
           </a:p>
           <a:p>
@@ -2225,13 +1945,53 @@
           <a:p>
             <a:r>
               <a:rPr lang="en-US" dirty="0" smtClean="0"/>
-              <a:t>UI - Model - </a:t>
+              <a:t>User + Project + Role + </a:t>
             </a:r>
             <a:r>
               <a:rPr lang="en-US" dirty="0" err="1" smtClean="0"/>
-              <a:t>Cmd</a:t>
+              <a:t>RolePerm</a:t>
             </a:r>
             <a:endParaRPr lang="en-US" dirty="0" smtClean="0"/>
+          </a:p>
+          <a:p>
+            <a:r>
+              <a:rPr lang="en-US" dirty="0" smtClean="0"/>
+              <a:t>	* Project holding list of Users with roles. And associate list of </a:t>
+            </a:r>
+            <a:r>
+              <a:rPr lang="en-US" dirty="0" err="1" smtClean="0"/>
+              <a:t>rolePerms</a:t>
+            </a:r>
+            <a:r>
+              <a:rPr lang="en-US" dirty="0" smtClean="0"/>
+              <a:t> with Role</a:t>
+            </a:r>
+          </a:p>
+          <a:p>
+            <a:r>
+              <a:rPr lang="en-US" dirty="0" smtClean="0"/>
+              <a:t>	- High Coupling (to </a:t>
+            </a:r>
+            <a:r>
+              <a:rPr lang="en-US" dirty="0" err="1" smtClean="0"/>
+              <a:t>RolePerms</a:t>
+            </a:r>
+            <a:r>
+              <a:rPr lang="en-US" dirty="0" smtClean="0"/>
+              <a:t>; no interface of methods such as </a:t>
+            </a:r>
+          </a:p>
+          <a:p>
+            <a:r>
+              <a:rPr lang="en-US" dirty="0" smtClean="0"/>
+              <a:t>	+ Information Expert</a:t>
+            </a:r>
+          </a:p>
+          <a:p>
+            <a:r>
+              <a:rPr lang="en-US" dirty="0" smtClean="0"/>
+              <a:t>	</a:t>
+            </a:r>
           </a:p>
           <a:p>
             <a:r>
@@ -2240,34 +2000,108 @@
             </a:r>
             <a:r>
               <a:rPr lang="en-US" dirty="0" err="1" smtClean="0"/>
-              <a:t>Seperate</a:t>
+              <a:t>RolePerms</a:t>
             </a:r>
             <a:r>
               <a:rPr lang="en-US" dirty="0" smtClean="0"/>
-              <a:t> Use case steps into </a:t>
+              <a:t> = classes held in user </a:t>
+            </a:r>
+          </a:p>
+          <a:p>
+            <a:r>
+              <a:rPr lang="en-US" dirty="0" smtClean="0"/>
+              <a:t>	- Low cohesion</a:t>
+            </a:r>
+          </a:p>
+          <a:p>
+            <a:r>
+              <a:rPr lang="en-US" dirty="0" smtClean="0"/>
+              <a:t>	+ Information Expert</a:t>
+            </a:r>
+          </a:p>
+          <a:p>
+            <a:r>
+              <a:rPr lang="en-US" dirty="0" smtClean="0"/>
+              <a:t>	</a:t>
+            </a:r>
+          </a:p>
+          <a:p>
+            <a:r>
+              <a:rPr lang="en-US" dirty="0" smtClean="0"/>
+              <a:t>	* </a:t>
             </a:r>
             <a:r>
               <a:rPr lang="en-US" dirty="0" err="1" smtClean="0"/>
-              <a:t>Cmds</a:t>
+              <a:t>PermissionManager</a:t>
+            </a:r>
+            <a:r>
+              <a:rPr lang="en-US" dirty="0" smtClean="0"/>
+              <a:t> - see User </a:t>
+            </a:r>
+            <a:r>
+              <a:rPr lang="en-US" dirty="0" err="1" smtClean="0"/>
+              <a:t>hierarchie</a:t>
+            </a:r>
+            <a:r>
+              <a:rPr lang="en-US" dirty="0" smtClean="0"/>
+              <a:t> + </a:t>
+            </a:r>
+            <a:r>
+              <a:rPr lang="en-US" dirty="0" err="1" smtClean="0"/>
+              <a:t>Userperm</a:t>
             </a:r>
             <a:endParaRPr lang="en-US" dirty="0" smtClean="0"/>
           </a:p>
           <a:p>
+            <a:endParaRPr lang="en-US" dirty="0" smtClean="0"/>
+          </a:p>
+          <a:p>
             <a:r>
               <a:rPr lang="en-US" dirty="0" smtClean="0"/>
-              <a:t>	+ Low coupling</a:t>
-            </a:r>
-          </a:p>
-          <a:p>
+              <a:t>User </a:t>
+            </a:r>
+            <a:r>
+              <a:rPr lang="en-US" dirty="0" err="1" smtClean="0"/>
+              <a:t>hierarchie</a:t>
+            </a:r>
             <a:r>
               <a:rPr lang="en-US" dirty="0" smtClean="0"/>
-              <a:t>	- High cohesion</a:t>
-            </a:r>
+              <a:t> + </a:t>
+            </a:r>
+            <a:r>
+              <a:rPr lang="en-US" dirty="0" err="1" smtClean="0"/>
+              <a:t>UserPerm</a:t>
+            </a:r>
+            <a:endParaRPr lang="en-US" dirty="0" smtClean="0"/>
           </a:p>
           <a:p>
             <a:r>
               <a:rPr lang="en-US" dirty="0" smtClean="0"/>
-              <a:t>	+ Controller</a:t>
+              <a:t>	* </a:t>
+            </a:r>
+            <a:r>
+              <a:rPr lang="en-US" dirty="0" err="1" smtClean="0"/>
+              <a:t>UserPerm</a:t>
+            </a:r>
+            <a:r>
+              <a:rPr lang="en-US" dirty="0" smtClean="0"/>
+              <a:t> as </a:t>
+            </a:r>
+            <a:r>
+              <a:rPr lang="en-US" dirty="0" err="1" smtClean="0"/>
+              <a:t>enum</a:t>
+            </a:r>
+            <a:r>
+              <a:rPr lang="en-US" dirty="0" smtClean="0"/>
+              <a:t> and User </a:t>
+            </a:r>
+            <a:r>
+              <a:rPr lang="en-US" dirty="0" err="1" smtClean="0"/>
+              <a:t>hierarchie</a:t>
+            </a:r>
+            <a:r>
+              <a:rPr lang="en-US" dirty="0" smtClean="0"/>
+              <a:t> has arrays of the permissions the user has</a:t>
             </a:r>
           </a:p>
           <a:p>
@@ -2277,44 +2111,224 @@
             </a:r>
             <a:r>
               <a:rPr lang="en-US" dirty="0" err="1" smtClean="0"/>
-              <a:t>Polymorphispm</a:t>
+              <a:t>Polymorpishm</a:t>
             </a:r>
             <a:r>
               <a:rPr lang="en-US" dirty="0" smtClean="0"/>
-              <a:t> (little bit - </a:t>
+              <a:t> (also very </a:t>
             </a:r>
             <a:r>
               <a:rPr lang="en-US" dirty="0" err="1" smtClean="0"/>
-              <a:t>Cmds</a:t>
+              <a:t>flexibile</a:t>
             </a:r>
             <a:r>
               <a:rPr lang="en-US" dirty="0" smtClean="0"/>
-              <a:t>)</a:t>
+              <a:t> can be changed dynamic)</a:t>
             </a:r>
           </a:p>
           <a:p>
             <a:r>
               <a:rPr lang="en-US" dirty="0" smtClean="0"/>
-              <a:t>	</a:t>
+              <a:t>	+ High Cohesion</a:t>
             </a:r>
           </a:p>
           <a:p>
             <a:r>
               <a:rPr lang="en-US" dirty="0" smtClean="0"/>
-              <a:t>	* Methods lots of methods</a:t>
+              <a:t>	+ Information Expert</a:t>
             </a:r>
           </a:p>
           <a:p>
             <a:r>
               <a:rPr lang="en-US" dirty="0" smtClean="0"/>
-              <a:t>	+ High coupling</a:t>
+              <a:t>	- High Coupling between 2 classes (A lot of coupling w permissions since User does not define methods for each permission, rather there are permissions for every action and it is checked if the user has this.)</a:t>
             </a:r>
           </a:p>
           <a:p>
             <a:r>
               <a:rPr lang="en-US" dirty="0" smtClean="0"/>
-              <a:t>	- Low cohesion</a:t>
-            </a:r>
+              <a:t>	- High Coupling between User &amp; Permissions (Adding a permission requires an update for the user </a:t>
+            </a:r>
+            <a:r>
+              <a:rPr lang="en-US" dirty="0" err="1" smtClean="0"/>
+              <a:t>hierarchie</a:t>
+            </a:r>
+            <a:r>
+              <a:rPr lang="en-US" dirty="0" smtClean="0"/>
+              <a:t> to make sure certain users have the permissions and others do not.)</a:t>
+            </a:r>
+          </a:p>
+          <a:p>
+            <a:endParaRPr lang="en-US" dirty="0" smtClean="0"/>
+          </a:p>
+          <a:p>
+            <a:r>
+              <a:rPr lang="en-US" dirty="0" smtClean="0"/>
+              <a:t>	* User class + </a:t>
+            </a:r>
+            <a:r>
+              <a:rPr lang="en-US" dirty="0" err="1" smtClean="0"/>
+              <a:t>Enum</a:t>
+            </a:r>
+            <a:r>
+              <a:rPr lang="en-US" dirty="0" smtClean="0"/>
+              <a:t> </a:t>
+            </a:r>
+            <a:r>
+              <a:rPr lang="en-US" dirty="0" err="1" smtClean="0"/>
+              <a:t>userType</a:t>
+            </a:r>
+            <a:r>
+              <a:rPr lang="en-US" dirty="0" smtClean="0"/>
+              <a:t> + Using </a:t>
+            </a:r>
+            <a:r>
+              <a:rPr lang="en-US" dirty="0" err="1" smtClean="0"/>
+              <a:t>UserPerm</a:t>
+            </a:r>
+            <a:r>
+              <a:rPr lang="en-US" dirty="0" smtClean="0"/>
+              <a:t> as argument of </a:t>
+            </a:r>
+            <a:r>
+              <a:rPr lang="en-US" dirty="0" err="1" smtClean="0"/>
+              <a:t>userType</a:t>
+            </a:r>
+            <a:endParaRPr lang="en-US" dirty="0" smtClean="0"/>
+          </a:p>
+          <a:p>
+            <a:r>
+              <a:rPr lang="en-US" dirty="0" smtClean="0"/>
+              <a:t>	- Low Cohesion (Hard to enforce User type as parameter </a:t>
+            </a:r>
+            <a:r>
+              <a:rPr lang="en-US" dirty="0" err="1" smtClean="0"/>
+              <a:t>etc</a:t>
+            </a:r>
+            <a:r>
+              <a:rPr lang="en-US" dirty="0" smtClean="0"/>
+              <a:t> + </a:t>
+            </a:r>
+            <a:r>
+              <a:rPr lang="en-US" dirty="0" err="1" smtClean="0"/>
+              <a:t>instanceof</a:t>
+            </a:r>
+            <a:r>
+              <a:rPr lang="en-US" dirty="0" smtClean="0"/>
+              <a:t> </a:t>
+            </a:r>
+            <a:r>
+              <a:rPr lang="en-US" dirty="0" err="1" smtClean="0"/>
+              <a:t>hierarchie</a:t>
+            </a:r>
+            <a:r>
+              <a:rPr lang="en-US" dirty="0" smtClean="0"/>
+              <a:t> not possible)</a:t>
+            </a:r>
+          </a:p>
+          <a:p>
+            <a:r>
+              <a:rPr lang="en-US" dirty="0" smtClean="0"/>
+              <a:t>	- High coupling</a:t>
+            </a:r>
+          </a:p>
+          <a:p>
+            <a:r>
+              <a:rPr lang="en-US" dirty="0" smtClean="0"/>
+              <a:t>	- No </a:t>
+            </a:r>
+            <a:r>
+              <a:rPr lang="en-US" dirty="0" err="1" smtClean="0"/>
+              <a:t>Polymorpishm</a:t>
+            </a:r>
+            <a:endParaRPr lang="en-US" dirty="0" smtClean="0"/>
+          </a:p>
+          <a:p>
+            <a:r>
+              <a:rPr lang="en-US" dirty="0" smtClean="0"/>
+              <a:t>	+ Information Expert</a:t>
+            </a:r>
+          </a:p>
+          <a:p>
+            <a:endParaRPr lang="en-US" dirty="0" smtClean="0"/>
+          </a:p>
+          <a:p>
+            <a:r>
+              <a:rPr lang="en-US" dirty="0" smtClean="0"/>
+              <a:t>	* </a:t>
+            </a:r>
+            <a:r>
+              <a:rPr lang="en-US" dirty="0" err="1" smtClean="0"/>
+              <a:t>PermissionManager</a:t>
+            </a:r>
+            <a:r>
+              <a:rPr lang="en-US" dirty="0" smtClean="0"/>
+              <a:t> holding Permissions for each user with Permissions as Objects.</a:t>
+            </a:r>
+          </a:p>
+          <a:p>
+            <a:r>
+              <a:rPr lang="en-US" dirty="0" smtClean="0"/>
+              <a:t>	- High Coupling (need reference to this to check permissions)</a:t>
+            </a:r>
+          </a:p>
+          <a:p>
+            <a:r>
+              <a:rPr lang="en-US" dirty="0" smtClean="0"/>
+              <a:t>	+ High Cohesion </a:t>
+            </a:r>
+          </a:p>
+          <a:p>
+            <a:r>
+              <a:rPr lang="en-US" dirty="0" smtClean="0"/>
+              <a:t>	+ Pure Fabrication ('outsource' responsibility)</a:t>
+            </a:r>
+          </a:p>
+          <a:p>
+            <a:r>
+              <a:rPr lang="en-US" dirty="0" smtClean="0"/>
+              <a:t>	+ </a:t>
+            </a:r>
+            <a:r>
+              <a:rPr lang="en-US" dirty="0" err="1" smtClean="0"/>
+              <a:t>Polymorpishm</a:t>
+            </a:r>
+            <a:r>
+              <a:rPr lang="en-US" dirty="0" smtClean="0"/>
+              <a:t> (allow this; but isn't used)</a:t>
+            </a:r>
+          </a:p>
+          <a:p>
+            <a:r>
+              <a:rPr lang="en-US" dirty="0" smtClean="0"/>
+              <a:t>	- </a:t>
+            </a:r>
+            <a:r>
+              <a:rPr lang="en-US" dirty="0" err="1" smtClean="0"/>
+              <a:t>Polymorpishm</a:t>
+            </a:r>
+            <a:r>
+              <a:rPr lang="en-US" dirty="0" smtClean="0"/>
+              <a:t> (Lot of overhead; Big </a:t>
+            </a:r>
+            <a:r>
+              <a:rPr lang="en-US" dirty="0" err="1" smtClean="0"/>
+              <a:t>hierarchie</a:t>
+            </a:r>
+            <a:r>
+              <a:rPr lang="en-US" dirty="0" smtClean="0"/>
+              <a:t> of permissions)</a:t>
+            </a:r>
+            <a:br>
+              <a:rPr lang="en-US" dirty="0" smtClean="0"/>
+            </a:br>
+            <a:r>
+              <a:rPr lang="en-US" dirty="0" smtClean="0"/>
+              <a:t/>
+            </a:r>
+            <a:br>
+              <a:rPr lang="en-US" dirty="0" smtClean="0"/>
+            </a:br>
             <a:endParaRPr lang="nl-BE" dirty="0"/>
           </a:p>
         </p:txBody>
@@ -2336,7 +2350,7 @@
           <a:p>
             <a:fld id="{214D5328-8A8B-4507-A018-9575DDE3653B}" type="slidenum">
               <a:rPr lang="nl-BE" smtClean="0"/>
-              <a:t>8</a:t>
+              <a:t>7</a:t>
             </a:fld>
             <a:endParaRPr lang="nl-BE"/>
           </a:p>
@@ -2345,7 +2359,7 @@
     </p:spTree>
     <p:extLst>
       <p:ext uri="{BB962C8B-B14F-4D97-AF65-F5344CB8AC3E}">
-        <p14:creationId xmlns:p14="http://schemas.microsoft.com/office/powerpoint/2010/main" val="4125895624"/>
+        <p14:creationId xmlns:p14="http://schemas.microsoft.com/office/powerpoint/2010/main" val="1516752903"/>
       </p:ext>
     </p:extLst>
   </p:cSld>
@@ -2374,7 +2388,7 @@
       </p:grpSpPr>
       <p:sp>
         <p:nvSpPr>
-          <p:cNvPr id="2" name="Tijdelijke aanduiding voor dia-afbeelding 1"/>
+          <p:cNvPr id="2" name="Slide Image Placeholder 1"/>
           <p:cNvSpPr>
             <a:spLocks noGrp="1" noRot="1" noChangeAspect="1"/>
           </p:cNvSpPr>
@@ -2386,7 +2400,7 @@
       </p:sp>
       <p:sp>
         <p:nvSpPr>
-          <p:cNvPr id="3" name="Tijdelijke aanduiding voor notities 2"/>
+          <p:cNvPr id="3" name="Notes Placeholder 2"/>
           <p:cNvSpPr>
             <a:spLocks noGrp="1"/>
           </p:cNvSpPr>
@@ -2400,34 +2414,123 @@
           <a:lstStyle/>
           <a:p>
             <a:r>
-              <a:rPr lang="nl-NL" dirty="0" smtClean="0"/>
+              <a:rPr lang="nl-BE" dirty="0" smtClean="0"/>
               <a:t>V</a:t>
             </a:r>
           </a:p>
           <a:p>
             <a:r>
-              <a:rPr lang="nl-NL" dirty="0" smtClean="0"/>
-              <a:t>System</a:t>
-            </a:r>
-            <a:r>
-              <a:rPr lang="nl-NL" baseline="0" dirty="0" smtClean="0"/>
-              <a:t> </a:t>
-            </a:r>
-            <a:r>
-              <a:rPr lang="nl-NL" baseline="0" dirty="0" err="1" smtClean="0"/>
-              <a:t>sequence</a:t>
-            </a:r>
-            <a:r>
-              <a:rPr lang="nl-NL" baseline="0" dirty="0" smtClean="0"/>
-              <a:t> diagram</a:t>
-            </a:r>
-            <a:endParaRPr lang="nl-NL" dirty="0"/>
-          </a:p>
-        </p:txBody>
-      </p:sp>
-      <p:sp>
-        <p:nvSpPr>
-          <p:cNvPr id="4" name="Tijdelijke aanduiding voor dianummer 3"/>
+              <a:rPr lang="nl-BE" dirty="0" smtClean="0"/>
+              <a:t>Explain</a:t>
+            </a:r>
+            <a:r>
+              <a:rPr lang="nl-BE" baseline="0" dirty="0" smtClean="0"/>
+              <a:t> Scenario’s; Interaction from UI and How DataModel fits in.</a:t>
+            </a:r>
+          </a:p>
+          <a:p>
+            <a:endParaRPr lang="nl-BE" baseline="0" dirty="0" smtClean="0"/>
+          </a:p>
+          <a:p>
+            <a:r>
+              <a:rPr lang="en-US" dirty="0" smtClean="0"/>
+              <a:t>UI - Model - </a:t>
+            </a:r>
+            <a:r>
+              <a:rPr lang="en-US" dirty="0" err="1" smtClean="0"/>
+              <a:t>Cmd</a:t>
+            </a:r>
+            <a:endParaRPr lang="en-US" dirty="0" smtClean="0"/>
+          </a:p>
+          <a:p>
+            <a:r>
+              <a:rPr lang="en-US" dirty="0" smtClean="0"/>
+              <a:t>	* </a:t>
+            </a:r>
+            <a:r>
+              <a:rPr lang="en-US" dirty="0" err="1" smtClean="0"/>
+              <a:t>Seperate</a:t>
+            </a:r>
+            <a:r>
+              <a:rPr lang="en-US" dirty="0" smtClean="0"/>
+              <a:t> Use case steps into </a:t>
+            </a:r>
+            <a:r>
+              <a:rPr lang="en-US" dirty="0" err="1" smtClean="0"/>
+              <a:t>Cmds</a:t>
+            </a:r>
+            <a:endParaRPr lang="en-US" dirty="0" smtClean="0"/>
+          </a:p>
+          <a:p>
+            <a:r>
+              <a:rPr lang="en-US" dirty="0" smtClean="0"/>
+              <a:t>	+ Low coupling</a:t>
+            </a:r>
+          </a:p>
+          <a:p>
+            <a:r>
+              <a:rPr lang="en-US" dirty="0" smtClean="0"/>
+              <a:t>	- High cohesion</a:t>
+            </a:r>
+          </a:p>
+          <a:p>
+            <a:r>
+              <a:rPr lang="en-US" dirty="0" smtClean="0"/>
+              <a:t>	+ Controller</a:t>
+            </a:r>
+          </a:p>
+          <a:p>
+            <a:r>
+              <a:rPr lang="en-US" dirty="0" smtClean="0"/>
+              <a:t>	+ </a:t>
+            </a:r>
+            <a:r>
+              <a:rPr lang="en-US" dirty="0" err="1" smtClean="0"/>
+              <a:t>Polymorphispm</a:t>
+            </a:r>
+            <a:r>
+              <a:rPr lang="en-US" dirty="0" smtClean="0"/>
+              <a:t> (little bit - </a:t>
+            </a:r>
+            <a:r>
+              <a:rPr lang="en-US" dirty="0" err="1" smtClean="0"/>
+              <a:t>Cmds</a:t>
+            </a:r>
+            <a:r>
+              <a:rPr lang="en-US" dirty="0" smtClean="0"/>
+              <a:t>)</a:t>
+            </a:r>
+          </a:p>
+          <a:p>
+            <a:r>
+              <a:rPr lang="en-US" dirty="0" smtClean="0"/>
+              <a:t>	</a:t>
+            </a:r>
+          </a:p>
+          <a:p>
+            <a:r>
+              <a:rPr lang="en-US" dirty="0" smtClean="0"/>
+              <a:t>	* Methods lots of methods</a:t>
+            </a:r>
+          </a:p>
+          <a:p>
+            <a:r>
+              <a:rPr lang="en-US" dirty="0" smtClean="0"/>
+              <a:t>	+ High coupling</a:t>
+            </a:r>
+          </a:p>
+          <a:p>
+            <a:r>
+              <a:rPr lang="en-US" dirty="0" smtClean="0"/>
+              <a:t>	- Low cohesion</a:t>
+            </a:r>
+            <a:endParaRPr lang="nl-BE" dirty="0"/>
+          </a:p>
+        </p:txBody>
+      </p:sp>
+      <p:sp>
+        <p:nvSpPr>
+          <p:cNvPr id="4" name="Slide Number Placeholder 3"/>
           <p:cNvSpPr>
             <a:spLocks noGrp="1"/>
           </p:cNvSpPr>
@@ -2442,7 +2545,7 @@
           <a:p>
             <a:fld id="{214D5328-8A8B-4507-A018-9575DDE3653B}" type="slidenum">
               <a:rPr lang="nl-BE" smtClean="0"/>
-              <a:t>9</a:t>
+              <a:t>8</a:t>
             </a:fld>
             <a:endParaRPr lang="nl-BE"/>
           </a:p>
@@ -2451,7 +2554,7 @@
     </p:spTree>
     <p:extLst>
       <p:ext uri="{BB962C8B-B14F-4D97-AF65-F5344CB8AC3E}">
-        <p14:creationId xmlns:p14="http://schemas.microsoft.com/office/powerpoint/2010/main" val="1428120247"/>
+        <p14:creationId xmlns:p14="http://schemas.microsoft.com/office/powerpoint/2010/main" val="4125895624"/>
       </p:ext>
     </p:extLst>
   </p:cSld>
@@ -2512,11 +2615,19 @@
           </a:p>
           <a:p>
             <a:r>
-              <a:rPr lang="nl-NL" dirty="0" err="1" smtClean="0"/>
-              <a:t>Sequence</a:t>
-            </a:r>
-            <a:r>
-              <a:rPr lang="nl-NL" smtClean="0"/>
+              <a:rPr lang="nl-NL" dirty="0" smtClean="0"/>
+              <a:t>System</a:t>
+            </a:r>
+            <a:r>
+              <a:rPr lang="nl-NL" baseline="0" dirty="0" smtClean="0"/>
+              <a:t> </a:t>
+            </a:r>
+            <a:r>
+              <a:rPr lang="nl-NL" baseline="0" dirty="0" err="1" smtClean="0"/>
+              <a:t>sequence</a:t>
+            </a:r>
+            <a:r>
+              <a:rPr lang="nl-NL" baseline="0" dirty="0" smtClean="0"/>
               <a:t> diagram</a:t>
             </a:r>
             <a:endParaRPr lang="nl-NL" dirty="0"/>
@@ -2540,7 +2651,7 @@
           <a:p>
             <a:fld id="{214D5328-8A8B-4507-A018-9575DDE3653B}" type="slidenum">
               <a:rPr lang="nl-BE" smtClean="0"/>
-              <a:t>10</a:t>
+              <a:t>9</a:t>
             </a:fld>
             <a:endParaRPr lang="nl-BE"/>
           </a:p>
@@ -2549,7 +2660,7 @@
     </p:spTree>
     <p:extLst>
       <p:ext uri="{BB962C8B-B14F-4D97-AF65-F5344CB8AC3E}">
-        <p14:creationId xmlns:p14="http://schemas.microsoft.com/office/powerpoint/2010/main" val="2139752457"/>
+        <p14:creationId xmlns:p14="http://schemas.microsoft.com/office/powerpoint/2010/main" val="1428120247"/>
       </p:ext>
     </p:extLst>
   </p:cSld>
@@ -6263,11 +6374,11 @@
           <a:lstStyle/>
           <a:p>
             <a:r>
-              <a:rPr lang="nl-BE"/>
+              <a:rPr lang="nl-BE" dirty="0"/>
               <a:t>SWOP </a:t>
             </a:r>
             <a:r>
-              <a:rPr lang="nl-BE" smtClean="0"/>
+              <a:rPr lang="nl-BE" dirty="0" smtClean="0"/>
               <a:t>Iteration </a:t>
             </a:r>
             <a:r>
@@ -6814,7 +6925,7 @@
 </file>
 
 <file path=ppt/slides/slide13.xml><?xml version="1.0" encoding="utf-8"?>
-<p:sld xmlns:a="http://schemas.openxmlformats.org/drawingml/2006/main" xmlns:r="http://schemas.openxmlformats.org/officeDocument/2006/relationships" xmlns:p="http://schemas.openxmlformats.org/presentationml/2006/main">
+<p:sld xmlns:a="http://schemas.openxmlformats.org/drawingml/2006/main" xmlns:r="http://schemas.openxmlformats.org/officeDocument/2006/relationships" xmlns:p="http://schemas.openxmlformats.org/presentationml/2006/main" show="0">
   <p:cSld>
     <p:spTree>
       <p:nvGrpSpPr>
@@ -7634,11 +7745,11 @@
   <p:clrMapOvr>
     <a:masterClrMapping/>
   </p:clrMapOvr>
-  <mc:AlternateContent xmlns:mc="http://schemas.openxmlformats.org/markup-compatibility/2006" xmlns:p14="http://schemas.microsoft.com/office/powerpoint/2010/main">
-    <mc:Choice Requires="p14">
+  <mc:AlternateContent xmlns:mc="http://schemas.openxmlformats.org/markup-compatibility/2006">
+    <mc:Choice xmlns:p14="http://schemas.microsoft.com/office/powerpoint/2010/main" Requires="p14">
       <p:transition spd="slow" p14:dur="2000"/>
     </mc:Choice>
-    <mc:Fallback xmlns="">
+    <mc:Fallback>
       <p:transition spd="slow"/>
     </mc:Fallback>
   </mc:AlternateContent>

--- a/Iteratie 1/PresentatieIteratie1Group03.pptx
+++ b/Iteratie 1/PresentatieIteratie1Group03.pptx
@@ -8335,7 +8335,7 @@
         </p:blipFill>
         <p:spPr bwMode="auto">
           <a:xfrm>
-            <a:off x="1740000" y="0"/>
+            <a:off x="1740000" y="44592"/>
             <a:ext cx="6936456" cy="6858000"/>
           </a:xfrm>
           <a:prstGeom prst="rect">
